--- a/ese/WS1920/01_IntroductionEng.pptx
+++ b/ese/WS1920/01_IntroductionEng.pptx
@@ -246,7 +246,7 @@
           <a:p>
             <a:fld id="{DCD555DF-A998-4826-B2E4-6D27A37DCCB3}" type="datetimeFigureOut">
               <a:rPr lang="de-DE" smtClean="0"/>
-              <a:t>16.10.2019</a:t>
+              <a:t>22.10.2019</a:t>
             </a:fld>
             <a:endParaRPr lang="en-US"/>
           </a:p>
@@ -934,7 +934,7 @@
             <a:fld id="{1BCC276E-76C6-4264-ADA8-430C1E9AE626}" type="datetime1">
               <a:rPr lang="de-DE" smtClean="0"/>
               <a:pPr/>
-              <a:t>16.10.2019</a:t>
+              <a:t>22.10.2019</a:t>
             </a:fld>
             <a:endParaRPr lang="de-DE"/>
           </a:p>
@@ -1264,7 +1264,7 @@
             <a:fld id="{44C87097-FEC3-472A-ABCC-61E517642E41}" type="datetime1">
               <a:rPr lang="de-DE" smtClean="0"/>
               <a:pPr/>
-              <a:t>16.10.2019</a:t>
+              <a:t>22.10.2019</a:t>
             </a:fld>
             <a:endParaRPr lang="de-DE"/>
           </a:p>
@@ -1563,7 +1563,7 @@
             <a:fld id="{966F1707-C9EF-406C-BEA4-A8772732FE19}" type="datetime1">
               <a:rPr lang="de-DE" smtClean="0"/>
               <a:pPr/>
-              <a:t>16.10.2019</a:t>
+              <a:t>22.10.2019</a:t>
             </a:fld>
             <a:endParaRPr lang="de-DE"/>
           </a:p>
@@ -1943,7 +1943,7 @@
           <a:p>
             <a:fld id="{2B8F4623-68E4-457B-9D24-B2B87A3D5A01}" type="datetime1">
               <a:rPr lang="de-DE" smtClean="0"/>
-              <a:t>16.10.2019</a:t>
+              <a:t>22.10.2019</a:t>
             </a:fld>
             <a:endParaRPr lang="de-DE"/>
           </a:p>
@@ -2258,7 +2258,7 @@
           <a:p>
             <a:fld id="{CEA3CC35-BE6D-4E7C-873C-589234C3586C}" type="datetime1">
               <a:rPr lang="de-DE" smtClean="0"/>
-              <a:t>16.10.2019</a:t>
+              <a:t>22.10.2019</a:t>
             </a:fld>
             <a:endParaRPr lang="de-DE"/>
           </a:p>
@@ -2436,7 +2436,7 @@
           <a:p>
             <a:fld id="{4D466766-6EF4-4FEA-A4E8-9E110CEE94AC}" type="datetime1">
               <a:rPr lang="de-DE" smtClean="0"/>
-              <a:t>16.10.2019</a:t>
+              <a:t>22.10.2019</a:t>
             </a:fld>
             <a:endParaRPr lang="de-DE"/>
           </a:p>
@@ -2691,7 +2691,7 @@
           <a:p>
             <a:fld id="{5FC99F70-B513-42F7-BCB2-2F681625D570}" type="datetime1">
               <a:rPr lang="de-DE" smtClean="0"/>
-              <a:t>16.10.2019</a:t>
+              <a:t>22.10.2019</a:t>
             </a:fld>
             <a:endParaRPr lang="de-DE"/>
           </a:p>
@@ -2980,7 +2980,7 @@
           <a:p>
             <a:fld id="{DEB56746-5286-4F35-A949-5B69EBDFAF92}" type="datetime1">
               <a:rPr lang="de-DE" smtClean="0"/>
-              <a:t>16.10.2019</a:t>
+              <a:t>22.10.2019</a:t>
             </a:fld>
             <a:endParaRPr lang="de-DE"/>
           </a:p>
@@ -3298,7 +3298,7 @@
           <a:p>
             <a:fld id="{E9ED490C-0D37-4E65-BBDB-59CB94D3BE95}" type="datetime1">
               <a:rPr lang="de-DE" smtClean="0"/>
-              <a:t>16.10.2019</a:t>
+              <a:t>22.10.2019</a:t>
             </a:fld>
             <a:endParaRPr lang="de-DE"/>
           </a:p>
@@ -3471,7 +3471,7 @@
           <a:p>
             <a:fld id="{DF31062E-13E7-4914-AAB9-D129D96B124E}" type="datetime1">
               <a:rPr lang="de-DE" smtClean="0"/>
-              <a:t>16.10.2019</a:t>
+              <a:t>22.10.2019</a:t>
             </a:fld>
             <a:endParaRPr lang="de-DE"/>
           </a:p>
@@ -3713,7 +3713,7 @@
           <a:p>
             <a:fld id="{64092E43-189F-465E-9EFC-779BDD6380E9}" type="datetime1">
               <a:rPr lang="de-DE" smtClean="0"/>
-              <a:t>16.10.2019</a:t>
+              <a:t>22.10.2019</a:t>
             </a:fld>
             <a:endParaRPr lang="de-DE"/>
           </a:p>
@@ -4007,7 +4007,7 @@
               <a:pPr>
                 <a:defRPr/>
               </a:pPr>
-              <a:t>16.10.2019</a:t>
+              <a:t>22.10.2019</a:t>
             </a:fld>
             <a:endParaRPr lang="de-DE"/>
           </a:p>
@@ -4396,7 +4396,7 @@
           <a:p>
             <a:fld id="{716EA071-070D-4A29-8979-A0569D750C61}" type="datetime1">
               <a:rPr lang="de-DE" smtClean="0"/>
-              <a:t>16.10.2019</a:t>
+              <a:t>22.10.2019</a:t>
             </a:fld>
             <a:endParaRPr lang="de-DE"/>
           </a:p>
@@ -4814,7 +4814,7 @@
           <a:p>
             <a:fld id="{03DA7CD2-1636-4D35-B619-F82C9AAF6225}" type="datetime1">
               <a:rPr lang="de-DE" smtClean="0"/>
-              <a:t>16.10.2019</a:t>
+              <a:t>22.10.2019</a:t>
             </a:fld>
             <a:endParaRPr lang="de-DE"/>
           </a:p>
@@ -4928,7 +4928,7 @@
           <a:p>
             <a:fld id="{89FE29B0-D2E2-4D33-8B08-CBE4487A9A4A}" type="datetime1">
               <a:rPr lang="de-DE" smtClean="0"/>
-              <a:t>16.10.2019</a:t>
+              <a:t>22.10.2019</a:t>
             </a:fld>
             <a:endParaRPr lang="de-DE"/>
           </a:p>
@@ -5019,7 +5019,7 @@
           <a:p>
             <a:fld id="{8D9CA283-59D9-4B6B-9666-4D8CC7ECAEB8}" type="datetime1">
               <a:rPr lang="de-DE" smtClean="0"/>
-              <a:t>16.10.2019</a:t>
+              <a:t>22.10.2019</a:t>
             </a:fld>
             <a:endParaRPr lang="de-DE"/>
           </a:p>
@@ -5292,7 +5292,7 @@
           <a:p>
             <a:fld id="{08075277-120B-43CF-9798-B4B3678ABEED}" type="datetime1">
               <a:rPr lang="de-DE" smtClean="0"/>
-              <a:t>16.10.2019</a:t>
+              <a:t>22.10.2019</a:t>
             </a:fld>
             <a:endParaRPr lang="de-DE"/>
           </a:p>
@@ -5541,7 +5541,7 @@
           <a:p>
             <a:fld id="{C82194BE-E4DD-4762-AA40-E3414CDAFA3D}" type="datetime1">
               <a:rPr lang="de-DE" smtClean="0"/>
-              <a:t>16.10.2019</a:t>
+              <a:t>22.10.2019</a:t>
             </a:fld>
             <a:endParaRPr lang="de-DE"/>
           </a:p>
@@ -5707,7 +5707,7 @@
           <a:p>
             <a:fld id="{CC2A09FE-0067-4E7E-8E09-EE93628996EE}" type="datetime1">
               <a:rPr lang="de-DE" smtClean="0"/>
-              <a:t>16.10.2019</a:t>
+              <a:t>22.10.2019</a:t>
             </a:fld>
             <a:endParaRPr lang="de-DE"/>
           </a:p>
@@ -5883,7 +5883,7 @@
           <a:p>
             <a:fld id="{1113D19B-4283-4268-ADAD-FE058866B38A}" type="datetime1">
               <a:rPr lang="de-DE" smtClean="0"/>
-              <a:t>16.10.2019</a:t>
+              <a:t>22.10.2019</a:t>
             </a:fld>
             <a:endParaRPr lang="de-DE"/>
           </a:p>
@@ -6130,7 +6130,7 @@
               <a:pPr>
                 <a:defRPr/>
               </a:pPr>
-              <a:t>16.10.2019</a:t>
+              <a:t>22.10.2019</a:t>
             </a:fld>
             <a:endParaRPr lang="de-DE"/>
           </a:p>
@@ -6446,7 +6446,7 @@
               <a:pPr>
                 <a:defRPr/>
               </a:pPr>
-              <a:t>16.10.2019</a:t>
+              <a:t>22.10.2019</a:t>
             </a:fld>
             <a:endParaRPr lang="de-DE"/>
           </a:p>
@@ -6734,7 +6734,7 @@
               <a:pPr>
                 <a:defRPr/>
               </a:pPr>
-              <a:t>16.10.2019</a:t>
+              <a:t>22.10.2019</a:t>
             </a:fld>
             <a:endParaRPr lang="de-DE"/>
           </a:p>
@@ -7101,7 +7101,7 @@
               <a:pPr>
                 <a:defRPr/>
               </a:pPr>
-              <a:t>16.10.2019</a:t>
+              <a:t>22.10.2019</a:t>
             </a:fld>
             <a:endParaRPr lang="de-DE"/>
           </a:p>
@@ -7493,7 +7493,7 @@
               <a:pPr>
                 <a:defRPr/>
               </a:pPr>
-              <a:t>16.10.2019</a:t>
+              <a:t>22.10.2019</a:t>
             </a:fld>
             <a:endParaRPr lang="de-DE"/>
           </a:p>
@@ -7797,7 +7797,7 @@
             <a:fld id="{D7E08395-A5A9-411D-A3D3-851CF9301FD9}" type="datetime1">
               <a:rPr lang="de-DE" smtClean="0"/>
               <a:pPr/>
-              <a:t>16.10.2019</a:t>
+              <a:t>22.10.2019</a:t>
             </a:fld>
             <a:endParaRPr lang="de-DE"/>
           </a:p>
@@ -8065,7 +8065,7 @@
             <a:fld id="{50A78792-2531-4474-A0C0-A2C8381BBE25}" type="datetime1">
               <a:rPr lang="de-DE" smtClean="0"/>
               <a:pPr/>
-              <a:t>16.10.2019</a:t>
+              <a:t>22.10.2019</a:t>
             </a:fld>
             <a:endParaRPr lang="de-DE"/>
           </a:p>
@@ -8400,7 +8400,7 @@
           <a:p>
             <a:fld id="{21783CAB-C048-418C-93C1-A1A2D0F49E84}" type="datetime1">
               <a:rPr lang="de-DE" smtClean="0"/>
-              <a:t>16.10.2019</a:t>
+              <a:t>22.10.2019</a:t>
             </a:fld>
             <a:endParaRPr lang="de-DE"/>
           </a:p>
@@ -12149,7 +12149,7 @@
       </p:sp>
       <p:sp>
         <p:nvSpPr>
-          <p:cNvPr id="6" name="Inhaltsplatzhalter 5"/>
+          <p:cNvPr id="3" name="Inhaltsplatzhalter 2"/>
           <p:cNvSpPr>
             <a:spLocks noGrp="1"/>
           </p:cNvSpPr>
@@ -12730,7 +12730,7 @@
       </p:sp>
       <p:sp>
         <p:nvSpPr>
-          <p:cNvPr id="6" name="Inhaltsplatzhalter 5"/>
+          <p:cNvPr id="3" name="Inhaltsplatzhalter 2"/>
           <p:cNvSpPr>
             <a:spLocks noGrp="1"/>
           </p:cNvSpPr>

--- a/ese/WS1920/01_IntroductionEng.pptx
+++ b/ese/WS1920/01_IntroductionEng.pptx
@@ -5,7 +5,7 @@
     <p:sldMasterId id="2147483648" r:id="rId1"/>
   </p:sldMasterIdLst>
   <p:notesMasterIdLst>
-    <p:notesMasterId r:id="rId41"/>
+    <p:notesMasterId r:id="rId43"/>
   </p:notesMasterIdLst>
   <p:sldIdLst>
     <p:sldId id="256" r:id="rId2"/>
@@ -25,28 +25,30 @@
     <p:sldId id="305" r:id="rId16"/>
     <p:sldId id="278" r:id="rId17"/>
     <p:sldId id="270" r:id="rId18"/>
-    <p:sldId id="265" r:id="rId19"/>
-    <p:sldId id="266" r:id="rId20"/>
-    <p:sldId id="302" r:id="rId21"/>
-    <p:sldId id="267" r:id="rId22"/>
-    <p:sldId id="303" r:id="rId23"/>
-    <p:sldId id="269" r:id="rId24"/>
-    <p:sldId id="304" r:id="rId25"/>
-    <p:sldId id="273" r:id="rId26"/>
-    <p:sldId id="274" r:id="rId27"/>
-    <p:sldId id="275" r:id="rId28"/>
-    <p:sldId id="276" r:id="rId29"/>
-    <p:sldId id="277" r:id="rId30"/>
-    <p:sldId id="279" r:id="rId31"/>
-    <p:sldId id="280" r:id="rId32"/>
-    <p:sldId id="281" r:id="rId33"/>
-    <p:sldId id="283" r:id="rId34"/>
-    <p:sldId id="282" r:id="rId35"/>
-    <p:sldId id="284" r:id="rId36"/>
-    <p:sldId id="285" r:id="rId37"/>
-    <p:sldId id="286" r:id="rId38"/>
-    <p:sldId id="272" r:id="rId39"/>
-    <p:sldId id="294" r:id="rId40"/>
+    <p:sldId id="306" r:id="rId19"/>
+    <p:sldId id="307" r:id="rId20"/>
+    <p:sldId id="265" r:id="rId21"/>
+    <p:sldId id="266" r:id="rId22"/>
+    <p:sldId id="302" r:id="rId23"/>
+    <p:sldId id="267" r:id="rId24"/>
+    <p:sldId id="303" r:id="rId25"/>
+    <p:sldId id="269" r:id="rId26"/>
+    <p:sldId id="304" r:id="rId27"/>
+    <p:sldId id="273" r:id="rId28"/>
+    <p:sldId id="274" r:id="rId29"/>
+    <p:sldId id="275" r:id="rId30"/>
+    <p:sldId id="276" r:id="rId31"/>
+    <p:sldId id="277" r:id="rId32"/>
+    <p:sldId id="279" r:id="rId33"/>
+    <p:sldId id="280" r:id="rId34"/>
+    <p:sldId id="281" r:id="rId35"/>
+    <p:sldId id="283" r:id="rId36"/>
+    <p:sldId id="282" r:id="rId37"/>
+    <p:sldId id="284" r:id="rId38"/>
+    <p:sldId id="285" r:id="rId39"/>
+    <p:sldId id="286" r:id="rId40"/>
+    <p:sldId id="272" r:id="rId41"/>
+    <p:sldId id="294" r:id="rId42"/>
   </p:sldIdLst>
   <p:sldSz cx="12192000" cy="6858000"/>
   <p:notesSz cx="6858000" cy="9144000"/>
@@ -586,7 +588,7 @@
           <a:p>
             <a:fld id="{B2DE17EF-A9BB-4D33-B1DA-2A5BBAB4D44E}" type="slidenum">
               <a:rPr lang="en-US" smtClean="0"/>
-              <a:t>27</a:t>
+              <a:t>29</a:t>
             </a:fld>
             <a:endParaRPr lang="en-US"/>
           </a:p>
@@ -675,7 +677,7 @@
           <a:p>
             <a:fld id="{B2DE17EF-A9BB-4D33-B1DA-2A5BBAB4D44E}" type="slidenum">
               <a:rPr lang="en-US" smtClean="0"/>
-              <a:t>32</a:t>
+              <a:t>34</a:t>
             </a:fld>
             <a:endParaRPr lang="en-US"/>
           </a:p>
@@ -10553,7 +10555,7 @@
       </p:grpSpPr>
       <p:sp>
         <p:nvSpPr>
-          <p:cNvPr id="4" name="Titel 3"/>
+          <p:cNvPr id="5" name="Titel 4"/>
           <p:cNvSpPr>
             <a:spLocks noGrp="1"/>
           </p:cNvSpPr>
@@ -10563,378 +10565,45 @@
         </p:nvSpPr>
         <p:spPr/>
         <p:txBody>
-          <a:bodyPr>
-            <a:normAutofit/>
-          </a:bodyPr>
+          <a:bodyPr/>
           <a:lstStyle/>
           <a:p>
-            <a:r>
-              <a:rPr lang="en-US" dirty="0" smtClean="0"/>
-              <a:t>What solid insights do we have?</a:t>
-            </a:r>
-            <a:endParaRPr lang="en-US" dirty="0"/>
-          </a:p>
-        </p:txBody>
-      </p:sp>
-      <p:sp>
-        <p:nvSpPr>
-          <p:cNvPr id="5" name="Inhaltsplatzhalter 4"/>
-          <p:cNvSpPr>
-            <a:spLocks noGrp="1"/>
-          </p:cNvSpPr>
+            <a:endParaRPr lang="en-US"/>
+          </a:p>
+        </p:txBody>
+      </p:sp>
+      <p:pic>
+        <p:nvPicPr>
+          <p:cNvPr id="7" name="Inhaltsplatzhalter 6"/>
+          <p:cNvPicPr>
+            <a:picLocks noGrp="1" noChangeAspect="1"/>
+          </p:cNvPicPr>
           <p:nvPr>
             <p:ph idx="1"/>
           </p:nvPr>
-        </p:nvSpPr>
-        <p:spPr/>
-        <p:txBody>
-          <a:bodyPr>
-            <a:normAutofit/>
-          </a:bodyPr>
-          <a:lstStyle/>
-          <a:p>
-            <a:r>
-              <a:rPr lang="de-DE" dirty="0" err="1" smtClean="0"/>
-              <a:t>What</a:t>
-            </a:r>
-            <a:r>
-              <a:rPr lang="de-DE" dirty="0" smtClean="0"/>
-              <a:t> do </a:t>
-            </a:r>
-            <a:r>
-              <a:rPr lang="de-DE" dirty="0" err="1" smtClean="0"/>
-              <a:t>you</a:t>
-            </a:r>
-            <a:r>
-              <a:rPr lang="de-DE" dirty="0" smtClean="0"/>
-              <a:t> </a:t>
-            </a:r>
-            <a:r>
-              <a:rPr lang="de-DE" dirty="0" err="1" smtClean="0"/>
-              <a:t>know</a:t>
-            </a:r>
-            <a:r>
-              <a:rPr lang="de-DE" dirty="0" smtClean="0"/>
-              <a:t> </a:t>
-            </a:r>
-            <a:r>
-              <a:rPr lang="de-DE" dirty="0" err="1" smtClean="0"/>
-              <a:t>about</a:t>
-            </a:r>
-            <a:r>
-              <a:rPr lang="de-DE" dirty="0" smtClean="0"/>
-              <a:t> </a:t>
-            </a:r>
-            <a:r>
-              <a:rPr lang="de-DE" dirty="0" err="1" smtClean="0"/>
-              <a:t>the</a:t>
-            </a:r>
-            <a:r>
-              <a:rPr lang="de-DE" dirty="0" smtClean="0"/>
-              <a:t> </a:t>
-            </a:r>
-            <a:r>
-              <a:rPr lang="de-DE" dirty="0" err="1" smtClean="0"/>
-              <a:t>following</a:t>
-            </a:r>
-            <a:r>
-              <a:rPr lang="de-DE" dirty="0" smtClean="0"/>
-              <a:t> </a:t>
-            </a:r>
-            <a:r>
-              <a:rPr lang="de-DE" dirty="0" err="1" smtClean="0"/>
-              <a:t>topics</a:t>
-            </a:r>
-            <a:r>
-              <a:rPr lang="de-DE" dirty="0" smtClean="0"/>
-              <a:t>?</a:t>
-            </a:r>
-          </a:p>
-          <a:p>
-            <a:r>
-              <a:rPr lang="de-DE" dirty="0" err="1" smtClean="0"/>
-              <a:t>What</a:t>
-            </a:r>
-            <a:r>
-              <a:rPr lang="de-DE" dirty="0" smtClean="0"/>
-              <a:t> </a:t>
-            </a:r>
-            <a:r>
-              <a:rPr lang="de-DE" dirty="0" err="1" smtClean="0"/>
-              <a:t>statement</a:t>
-            </a:r>
-            <a:r>
-              <a:rPr lang="de-DE" dirty="0" smtClean="0"/>
-              <a:t>/</a:t>
-            </a:r>
-            <a:r>
-              <a:rPr lang="de-DE" dirty="0" err="1" smtClean="0"/>
-              <a:t>theory</a:t>
-            </a:r>
-            <a:r>
-              <a:rPr lang="de-DE" dirty="0" smtClean="0"/>
-              <a:t> </a:t>
-            </a:r>
-            <a:r>
-              <a:rPr lang="de-DE" dirty="0" err="1" smtClean="0"/>
-              <a:t>is</a:t>
-            </a:r>
-            <a:r>
-              <a:rPr lang="de-DE" dirty="0" smtClean="0"/>
-              <a:t> </a:t>
-            </a:r>
-            <a:r>
-              <a:rPr lang="de-DE" dirty="0" err="1" smtClean="0"/>
-              <a:t>linked</a:t>
-            </a:r>
-            <a:r>
-              <a:rPr lang="de-DE" dirty="0" smtClean="0"/>
-              <a:t> </a:t>
-            </a:r>
-            <a:r>
-              <a:rPr lang="de-DE" dirty="0" err="1" smtClean="0"/>
-              <a:t>to</a:t>
-            </a:r>
-            <a:r>
-              <a:rPr lang="de-DE" dirty="0" smtClean="0"/>
-              <a:t> </a:t>
-            </a:r>
-            <a:r>
-              <a:rPr lang="de-DE" dirty="0" err="1" smtClean="0"/>
-              <a:t>this</a:t>
-            </a:r>
-            <a:r>
-              <a:rPr lang="de-DE" dirty="0" smtClean="0"/>
-              <a:t> </a:t>
-            </a:r>
-            <a:r>
-              <a:rPr lang="de-DE" dirty="0" err="1" smtClean="0"/>
-              <a:t>topic</a:t>
-            </a:r>
-            <a:r>
-              <a:rPr lang="de-DE" dirty="0" smtClean="0"/>
-              <a:t>? </a:t>
-            </a:r>
-            <a:r>
-              <a:rPr lang="de-DE" dirty="0" err="1" smtClean="0"/>
-              <a:t>What</a:t>
-            </a:r>
-            <a:r>
-              <a:rPr lang="de-DE" dirty="0" smtClean="0"/>
-              <a:t> </a:t>
-            </a:r>
-            <a:r>
-              <a:rPr lang="de-DE" dirty="0" err="1" smtClean="0"/>
-              <a:t>have</a:t>
-            </a:r>
-            <a:r>
-              <a:rPr lang="de-DE" dirty="0" smtClean="0"/>
-              <a:t> </a:t>
-            </a:r>
-            <a:r>
-              <a:rPr lang="de-DE" dirty="0" err="1" smtClean="0"/>
-              <a:t>you</a:t>
-            </a:r>
-            <a:r>
-              <a:rPr lang="de-DE" dirty="0" smtClean="0"/>
-              <a:t> </a:t>
-            </a:r>
-            <a:r>
-              <a:rPr lang="de-DE" dirty="0" err="1" smtClean="0"/>
-              <a:t>learned</a:t>
-            </a:r>
-            <a:r>
-              <a:rPr lang="de-DE" dirty="0" smtClean="0"/>
-              <a:t> in </a:t>
-            </a:r>
-            <a:r>
-              <a:rPr lang="de-DE" dirty="0" err="1" smtClean="0"/>
-              <a:t>other</a:t>
-            </a:r>
-            <a:r>
-              <a:rPr lang="de-DE" dirty="0" smtClean="0"/>
-              <a:t> </a:t>
-            </a:r>
-            <a:r>
-              <a:rPr lang="de-DE" dirty="0" err="1" smtClean="0"/>
-              <a:t>courses</a:t>
-            </a:r>
-            <a:r>
-              <a:rPr lang="de-DE" dirty="0" smtClean="0"/>
-              <a:t>?</a:t>
-            </a:r>
-          </a:p>
-          <a:p>
-            <a:r>
-              <a:rPr lang="de-DE" dirty="0" err="1" smtClean="0"/>
-              <a:t>Which</a:t>
-            </a:r>
-            <a:r>
-              <a:rPr lang="de-DE" dirty="0" smtClean="0"/>
-              <a:t> </a:t>
-            </a:r>
-            <a:r>
-              <a:rPr lang="de-DE" dirty="0" err="1" smtClean="0"/>
-              <a:t>evidence</a:t>
-            </a:r>
-            <a:r>
-              <a:rPr lang="de-DE" dirty="0" smtClean="0"/>
-              <a:t> do </a:t>
-            </a:r>
-            <a:r>
-              <a:rPr lang="de-DE" dirty="0" err="1" smtClean="0"/>
-              <a:t>you</a:t>
-            </a:r>
-            <a:r>
-              <a:rPr lang="de-DE" dirty="0" smtClean="0"/>
-              <a:t> </a:t>
-            </a:r>
-            <a:r>
-              <a:rPr lang="de-DE" dirty="0" err="1" smtClean="0"/>
-              <a:t>know</a:t>
-            </a:r>
-            <a:r>
-              <a:rPr lang="de-DE" dirty="0" smtClean="0"/>
-              <a:t> (e.g., </a:t>
-            </a:r>
-            <a:r>
-              <a:rPr lang="de-DE" dirty="0" err="1" smtClean="0"/>
-              <a:t>from</a:t>
-            </a:r>
-            <a:r>
-              <a:rPr lang="de-DE" dirty="0" smtClean="0"/>
-              <a:t> </a:t>
-            </a:r>
-            <a:r>
-              <a:rPr lang="de-DE" dirty="0" err="1" smtClean="0"/>
-              <a:t>other</a:t>
-            </a:r>
-            <a:r>
-              <a:rPr lang="de-DE" dirty="0" smtClean="0"/>
-              <a:t> </a:t>
-            </a:r>
-            <a:r>
-              <a:rPr lang="de-DE" dirty="0" err="1" smtClean="0"/>
-              <a:t>courses</a:t>
-            </a:r>
-            <a:r>
-              <a:rPr lang="de-DE" dirty="0" smtClean="0"/>
-              <a:t>)?</a:t>
-            </a:r>
-          </a:p>
-          <a:p>
-            <a:r>
-              <a:rPr lang="de-DE" dirty="0" err="1" smtClean="0"/>
-              <a:t>Does</a:t>
-            </a:r>
-            <a:r>
-              <a:rPr lang="de-DE" dirty="0" smtClean="0"/>
-              <a:t> </a:t>
-            </a:r>
-            <a:r>
-              <a:rPr lang="de-DE" dirty="0" err="1" smtClean="0"/>
-              <a:t>that</a:t>
-            </a:r>
-            <a:r>
-              <a:rPr lang="de-DE" dirty="0" smtClean="0"/>
-              <a:t> </a:t>
-            </a:r>
-            <a:r>
-              <a:rPr lang="de-DE" dirty="0" err="1" smtClean="0"/>
-              <a:t>match</a:t>
-            </a:r>
-            <a:r>
-              <a:rPr lang="de-DE" dirty="0" smtClean="0"/>
-              <a:t> </a:t>
-            </a:r>
-            <a:r>
-              <a:rPr lang="de-DE" dirty="0" err="1" smtClean="0"/>
-              <a:t>with</a:t>
-            </a:r>
-            <a:r>
-              <a:rPr lang="de-DE" dirty="0" smtClean="0"/>
-              <a:t> </a:t>
-            </a:r>
-            <a:r>
-              <a:rPr lang="de-DE" dirty="0" err="1" smtClean="0"/>
-              <a:t>your</a:t>
-            </a:r>
-            <a:r>
-              <a:rPr lang="de-DE" dirty="0" smtClean="0"/>
-              <a:t> </a:t>
-            </a:r>
-            <a:r>
-              <a:rPr lang="de-DE" dirty="0" err="1" smtClean="0"/>
-              <a:t>experience</a:t>
-            </a:r>
-            <a:r>
-              <a:rPr lang="de-DE" dirty="0" smtClean="0"/>
-              <a:t>?</a:t>
-            </a:r>
-          </a:p>
-          <a:p>
-            <a:r>
-              <a:rPr lang="de-DE" dirty="0" err="1" smtClean="0"/>
-              <a:t>What</a:t>
-            </a:r>
-            <a:r>
-              <a:rPr lang="de-DE" dirty="0" smtClean="0"/>
-              <a:t> </a:t>
-            </a:r>
-            <a:r>
-              <a:rPr lang="de-DE" dirty="0" err="1" smtClean="0"/>
-              <a:t>kinf</a:t>
-            </a:r>
-            <a:r>
-              <a:rPr lang="de-DE" dirty="0" smtClean="0"/>
-              <a:t> </a:t>
-            </a:r>
-            <a:r>
-              <a:rPr lang="de-DE" dirty="0" err="1" smtClean="0"/>
-              <a:t>of</a:t>
-            </a:r>
-            <a:r>
-              <a:rPr lang="de-DE" dirty="0" smtClean="0"/>
-              <a:t> </a:t>
-            </a:r>
-            <a:r>
-              <a:rPr lang="de-DE" dirty="0" err="1" smtClean="0"/>
-              <a:t>evidence</a:t>
-            </a:r>
-            <a:r>
-              <a:rPr lang="de-DE" dirty="0" smtClean="0"/>
-              <a:t> </a:t>
-            </a:r>
-            <a:r>
-              <a:rPr lang="de-DE" dirty="0" err="1" smtClean="0"/>
-              <a:t>would</a:t>
-            </a:r>
-            <a:r>
-              <a:rPr lang="de-DE" dirty="0" smtClean="0"/>
-              <a:t> </a:t>
-            </a:r>
-            <a:r>
-              <a:rPr lang="de-DE" dirty="0" err="1" smtClean="0"/>
-              <a:t>convince</a:t>
-            </a:r>
-            <a:r>
-              <a:rPr lang="de-DE" dirty="0" smtClean="0"/>
-              <a:t> </a:t>
-            </a:r>
-            <a:r>
-              <a:rPr lang="de-DE" dirty="0" err="1" smtClean="0"/>
-              <a:t>you</a:t>
-            </a:r>
-            <a:r>
-              <a:rPr lang="de-DE" dirty="0" smtClean="0"/>
-              <a:t>?</a:t>
-            </a:r>
-          </a:p>
-        </p:txBody>
-      </p:sp>
-      <p:sp>
-        <p:nvSpPr>
-          <p:cNvPr id="6" name="Foliennummernplatzhalter 5"/>
+        </p:nvPicPr>
+        <p:blipFill>
+          <a:blip r:embed="rId2" cstate="print">
+            <a:extLst>
+              <a:ext uri="{28A0092B-C50C-407E-A947-70E740481C1C}">
+                <a14:useLocalDpi xmlns:a14="http://schemas.microsoft.com/office/drawing/2010/main" val="0"/>
+              </a:ext>
+            </a:extLst>
+          </a:blip>
+          <a:stretch>
+            <a:fillRect/>
+          </a:stretch>
+        </p:blipFill>
+        <p:spPr>
+          <a:xfrm rot="5400000">
+            <a:off x="3001441" y="2707135"/>
+            <a:ext cx="4594225" cy="3445668"/>
+          </a:xfrm>
+        </p:spPr>
+      </p:pic>
+      <p:sp>
+        <p:nvSpPr>
+          <p:cNvPr id="4" name="Foliennummernplatzhalter 3"/>
           <p:cNvSpPr>
             <a:spLocks noGrp="1"/>
           </p:cNvSpPr>
@@ -10957,17 +10626,15 @@
         </p:txBody>
       </p:sp>
     </p:spTree>
+    <p:extLst>
+      <p:ext uri="{BB962C8B-B14F-4D97-AF65-F5344CB8AC3E}">
+        <p14:creationId xmlns:p14="http://schemas.microsoft.com/office/powerpoint/2010/main" val="199853485"/>
+      </p:ext>
+    </p:extLst>
   </p:cSld>
   <p:clrMapOvr>
     <a:masterClrMapping/>
   </p:clrMapOvr>
-  <p:timing>
-    <p:tnLst>
-      <p:par>
-        <p:cTn id="1" dur="indefinite" restart="never" nodeType="tmRoot"/>
-      </p:par>
-    </p:tnLst>
-  </p:timing>
 </p:sld>
 </file>
 
@@ -11003,56 +10670,18 @@
           <a:bodyPr/>
           <a:lstStyle/>
           <a:p>
-            <a:r>
-              <a:rPr lang="en-US" smtClean="0"/>
-              <a:t>UML</a:t>
-            </a:r>
             <a:endParaRPr lang="en-US"/>
           </a:p>
         </p:txBody>
       </p:sp>
-      <p:pic>
-        <p:nvPicPr>
-          <p:cNvPr id="1026" name="Picture 2"/>
-          <p:cNvPicPr>
-            <a:picLocks noGrp="1" noChangeAspect="1" noChangeArrowheads="1"/>
-          </p:cNvPicPr>
+      <p:sp>
+        <p:nvSpPr>
+          <p:cNvPr id="3" name="Inhaltsplatzhalter 2"/>
+          <p:cNvSpPr>
+            <a:spLocks noGrp="1"/>
+          </p:cNvSpPr>
           <p:nvPr>
             <p:ph idx="1"/>
-          </p:nvPr>
-        </p:nvPicPr>
-        <p:blipFill>
-          <a:blip r:embed="rId2"/>
-          <a:stretch>
-            <a:fillRect/>
-          </a:stretch>
-        </p:blipFill>
-        <p:spPr bwMode="auto">
-          <a:xfrm>
-            <a:off x="3221037" y="2335212"/>
-            <a:ext cx="7334250" cy="4191000"/>
-          </a:xfrm>
-          <a:prstGeom prst="rect">
-            <a:avLst/>
-          </a:prstGeom>
-          <a:noFill/>
-          <a:ln w="9525">
-            <a:noFill/>
-            <a:miter lim="800000"/>
-            <a:headEnd/>
-            <a:tailEnd/>
-          </a:ln>
-          <a:effectLst/>
-        </p:spPr>
-      </p:pic>
-      <p:sp>
-        <p:nvSpPr>
-          <p:cNvPr id="4" name="Foliennummernplatzhalter 3"/>
-          <p:cNvSpPr>
-            <a:spLocks noGrp="1"/>
-          </p:cNvSpPr>
-          <p:nvPr>
-            <p:ph type="sldNum" sz="quarter" idx="12"/>
           </p:nvPr>
         </p:nvSpPr>
         <p:spPr/>
@@ -11060,27 +10689,49 @@
           <a:bodyPr/>
           <a:lstStyle/>
           <a:p>
-            <a:fld id="{6C6AE60A-B69C-4790-82F7-3882EDF23186}" type="slidenum">
+            <a:endParaRPr lang="en-US" dirty="0"/>
+          </a:p>
+        </p:txBody>
+      </p:sp>
+      <p:sp>
+        <p:nvSpPr>
+          <p:cNvPr id="4" name="Foliennummernplatzhalter 3"/>
+          <p:cNvSpPr>
+            <a:spLocks noGrp="1"/>
+          </p:cNvSpPr>
+          <p:nvPr>
+            <p:ph type="sldNum" sz="quarter" idx="12"/>
+          </p:nvPr>
+        </p:nvSpPr>
+        <p:spPr/>
+        <p:txBody>
+          <a:bodyPr/>
+          <a:lstStyle/>
+          <a:p>
+            <a:pPr>
+              <a:defRPr/>
+            </a:pPr>
+            <a:fld id="{C0B85308-4B91-4084-B5EB-6B176834447A}" type="slidenum">
               <a:rPr lang="de-DE" smtClean="0"/>
-              <a:pPr/>
+              <a:pPr>
+                <a:defRPr/>
+              </a:pPr>
               <a:t>19</a:t>
             </a:fld>
-            <a:endParaRPr lang="de-DE"/>
+            <a:endParaRPr lang="de-DE" dirty="0"/>
           </a:p>
         </p:txBody>
       </p:sp>
     </p:spTree>
+    <p:extLst>
+      <p:ext uri="{BB962C8B-B14F-4D97-AF65-F5344CB8AC3E}">
+        <p14:creationId xmlns:p14="http://schemas.microsoft.com/office/powerpoint/2010/main" val="1795406758"/>
+      </p:ext>
+    </p:extLst>
   </p:cSld>
   <p:clrMapOvr>
     <a:masterClrMapping/>
   </p:clrMapOvr>
-  <p:timing>
-    <p:tnLst>
-      <p:par>
-        <p:cTn id="1" dur="indefinite" restart="never" nodeType="tmRoot"/>
-      </p:par>
-    </p:tnLst>
-  </p:timing>
 </p:sld>
 </file>
 
@@ -12088,11 +11739,6 @@
         </p:txBody>
       </p:sp>
     </p:spTree>
-    <p:extLst>
-      <p:ext uri="{BB962C8B-B14F-4D97-AF65-F5344CB8AC3E}">
-        <p14:creationId xmlns:p14="http://schemas.microsoft.com/office/powerpoint/2010/main" val="11896495"/>
-      </p:ext>
-    </p:extLst>
   </p:cSld>
   <p:clrMapOvr>
     <a:masterClrMapping/>
@@ -12140,35 +11786,50 @@
           <a:lstStyle/>
           <a:p>
             <a:r>
-              <a:rPr lang="en-US" dirty="0" smtClean="0"/>
-              <a:t>Development Processes</a:t>
-            </a:r>
-            <a:endParaRPr lang="en-US" dirty="0"/>
-          </a:p>
-        </p:txBody>
-      </p:sp>
-      <p:sp>
-        <p:nvSpPr>
-          <p:cNvPr id="3" name="Inhaltsplatzhalter 2"/>
-          <p:cNvSpPr>
-            <a:spLocks noGrp="1"/>
-          </p:cNvSpPr>
+              <a:rPr lang="en-US" smtClean="0"/>
+              <a:t>UML</a:t>
+            </a:r>
+            <a:endParaRPr lang="en-US"/>
+          </a:p>
+        </p:txBody>
+      </p:sp>
+      <p:pic>
+        <p:nvPicPr>
+          <p:cNvPr id="1026" name="Picture 2"/>
+          <p:cNvPicPr>
+            <a:picLocks noGrp="1" noChangeAspect="1" noChangeArrowheads="1"/>
+          </p:cNvPicPr>
           <p:nvPr>
             <p:ph idx="1"/>
           </p:nvPr>
-        </p:nvSpPr>
-        <p:spPr/>
-        <p:txBody>
-          <a:bodyPr/>
-          <a:lstStyle/>
-          <a:p>
-            <a:endParaRPr lang="en-US"/>
-          </a:p>
-        </p:txBody>
-      </p:sp>
-      <p:sp>
-        <p:nvSpPr>
-          <p:cNvPr id="5" name="Foliennummernplatzhalter 4"/>
+        </p:nvPicPr>
+        <p:blipFill>
+          <a:blip r:embed="rId2"/>
+          <a:stretch>
+            <a:fillRect/>
+          </a:stretch>
+        </p:blipFill>
+        <p:spPr bwMode="auto">
+          <a:xfrm>
+            <a:off x="3221037" y="2335212"/>
+            <a:ext cx="7334250" cy="4191000"/>
+          </a:xfrm>
+          <a:prstGeom prst="rect">
+            <a:avLst/>
+          </a:prstGeom>
+          <a:noFill/>
+          <a:ln w="9525">
+            <a:noFill/>
+            <a:miter lim="800000"/>
+            <a:headEnd/>
+            <a:tailEnd/>
+          </a:ln>
+          <a:effectLst/>
+        </p:spPr>
+      </p:pic>
+      <p:sp>
+        <p:nvSpPr>
+          <p:cNvPr id="4" name="Foliennummernplatzhalter 3"/>
           <p:cNvSpPr>
             <a:spLocks noGrp="1"/>
           </p:cNvSpPr>
@@ -12185,6 +11846,546 @@
               <a:rPr lang="de-DE" smtClean="0"/>
               <a:pPr/>
               <a:t>21</a:t>
+            </a:fld>
+            <a:endParaRPr lang="de-DE"/>
+          </a:p>
+        </p:txBody>
+      </p:sp>
+    </p:spTree>
+  </p:cSld>
+  <p:clrMapOvr>
+    <a:masterClrMapping/>
+  </p:clrMapOvr>
+  <p:timing>
+    <p:tnLst>
+      <p:par>
+        <p:cTn id="1" dur="indefinite" restart="never" nodeType="tmRoot"/>
+      </p:par>
+    </p:tnLst>
+  </p:timing>
+</p:sld>
+</file>
+
+<file path=ppt/slides/slide22.xml><?xml version="1.0" encoding="utf-8"?>
+<p:sld xmlns:a="http://schemas.openxmlformats.org/drawingml/2006/main" xmlns:r="http://schemas.openxmlformats.org/officeDocument/2006/relationships" xmlns:p="http://schemas.openxmlformats.org/presentationml/2006/main">
+  <p:cSld>
+    <p:spTree>
+      <p:nvGrpSpPr>
+        <p:cNvPr id="1" name=""/>
+        <p:cNvGrpSpPr/>
+        <p:nvPr/>
+      </p:nvGrpSpPr>
+      <p:grpSpPr>
+        <a:xfrm>
+          <a:off x="0" y="0"/>
+          <a:ext cx="0" cy="0"/>
+          <a:chOff x="0" y="0"/>
+          <a:chExt cx="0" cy="0"/>
+        </a:xfrm>
+      </p:grpSpPr>
+      <p:sp>
+        <p:nvSpPr>
+          <p:cNvPr id="4" name="Titel 3"/>
+          <p:cNvSpPr>
+            <a:spLocks noGrp="1"/>
+          </p:cNvSpPr>
+          <p:nvPr>
+            <p:ph type="title"/>
+          </p:nvPr>
+        </p:nvSpPr>
+        <p:spPr/>
+        <p:txBody>
+          <a:bodyPr>
+            <a:normAutofit/>
+          </a:bodyPr>
+          <a:lstStyle/>
+          <a:p>
+            <a:r>
+              <a:rPr lang="en-US" dirty="0" smtClean="0"/>
+              <a:t>What solid insights do we have?</a:t>
+            </a:r>
+            <a:endParaRPr lang="en-US" dirty="0"/>
+          </a:p>
+        </p:txBody>
+      </p:sp>
+      <p:sp>
+        <p:nvSpPr>
+          <p:cNvPr id="5" name="Inhaltsplatzhalter 4"/>
+          <p:cNvSpPr>
+            <a:spLocks noGrp="1"/>
+          </p:cNvSpPr>
+          <p:nvPr>
+            <p:ph idx="1"/>
+          </p:nvPr>
+        </p:nvSpPr>
+        <p:spPr/>
+        <p:txBody>
+          <a:bodyPr>
+            <a:normAutofit/>
+          </a:bodyPr>
+          <a:lstStyle/>
+          <a:p>
+            <a:r>
+              <a:rPr lang="de-DE" dirty="0" err="1" smtClean="0"/>
+              <a:t>What</a:t>
+            </a:r>
+            <a:r>
+              <a:rPr lang="de-DE" dirty="0" smtClean="0"/>
+              <a:t> do </a:t>
+            </a:r>
+            <a:r>
+              <a:rPr lang="de-DE" dirty="0" err="1" smtClean="0"/>
+              <a:t>you</a:t>
+            </a:r>
+            <a:r>
+              <a:rPr lang="de-DE" dirty="0" smtClean="0"/>
+              <a:t> </a:t>
+            </a:r>
+            <a:r>
+              <a:rPr lang="de-DE" dirty="0" err="1" smtClean="0"/>
+              <a:t>know</a:t>
+            </a:r>
+            <a:r>
+              <a:rPr lang="de-DE" dirty="0" smtClean="0"/>
+              <a:t> </a:t>
+            </a:r>
+            <a:r>
+              <a:rPr lang="de-DE" dirty="0" err="1" smtClean="0"/>
+              <a:t>about</a:t>
+            </a:r>
+            <a:r>
+              <a:rPr lang="de-DE" dirty="0" smtClean="0"/>
+              <a:t> </a:t>
+            </a:r>
+            <a:r>
+              <a:rPr lang="de-DE" dirty="0" err="1" smtClean="0"/>
+              <a:t>the</a:t>
+            </a:r>
+            <a:r>
+              <a:rPr lang="de-DE" dirty="0" smtClean="0"/>
+              <a:t> </a:t>
+            </a:r>
+            <a:r>
+              <a:rPr lang="de-DE" dirty="0" err="1" smtClean="0"/>
+              <a:t>following</a:t>
+            </a:r>
+            <a:r>
+              <a:rPr lang="de-DE" dirty="0" smtClean="0"/>
+              <a:t> </a:t>
+            </a:r>
+            <a:r>
+              <a:rPr lang="de-DE" dirty="0" err="1" smtClean="0"/>
+              <a:t>topics</a:t>
+            </a:r>
+            <a:r>
+              <a:rPr lang="de-DE" dirty="0" smtClean="0"/>
+              <a:t>?</a:t>
+            </a:r>
+          </a:p>
+          <a:p>
+            <a:r>
+              <a:rPr lang="de-DE" dirty="0" err="1" smtClean="0"/>
+              <a:t>What</a:t>
+            </a:r>
+            <a:r>
+              <a:rPr lang="de-DE" dirty="0" smtClean="0"/>
+              <a:t> </a:t>
+            </a:r>
+            <a:r>
+              <a:rPr lang="de-DE" dirty="0" err="1" smtClean="0"/>
+              <a:t>statement</a:t>
+            </a:r>
+            <a:r>
+              <a:rPr lang="de-DE" dirty="0" smtClean="0"/>
+              <a:t>/</a:t>
+            </a:r>
+            <a:r>
+              <a:rPr lang="de-DE" dirty="0" err="1" smtClean="0"/>
+              <a:t>theory</a:t>
+            </a:r>
+            <a:r>
+              <a:rPr lang="de-DE" dirty="0" smtClean="0"/>
+              <a:t> </a:t>
+            </a:r>
+            <a:r>
+              <a:rPr lang="de-DE" dirty="0" err="1" smtClean="0"/>
+              <a:t>is</a:t>
+            </a:r>
+            <a:r>
+              <a:rPr lang="de-DE" dirty="0" smtClean="0"/>
+              <a:t> </a:t>
+            </a:r>
+            <a:r>
+              <a:rPr lang="de-DE" dirty="0" err="1" smtClean="0"/>
+              <a:t>linked</a:t>
+            </a:r>
+            <a:r>
+              <a:rPr lang="de-DE" dirty="0" smtClean="0"/>
+              <a:t> </a:t>
+            </a:r>
+            <a:r>
+              <a:rPr lang="de-DE" dirty="0" err="1" smtClean="0"/>
+              <a:t>to</a:t>
+            </a:r>
+            <a:r>
+              <a:rPr lang="de-DE" dirty="0" smtClean="0"/>
+              <a:t> </a:t>
+            </a:r>
+            <a:r>
+              <a:rPr lang="de-DE" dirty="0" err="1" smtClean="0"/>
+              <a:t>this</a:t>
+            </a:r>
+            <a:r>
+              <a:rPr lang="de-DE" dirty="0" smtClean="0"/>
+              <a:t> </a:t>
+            </a:r>
+            <a:r>
+              <a:rPr lang="de-DE" dirty="0" err="1" smtClean="0"/>
+              <a:t>topic</a:t>
+            </a:r>
+            <a:r>
+              <a:rPr lang="de-DE" dirty="0" smtClean="0"/>
+              <a:t>? </a:t>
+            </a:r>
+            <a:r>
+              <a:rPr lang="de-DE" dirty="0" err="1" smtClean="0"/>
+              <a:t>What</a:t>
+            </a:r>
+            <a:r>
+              <a:rPr lang="de-DE" dirty="0" smtClean="0"/>
+              <a:t> </a:t>
+            </a:r>
+            <a:r>
+              <a:rPr lang="de-DE" dirty="0" err="1" smtClean="0"/>
+              <a:t>have</a:t>
+            </a:r>
+            <a:r>
+              <a:rPr lang="de-DE" dirty="0" smtClean="0"/>
+              <a:t> </a:t>
+            </a:r>
+            <a:r>
+              <a:rPr lang="de-DE" dirty="0" err="1" smtClean="0"/>
+              <a:t>you</a:t>
+            </a:r>
+            <a:r>
+              <a:rPr lang="de-DE" dirty="0" smtClean="0"/>
+              <a:t> </a:t>
+            </a:r>
+            <a:r>
+              <a:rPr lang="de-DE" dirty="0" err="1" smtClean="0"/>
+              <a:t>learned</a:t>
+            </a:r>
+            <a:r>
+              <a:rPr lang="de-DE" dirty="0" smtClean="0"/>
+              <a:t> in </a:t>
+            </a:r>
+            <a:r>
+              <a:rPr lang="de-DE" dirty="0" err="1" smtClean="0"/>
+              <a:t>other</a:t>
+            </a:r>
+            <a:r>
+              <a:rPr lang="de-DE" dirty="0" smtClean="0"/>
+              <a:t> </a:t>
+            </a:r>
+            <a:r>
+              <a:rPr lang="de-DE" dirty="0" err="1" smtClean="0"/>
+              <a:t>courses</a:t>
+            </a:r>
+            <a:r>
+              <a:rPr lang="de-DE" dirty="0" smtClean="0"/>
+              <a:t>?</a:t>
+            </a:r>
+          </a:p>
+          <a:p>
+            <a:r>
+              <a:rPr lang="de-DE" dirty="0" err="1" smtClean="0"/>
+              <a:t>Which</a:t>
+            </a:r>
+            <a:r>
+              <a:rPr lang="de-DE" dirty="0" smtClean="0"/>
+              <a:t> </a:t>
+            </a:r>
+            <a:r>
+              <a:rPr lang="de-DE" dirty="0" err="1" smtClean="0"/>
+              <a:t>evidence</a:t>
+            </a:r>
+            <a:r>
+              <a:rPr lang="de-DE" dirty="0" smtClean="0"/>
+              <a:t> do </a:t>
+            </a:r>
+            <a:r>
+              <a:rPr lang="de-DE" dirty="0" err="1" smtClean="0"/>
+              <a:t>you</a:t>
+            </a:r>
+            <a:r>
+              <a:rPr lang="de-DE" dirty="0" smtClean="0"/>
+              <a:t> </a:t>
+            </a:r>
+            <a:r>
+              <a:rPr lang="de-DE" dirty="0" err="1" smtClean="0"/>
+              <a:t>know</a:t>
+            </a:r>
+            <a:r>
+              <a:rPr lang="de-DE" dirty="0" smtClean="0"/>
+              <a:t> (e.g., </a:t>
+            </a:r>
+            <a:r>
+              <a:rPr lang="de-DE" dirty="0" err="1" smtClean="0"/>
+              <a:t>from</a:t>
+            </a:r>
+            <a:r>
+              <a:rPr lang="de-DE" dirty="0" smtClean="0"/>
+              <a:t> </a:t>
+            </a:r>
+            <a:r>
+              <a:rPr lang="de-DE" dirty="0" err="1" smtClean="0"/>
+              <a:t>other</a:t>
+            </a:r>
+            <a:r>
+              <a:rPr lang="de-DE" dirty="0" smtClean="0"/>
+              <a:t> </a:t>
+            </a:r>
+            <a:r>
+              <a:rPr lang="de-DE" dirty="0" err="1" smtClean="0"/>
+              <a:t>courses</a:t>
+            </a:r>
+            <a:r>
+              <a:rPr lang="de-DE" dirty="0" smtClean="0"/>
+              <a:t>)?</a:t>
+            </a:r>
+          </a:p>
+          <a:p>
+            <a:r>
+              <a:rPr lang="de-DE" dirty="0" err="1" smtClean="0"/>
+              <a:t>Does</a:t>
+            </a:r>
+            <a:r>
+              <a:rPr lang="de-DE" dirty="0" smtClean="0"/>
+              <a:t> </a:t>
+            </a:r>
+            <a:r>
+              <a:rPr lang="de-DE" dirty="0" err="1" smtClean="0"/>
+              <a:t>that</a:t>
+            </a:r>
+            <a:r>
+              <a:rPr lang="de-DE" dirty="0" smtClean="0"/>
+              <a:t> </a:t>
+            </a:r>
+            <a:r>
+              <a:rPr lang="de-DE" dirty="0" err="1" smtClean="0"/>
+              <a:t>match</a:t>
+            </a:r>
+            <a:r>
+              <a:rPr lang="de-DE" dirty="0" smtClean="0"/>
+              <a:t> </a:t>
+            </a:r>
+            <a:r>
+              <a:rPr lang="de-DE" dirty="0" err="1" smtClean="0"/>
+              <a:t>with</a:t>
+            </a:r>
+            <a:r>
+              <a:rPr lang="de-DE" dirty="0" smtClean="0"/>
+              <a:t> </a:t>
+            </a:r>
+            <a:r>
+              <a:rPr lang="de-DE" dirty="0" err="1" smtClean="0"/>
+              <a:t>your</a:t>
+            </a:r>
+            <a:r>
+              <a:rPr lang="de-DE" dirty="0" smtClean="0"/>
+              <a:t> </a:t>
+            </a:r>
+            <a:r>
+              <a:rPr lang="de-DE" dirty="0" err="1" smtClean="0"/>
+              <a:t>experience</a:t>
+            </a:r>
+            <a:r>
+              <a:rPr lang="de-DE" dirty="0" smtClean="0"/>
+              <a:t>?</a:t>
+            </a:r>
+          </a:p>
+          <a:p>
+            <a:r>
+              <a:rPr lang="de-DE" dirty="0" err="1" smtClean="0"/>
+              <a:t>What</a:t>
+            </a:r>
+            <a:r>
+              <a:rPr lang="de-DE" dirty="0" smtClean="0"/>
+              <a:t> </a:t>
+            </a:r>
+            <a:r>
+              <a:rPr lang="de-DE" dirty="0" err="1" smtClean="0"/>
+              <a:t>kinf</a:t>
+            </a:r>
+            <a:r>
+              <a:rPr lang="de-DE" dirty="0" smtClean="0"/>
+              <a:t> </a:t>
+            </a:r>
+            <a:r>
+              <a:rPr lang="de-DE" dirty="0" err="1" smtClean="0"/>
+              <a:t>of</a:t>
+            </a:r>
+            <a:r>
+              <a:rPr lang="de-DE" dirty="0" smtClean="0"/>
+              <a:t> </a:t>
+            </a:r>
+            <a:r>
+              <a:rPr lang="de-DE" dirty="0" err="1" smtClean="0"/>
+              <a:t>evidence</a:t>
+            </a:r>
+            <a:r>
+              <a:rPr lang="de-DE" dirty="0" smtClean="0"/>
+              <a:t> </a:t>
+            </a:r>
+            <a:r>
+              <a:rPr lang="de-DE" dirty="0" err="1" smtClean="0"/>
+              <a:t>would</a:t>
+            </a:r>
+            <a:r>
+              <a:rPr lang="de-DE" dirty="0" smtClean="0"/>
+              <a:t> </a:t>
+            </a:r>
+            <a:r>
+              <a:rPr lang="de-DE" dirty="0" err="1" smtClean="0"/>
+              <a:t>convince</a:t>
+            </a:r>
+            <a:r>
+              <a:rPr lang="de-DE" dirty="0" smtClean="0"/>
+              <a:t> </a:t>
+            </a:r>
+            <a:r>
+              <a:rPr lang="de-DE" dirty="0" err="1" smtClean="0"/>
+              <a:t>you</a:t>
+            </a:r>
+            <a:r>
+              <a:rPr lang="de-DE" dirty="0" smtClean="0"/>
+              <a:t>?</a:t>
+            </a:r>
+          </a:p>
+        </p:txBody>
+      </p:sp>
+      <p:sp>
+        <p:nvSpPr>
+          <p:cNvPr id="6" name="Foliennummernplatzhalter 5"/>
+          <p:cNvSpPr>
+            <a:spLocks noGrp="1"/>
+          </p:cNvSpPr>
+          <p:nvPr>
+            <p:ph type="sldNum" sz="quarter" idx="12"/>
+          </p:nvPr>
+        </p:nvSpPr>
+        <p:spPr/>
+        <p:txBody>
+          <a:bodyPr/>
+          <a:lstStyle/>
+          <a:p>
+            <a:fld id="{6C6AE60A-B69C-4790-82F7-3882EDF23186}" type="slidenum">
+              <a:rPr lang="de-DE" smtClean="0"/>
+              <a:pPr/>
+              <a:t>22</a:t>
+            </a:fld>
+            <a:endParaRPr lang="de-DE"/>
+          </a:p>
+        </p:txBody>
+      </p:sp>
+    </p:spTree>
+    <p:extLst>
+      <p:ext uri="{BB962C8B-B14F-4D97-AF65-F5344CB8AC3E}">
+        <p14:creationId xmlns:p14="http://schemas.microsoft.com/office/powerpoint/2010/main" val="11896495"/>
+      </p:ext>
+    </p:extLst>
+  </p:cSld>
+  <p:clrMapOvr>
+    <a:masterClrMapping/>
+  </p:clrMapOvr>
+  <p:timing>
+    <p:tnLst>
+      <p:par>
+        <p:cTn id="1" dur="indefinite" restart="never" nodeType="tmRoot"/>
+      </p:par>
+    </p:tnLst>
+  </p:timing>
+</p:sld>
+</file>
+
+<file path=ppt/slides/slide23.xml><?xml version="1.0" encoding="utf-8"?>
+<p:sld xmlns:a="http://schemas.openxmlformats.org/drawingml/2006/main" xmlns:r="http://schemas.openxmlformats.org/officeDocument/2006/relationships" xmlns:p="http://schemas.openxmlformats.org/presentationml/2006/main">
+  <p:cSld>
+    <p:spTree>
+      <p:nvGrpSpPr>
+        <p:cNvPr id="1" name=""/>
+        <p:cNvGrpSpPr/>
+        <p:nvPr/>
+      </p:nvGrpSpPr>
+      <p:grpSpPr>
+        <a:xfrm>
+          <a:off x="0" y="0"/>
+          <a:ext cx="0" cy="0"/>
+          <a:chOff x="0" y="0"/>
+          <a:chExt cx="0" cy="0"/>
+        </a:xfrm>
+      </p:grpSpPr>
+      <p:sp>
+        <p:nvSpPr>
+          <p:cNvPr id="2" name="Titel 1"/>
+          <p:cNvSpPr>
+            <a:spLocks noGrp="1"/>
+          </p:cNvSpPr>
+          <p:nvPr>
+            <p:ph type="title"/>
+          </p:nvPr>
+        </p:nvSpPr>
+        <p:spPr/>
+        <p:txBody>
+          <a:bodyPr/>
+          <a:lstStyle/>
+          <a:p>
+            <a:r>
+              <a:rPr lang="en-US" dirty="0" smtClean="0"/>
+              <a:t>Development Processes</a:t>
+            </a:r>
+            <a:endParaRPr lang="en-US" dirty="0"/>
+          </a:p>
+        </p:txBody>
+      </p:sp>
+      <p:sp>
+        <p:nvSpPr>
+          <p:cNvPr id="3" name="Inhaltsplatzhalter 2"/>
+          <p:cNvSpPr>
+            <a:spLocks noGrp="1"/>
+          </p:cNvSpPr>
+          <p:nvPr>
+            <p:ph idx="1"/>
+          </p:nvPr>
+        </p:nvSpPr>
+        <p:spPr/>
+        <p:txBody>
+          <a:bodyPr/>
+          <a:lstStyle/>
+          <a:p>
+            <a:endParaRPr lang="en-US"/>
+          </a:p>
+        </p:txBody>
+      </p:sp>
+      <p:sp>
+        <p:nvSpPr>
+          <p:cNvPr id="5" name="Foliennummernplatzhalter 4"/>
+          <p:cNvSpPr>
+            <a:spLocks noGrp="1"/>
+          </p:cNvSpPr>
+          <p:nvPr>
+            <p:ph type="sldNum" sz="quarter" idx="12"/>
+          </p:nvPr>
+        </p:nvSpPr>
+        <p:spPr/>
+        <p:txBody>
+          <a:bodyPr/>
+          <a:lstStyle/>
+          <a:p>
+            <a:fld id="{6C6AE60A-B69C-4790-82F7-3882EDF23186}" type="slidenum">
+              <a:rPr lang="de-DE" smtClean="0"/>
+              <a:pPr/>
+              <a:t>23</a:t>
             </a:fld>
             <a:endParaRPr lang="de-DE"/>
           </a:p>
@@ -12246,7 +12447,7 @@
 </p:sld>
 </file>
 
-<file path=ppt/slides/slide22.xml><?xml version="1.0" encoding="utf-8"?>
+<file path=ppt/slides/slide24.xml><?xml version="1.0" encoding="utf-8"?>
 <p:sld xmlns:a="http://schemas.openxmlformats.org/drawingml/2006/main" xmlns:r="http://schemas.openxmlformats.org/officeDocument/2006/relationships" xmlns:p="http://schemas.openxmlformats.org/presentationml/2006/main">
   <p:cSld>
     <p:spTree>
@@ -12662,7 +12863,7 @@
             <a:fld id="{6C6AE60A-B69C-4790-82F7-3882EDF23186}" type="slidenum">
               <a:rPr lang="de-DE" smtClean="0"/>
               <a:pPr/>
-              <a:t>22</a:t>
+              <a:t>24</a:t>
             </a:fld>
             <a:endParaRPr lang="de-DE"/>
           </a:p>
@@ -12688,7 +12889,7 @@
 </p:sld>
 </file>
 
-<file path=ppt/slides/slide23.xml><?xml version="1.0" encoding="utf-8"?>
+<file path=ppt/slides/slide25.xml><?xml version="1.0" encoding="utf-8"?>
 <p:sld xmlns:a="http://schemas.openxmlformats.org/drawingml/2006/main" xmlns:r="http://schemas.openxmlformats.org/officeDocument/2006/relationships" xmlns:p="http://schemas.openxmlformats.org/presentationml/2006/main">
   <p:cSld>
     <p:spTree>
@@ -12765,7 +12966,7 @@
             <a:fld id="{6C6AE60A-B69C-4790-82F7-3882EDF23186}" type="slidenum">
               <a:rPr lang="de-DE" smtClean="0"/>
               <a:pPr/>
-              <a:t>23</a:t>
+              <a:t>25</a:t>
             </a:fld>
             <a:endParaRPr lang="de-DE"/>
           </a:p>
@@ -12819,7 +13020,7 @@
 </p:sld>
 </file>
 
-<file path=ppt/slides/slide24.xml><?xml version="1.0" encoding="utf-8"?>
+<file path=ppt/slides/slide26.xml><?xml version="1.0" encoding="utf-8"?>
 <p:sld xmlns:a="http://schemas.openxmlformats.org/drawingml/2006/main" xmlns:r="http://schemas.openxmlformats.org/officeDocument/2006/relationships" xmlns:p="http://schemas.openxmlformats.org/presentationml/2006/main">
   <p:cSld>
     <p:spTree>
@@ -13235,7 +13436,7 @@
             <a:fld id="{6C6AE60A-B69C-4790-82F7-3882EDF23186}" type="slidenum">
               <a:rPr lang="de-DE" smtClean="0"/>
               <a:pPr/>
-              <a:t>24</a:t>
+              <a:t>26</a:t>
             </a:fld>
             <a:endParaRPr lang="de-DE"/>
           </a:p>
@@ -13261,7 +13462,7 @@
 </p:sld>
 </file>
 
-<file path=ppt/slides/slide25.xml><?xml version="1.0" encoding="utf-8"?>
+<file path=ppt/slides/slide27.xml><?xml version="1.0" encoding="utf-8"?>
 <p:sld xmlns:a="http://schemas.openxmlformats.org/drawingml/2006/main" xmlns:r="http://schemas.openxmlformats.org/officeDocument/2006/relationships" xmlns:p="http://schemas.openxmlformats.org/presentationml/2006/main">
   <p:cSld>
     <p:spTree>
@@ -13319,7 +13520,7 @@
             <a:fld id="{6C6AE60A-B69C-4790-82F7-3882EDF23186}" type="slidenum">
               <a:rPr lang="de-DE" smtClean="0"/>
               <a:pPr/>
-              <a:t>25</a:t>
+              <a:t>27</a:t>
             </a:fld>
             <a:endParaRPr lang="de-DE"/>
           </a:p>
@@ -13340,7 +13541,7 @@
 </p:sld>
 </file>
 
-<file path=ppt/slides/slide26.xml><?xml version="1.0" encoding="utf-8"?>
+<file path=ppt/slides/slide28.xml><?xml version="1.0" encoding="utf-8"?>
 <p:sld xmlns:a="http://schemas.openxmlformats.org/drawingml/2006/main" xmlns:r="http://schemas.openxmlformats.org/officeDocument/2006/relationships" xmlns:p="http://schemas.openxmlformats.org/presentationml/2006/main">
   <p:cSld>
     <p:spTree>
@@ -13543,7 +13744,7 @@
             <a:fld id="{6C6AE60A-B69C-4790-82F7-3882EDF23186}" type="slidenum">
               <a:rPr lang="de-DE" smtClean="0"/>
               <a:pPr/>
-              <a:t>26</a:t>
+              <a:t>28</a:t>
             </a:fld>
             <a:endParaRPr lang="de-DE"/>
           </a:p>
@@ -13750,7 +13951,7 @@
 </p:sld>
 </file>
 
-<file path=ppt/slides/slide27.xml><?xml version="1.0" encoding="utf-8"?>
+<file path=ppt/slides/slide29.xml><?xml version="1.0" encoding="utf-8"?>
 <p:sld xmlns:a="http://schemas.openxmlformats.org/drawingml/2006/main" xmlns:r="http://schemas.openxmlformats.org/officeDocument/2006/relationships" xmlns:p="http://schemas.openxmlformats.org/presentationml/2006/main">
   <p:cSld>
     <p:spTree>
@@ -13882,7 +14083,7 @@
             <a:fld id="{6C6AE60A-B69C-4790-82F7-3882EDF23186}" type="slidenum">
               <a:rPr lang="de-DE" smtClean="0"/>
               <a:pPr/>
-              <a:t>27</a:t>
+              <a:t>29</a:t>
             </a:fld>
             <a:endParaRPr lang="de-DE"/>
           </a:p>
@@ -14219,497 +14420,6 @@
     <p:bldLst>
       <p:bldP spid="3" grpId="0" uiExpand="1" build="p"/>
     </p:bldLst>
-  </p:timing>
-</p:sld>
-</file>
-
-<file path=ppt/slides/slide28.xml><?xml version="1.0" encoding="utf-8"?>
-<p:sld xmlns:a="http://schemas.openxmlformats.org/drawingml/2006/main" xmlns:r="http://schemas.openxmlformats.org/officeDocument/2006/relationships" xmlns:p="http://schemas.openxmlformats.org/presentationml/2006/main">
-  <p:cSld>
-    <p:spTree>
-      <p:nvGrpSpPr>
-        <p:cNvPr id="1" name=""/>
-        <p:cNvGrpSpPr/>
-        <p:nvPr/>
-      </p:nvGrpSpPr>
-      <p:grpSpPr>
-        <a:xfrm>
-          <a:off x="0" y="0"/>
-          <a:ext cx="0" cy="0"/>
-          <a:chOff x="0" y="0"/>
-          <a:chExt cx="0" cy="0"/>
-        </a:xfrm>
-      </p:grpSpPr>
-      <p:sp>
-        <p:nvSpPr>
-          <p:cNvPr id="3" name="Titel 2"/>
-          <p:cNvSpPr>
-            <a:spLocks noGrp="1"/>
-          </p:cNvSpPr>
-          <p:nvPr>
-            <p:ph type="title"/>
-          </p:nvPr>
-        </p:nvSpPr>
-        <p:spPr/>
-        <p:txBody>
-          <a:bodyPr/>
-          <a:lstStyle/>
-          <a:p>
-            <a:r>
-              <a:rPr lang="de-DE" dirty="0" smtClean="0"/>
-              <a:t>The Scientific </a:t>
-            </a:r>
-            <a:r>
-              <a:rPr lang="de-DE" dirty="0" err="1" smtClean="0"/>
-              <a:t>Method</a:t>
-            </a:r>
-            <a:endParaRPr lang="de-DE" dirty="0"/>
-          </a:p>
-        </p:txBody>
-      </p:sp>
-      <p:sp>
-        <p:nvSpPr>
-          <p:cNvPr id="2" name="Inhaltsplatzhalter 1"/>
-          <p:cNvSpPr>
-            <a:spLocks noGrp="1"/>
-          </p:cNvSpPr>
-          <p:nvPr>
-            <p:ph idx="1"/>
-          </p:nvPr>
-        </p:nvSpPr>
-        <p:spPr/>
-        <p:txBody>
-          <a:bodyPr/>
-          <a:lstStyle/>
-          <a:p>
-            <a:endParaRPr lang="en-US"/>
-          </a:p>
-        </p:txBody>
-      </p:sp>
-      <p:sp>
-        <p:nvSpPr>
-          <p:cNvPr id="10" name="Foliennummernplatzhalter 9"/>
-          <p:cNvSpPr>
-            <a:spLocks noGrp="1"/>
-          </p:cNvSpPr>
-          <p:nvPr>
-            <p:ph type="sldNum" sz="quarter" idx="12"/>
-          </p:nvPr>
-        </p:nvSpPr>
-        <p:spPr/>
-        <p:txBody>
-          <a:bodyPr/>
-          <a:lstStyle/>
-          <a:p>
-            <a:fld id="{6C6AE60A-B69C-4790-82F7-3882EDF23186}" type="slidenum">
-              <a:rPr lang="de-DE" smtClean="0"/>
-              <a:pPr/>
-              <a:t>28</a:t>
-            </a:fld>
-            <a:endParaRPr lang="de-DE"/>
-          </a:p>
-        </p:txBody>
-      </p:sp>
-      <p:sp>
-        <p:nvSpPr>
-          <p:cNvPr id="4" name="Rechteck 3"/>
-          <p:cNvSpPr/>
-          <p:nvPr/>
-        </p:nvSpPr>
-        <p:spPr>
-          <a:xfrm>
-            <a:off x="7453322" y="4857760"/>
-            <a:ext cx="2357454" cy="857256"/>
-          </a:xfrm>
-          <a:prstGeom prst="rect">
-            <a:avLst/>
-          </a:prstGeom>
-        </p:spPr>
-        <p:style>
-          <a:lnRef idx="2">
-            <a:schemeClr val="accent1">
-              <a:shade val="50000"/>
-            </a:schemeClr>
-          </a:lnRef>
-          <a:fillRef idx="1">
-            <a:schemeClr val="accent1"/>
-          </a:fillRef>
-          <a:effectRef idx="0">
-            <a:schemeClr val="accent1"/>
-          </a:effectRef>
-          <a:fontRef idx="minor">
-            <a:schemeClr val="lt1"/>
-          </a:fontRef>
-        </p:style>
-        <p:txBody>
-          <a:bodyPr rtlCol="0" anchor="ctr"/>
-          <a:lstStyle/>
-          <a:p>
-            <a:pPr algn="ctr"/>
-            <a:r>
-              <a:rPr lang="en-US" dirty="0"/>
-              <a:t>Theory</a:t>
-            </a:r>
-          </a:p>
-        </p:txBody>
-      </p:sp>
-      <p:sp>
-        <p:nvSpPr>
-          <p:cNvPr id="5" name="Rechteck 4"/>
-          <p:cNvSpPr/>
-          <p:nvPr/>
-        </p:nvSpPr>
-        <p:spPr>
-          <a:xfrm>
-            <a:off x="5024430" y="3357562"/>
-            <a:ext cx="2357454" cy="857256"/>
-          </a:xfrm>
-          <a:prstGeom prst="rect">
-            <a:avLst/>
-          </a:prstGeom>
-        </p:spPr>
-        <p:style>
-          <a:lnRef idx="2">
-            <a:schemeClr val="accent1">
-              <a:shade val="50000"/>
-            </a:schemeClr>
-          </a:lnRef>
-          <a:fillRef idx="1">
-            <a:schemeClr val="accent1"/>
-          </a:fillRef>
-          <a:effectRef idx="0">
-            <a:schemeClr val="accent1"/>
-          </a:effectRef>
-          <a:fontRef idx="minor">
-            <a:schemeClr val="lt1"/>
-          </a:fontRef>
-        </p:style>
-        <p:txBody>
-          <a:bodyPr rtlCol="0" anchor="ctr"/>
-          <a:lstStyle/>
-          <a:p>
-            <a:pPr algn="ctr"/>
-            <a:r>
-              <a:rPr lang="en-US" dirty="0"/>
-              <a:t>Hypotheses</a:t>
-            </a:r>
-          </a:p>
-        </p:txBody>
-      </p:sp>
-      <p:sp>
-        <p:nvSpPr>
-          <p:cNvPr id="7" name="Rechteck 6"/>
-          <p:cNvSpPr/>
-          <p:nvPr/>
-        </p:nvSpPr>
-        <p:spPr>
-          <a:xfrm>
-            <a:off x="2595538" y="1928802"/>
-            <a:ext cx="2357454" cy="857256"/>
-          </a:xfrm>
-          <a:prstGeom prst="rect">
-            <a:avLst/>
-          </a:prstGeom>
-        </p:spPr>
-        <p:style>
-          <a:lnRef idx="2">
-            <a:schemeClr val="accent1">
-              <a:shade val="50000"/>
-            </a:schemeClr>
-          </a:lnRef>
-          <a:fillRef idx="1">
-            <a:schemeClr val="accent1"/>
-          </a:fillRef>
-          <a:effectRef idx="0">
-            <a:schemeClr val="accent1"/>
-          </a:effectRef>
-          <a:fontRef idx="minor">
-            <a:schemeClr val="lt1"/>
-          </a:fontRef>
-        </p:style>
-        <p:txBody>
-          <a:bodyPr rtlCol="0" anchor="ctr"/>
-          <a:lstStyle/>
-          <a:p>
-            <a:pPr algn="ctr"/>
-            <a:r>
-              <a:rPr lang="en-US" dirty="0"/>
-              <a:t>Experiments</a:t>
-            </a:r>
-          </a:p>
-        </p:txBody>
-      </p:sp>
-      <p:cxnSp>
-        <p:nvCxnSpPr>
-          <p:cNvPr id="9" name="Form 8"/>
-          <p:cNvCxnSpPr>
-            <a:stCxn id="5" idx="0"/>
-            <a:endCxn id="7" idx="3"/>
-          </p:cNvCxnSpPr>
-          <p:nvPr/>
-        </p:nvCxnSpPr>
-        <p:spPr>
-          <a:xfrm rot="16200000" flipV="1">
-            <a:off x="5078009" y="2232414"/>
-            <a:ext cx="1000132" cy="1250165"/>
-          </a:xfrm>
-          <a:prstGeom prst="curvedConnector2">
-            <a:avLst/>
-          </a:prstGeom>
-          <a:ln>
-            <a:tailEnd type="arrow"/>
-          </a:ln>
-        </p:spPr>
-        <p:style>
-          <a:lnRef idx="1">
-            <a:schemeClr val="accent1"/>
-          </a:lnRef>
-          <a:fillRef idx="0">
-            <a:schemeClr val="accent1"/>
-          </a:fillRef>
-          <a:effectRef idx="0">
-            <a:schemeClr val="accent1"/>
-          </a:effectRef>
-          <a:fontRef idx="minor">
-            <a:schemeClr val="tx1"/>
-          </a:fontRef>
-        </p:style>
-      </p:cxnSp>
-      <p:cxnSp>
-        <p:nvCxnSpPr>
-          <p:cNvPr id="20" name="Form 12"/>
-          <p:cNvCxnSpPr>
-            <a:stCxn id="4" idx="0"/>
-            <a:endCxn id="5" idx="3"/>
-          </p:cNvCxnSpPr>
-          <p:nvPr/>
-        </p:nvCxnSpPr>
-        <p:spPr>
-          <a:xfrm rot="16200000" flipV="1">
-            <a:off x="7471182" y="3696893"/>
-            <a:ext cx="1071570" cy="1250165"/>
-          </a:xfrm>
-          <a:prstGeom prst="curvedConnector2">
-            <a:avLst/>
-          </a:prstGeom>
-          <a:ln>
-            <a:tailEnd type="arrow"/>
-          </a:ln>
-        </p:spPr>
-        <p:style>
-          <a:lnRef idx="1">
-            <a:schemeClr val="accent1"/>
-          </a:lnRef>
-          <a:fillRef idx="0">
-            <a:schemeClr val="accent1"/>
-          </a:fillRef>
-          <a:effectRef idx="0">
-            <a:schemeClr val="accent1"/>
-          </a:effectRef>
-          <a:fontRef idx="minor">
-            <a:schemeClr val="tx1"/>
-          </a:fontRef>
-        </p:style>
-      </p:cxnSp>
-      <p:cxnSp>
-        <p:nvCxnSpPr>
-          <p:cNvPr id="11" name="Form 10"/>
-          <p:cNvCxnSpPr>
-            <a:stCxn id="7" idx="2"/>
-            <a:endCxn id="5" idx="1"/>
-          </p:cNvCxnSpPr>
-          <p:nvPr/>
-        </p:nvCxnSpPr>
-        <p:spPr>
-          <a:xfrm rot="16200000" flipH="1">
-            <a:off x="3899281" y="2661042"/>
-            <a:ext cx="1000132" cy="1250165"/>
-          </a:xfrm>
-          <a:prstGeom prst="curvedConnector2">
-            <a:avLst/>
-          </a:prstGeom>
-          <a:ln>
-            <a:tailEnd type="arrow"/>
-          </a:ln>
-        </p:spPr>
-        <p:style>
-          <a:lnRef idx="1">
-            <a:schemeClr val="accent1"/>
-          </a:lnRef>
-          <a:fillRef idx="0">
-            <a:schemeClr val="accent1"/>
-          </a:fillRef>
-          <a:effectRef idx="0">
-            <a:schemeClr val="accent1"/>
-          </a:effectRef>
-          <a:fontRef idx="minor">
-            <a:schemeClr val="tx1"/>
-          </a:fontRef>
-        </p:style>
-      </p:cxnSp>
-      <p:cxnSp>
-        <p:nvCxnSpPr>
-          <p:cNvPr id="15" name="Form 14"/>
-          <p:cNvCxnSpPr>
-            <a:stCxn id="5" idx="2"/>
-            <a:endCxn id="4" idx="1"/>
-          </p:cNvCxnSpPr>
-          <p:nvPr/>
-        </p:nvCxnSpPr>
-        <p:spPr>
-          <a:xfrm rot="16200000" flipH="1">
-            <a:off x="6292454" y="4125521"/>
-            <a:ext cx="1071570" cy="1250165"/>
-          </a:xfrm>
-          <a:prstGeom prst="curvedConnector2">
-            <a:avLst/>
-          </a:prstGeom>
-          <a:ln>
-            <a:tailEnd type="arrow"/>
-          </a:ln>
-        </p:spPr>
-        <p:style>
-          <a:lnRef idx="1">
-            <a:schemeClr val="accent1"/>
-          </a:lnRef>
-          <a:fillRef idx="0">
-            <a:schemeClr val="accent1"/>
-          </a:fillRef>
-          <a:effectRef idx="0">
-            <a:schemeClr val="accent1"/>
-          </a:effectRef>
-          <a:fontRef idx="minor">
-            <a:schemeClr val="tx1"/>
-          </a:fontRef>
-        </p:style>
-      </p:cxnSp>
-    </p:spTree>
-  </p:cSld>
-  <p:clrMapOvr>
-    <a:masterClrMapping/>
-  </p:clrMapOvr>
-  <p:timing>
-    <p:tnLst>
-      <p:par>
-        <p:cTn id="1" dur="indefinite" restart="never" nodeType="tmRoot"/>
-      </p:par>
-    </p:tnLst>
-  </p:timing>
-</p:sld>
-</file>
-
-<file path=ppt/slides/slide29.xml><?xml version="1.0" encoding="utf-8"?>
-<p:sld xmlns:a="http://schemas.openxmlformats.org/drawingml/2006/main" xmlns:r="http://schemas.openxmlformats.org/officeDocument/2006/relationships" xmlns:p="http://schemas.openxmlformats.org/presentationml/2006/main">
-  <p:cSld>
-    <p:spTree>
-      <p:nvGrpSpPr>
-        <p:cNvPr id="1" name=""/>
-        <p:cNvGrpSpPr/>
-        <p:nvPr/>
-      </p:nvGrpSpPr>
-      <p:grpSpPr>
-        <a:xfrm>
-          <a:off x="0" y="0"/>
-          <a:ext cx="0" cy="0"/>
-          <a:chOff x="0" y="0"/>
-          <a:chExt cx="0" cy="0"/>
-        </a:xfrm>
-      </p:grpSpPr>
-      <p:sp>
-        <p:nvSpPr>
-          <p:cNvPr id="2" name="Titel 1"/>
-          <p:cNvSpPr>
-            <a:spLocks noGrp="1"/>
-          </p:cNvSpPr>
-          <p:nvPr>
-            <p:ph type="title"/>
-          </p:nvPr>
-        </p:nvSpPr>
-        <p:spPr/>
-        <p:txBody>
-          <a:bodyPr>
-            <a:normAutofit/>
-          </a:bodyPr>
-          <a:lstStyle/>
-          <a:p>
-            <a:r>
-              <a:rPr lang="en-US" dirty="0" smtClean="0"/>
-              <a:t>Goals of the Scientific Method</a:t>
-            </a:r>
-            <a:endParaRPr lang="en-US" dirty="0"/>
-          </a:p>
-        </p:txBody>
-      </p:sp>
-      <p:sp>
-        <p:nvSpPr>
-          <p:cNvPr id="3" name="Inhaltsplatzhalter 2"/>
-          <p:cNvSpPr>
-            <a:spLocks noGrp="1"/>
-          </p:cNvSpPr>
-          <p:nvPr>
-            <p:ph idx="1"/>
-          </p:nvPr>
-        </p:nvSpPr>
-        <p:spPr/>
-        <p:txBody>
-          <a:bodyPr/>
-          <a:lstStyle/>
-          <a:p>
-            <a:r>
-              <a:rPr lang="en-US" dirty="0" smtClean="0"/>
-              <a:t>Theory</a:t>
-            </a:r>
-          </a:p>
-          <a:p>
-            <a:r>
-              <a:rPr lang="en-US" dirty="0" smtClean="0"/>
-              <a:t>Prediction</a:t>
-            </a:r>
-          </a:p>
-          <a:p>
-            <a:r>
-              <a:rPr lang="en-US" dirty="0" smtClean="0"/>
-              <a:t>Explanation</a:t>
-            </a:r>
-            <a:endParaRPr lang="en-US" dirty="0"/>
-          </a:p>
-        </p:txBody>
-      </p:sp>
-      <p:sp>
-        <p:nvSpPr>
-          <p:cNvPr id="4" name="Foliennummernplatzhalter 3"/>
-          <p:cNvSpPr>
-            <a:spLocks noGrp="1"/>
-          </p:cNvSpPr>
-          <p:nvPr>
-            <p:ph type="sldNum" sz="quarter" idx="12"/>
-          </p:nvPr>
-        </p:nvSpPr>
-        <p:spPr/>
-        <p:txBody>
-          <a:bodyPr/>
-          <a:lstStyle/>
-          <a:p>
-            <a:fld id="{6C6AE60A-B69C-4790-82F7-3882EDF23186}" type="slidenum">
-              <a:rPr lang="de-DE" smtClean="0"/>
-              <a:pPr/>
-              <a:t>29</a:t>
-            </a:fld>
-            <a:endParaRPr lang="de-DE"/>
-          </a:p>
-        </p:txBody>
-      </p:sp>
-    </p:spTree>
-  </p:cSld>
-  <p:clrMapOvr>
-    <a:masterClrMapping/>
-  </p:clrMapOvr>
-  <p:timing>
-    <p:tnLst>
-      <p:par>
-        <p:cTn id="1" dur="indefinite" restart="never" nodeType="tmRoot"/>
-      </p:par>
-    </p:tnLst>
   </p:timing>
 </p:sld>
 </file>
@@ -15531,6 +15241,497 @@
       </p:grpSpPr>
       <p:sp>
         <p:nvSpPr>
+          <p:cNvPr id="3" name="Titel 2"/>
+          <p:cNvSpPr>
+            <a:spLocks noGrp="1"/>
+          </p:cNvSpPr>
+          <p:nvPr>
+            <p:ph type="title"/>
+          </p:nvPr>
+        </p:nvSpPr>
+        <p:spPr/>
+        <p:txBody>
+          <a:bodyPr/>
+          <a:lstStyle/>
+          <a:p>
+            <a:r>
+              <a:rPr lang="de-DE" dirty="0" smtClean="0"/>
+              <a:t>The Scientific </a:t>
+            </a:r>
+            <a:r>
+              <a:rPr lang="de-DE" dirty="0" err="1" smtClean="0"/>
+              <a:t>Method</a:t>
+            </a:r>
+            <a:endParaRPr lang="de-DE" dirty="0"/>
+          </a:p>
+        </p:txBody>
+      </p:sp>
+      <p:sp>
+        <p:nvSpPr>
+          <p:cNvPr id="2" name="Inhaltsplatzhalter 1"/>
+          <p:cNvSpPr>
+            <a:spLocks noGrp="1"/>
+          </p:cNvSpPr>
+          <p:nvPr>
+            <p:ph idx="1"/>
+          </p:nvPr>
+        </p:nvSpPr>
+        <p:spPr/>
+        <p:txBody>
+          <a:bodyPr/>
+          <a:lstStyle/>
+          <a:p>
+            <a:endParaRPr lang="en-US"/>
+          </a:p>
+        </p:txBody>
+      </p:sp>
+      <p:sp>
+        <p:nvSpPr>
+          <p:cNvPr id="10" name="Foliennummernplatzhalter 9"/>
+          <p:cNvSpPr>
+            <a:spLocks noGrp="1"/>
+          </p:cNvSpPr>
+          <p:nvPr>
+            <p:ph type="sldNum" sz="quarter" idx="12"/>
+          </p:nvPr>
+        </p:nvSpPr>
+        <p:spPr/>
+        <p:txBody>
+          <a:bodyPr/>
+          <a:lstStyle/>
+          <a:p>
+            <a:fld id="{6C6AE60A-B69C-4790-82F7-3882EDF23186}" type="slidenum">
+              <a:rPr lang="de-DE" smtClean="0"/>
+              <a:pPr/>
+              <a:t>30</a:t>
+            </a:fld>
+            <a:endParaRPr lang="de-DE"/>
+          </a:p>
+        </p:txBody>
+      </p:sp>
+      <p:sp>
+        <p:nvSpPr>
+          <p:cNvPr id="4" name="Rechteck 3"/>
+          <p:cNvSpPr/>
+          <p:nvPr/>
+        </p:nvSpPr>
+        <p:spPr>
+          <a:xfrm>
+            <a:off x="7453322" y="4857760"/>
+            <a:ext cx="2357454" cy="857256"/>
+          </a:xfrm>
+          <a:prstGeom prst="rect">
+            <a:avLst/>
+          </a:prstGeom>
+        </p:spPr>
+        <p:style>
+          <a:lnRef idx="2">
+            <a:schemeClr val="accent1">
+              <a:shade val="50000"/>
+            </a:schemeClr>
+          </a:lnRef>
+          <a:fillRef idx="1">
+            <a:schemeClr val="accent1"/>
+          </a:fillRef>
+          <a:effectRef idx="0">
+            <a:schemeClr val="accent1"/>
+          </a:effectRef>
+          <a:fontRef idx="minor">
+            <a:schemeClr val="lt1"/>
+          </a:fontRef>
+        </p:style>
+        <p:txBody>
+          <a:bodyPr rtlCol="0" anchor="ctr"/>
+          <a:lstStyle/>
+          <a:p>
+            <a:pPr algn="ctr"/>
+            <a:r>
+              <a:rPr lang="en-US" dirty="0"/>
+              <a:t>Theory</a:t>
+            </a:r>
+          </a:p>
+        </p:txBody>
+      </p:sp>
+      <p:sp>
+        <p:nvSpPr>
+          <p:cNvPr id="5" name="Rechteck 4"/>
+          <p:cNvSpPr/>
+          <p:nvPr/>
+        </p:nvSpPr>
+        <p:spPr>
+          <a:xfrm>
+            <a:off x="5024430" y="3357562"/>
+            <a:ext cx="2357454" cy="857256"/>
+          </a:xfrm>
+          <a:prstGeom prst="rect">
+            <a:avLst/>
+          </a:prstGeom>
+        </p:spPr>
+        <p:style>
+          <a:lnRef idx="2">
+            <a:schemeClr val="accent1">
+              <a:shade val="50000"/>
+            </a:schemeClr>
+          </a:lnRef>
+          <a:fillRef idx="1">
+            <a:schemeClr val="accent1"/>
+          </a:fillRef>
+          <a:effectRef idx="0">
+            <a:schemeClr val="accent1"/>
+          </a:effectRef>
+          <a:fontRef idx="minor">
+            <a:schemeClr val="lt1"/>
+          </a:fontRef>
+        </p:style>
+        <p:txBody>
+          <a:bodyPr rtlCol="0" anchor="ctr"/>
+          <a:lstStyle/>
+          <a:p>
+            <a:pPr algn="ctr"/>
+            <a:r>
+              <a:rPr lang="en-US" dirty="0"/>
+              <a:t>Hypotheses</a:t>
+            </a:r>
+          </a:p>
+        </p:txBody>
+      </p:sp>
+      <p:sp>
+        <p:nvSpPr>
+          <p:cNvPr id="7" name="Rechteck 6"/>
+          <p:cNvSpPr/>
+          <p:nvPr/>
+        </p:nvSpPr>
+        <p:spPr>
+          <a:xfrm>
+            <a:off x="2595538" y="1928802"/>
+            <a:ext cx="2357454" cy="857256"/>
+          </a:xfrm>
+          <a:prstGeom prst="rect">
+            <a:avLst/>
+          </a:prstGeom>
+        </p:spPr>
+        <p:style>
+          <a:lnRef idx="2">
+            <a:schemeClr val="accent1">
+              <a:shade val="50000"/>
+            </a:schemeClr>
+          </a:lnRef>
+          <a:fillRef idx="1">
+            <a:schemeClr val="accent1"/>
+          </a:fillRef>
+          <a:effectRef idx="0">
+            <a:schemeClr val="accent1"/>
+          </a:effectRef>
+          <a:fontRef idx="minor">
+            <a:schemeClr val="lt1"/>
+          </a:fontRef>
+        </p:style>
+        <p:txBody>
+          <a:bodyPr rtlCol="0" anchor="ctr"/>
+          <a:lstStyle/>
+          <a:p>
+            <a:pPr algn="ctr"/>
+            <a:r>
+              <a:rPr lang="en-US" dirty="0"/>
+              <a:t>Experiments</a:t>
+            </a:r>
+          </a:p>
+        </p:txBody>
+      </p:sp>
+      <p:cxnSp>
+        <p:nvCxnSpPr>
+          <p:cNvPr id="9" name="Form 8"/>
+          <p:cNvCxnSpPr>
+            <a:stCxn id="5" idx="0"/>
+            <a:endCxn id="7" idx="3"/>
+          </p:cNvCxnSpPr>
+          <p:nvPr/>
+        </p:nvCxnSpPr>
+        <p:spPr>
+          <a:xfrm rot="16200000" flipV="1">
+            <a:off x="5078009" y="2232414"/>
+            <a:ext cx="1000132" cy="1250165"/>
+          </a:xfrm>
+          <a:prstGeom prst="curvedConnector2">
+            <a:avLst/>
+          </a:prstGeom>
+          <a:ln>
+            <a:tailEnd type="arrow"/>
+          </a:ln>
+        </p:spPr>
+        <p:style>
+          <a:lnRef idx="1">
+            <a:schemeClr val="accent1"/>
+          </a:lnRef>
+          <a:fillRef idx="0">
+            <a:schemeClr val="accent1"/>
+          </a:fillRef>
+          <a:effectRef idx="0">
+            <a:schemeClr val="accent1"/>
+          </a:effectRef>
+          <a:fontRef idx="minor">
+            <a:schemeClr val="tx1"/>
+          </a:fontRef>
+        </p:style>
+      </p:cxnSp>
+      <p:cxnSp>
+        <p:nvCxnSpPr>
+          <p:cNvPr id="20" name="Form 12"/>
+          <p:cNvCxnSpPr>
+            <a:stCxn id="4" idx="0"/>
+            <a:endCxn id="5" idx="3"/>
+          </p:cNvCxnSpPr>
+          <p:nvPr/>
+        </p:nvCxnSpPr>
+        <p:spPr>
+          <a:xfrm rot="16200000" flipV="1">
+            <a:off x="7471182" y="3696893"/>
+            <a:ext cx="1071570" cy="1250165"/>
+          </a:xfrm>
+          <a:prstGeom prst="curvedConnector2">
+            <a:avLst/>
+          </a:prstGeom>
+          <a:ln>
+            <a:tailEnd type="arrow"/>
+          </a:ln>
+        </p:spPr>
+        <p:style>
+          <a:lnRef idx="1">
+            <a:schemeClr val="accent1"/>
+          </a:lnRef>
+          <a:fillRef idx="0">
+            <a:schemeClr val="accent1"/>
+          </a:fillRef>
+          <a:effectRef idx="0">
+            <a:schemeClr val="accent1"/>
+          </a:effectRef>
+          <a:fontRef idx="minor">
+            <a:schemeClr val="tx1"/>
+          </a:fontRef>
+        </p:style>
+      </p:cxnSp>
+      <p:cxnSp>
+        <p:nvCxnSpPr>
+          <p:cNvPr id="11" name="Form 10"/>
+          <p:cNvCxnSpPr>
+            <a:stCxn id="7" idx="2"/>
+            <a:endCxn id="5" idx="1"/>
+          </p:cNvCxnSpPr>
+          <p:nvPr/>
+        </p:nvCxnSpPr>
+        <p:spPr>
+          <a:xfrm rot="16200000" flipH="1">
+            <a:off x="3899281" y="2661042"/>
+            <a:ext cx="1000132" cy="1250165"/>
+          </a:xfrm>
+          <a:prstGeom prst="curvedConnector2">
+            <a:avLst/>
+          </a:prstGeom>
+          <a:ln>
+            <a:tailEnd type="arrow"/>
+          </a:ln>
+        </p:spPr>
+        <p:style>
+          <a:lnRef idx="1">
+            <a:schemeClr val="accent1"/>
+          </a:lnRef>
+          <a:fillRef idx="0">
+            <a:schemeClr val="accent1"/>
+          </a:fillRef>
+          <a:effectRef idx="0">
+            <a:schemeClr val="accent1"/>
+          </a:effectRef>
+          <a:fontRef idx="minor">
+            <a:schemeClr val="tx1"/>
+          </a:fontRef>
+        </p:style>
+      </p:cxnSp>
+      <p:cxnSp>
+        <p:nvCxnSpPr>
+          <p:cNvPr id="15" name="Form 14"/>
+          <p:cNvCxnSpPr>
+            <a:stCxn id="5" idx="2"/>
+            <a:endCxn id="4" idx="1"/>
+          </p:cNvCxnSpPr>
+          <p:nvPr/>
+        </p:nvCxnSpPr>
+        <p:spPr>
+          <a:xfrm rot="16200000" flipH="1">
+            <a:off x="6292454" y="4125521"/>
+            <a:ext cx="1071570" cy="1250165"/>
+          </a:xfrm>
+          <a:prstGeom prst="curvedConnector2">
+            <a:avLst/>
+          </a:prstGeom>
+          <a:ln>
+            <a:tailEnd type="arrow"/>
+          </a:ln>
+        </p:spPr>
+        <p:style>
+          <a:lnRef idx="1">
+            <a:schemeClr val="accent1"/>
+          </a:lnRef>
+          <a:fillRef idx="0">
+            <a:schemeClr val="accent1"/>
+          </a:fillRef>
+          <a:effectRef idx="0">
+            <a:schemeClr val="accent1"/>
+          </a:effectRef>
+          <a:fontRef idx="minor">
+            <a:schemeClr val="tx1"/>
+          </a:fontRef>
+        </p:style>
+      </p:cxnSp>
+    </p:spTree>
+  </p:cSld>
+  <p:clrMapOvr>
+    <a:masterClrMapping/>
+  </p:clrMapOvr>
+  <p:timing>
+    <p:tnLst>
+      <p:par>
+        <p:cTn id="1" dur="indefinite" restart="never" nodeType="tmRoot"/>
+      </p:par>
+    </p:tnLst>
+  </p:timing>
+</p:sld>
+</file>
+
+<file path=ppt/slides/slide31.xml><?xml version="1.0" encoding="utf-8"?>
+<p:sld xmlns:a="http://schemas.openxmlformats.org/drawingml/2006/main" xmlns:r="http://schemas.openxmlformats.org/officeDocument/2006/relationships" xmlns:p="http://schemas.openxmlformats.org/presentationml/2006/main">
+  <p:cSld>
+    <p:spTree>
+      <p:nvGrpSpPr>
+        <p:cNvPr id="1" name=""/>
+        <p:cNvGrpSpPr/>
+        <p:nvPr/>
+      </p:nvGrpSpPr>
+      <p:grpSpPr>
+        <a:xfrm>
+          <a:off x="0" y="0"/>
+          <a:ext cx="0" cy="0"/>
+          <a:chOff x="0" y="0"/>
+          <a:chExt cx="0" cy="0"/>
+        </a:xfrm>
+      </p:grpSpPr>
+      <p:sp>
+        <p:nvSpPr>
+          <p:cNvPr id="2" name="Titel 1"/>
+          <p:cNvSpPr>
+            <a:spLocks noGrp="1"/>
+          </p:cNvSpPr>
+          <p:nvPr>
+            <p:ph type="title"/>
+          </p:nvPr>
+        </p:nvSpPr>
+        <p:spPr/>
+        <p:txBody>
+          <a:bodyPr>
+            <a:normAutofit/>
+          </a:bodyPr>
+          <a:lstStyle/>
+          <a:p>
+            <a:r>
+              <a:rPr lang="en-US" dirty="0" smtClean="0"/>
+              <a:t>Goals of the Scientific Method</a:t>
+            </a:r>
+            <a:endParaRPr lang="en-US" dirty="0"/>
+          </a:p>
+        </p:txBody>
+      </p:sp>
+      <p:sp>
+        <p:nvSpPr>
+          <p:cNvPr id="3" name="Inhaltsplatzhalter 2"/>
+          <p:cNvSpPr>
+            <a:spLocks noGrp="1"/>
+          </p:cNvSpPr>
+          <p:nvPr>
+            <p:ph idx="1"/>
+          </p:nvPr>
+        </p:nvSpPr>
+        <p:spPr/>
+        <p:txBody>
+          <a:bodyPr/>
+          <a:lstStyle/>
+          <a:p>
+            <a:r>
+              <a:rPr lang="en-US" dirty="0" smtClean="0"/>
+              <a:t>Theory</a:t>
+            </a:r>
+          </a:p>
+          <a:p>
+            <a:r>
+              <a:rPr lang="en-US" dirty="0" smtClean="0"/>
+              <a:t>Prediction</a:t>
+            </a:r>
+          </a:p>
+          <a:p>
+            <a:r>
+              <a:rPr lang="en-US" dirty="0" smtClean="0"/>
+              <a:t>Explanation</a:t>
+            </a:r>
+            <a:endParaRPr lang="en-US" dirty="0"/>
+          </a:p>
+        </p:txBody>
+      </p:sp>
+      <p:sp>
+        <p:nvSpPr>
+          <p:cNvPr id="4" name="Foliennummernplatzhalter 3"/>
+          <p:cNvSpPr>
+            <a:spLocks noGrp="1"/>
+          </p:cNvSpPr>
+          <p:nvPr>
+            <p:ph type="sldNum" sz="quarter" idx="12"/>
+          </p:nvPr>
+        </p:nvSpPr>
+        <p:spPr/>
+        <p:txBody>
+          <a:bodyPr/>
+          <a:lstStyle/>
+          <a:p>
+            <a:fld id="{6C6AE60A-B69C-4790-82F7-3882EDF23186}" type="slidenum">
+              <a:rPr lang="de-DE" smtClean="0"/>
+              <a:pPr/>
+              <a:t>31</a:t>
+            </a:fld>
+            <a:endParaRPr lang="de-DE"/>
+          </a:p>
+        </p:txBody>
+      </p:sp>
+    </p:spTree>
+  </p:cSld>
+  <p:clrMapOvr>
+    <a:masterClrMapping/>
+  </p:clrMapOvr>
+  <p:timing>
+    <p:tnLst>
+      <p:par>
+        <p:cTn id="1" dur="indefinite" restart="never" nodeType="tmRoot"/>
+      </p:par>
+    </p:tnLst>
+  </p:timing>
+</p:sld>
+</file>
+
+<file path=ppt/slides/slide32.xml><?xml version="1.0" encoding="utf-8"?>
+<p:sld xmlns:a="http://schemas.openxmlformats.org/drawingml/2006/main" xmlns:r="http://schemas.openxmlformats.org/officeDocument/2006/relationships" xmlns:p="http://schemas.openxmlformats.org/presentationml/2006/main">
+  <p:cSld>
+    <p:spTree>
+      <p:nvGrpSpPr>
+        <p:cNvPr id="1" name=""/>
+        <p:cNvGrpSpPr/>
+        <p:nvPr/>
+      </p:nvGrpSpPr>
+      <p:grpSpPr>
+        <a:xfrm>
+          <a:off x="0" y="0"/>
+          <a:ext cx="0" cy="0"/>
+          <a:chOff x="0" y="0"/>
+          <a:chExt cx="0" cy="0"/>
+        </a:xfrm>
+      </p:grpSpPr>
+      <p:sp>
+        <p:nvSpPr>
           <p:cNvPr id="2" name="Titel 1"/>
           <p:cNvSpPr>
             <a:spLocks noGrp="1"/>
@@ -15760,7 +15961,7 @@
             <a:fld id="{6C6AE60A-B69C-4790-82F7-3882EDF23186}" type="slidenum">
               <a:rPr lang="de-DE" smtClean="0"/>
               <a:pPr/>
-              <a:t>30</a:t>
+              <a:t>32</a:t>
             </a:fld>
             <a:endParaRPr lang="de-DE"/>
           </a:p>
@@ -16029,7 +16230,7 @@
 </p:sld>
 </file>
 
-<file path=ppt/slides/slide31.xml><?xml version="1.0" encoding="utf-8"?>
+<file path=ppt/slides/slide33.xml><?xml version="1.0" encoding="utf-8"?>
 <p:sld xmlns:a="http://schemas.openxmlformats.org/drawingml/2006/main" xmlns:r="http://schemas.openxmlformats.org/officeDocument/2006/relationships" xmlns:p="http://schemas.openxmlformats.org/presentationml/2006/main">
   <p:cSld>
     <p:spTree>
@@ -16308,7 +16509,7 @@
             <a:fld id="{6C6AE60A-B69C-4790-82F7-3882EDF23186}" type="slidenum">
               <a:rPr lang="de-DE" smtClean="0"/>
               <a:pPr/>
-              <a:t>31</a:t>
+              <a:t>33</a:t>
             </a:fld>
             <a:endParaRPr lang="de-DE"/>
           </a:p>
@@ -16564,7 +16765,7 @@
 </p:sld>
 </file>
 
-<file path=ppt/slides/slide32.xml><?xml version="1.0" encoding="utf-8"?>
+<file path=ppt/slides/slide34.xml><?xml version="1.0" encoding="utf-8"?>
 <p:sld xmlns:a="http://schemas.openxmlformats.org/drawingml/2006/main" xmlns:r="http://schemas.openxmlformats.org/officeDocument/2006/relationships" xmlns:p="http://schemas.openxmlformats.org/presentationml/2006/main">
   <p:cSld>
     <p:spTree>
@@ -16749,7 +16950,7 @@
             <a:fld id="{6C6AE60A-B69C-4790-82F7-3882EDF23186}" type="slidenum">
               <a:rPr lang="de-DE" smtClean="0"/>
               <a:pPr/>
-              <a:t>32</a:t>
+              <a:t>34</a:t>
             </a:fld>
             <a:endParaRPr lang="de-DE"/>
           </a:p>
@@ -17033,7 +17234,7 @@
 </p:sld>
 </file>
 
-<file path=ppt/slides/slide33.xml><?xml version="1.0" encoding="utf-8"?>
+<file path=ppt/slides/slide35.xml><?xml version="1.0" encoding="utf-8"?>
 <p:sld xmlns:a="http://schemas.openxmlformats.org/drawingml/2006/main" xmlns:r="http://schemas.openxmlformats.org/officeDocument/2006/relationships" xmlns:p="http://schemas.openxmlformats.org/presentationml/2006/main">
   <p:cSld>
     <p:spTree>
@@ -17450,7 +17651,7 @@
             <a:fld id="{6C6AE60A-B69C-4790-82F7-3882EDF23186}" type="slidenum">
               <a:rPr lang="de-DE" smtClean="0"/>
               <a:pPr/>
-              <a:t>33</a:t>
+              <a:t>35</a:t>
             </a:fld>
             <a:endParaRPr lang="de-DE"/>
           </a:p>
@@ -17675,7 +17876,7 @@
 </p:sld>
 </file>
 
-<file path=ppt/slides/slide34.xml><?xml version="1.0" encoding="utf-8"?>
+<file path=ppt/slides/slide36.xml><?xml version="1.0" encoding="utf-8"?>
 <p:sld xmlns:a="http://schemas.openxmlformats.org/drawingml/2006/main" xmlns:r="http://schemas.openxmlformats.org/officeDocument/2006/relationships" xmlns:p="http://schemas.openxmlformats.org/presentationml/2006/main">
   <p:cSld>
     <p:spTree>
@@ -18163,7 +18364,7 @@
             <a:fld id="{6C6AE60A-B69C-4790-82F7-3882EDF23186}" type="slidenum">
               <a:rPr lang="de-DE" smtClean="0"/>
               <a:pPr/>
-              <a:t>34</a:t>
+              <a:t>36</a:t>
             </a:fld>
             <a:endParaRPr lang="de-DE"/>
           </a:p>
@@ -18543,7 +18744,7 @@
 </p:sld>
 </file>
 
-<file path=ppt/slides/slide35.xml><?xml version="1.0" encoding="utf-8"?>
+<file path=ppt/slides/slide37.xml><?xml version="1.0" encoding="utf-8"?>
 <p:sld xmlns:a="http://schemas.openxmlformats.org/drawingml/2006/main" xmlns:r="http://schemas.openxmlformats.org/officeDocument/2006/relationships" xmlns:p="http://schemas.openxmlformats.org/presentationml/2006/main">
   <p:cSld>
     <p:spTree>
@@ -19016,7 +19217,7 @@
             <a:fld id="{6C6AE60A-B69C-4790-82F7-3882EDF23186}" type="slidenum">
               <a:rPr lang="de-DE" smtClean="0"/>
               <a:pPr/>
-              <a:t>35</a:t>
+              <a:t>37</a:t>
             </a:fld>
             <a:endParaRPr lang="de-DE"/>
           </a:p>
@@ -19360,7 +19561,7 @@
 </p:sld>
 </file>
 
-<file path=ppt/slides/slide36.xml><?xml version="1.0" encoding="utf-8"?>
+<file path=ppt/slides/slide38.xml><?xml version="1.0" encoding="utf-8"?>
 <p:sld xmlns:a="http://schemas.openxmlformats.org/drawingml/2006/main" xmlns:r="http://schemas.openxmlformats.org/officeDocument/2006/relationships" xmlns:p="http://schemas.openxmlformats.org/presentationml/2006/main">
   <p:cSld>
     <p:spTree>
@@ -19881,7 +20082,7 @@
             <a:fld id="{6C6AE60A-B69C-4790-82F7-3882EDF23186}" type="slidenum">
               <a:rPr lang="de-DE" smtClean="0"/>
               <a:pPr/>
-              <a:t>36</a:t>
+              <a:t>38</a:t>
             </a:fld>
             <a:endParaRPr lang="de-DE"/>
           </a:p>
@@ -20181,7 +20382,7 @@
 </p:sld>
 </file>
 
-<file path=ppt/slides/slide37.xml><?xml version="1.0" encoding="utf-8"?>
+<file path=ppt/slides/slide39.xml><?xml version="1.0" encoding="utf-8"?>
 <p:sld xmlns:a="http://schemas.openxmlformats.org/drawingml/2006/main" xmlns:r="http://schemas.openxmlformats.org/officeDocument/2006/relationships" xmlns:p="http://schemas.openxmlformats.org/presentationml/2006/main">
   <p:cSld>
     <p:spTree>
@@ -20731,7 +20932,7 @@
             <a:fld id="{6C6AE60A-B69C-4790-82F7-3882EDF23186}" type="slidenum">
               <a:rPr lang="de-DE" smtClean="0"/>
               <a:pPr/>
-              <a:t>37</a:t>
+              <a:t>39</a:t>
             </a:fld>
             <a:endParaRPr lang="de-DE"/>
           </a:p>
@@ -20752,7 +20953,7 @@
 </p:sld>
 </file>
 
-<file path=ppt/slides/slide38.xml><?xml version="1.0" encoding="utf-8"?>
+<file path=ppt/slides/slide4.xml><?xml version="1.0" encoding="utf-8"?>
 <p:sld xmlns:a="http://schemas.openxmlformats.org/drawingml/2006/main" xmlns:r="http://schemas.openxmlformats.org/officeDocument/2006/relationships" xmlns:p="http://schemas.openxmlformats.org/presentationml/2006/main">
   <p:cSld>
     <p:spTree>
@@ -20785,10 +20986,10 @@
           <a:lstStyle/>
           <a:p>
             <a:r>
-              <a:rPr lang="en-US" dirty="0" smtClean="0"/>
-              <a:t>Overview</a:t>
-            </a:r>
-            <a:endParaRPr lang="en-US" dirty="0"/>
+              <a:rPr lang="de-DE" dirty="0" smtClean="0"/>
+              <a:t>Project</a:t>
+            </a:r>
+            <a:endParaRPr lang="de-DE" dirty="0"/>
           </a:p>
         </p:txBody>
       </p:sp>
@@ -20804,16 +21005,288 @@
         </p:nvSpPr>
         <p:spPr/>
         <p:txBody>
-          <a:bodyPr/>
+          <a:bodyPr>
+            <a:normAutofit/>
+          </a:bodyPr>
           <a:lstStyle/>
           <a:p>
-            <a:endParaRPr lang="en-US"/>
-          </a:p>
-        </p:txBody>
-      </p:sp>
-      <p:sp>
-        <p:nvSpPr>
-          <p:cNvPr id="23" name="Foliennummernplatzhalter 22"/>
+            <a:r>
+              <a:rPr lang="de-DE" dirty="0" err="1" smtClean="0"/>
+              <a:t>Evaluate</a:t>
+            </a:r>
+            <a:r>
+              <a:rPr lang="de-DE" dirty="0" smtClean="0"/>
+              <a:t> a </a:t>
+            </a:r>
+            <a:r>
+              <a:rPr lang="de-DE" dirty="0" err="1" smtClean="0"/>
+              <a:t>self-selected</a:t>
+            </a:r>
+            <a:r>
+              <a:rPr lang="de-DE" dirty="0" smtClean="0"/>
+              <a:t> </a:t>
+            </a:r>
+            <a:r>
+              <a:rPr lang="de-DE" dirty="0" err="1" smtClean="0"/>
+              <a:t>research</a:t>
+            </a:r>
+            <a:r>
+              <a:rPr lang="de-DE" dirty="0" smtClean="0"/>
+              <a:t> </a:t>
+            </a:r>
+            <a:r>
+              <a:rPr lang="de-DE" dirty="0" err="1" smtClean="0"/>
+              <a:t>question</a:t>
+            </a:r>
+            <a:r>
+              <a:rPr lang="de-DE" dirty="0" smtClean="0"/>
+              <a:t> </a:t>
+            </a:r>
+            <a:r>
+              <a:rPr lang="de-DE" dirty="0" err="1" smtClean="0"/>
+              <a:t>and</a:t>
+            </a:r>
+            <a:r>
+              <a:rPr lang="de-DE" dirty="0" smtClean="0"/>
+              <a:t> </a:t>
+            </a:r>
+            <a:r>
+              <a:rPr lang="de-DE" dirty="0" err="1" smtClean="0"/>
+              <a:t>write</a:t>
+            </a:r>
+            <a:r>
+              <a:rPr lang="de-DE" dirty="0" smtClean="0"/>
+              <a:t> a </a:t>
+            </a:r>
+            <a:r>
+              <a:rPr lang="de-DE" dirty="0" err="1" smtClean="0"/>
+              <a:t>report</a:t>
+            </a:r>
+            <a:r>
+              <a:rPr lang="de-DE" dirty="0" smtClean="0"/>
+              <a:t> on </a:t>
+            </a:r>
+            <a:r>
+              <a:rPr lang="de-DE" dirty="0" err="1" smtClean="0"/>
+              <a:t>it</a:t>
+            </a:r>
+            <a:endParaRPr lang="de-DE" dirty="0" smtClean="0"/>
+          </a:p>
+          <a:p>
+            <a:pPr lvl="1"/>
+            <a:r>
+              <a:rPr lang="de-DE" dirty="0" smtClean="0"/>
+              <a:t>Do </a:t>
+            </a:r>
+            <a:r>
+              <a:rPr lang="de-DE" dirty="0" err="1" smtClean="0"/>
+              <a:t>comments</a:t>
+            </a:r>
+            <a:r>
+              <a:rPr lang="de-DE" dirty="0" smtClean="0"/>
+              <a:t> </a:t>
+            </a:r>
+            <a:r>
+              <a:rPr lang="de-DE" dirty="0" err="1" smtClean="0"/>
+              <a:t>support</a:t>
+            </a:r>
+            <a:r>
+              <a:rPr lang="de-DE" dirty="0" smtClean="0"/>
+              <a:t> </a:t>
+            </a:r>
+            <a:r>
+              <a:rPr lang="de-DE" dirty="0" err="1" smtClean="0"/>
+              <a:t>comprehensibilty</a:t>
+            </a:r>
+            <a:r>
+              <a:rPr lang="de-DE" dirty="0" smtClean="0"/>
+              <a:t> </a:t>
+            </a:r>
+            <a:r>
+              <a:rPr lang="de-DE" dirty="0" err="1" smtClean="0"/>
+              <a:t>of</a:t>
+            </a:r>
+            <a:r>
+              <a:rPr lang="de-DE" dirty="0" smtClean="0"/>
+              <a:t> </a:t>
+            </a:r>
+            <a:r>
+              <a:rPr lang="de-DE" dirty="0" err="1" smtClean="0"/>
+              <a:t>source</a:t>
+            </a:r>
+            <a:r>
+              <a:rPr lang="de-DE" dirty="0" smtClean="0"/>
+              <a:t> </a:t>
+            </a:r>
+            <a:r>
+              <a:rPr lang="de-DE" dirty="0" err="1" smtClean="0"/>
+              <a:t>code</a:t>
+            </a:r>
+            <a:r>
+              <a:rPr lang="de-DE" dirty="0" smtClean="0"/>
+              <a:t>?</a:t>
+            </a:r>
+          </a:p>
+          <a:p>
+            <a:pPr lvl="1"/>
+            <a:r>
+              <a:rPr lang="de-DE" dirty="0" err="1" smtClean="0"/>
+              <a:t>Does</a:t>
+            </a:r>
+            <a:r>
+              <a:rPr lang="de-DE" dirty="0" smtClean="0"/>
+              <a:t> </a:t>
+            </a:r>
+            <a:r>
+              <a:rPr lang="de-DE" dirty="0" err="1" smtClean="0"/>
+              <a:t>my</a:t>
+            </a:r>
+            <a:r>
+              <a:rPr lang="de-DE" dirty="0" smtClean="0"/>
+              <a:t> </a:t>
+            </a:r>
+            <a:r>
+              <a:rPr lang="de-DE" dirty="0" err="1" smtClean="0"/>
+              <a:t>new</a:t>
+            </a:r>
+            <a:r>
+              <a:rPr lang="de-DE" dirty="0" smtClean="0"/>
+              <a:t> prototype </a:t>
+            </a:r>
+            <a:r>
+              <a:rPr lang="de-DE" dirty="0" err="1" smtClean="0"/>
+              <a:t>improve</a:t>
+            </a:r>
+            <a:r>
+              <a:rPr lang="de-DE" dirty="0" smtClean="0"/>
+              <a:t> a </a:t>
+            </a:r>
+            <a:r>
+              <a:rPr lang="de-DE" dirty="0" err="1" smtClean="0"/>
+              <a:t>workflow</a:t>
+            </a:r>
+            <a:r>
+              <a:rPr lang="de-DE" dirty="0" smtClean="0"/>
+              <a:t>?</a:t>
+            </a:r>
+          </a:p>
+          <a:p>
+            <a:r>
+              <a:rPr lang="de-DE" dirty="0" smtClean="0"/>
+              <a:t>Working </a:t>
+            </a:r>
+            <a:r>
+              <a:rPr lang="de-DE" dirty="0" err="1" smtClean="0"/>
+              <a:t>hours</a:t>
+            </a:r>
+            <a:r>
+              <a:rPr lang="de-DE" dirty="0"/>
+              <a:t> </a:t>
+            </a:r>
+            <a:r>
+              <a:rPr lang="de-DE" dirty="0" smtClean="0"/>
+              <a:t>per </a:t>
+            </a:r>
+            <a:r>
+              <a:rPr lang="de-DE" dirty="0" err="1" smtClean="0"/>
+              <a:t>person</a:t>
+            </a:r>
+            <a:r>
+              <a:rPr lang="de-DE" dirty="0" smtClean="0"/>
+              <a:t>:</a:t>
+            </a:r>
+          </a:p>
+          <a:p>
+            <a:pPr lvl="1"/>
+            <a:r>
+              <a:rPr lang="de-DE" dirty="0" smtClean="0"/>
+              <a:t>40 </a:t>
+            </a:r>
+            <a:r>
+              <a:rPr lang="de-DE" dirty="0" err="1" smtClean="0"/>
+              <a:t>hours</a:t>
+            </a:r>
+            <a:r>
+              <a:rPr lang="de-DE" dirty="0" smtClean="0"/>
+              <a:t> </a:t>
+            </a:r>
+            <a:r>
+              <a:rPr lang="de-DE" dirty="0" err="1" smtClean="0"/>
+              <a:t>of</a:t>
+            </a:r>
+            <a:r>
+              <a:rPr lang="de-DE" dirty="0" smtClean="0"/>
+              <a:t> </a:t>
+            </a:r>
+            <a:r>
+              <a:rPr lang="de-DE" dirty="0" err="1" smtClean="0"/>
+              <a:t>research</a:t>
+            </a:r>
+            <a:r>
+              <a:rPr lang="de-DE" dirty="0" smtClean="0"/>
+              <a:t> +</a:t>
+            </a:r>
+          </a:p>
+          <a:p>
+            <a:pPr lvl="1"/>
+            <a:r>
+              <a:rPr lang="de-DE" dirty="0" smtClean="0"/>
+              <a:t>20 </a:t>
+            </a:r>
+            <a:r>
+              <a:rPr lang="de-DE" dirty="0" err="1" smtClean="0"/>
+              <a:t>hours</a:t>
+            </a:r>
+            <a:r>
+              <a:rPr lang="de-DE" dirty="0" smtClean="0"/>
+              <a:t> </a:t>
+            </a:r>
+            <a:r>
+              <a:rPr lang="de-DE" dirty="0" err="1" smtClean="0"/>
+              <a:t>of</a:t>
+            </a:r>
+            <a:r>
+              <a:rPr lang="de-DE" dirty="0" smtClean="0"/>
+              <a:t> </a:t>
+            </a:r>
+            <a:r>
+              <a:rPr lang="de-DE" dirty="0" err="1" smtClean="0"/>
+              <a:t>writing</a:t>
+            </a:r>
+            <a:endParaRPr lang="de-DE" dirty="0" smtClean="0"/>
+          </a:p>
+          <a:p>
+            <a:r>
+              <a:rPr lang="de-DE" dirty="0" smtClean="0"/>
+              <a:t>2 </a:t>
+            </a:r>
+            <a:r>
+              <a:rPr lang="de-DE" dirty="0" err="1" smtClean="0"/>
+              <a:t>to</a:t>
+            </a:r>
+            <a:r>
+              <a:rPr lang="de-DE" dirty="0" smtClean="0"/>
+              <a:t> 3 </a:t>
+            </a:r>
+            <a:r>
+              <a:rPr lang="de-DE" dirty="0" err="1" smtClean="0"/>
+              <a:t>persons</a:t>
+            </a:r>
+            <a:r>
+              <a:rPr lang="de-DE" dirty="0" smtClean="0"/>
+              <a:t> per </a:t>
+            </a:r>
+            <a:r>
+              <a:rPr lang="de-DE" dirty="0" err="1" smtClean="0"/>
+              <a:t>project</a:t>
+            </a:r>
+            <a:endParaRPr lang="de-DE" dirty="0"/>
+          </a:p>
+        </p:txBody>
+      </p:sp>
+      <p:sp>
+        <p:nvSpPr>
+          <p:cNvPr id="4" name="Foliennummernplatzhalter 3"/>
           <p:cNvSpPr>
             <a:spLocks noGrp="1"/>
           </p:cNvSpPr>
@@ -20829,7 +21302,110 @@
             <a:fld id="{6C6AE60A-B69C-4790-82F7-3882EDF23186}" type="slidenum">
               <a:rPr lang="de-DE" smtClean="0"/>
               <a:pPr/>
-              <a:t>38</a:t>
+              <a:t>4</a:t>
+            </a:fld>
+            <a:endParaRPr lang="de-DE"/>
+          </a:p>
+        </p:txBody>
+      </p:sp>
+    </p:spTree>
+    <p:extLst>
+      <p:ext uri="{BB962C8B-B14F-4D97-AF65-F5344CB8AC3E}">
+        <p14:creationId xmlns:p14="http://schemas.microsoft.com/office/powerpoint/2010/main" val="1433335006"/>
+      </p:ext>
+    </p:extLst>
+  </p:cSld>
+  <p:clrMapOvr>
+    <a:masterClrMapping/>
+  </p:clrMapOvr>
+  <p:timing>
+    <p:tnLst>
+      <p:par>
+        <p:cTn id="1" dur="indefinite" restart="never" nodeType="tmRoot"/>
+      </p:par>
+    </p:tnLst>
+  </p:timing>
+</p:sld>
+</file>
+
+<file path=ppt/slides/slide40.xml><?xml version="1.0" encoding="utf-8"?>
+<p:sld xmlns:a="http://schemas.openxmlformats.org/drawingml/2006/main" xmlns:r="http://schemas.openxmlformats.org/officeDocument/2006/relationships" xmlns:p="http://schemas.openxmlformats.org/presentationml/2006/main">
+  <p:cSld>
+    <p:spTree>
+      <p:nvGrpSpPr>
+        <p:cNvPr id="1" name=""/>
+        <p:cNvGrpSpPr/>
+        <p:nvPr/>
+      </p:nvGrpSpPr>
+      <p:grpSpPr>
+        <a:xfrm>
+          <a:off x="0" y="0"/>
+          <a:ext cx="0" cy="0"/>
+          <a:chOff x="0" y="0"/>
+          <a:chExt cx="0" cy="0"/>
+        </a:xfrm>
+      </p:grpSpPr>
+      <p:sp>
+        <p:nvSpPr>
+          <p:cNvPr id="2" name="Titel 1"/>
+          <p:cNvSpPr>
+            <a:spLocks noGrp="1"/>
+          </p:cNvSpPr>
+          <p:nvPr>
+            <p:ph type="title"/>
+          </p:nvPr>
+        </p:nvSpPr>
+        <p:spPr/>
+        <p:txBody>
+          <a:bodyPr/>
+          <a:lstStyle/>
+          <a:p>
+            <a:r>
+              <a:rPr lang="en-US" dirty="0" smtClean="0"/>
+              <a:t>Overview</a:t>
+            </a:r>
+            <a:endParaRPr lang="en-US" dirty="0"/>
+          </a:p>
+        </p:txBody>
+      </p:sp>
+      <p:sp>
+        <p:nvSpPr>
+          <p:cNvPr id="3" name="Inhaltsplatzhalter 2"/>
+          <p:cNvSpPr>
+            <a:spLocks noGrp="1"/>
+          </p:cNvSpPr>
+          <p:nvPr>
+            <p:ph idx="1"/>
+          </p:nvPr>
+        </p:nvSpPr>
+        <p:spPr/>
+        <p:txBody>
+          <a:bodyPr/>
+          <a:lstStyle/>
+          <a:p>
+            <a:endParaRPr lang="en-US"/>
+          </a:p>
+        </p:txBody>
+      </p:sp>
+      <p:sp>
+        <p:nvSpPr>
+          <p:cNvPr id="23" name="Foliennummernplatzhalter 22"/>
+          <p:cNvSpPr>
+            <a:spLocks noGrp="1"/>
+          </p:cNvSpPr>
+          <p:nvPr>
+            <p:ph type="sldNum" sz="quarter" idx="12"/>
+          </p:nvPr>
+        </p:nvSpPr>
+        <p:spPr/>
+        <p:txBody>
+          <a:bodyPr/>
+          <a:lstStyle/>
+          <a:p>
+            <a:fld id="{6C6AE60A-B69C-4790-82F7-3882EDF23186}" type="slidenum">
+              <a:rPr lang="de-DE" smtClean="0"/>
+              <a:pPr/>
+              <a:t>40</a:t>
             </a:fld>
             <a:endParaRPr lang="de-DE"/>
           </a:p>
@@ -21360,7 +21936,7 @@
 </p:sld>
 </file>
 
-<file path=ppt/slides/slide39.xml><?xml version="1.0" encoding="utf-8"?>
+<file path=ppt/slides/slide41.xml><?xml version="1.0" encoding="utf-8"?>
 <p:sld xmlns:a="http://schemas.openxmlformats.org/drawingml/2006/main" xmlns:r="http://schemas.openxmlformats.org/officeDocument/2006/relationships" xmlns:p="http://schemas.openxmlformats.org/presentationml/2006/main">
   <p:cSld>
     <p:spTree>
@@ -21540,388 +22116,13 @@
             <a:fld id="{6C6AE60A-B69C-4790-82F7-3882EDF23186}" type="slidenum">
               <a:rPr lang="de-DE" smtClean="0"/>
               <a:pPr/>
-              <a:t>39</a:t>
+              <a:t>41</a:t>
             </a:fld>
             <a:endParaRPr lang="de-DE"/>
           </a:p>
         </p:txBody>
       </p:sp>
     </p:spTree>
-  </p:cSld>
-  <p:clrMapOvr>
-    <a:masterClrMapping/>
-  </p:clrMapOvr>
-  <p:timing>
-    <p:tnLst>
-      <p:par>
-        <p:cTn id="1" dur="indefinite" restart="never" nodeType="tmRoot"/>
-      </p:par>
-    </p:tnLst>
-  </p:timing>
-</p:sld>
-</file>
-
-<file path=ppt/slides/slide4.xml><?xml version="1.0" encoding="utf-8"?>
-<p:sld xmlns:a="http://schemas.openxmlformats.org/drawingml/2006/main" xmlns:r="http://schemas.openxmlformats.org/officeDocument/2006/relationships" xmlns:p="http://schemas.openxmlformats.org/presentationml/2006/main">
-  <p:cSld>
-    <p:spTree>
-      <p:nvGrpSpPr>
-        <p:cNvPr id="1" name=""/>
-        <p:cNvGrpSpPr/>
-        <p:nvPr/>
-      </p:nvGrpSpPr>
-      <p:grpSpPr>
-        <a:xfrm>
-          <a:off x="0" y="0"/>
-          <a:ext cx="0" cy="0"/>
-          <a:chOff x="0" y="0"/>
-          <a:chExt cx="0" cy="0"/>
-        </a:xfrm>
-      </p:grpSpPr>
-      <p:sp>
-        <p:nvSpPr>
-          <p:cNvPr id="2" name="Titel 1"/>
-          <p:cNvSpPr>
-            <a:spLocks noGrp="1"/>
-          </p:cNvSpPr>
-          <p:nvPr>
-            <p:ph type="title"/>
-          </p:nvPr>
-        </p:nvSpPr>
-        <p:spPr/>
-        <p:txBody>
-          <a:bodyPr/>
-          <a:lstStyle/>
-          <a:p>
-            <a:r>
-              <a:rPr lang="de-DE" dirty="0" smtClean="0"/>
-              <a:t>Project</a:t>
-            </a:r>
-            <a:endParaRPr lang="de-DE" dirty="0"/>
-          </a:p>
-        </p:txBody>
-      </p:sp>
-      <p:sp>
-        <p:nvSpPr>
-          <p:cNvPr id="3" name="Inhaltsplatzhalter 2"/>
-          <p:cNvSpPr>
-            <a:spLocks noGrp="1"/>
-          </p:cNvSpPr>
-          <p:nvPr>
-            <p:ph idx="1"/>
-          </p:nvPr>
-        </p:nvSpPr>
-        <p:spPr/>
-        <p:txBody>
-          <a:bodyPr>
-            <a:normAutofit/>
-          </a:bodyPr>
-          <a:lstStyle/>
-          <a:p>
-            <a:r>
-              <a:rPr lang="de-DE" dirty="0" err="1" smtClean="0"/>
-              <a:t>Evaluate</a:t>
-            </a:r>
-            <a:r>
-              <a:rPr lang="de-DE" dirty="0" smtClean="0"/>
-              <a:t> a </a:t>
-            </a:r>
-            <a:r>
-              <a:rPr lang="de-DE" dirty="0" err="1" smtClean="0"/>
-              <a:t>self-selected</a:t>
-            </a:r>
-            <a:r>
-              <a:rPr lang="de-DE" dirty="0" smtClean="0"/>
-              <a:t> </a:t>
-            </a:r>
-            <a:r>
-              <a:rPr lang="de-DE" dirty="0" err="1" smtClean="0"/>
-              <a:t>research</a:t>
-            </a:r>
-            <a:r>
-              <a:rPr lang="de-DE" dirty="0" smtClean="0"/>
-              <a:t> </a:t>
-            </a:r>
-            <a:r>
-              <a:rPr lang="de-DE" dirty="0" err="1" smtClean="0"/>
-              <a:t>question</a:t>
-            </a:r>
-            <a:r>
-              <a:rPr lang="de-DE" dirty="0" smtClean="0"/>
-              <a:t> </a:t>
-            </a:r>
-            <a:r>
-              <a:rPr lang="de-DE" dirty="0" err="1" smtClean="0"/>
-              <a:t>and</a:t>
-            </a:r>
-            <a:r>
-              <a:rPr lang="de-DE" dirty="0" smtClean="0"/>
-              <a:t> </a:t>
-            </a:r>
-            <a:r>
-              <a:rPr lang="de-DE" dirty="0" err="1" smtClean="0"/>
-              <a:t>write</a:t>
-            </a:r>
-            <a:r>
-              <a:rPr lang="de-DE" dirty="0" smtClean="0"/>
-              <a:t> a </a:t>
-            </a:r>
-            <a:r>
-              <a:rPr lang="de-DE" dirty="0" err="1" smtClean="0"/>
-              <a:t>report</a:t>
-            </a:r>
-            <a:r>
-              <a:rPr lang="de-DE" dirty="0" smtClean="0"/>
-              <a:t> on </a:t>
-            </a:r>
-            <a:r>
-              <a:rPr lang="de-DE" dirty="0" err="1" smtClean="0"/>
-              <a:t>it</a:t>
-            </a:r>
-            <a:endParaRPr lang="de-DE" dirty="0" smtClean="0"/>
-          </a:p>
-          <a:p>
-            <a:pPr lvl="1"/>
-            <a:r>
-              <a:rPr lang="de-DE" dirty="0" smtClean="0"/>
-              <a:t>Do </a:t>
-            </a:r>
-            <a:r>
-              <a:rPr lang="de-DE" dirty="0" err="1" smtClean="0"/>
-              <a:t>comments</a:t>
-            </a:r>
-            <a:r>
-              <a:rPr lang="de-DE" dirty="0" smtClean="0"/>
-              <a:t> </a:t>
-            </a:r>
-            <a:r>
-              <a:rPr lang="de-DE" dirty="0" err="1" smtClean="0"/>
-              <a:t>support</a:t>
-            </a:r>
-            <a:r>
-              <a:rPr lang="de-DE" dirty="0" smtClean="0"/>
-              <a:t> </a:t>
-            </a:r>
-            <a:r>
-              <a:rPr lang="de-DE" dirty="0" err="1" smtClean="0"/>
-              <a:t>comprehensibilty</a:t>
-            </a:r>
-            <a:r>
-              <a:rPr lang="de-DE" dirty="0" smtClean="0"/>
-              <a:t> </a:t>
-            </a:r>
-            <a:r>
-              <a:rPr lang="de-DE" dirty="0" err="1" smtClean="0"/>
-              <a:t>of</a:t>
-            </a:r>
-            <a:r>
-              <a:rPr lang="de-DE" dirty="0" smtClean="0"/>
-              <a:t> </a:t>
-            </a:r>
-            <a:r>
-              <a:rPr lang="de-DE" dirty="0" err="1" smtClean="0"/>
-              <a:t>source</a:t>
-            </a:r>
-            <a:r>
-              <a:rPr lang="de-DE" dirty="0" smtClean="0"/>
-              <a:t> </a:t>
-            </a:r>
-            <a:r>
-              <a:rPr lang="de-DE" dirty="0" err="1" smtClean="0"/>
-              <a:t>code</a:t>
-            </a:r>
-            <a:r>
-              <a:rPr lang="de-DE" dirty="0" smtClean="0"/>
-              <a:t>?</a:t>
-            </a:r>
-          </a:p>
-          <a:p>
-            <a:pPr lvl="1"/>
-            <a:r>
-              <a:rPr lang="de-DE" dirty="0" err="1" smtClean="0"/>
-              <a:t>Does</a:t>
-            </a:r>
-            <a:r>
-              <a:rPr lang="de-DE" dirty="0" smtClean="0"/>
-              <a:t> </a:t>
-            </a:r>
-            <a:r>
-              <a:rPr lang="de-DE" dirty="0" err="1" smtClean="0"/>
-              <a:t>my</a:t>
-            </a:r>
-            <a:r>
-              <a:rPr lang="de-DE" dirty="0" smtClean="0"/>
-              <a:t> </a:t>
-            </a:r>
-            <a:r>
-              <a:rPr lang="de-DE" dirty="0" err="1" smtClean="0"/>
-              <a:t>new</a:t>
-            </a:r>
-            <a:r>
-              <a:rPr lang="de-DE" dirty="0" smtClean="0"/>
-              <a:t> prototype </a:t>
-            </a:r>
-            <a:r>
-              <a:rPr lang="de-DE" dirty="0" err="1" smtClean="0"/>
-              <a:t>improve</a:t>
-            </a:r>
-            <a:r>
-              <a:rPr lang="de-DE" dirty="0" smtClean="0"/>
-              <a:t> a </a:t>
-            </a:r>
-            <a:r>
-              <a:rPr lang="de-DE" dirty="0" err="1" smtClean="0"/>
-              <a:t>workflow</a:t>
-            </a:r>
-            <a:r>
-              <a:rPr lang="de-DE" dirty="0" smtClean="0"/>
-              <a:t>?</a:t>
-            </a:r>
-          </a:p>
-          <a:p>
-            <a:r>
-              <a:rPr lang="de-DE" dirty="0" smtClean="0"/>
-              <a:t>Working </a:t>
-            </a:r>
-            <a:r>
-              <a:rPr lang="de-DE" dirty="0" err="1" smtClean="0"/>
-              <a:t>hours</a:t>
-            </a:r>
-            <a:r>
-              <a:rPr lang="de-DE" dirty="0"/>
-              <a:t> </a:t>
-            </a:r>
-            <a:r>
-              <a:rPr lang="de-DE" dirty="0" smtClean="0"/>
-              <a:t>per </a:t>
-            </a:r>
-            <a:r>
-              <a:rPr lang="de-DE" dirty="0" err="1" smtClean="0"/>
-              <a:t>person</a:t>
-            </a:r>
-            <a:r>
-              <a:rPr lang="de-DE" dirty="0" smtClean="0"/>
-              <a:t>:</a:t>
-            </a:r>
-          </a:p>
-          <a:p>
-            <a:pPr lvl="1"/>
-            <a:r>
-              <a:rPr lang="de-DE" dirty="0" smtClean="0"/>
-              <a:t>40 </a:t>
-            </a:r>
-            <a:r>
-              <a:rPr lang="de-DE" dirty="0" err="1" smtClean="0"/>
-              <a:t>hours</a:t>
-            </a:r>
-            <a:r>
-              <a:rPr lang="de-DE" dirty="0" smtClean="0"/>
-              <a:t> </a:t>
-            </a:r>
-            <a:r>
-              <a:rPr lang="de-DE" dirty="0" err="1" smtClean="0"/>
-              <a:t>of</a:t>
-            </a:r>
-            <a:r>
-              <a:rPr lang="de-DE" dirty="0" smtClean="0"/>
-              <a:t> </a:t>
-            </a:r>
-            <a:r>
-              <a:rPr lang="de-DE" dirty="0" err="1" smtClean="0"/>
-              <a:t>research</a:t>
-            </a:r>
-            <a:r>
-              <a:rPr lang="de-DE" dirty="0" smtClean="0"/>
-              <a:t> +</a:t>
-            </a:r>
-          </a:p>
-          <a:p>
-            <a:pPr lvl="1"/>
-            <a:r>
-              <a:rPr lang="de-DE" dirty="0" smtClean="0"/>
-              <a:t>20 </a:t>
-            </a:r>
-            <a:r>
-              <a:rPr lang="de-DE" dirty="0" err="1" smtClean="0"/>
-              <a:t>hours</a:t>
-            </a:r>
-            <a:r>
-              <a:rPr lang="de-DE" dirty="0" smtClean="0"/>
-              <a:t> </a:t>
-            </a:r>
-            <a:r>
-              <a:rPr lang="de-DE" dirty="0" err="1" smtClean="0"/>
-              <a:t>of</a:t>
-            </a:r>
-            <a:r>
-              <a:rPr lang="de-DE" dirty="0" smtClean="0"/>
-              <a:t> </a:t>
-            </a:r>
-            <a:r>
-              <a:rPr lang="de-DE" dirty="0" err="1" smtClean="0"/>
-              <a:t>writing</a:t>
-            </a:r>
-            <a:endParaRPr lang="de-DE" dirty="0" smtClean="0"/>
-          </a:p>
-          <a:p>
-            <a:r>
-              <a:rPr lang="de-DE" dirty="0" smtClean="0"/>
-              <a:t>2 </a:t>
-            </a:r>
-            <a:r>
-              <a:rPr lang="de-DE" dirty="0" err="1" smtClean="0"/>
-              <a:t>to</a:t>
-            </a:r>
-            <a:r>
-              <a:rPr lang="de-DE" dirty="0" smtClean="0"/>
-              <a:t> 3 </a:t>
-            </a:r>
-            <a:r>
-              <a:rPr lang="de-DE" dirty="0" err="1" smtClean="0"/>
-              <a:t>persons</a:t>
-            </a:r>
-            <a:r>
-              <a:rPr lang="de-DE" dirty="0" smtClean="0"/>
-              <a:t> per </a:t>
-            </a:r>
-            <a:r>
-              <a:rPr lang="de-DE" dirty="0" err="1" smtClean="0"/>
-              <a:t>project</a:t>
-            </a:r>
-            <a:endParaRPr lang="de-DE" dirty="0"/>
-          </a:p>
-        </p:txBody>
-      </p:sp>
-      <p:sp>
-        <p:nvSpPr>
-          <p:cNvPr id="4" name="Foliennummernplatzhalter 3"/>
-          <p:cNvSpPr>
-            <a:spLocks noGrp="1"/>
-          </p:cNvSpPr>
-          <p:nvPr>
-            <p:ph type="sldNum" sz="quarter" idx="12"/>
-          </p:nvPr>
-        </p:nvSpPr>
-        <p:spPr/>
-        <p:txBody>
-          <a:bodyPr/>
-          <a:lstStyle/>
-          <a:p>
-            <a:fld id="{6C6AE60A-B69C-4790-82F7-3882EDF23186}" type="slidenum">
-              <a:rPr lang="de-DE" smtClean="0"/>
-              <a:pPr/>
-              <a:t>4</a:t>
-            </a:fld>
-            <a:endParaRPr lang="de-DE"/>
-          </a:p>
-        </p:txBody>
-      </p:sp>
-    </p:spTree>
-    <p:extLst>
-      <p:ext uri="{BB962C8B-B14F-4D97-AF65-F5344CB8AC3E}">
-        <p14:creationId xmlns:p14="http://schemas.microsoft.com/office/powerpoint/2010/main" val="1433335006"/>
-      </p:ext>
-    </p:extLst>
   </p:cSld>
   <p:clrMapOvr>
     <a:masterClrMapping/>

--- a/ese/WS1920/01_IntroductionEng.pptx
+++ b/ese/WS1920/01_IntroductionEng.pptx
@@ -5,7 +5,7 @@
     <p:sldMasterId id="2147483648" r:id="rId1"/>
   </p:sldMasterIdLst>
   <p:notesMasterIdLst>
-    <p:notesMasterId r:id="rId43"/>
+    <p:notesMasterId r:id="rId42"/>
   </p:notesMasterIdLst>
   <p:sldIdLst>
     <p:sldId id="256" r:id="rId2"/>
@@ -25,30 +25,29 @@
     <p:sldId id="305" r:id="rId16"/>
     <p:sldId id="278" r:id="rId17"/>
     <p:sldId id="270" r:id="rId18"/>
-    <p:sldId id="306" r:id="rId19"/>
-    <p:sldId id="307" r:id="rId20"/>
-    <p:sldId id="265" r:id="rId21"/>
-    <p:sldId id="266" r:id="rId22"/>
-    <p:sldId id="302" r:id="rId23"/>
-    <p:sldId id="267" r:id="rId24"/>
-    <p:sldId id="303" r:id="rId25"/>
-    <p:sldId id="269" r:id="rId26"/>
-    <p:sldId id="304" r:id="rId27"/>
-    <p:sldId id="273" r:id="rId28"/>
-    <p:sldId id="274" r:id="rId29"/>
-    <p:sldId id="275" r:id="rId30"/>
-    <p:sldId id="276" r:id="rId31"/>
-    <p:sldId id="277" r:id="rId32"/>
-    <p:sldId id="279" r:id="rId33"/>
-    <p:sldId id="280" r:id="rId34"/>
-    <p:sldId id="281" r:id="rId35"/>
-    <p:sldId id="283" r:id="rId36"/>
-    <p:sldId id="282" r:id="rId37"/>
-    <p:sldId id="284" r:id="rId38"/>
-    <p:sldId id="285" r:id="rId39"/>
-    <p:sldId id="286" r:id="rId40"/>
-    <p:sldId id="272" r:id="rId41"/>
-    <p:sldId id="294" r:id="rId42"/>
+    <p:sldId id="307" r:id="rId19"/>
+    <p:sldId id="265" r:id="rId20"/>
+    <p:sldId id="266" r:id="rId21"/>
+    <p:sldId id="302" r:id="rId22"/>
+    <p:sldId id="267" r:id="rId23"/>
+    <p:sldId id="303" r:id="rId24"/>
+    <p:sldId id="269" r:id="rId25"/>
+    <p:sldId id="304" r:id="rId26"/>
+    <p:sldId id="273" r:id="rId27"/>
+    <p:sldId id="274" r:id="rId28"/>
+    <p:sldId id="275" r:id="rId29"/>
+    <p:sldId id="276" r:id="rId30"/>
+    <p:sldId id="277" r:id="rId31"/>
+    <p:sldId id="279" r:id="rId32"/>
+    <p:sldId id="280" r:id="rId33"/>
+    <p:sldId id="281" r:id="rId34"/>
+    <p:sldId id="283" r:id="rId35"/>
+    <p:sldId id="282" r:id="rId36"/>
+    <p:sldId id="284" r:id="rId37"/>
+    <p:sldId id="285" r:id="rId38"/>
+    <p:sldId id="286" r:id="rId39"/>
+    <p:sldId id="272" r:id="rId40"/>
+    <p:sldId id="294" r:id="rId41"/>
   </p:sldIdLst>
   <p:sldSz cx="12192000" cy="6858000"/>
   <p:notesSz cx="6858000" cy="9144000"/>
@@ -248,7 +247,7 @@
           <a:p>
             <a:fld id="{DCD555DF-A998-4826-B2E4-6D27A37DCCB3}" type="datetimeFigureOut">
               <a:rPr lang="de-DE" smtClean="0"/>
-              <a:t>22.10.2019</a:t>
+              <a:t>28.10.2019</a:t>
             </a:fld>
             <a:endParaRPr lang="en-US"/>
           </a:p>
@@ -588,7 +587,7 @@
           <a:p>
             <a:fld id="{B2DE17EF-A9BB-4D33-B1DA-2A5BBAB4D44E}" type="slidenum">
               <a:rPr lang="en-US" smtClean="0"/>
-              <a:t>29</a:t>
+              <a:t>28</a:t>
             </a:fld>
             <a:endParaRPr lang="en-US"/>
           </a:p>
@@ -677,7 +676,7 @@
           <a:p>
             <a:fld id="{B2DE17EF-A9BB-4D33-B1DA-2A5BBAB4D44E}" type="slidenum">
               <a:rPr lang="en-US" smtClean="0"/>
-              <a:t>34</a:t>
+              <a:t>33</a:t>
             </a:fld>
             <a:endParaRPr lang="en-US"/>
           </a:p>
@@ -936,7 +935,7 @@
             <a:fld id="{1BCC276E-76C6-4264-ADA8-430C1E9AE626}" type="datetime1">
               <a:rPr lang="de-DE" smtClean="0"/>
               <a:pPr/>
-              <a:t>22.10.2019</a:t>
+              <a:t>28.10.2019</a:t>
             </a:fld>
             <a:endParaRPr lang="de-DE"/>
           </a:p>
@@ -1266,7 +1265,7 @@
             <a:fld id="{44C87097-FEC3-472A-ABCC-61E517642E41}" type="datetime1">
               <a:rPr lang="de-DE" smtClean="0"/>
               <a:pPr/>
-              <a:t>22.10.2019</a:t>
+              <a:t>28.10.2019</a:t>
             </a:fld>
             <a:endParaRPr lang="de-DE"/>
           </a:p>
@@ -1565,7 +1564,7 @@
             <a:fld id="{966F1707-C9EF-406C-BEA4-A8772732FE19}" type="datetime1">
               <a:rPr lang="de-DE" smtClean="0"/>
               <a:pPr/>
-              <a:t>22.10.2019</a:t>
+              <a:t>28.10.2019</a:t>
             </a:fld>
             <a:endParaRPr lang="de-DE"/>
           </a:p>
@@ -1945,7 +1944,7 @@
           <a:p>
             <a:fld id="{2B8F4623-68E4-457B-9D24-B2B87A3D5A01}" type="datetime1">
               <a:rPr lang="de-DE" smtClean="0"/>
-              <a:t>22.10.2019</a:t>
+              <a:t>28.10.2019</a:t>
             </a:fld>
             <a:endParaRPr lang="de-DE"/>
           </a:p>
@@ -2260,7 +2259,7 @@
           <a:p>
             <a:fld id="{CEA3CC35-BE6D-4E7C-873C-589234C3586C}" type="datetime1">
               <a:rPr lang="de-DE" smtClean="0"/>
-              <a:t>22.10.2019</a:t>
+              <a:t>28.10.2019</a:t>
             </a:fld>
             <a:endParaRPr lang="de-DE"/>
           </a:p>
@@ -2438,7 +2437,7 @@
           <a:p>
             <a:fld id="{4D466766-6EF4-4FEA-A4E8-9E110CEE94AC}" type="datetime1">
               <a:rPr lang="de-DE" smtClean="0"/>
-              <a:t>22.10.2019</a:t>
+              <a:t>28.10.2019</a:t>
             </a:fld>
             <a:endParaRPr lang="de-DE"/>
           </a:p>
@@ -2693,7 +2692,7 @@
           <a:p>
             <a:fld id="{5FC99F70-B513-42F7-BCB2-2F681625D570}" type="datetime1">
               <a:rPr lang="de-DE" smtClean="0"/>
-              <a:t>22.10.2019</a:t>
+              <a:t>28.10.2019</a:t>
             </a:fld>
             <a:endParaRPr lang="de-DE"/>
           </a:p>
@@ -2982,7 +2981,7 @@
           <a:p>
             <a:fld id="{DEB56746-5286-4F35-A949-5B69EBDFAF92}" type="datetime1">
               <a:rPr lang="de-DE" smtClean="0"/>
-              <a:t>22.10.2019</a:t>
+              <a:t>28.10.2019</a:t>
             </a:fld>
             <a:endParaRPr lang="de-DE"/>
           </a:p>
@@ -3300,7 +3299,7 @@
           <a:p>
             <a:fld id="{E9ED490C-0D37-4E65-BBDB-59CB94D3BE95}" type="datetime1">
               <a:rPr lang="de-DE" smtClean="0"/>
-              <a:t>22.10.2019</a:t>
+              <a:t>28.10.2019</a:t>
             </a:fld>
             <a:endParaRPr lang="de-DE"/>
           </a:p>
@@ -3473,7 +3472,7 @@
           <a:p>
             <a:fld id="{DF31062E-13E7-4914-AAB9-D129D96B124E}" type="datetime1">
               <a:rPr lang="de-DE" smtClean="0"/>
-              <a:t>22.10.2019</a:t>
+              <a:t>28.10.2019</a:t>
             </a:fld>
             <a:endParaRPr lang="de-DE"/>
           </a:p>
@@ -3715,7 +3714,7 @@
           <a:p>
             <a:fld id="{64092E43-189F-465E-9EFC-779BDD6380E9}" type="datetime1">
               <a:rPr lang="de-DE" smtClean="0"/>
-              <a:t>22.10.2019</a:t>
+              <a:t>28.10.2019</a:t>
             </a:fld>
             <a:endParaRPr lang="de-DE"/>
           </a:p>
@@ -4009,7 +4008,7 @@
               <a:pPr>
                 <a:defRPr/>
               </a:pPr>
-              <a:t>22.10.2019</a:t>
+              <a:t>28.10.2019</a:t>
             </a:fld>
             <a:endParaRPr lang="de-DE"/>
           </a:p>
@@ -4398,7 +4397,7 @@
           <a:p>
             <a:fld id="{716EA071-070D-4A29-8979-A0569D750C61}" type="datetime1">
               <a:rPr lang="de-DE" smtClean="0"/>
-              <a:t>22.10.2019</a:t>
+              <a:t>28.10.2019</a:t>
             </a:fld>
             <a:endParaRPr lang="de-DE"/>
           </a:p>
@@ -4816,7 +4815,7 @@
           <a:p>
             <a:fld id="{03DA7CD2-1636-4D35-B619-F82C9AAF6225}" type="datetime1">
               <a:rPr lang="de-DE" smtClean="0"/>
-              <a:t>22.10.2019</a:t>
+              <a:t>28.10.2019</a:t>
             </a:fld>
             <a:endParaRPr lang="de-DE"/>
           </a:p>
@@ -4930,7 +4929,7 @@
           <a:p>
             <a:fld id="{89FE29B0-D2E2-4D33-8B08-CBE4487A9A4A}" type="datetime1">
               <a:rPr lang="de-DE" smtClean="0"/>
-              <a:t>22.10.2019</a:t>
+              <a:t>28.10.2019</a:t>
             </a:fld>
             <a:endParaRPr lang="de-DE"/>
           </a:p>
@@ -5021,7 +5020,7 @@
           <a:p>
             <a:fld id="{8D9CA283-59D9-4B6B-9666-4D8CC7ECAEB8}" type="datetime1">
               <a:rPr lang="de-DE" smtClean="0"/>
-              <a:t>22.10.2019</a:t>
+              <a:t>28.10.2019</a:t>
             </a:fld>
             <a:endParaRPr lang="de-DE"/>
           </a:p>
@@ -5294,7 +5293,7 @@
           <a:p>
             <a:fld id="{08075277-120B-43CF-9798-B4B3678ABEED}" type="datetime1">
               <a:rPr lang="de-DE" smtClean="0"/>
-              <a:t>22.10.2019</a:t>
+              <a:t>28.10.2019</a:t>
             </a:fld>
             <a:endParaRPr lang="de-DE"/>
           </a:p>
@@ -5543,7 +5542,7 @@
           <a:p>
             <a:fld id="{C82194BE-E4DD-4762-AA40-E3414CDAFA3D}" type="datetime1">
               <a:rPr lang="de-DE" smtClean="0"/>
-              <a:t>22.10.2019</a:t>
+              <a:t>28.10.2019</a:t>
             </a:fld>
             <a:endParaRPr lang="de-DE"/>
           </a:p>
@@ -5709,7 +5708,7 @@
           <a:p>
             <a:fld id="{CC2A09FE-0067-4E7E-8E09-EE93628996EE}" type="datetime1">
               <a:rPr lang="de-DE" smtClean="0"/>
-              <a:t>22.10.2019</a:t>
+              <a:t>28.10.2019</a:t>
             </a:fld>
             <a:endParaRPr lang="de-DE"/>
           </a:p>
@@ -5885,7 +5884,7 @@
           <a:p>
             <a:fld id="{1113D19B-4283-4268-ADAD-FE058866B38A}" type="datetime1">
               <a:rPr lang="de-DE" smtClean="0"/>
-              <a:t>22.10.2019</a:t>
+              <a:t>28.10.2019</a:t>
             </a:fld>
             <a:endParaRPr lang="de-DE"/>
           </a:p>
@@ -6132,7 +6131,7 @@
               <a:pPr>
                 <a:defRPr/>
               </a:pPr>
-              <a:t>22.10.2019</a:t>
+              <a:t>28.10.2019</a:t>
             </a:fld>
             <a:endParaRPr lang="de-DE"/>
           </a:p>
@@ -6448,7 +6447,7 @@
               <a:pPr>
                 <a:defRPr/>
               </a:pPr>
-              <a:t>22.10.2019</a:t>
+              <a:t>28.10.2019</a:t>
             </a:fld>
             <a:endParaRPr lang="de-DE"/>
           </a:p>
@@ -6736,7 +6735,7 @@
               <a:pPr>
                 <a:defRPr/>
               </a:pPr>
-              <a:t>22.10.2019</a:t>
+              <a:t>28.10.2019</a:t>
             </a:fld>
             <a:endParaRPr lang="de-DE"/>
           </a:p>
@@ -7103,7 +7102,7 @@
               <a:pPr>
                 <a:defRPr/>
               </a:pPr>
-              <a:t>22.10.2019</a:t>
+              <a:t>28.10.2019</a:t>
             </a:fld>
             <a:endParaRPr lang="de-DE"/>
           </a:p>
@@ -7495,7 +7494,7 @@
               <a:pPr>
                 <a:defRPr/>
               </a:pPr>
-              <a:t>22.10.2019</a:t>
+              <a:t>28.10.2019</a:t>
             </a:fld>
             <a:endParaRPr lang="de-DE"/>
           </a:p>
@@ -7799,7 +7798,7 @@
             <a:fld id="{D7E08395-A5A9-411D-A3D3-851CF9301FD9}" type="datetime1">
               <a:rPr lang="de-DE" smtClean="0"/>
               <a:pPr/>
-              <a:t>22.10.2019</a:t>
+              <a:t>28.10.2019</a:t>
             </a:fld>
             <a:endParaRPr lang="de-DE"/>
           </a:p>
@@ -8067,7 +8066,7 @@
             <a:fld id="{50A78792-2531-4474-A0C0-A2C8381BBE25}" type="datetime1">
               <a:rPr lang="de-DE" smtClean="0"/>
               <a:pPr/>
-              <a:t>22.10.2019</a:t>
+              <a:t>28.10.2019</a:t>
             </a:fld>
             <a:endParaRPr lang="de-DE"/>
           </a:p>
@@ -8402,7 +8401,7 @@
           <a:p>
             <a:fld id="{21783CAB-C048-418C-93C1-A1A2D0F49E84}" type="datetime1">
               <a:rPr lang="de-DE" smtClean="0"/>
-              <a:t>22.10.2019</a:t>
+              <a:t>28.10.2019</a:t>
             </a:fld>
             <a:endParaRPr lang="de-DE"/>
           </a:p>
@@ -10555,7 +10554,7 @@
       </p:grpSpPr>
       <p:sp>
         <p:nvSpPr>
-          <p:cNvPr id="5" name="Titel 4"/>
+          <p:cNvPr id="2" name="Titel 1"/>
           <p:cNvSpPr>
             <a:spLocks noGrp="1"/>
           </p:cNvSpPr>
@@ -10572,43 +10571,14 @@
           </a:p>
         </p:txBody>
       </p:sp>
-      <p:pic>
-        <p:nvPicPr>
-          <p:cNvPr id="7" name="Inhaltsplatzhalter 6"/>
-          <p:cNvPicPr>
-            <a:picLocks noGrp="1" noChangeAspect="1"/>
-          </p:cNvPicPr>
+      <p:sp>
+        <p:nvSpPr>
+          <p:cNvPr id="3" name="Inhaltsplatzhalter 2"/>
+          <p:cNvSpPr>
+            <a:spLocks noGrp="1"/>
+          </p:cNvSpPr>
           <p:nvPr>
             <p:ph idx="1"/>
-          </p:nvPr>
-        </p:nvPicPr>
-        <p:blipFill>
-          <a:blip r:embed="rId2" cstate="print">
-            <a:extLst>
-              <a:ext uri="{28A0092B-C50C-407E-A947-70E740481C1C}">
-                <a14:useLocalDpi xmlns:a14="http://schemas.microsoft.com/office/drawing/2010/main" val="0"/>
-              </a:ext>
-            </a:extLst>
-          </a:blip>
-          <a:stretch>
-            <a:fillRect/>
-          </a:stretch>
-        </p:blipFill>
-        <p:spPr>
-          <a:xfrm rot="5400000">
-            <a:off x="3001441" y="2707135"/>
-            <a:ext cx="4594225" cy="3445668"/>
-          </a:xfrm>
-        </p:spPr>
-      </p:pic>
-      <p:sp>
-        <p:nvSpPr>
-          <p:cNvPr id="4" name="Foliennummernplatzhalter 3"/>
-          <p:cNvSpPr>
-            <a:spLocks noGrp="1"/>
-          </p:cNvSpPr>
-          <p:nvPr>
-            <p:ph type="sldNum" sz="quarter" idx="12"/>
           </p:nvPr>
         </p:nvSpPr>
         <p:spPr/>
@@ -10616,19 +10586,43 @@
           <a:bodyPr/>
           <a:lstStyle/>
           <a:p>
-            <a:fld id="{6C6AE60A-B69C-4790-82F7-3882EDF23186}" type="slidenum">
+            <a:endParaRPr lang="en-US" dirty="0"/>
+          </a:p>
+        </p:txBody>
+      </p:sp>
+      <p:sp>
+        <p:nvSpPr>
+          <p:cNvPr id="4" name="Foliennummernplatzhalter 3"/>
+          <p:cNvSpPr>
+            <a:spLocks noGrp="1"/>
+          </p:cNvSpPr>
+          <p:nvPr>
+            <p:ph type="sldNum" sz="quarter" idx="12"/>
+          </p:nvPr>
+        </p:nvSpPr>
+        <p:spPr/>
+        <p:txBody>
+          <a:bodyPr/>
+          <a:lstStyle/>
+          <a:p>
+            <a:pPr>
+              <a:defRPr/>
+            </a:pPr>
+            <a:fld id="{C0B85308-4B91-4084-B5EB-6B176834447A}" type="slidenum">
               <a:rPr lang="de-DE" smtClean="0"/>
-              <a:pPr/>
+              <a:pPr>
+                <a:defRPr/>
+              </a:pPr>
               <a:t>18</a:t>
             </a:fld>
-            <a:endParaRPr lang="de-DE"/>
+            <a:endParaRPr lang="de-DE" dirty="0"/>
           </a:p>
         </p:txBody>
       </p:sp>
     </p:spTree>
     <p:extLst>
       <p:ext uri="{BB962C8B-B14F-4D97-AF65-F5344CB8AC3E}">
-        <p14:creationId xmlns:p14="http://schemas.microsoft.com/office/powerpoint/2010/main" val="199853485"/>
+        <p14:creationId xmlns:p14="http://schemas.microsoft.com/office/powerpoint/2010/main" val="1795406758"/>
       </p:ext>
     </p:extLst>
   </p:cSld>
@@ -10657,12 +10651,393 @@
       </p:grpSpPr>
       <p:sp>
         <p:nvSpPr>
-          <p:cNvPr id="2" name="Titel 1"/>
+          <p:cNvPr id="4" name="Titel 3"/>
           <p:cNvSpPr>
             <a:spLocks noGrp="1"/>
           </p:cNvSpPr>
           <p:nvPr>
             <p:ph type="title"/>
+          </p:nvPr>
+        </p:nvSpPr>
+        <p:spPr/>
+        <p:txBody>
+          <a:bodyPr>
+            <a:normAutofit/>
+          </a:bodyPr>
+          <a:lstStyle/>
+          <a:p>
+            <a:r>
+              <a:rPr lang="en-US" dirty="0" smtClean="0"/>
+              <a:t>What solid insights do we have?</a:t>
+            </a:r>
+            <a:endParaRPr lang="en-US" dirty="0"/>
+          </a:p>
+        </p:txBody>
+      </p:sp>
+      <p:sp>
+        <p:nvSpPr>
+          <p:cNvPr id="5" name="Inhaltsplatzhalter 4"/>
+          <p:cNvSpPr>
+            <a:spLocks noGrp="1"/>
+          </p:cNvSpPr>
+          <p:nvPr>
+            <p:ph idx="1"/>
+          </p:nvPr>
+        </p:nvSpPr>
+        <p:spPr/>
+        <p:txBody>
+          <a:bodyPr>
+            <a:normAutofit/>
+          </a:bodyPr>
+          <a:lstStyle/>
+          <a:p>
+            <a:r>
+              <a:rPr lang="de-DE" dirty="0" err="1" smtClean="0"/>
+              <a:t>What</a:t>
+            </a:r>
+            <a:r>
+              <a:rPr lang="de-DE" dirty="0" smtClean="0"/>
+              <a:t> do </a:t>
+            </a:r>
+            <a:r>
+              <a:rPr lang="de-DE" dirty="0" err="1" smtClean="0"/>
+              <a:t>you</a:t>
+            </a:r>
+            <a:r>
+              <a:rPr lang="de-DE" dirty="0" smtClean="0"/>
+              <a:t> </a:t>
+            </a:r>
+            <a:r>
+              <a:rPr lang="de-DE" dirty="0" err="1" smtClean="0"/>
+              <a:t>know</a:t>
+            </a:r>
+            <a:r>
+              <a:rPr lang="de-DE" dirty="0" smtClean="0"/>
+              <a:t> </a:t>
+            </a:r>
+            <a:r>
+              <a:rPr lang="de-DE" dirty="0" err="1" smtClean="0"/>
+              <a:t>about</a:t>
+            </a:r>
+            <a:r>
+              <a:rPr lang="de-DE" dirty="0" smtClean="0"/>
+              <a:t> </a:t>
+            </a:r>
+            <a:r>
+              <a:rPr lang="de-DE" dirty="0" err="1" smtClean="0"/>
+              <a:t>the</a:t>
+            </a:r>
+            <a:r>
+              <a:rPr lang="de-DE" dirty="0" smtClean="0"/>
+              <a:t> </a:t>
+            </a:r>
+            <a:r>
+              <a:rPr lang="de-DE" dirty="0" err="1" smtClean="0"/>
+              <a:t>following</a:t>
+            </a:r>
+            <a:r>
+              <a:rPr lang="de-DE" dirty="0" smtClean="0"/>
+              <a:t> </a:t>
+            </a:r>
+            <a:r>
+              <a:rPr lang="de-DE" dirty="0" err="1" smtClean="0"/>
+              <a:t>topics</a:t>
+            </a:r>
+            <a:r>
+              <a:rPr lang="de-DE" dirty="0" smtClean="0"/>
+              <a:t>?</a:t>
+            </a:r>
+          </a:p>
+          <a:p>
+            <a:r>
+              <a:rPr lang="de-DE" dirty="0" err="1" smtClean="0"/>
+              <a:t>What</a:t>
+            </a:r>
+            <a:r>
+              <a:rPr lang="de-DE" dirty="0" smtClean="0"/>
+              <a:t> </a:t>
+            </a:r>
+            <a:r>
+              <a:rPr lang="de-DE" dirty="0" err="1" smtClean="0"/>
+              <a:t>statement</a:t>
+            </a:r>
+            <a:r>
+              <a:rPr lang="de-DE" dirty="0" smtClean="0"/>
+              <a:t>/</a:t>
+            </a:r>
+            <a:r>
+              <a:rPr lang="de-DE" dirty="0" err="1" smtClean="0"/>
+              <a:t>theory</a:t>
+            </a:r>
+            <a:r>
+              <a:rPr lang="de-DE" dirty="0" smtClean="0"/>
+              <a:t> </a:t>
+            </a:r>
+            <a:r>
+              <a:rPr lang="de-DE" dirty="0" err="1" smtClean="0"/>
+              <a:t>is</a:t>
+            </a:r>
+            <a:r>
+              <a:rPr lang="de-DE" dirty="0" smtClean="0"/>
+              <a:t> </a:t>
+            </a:r>
+            <a:r>
+              <a:rPr lang="de-DE" dirty="0" err="1" smtClean="0"/>
+              <a:t>linked</a:t>
+            </a:r>
+            <a:r>
+              <a:rPr lang="de-DE" dirty="0" smtClean="0"/>
+              <a:t> </a:t>
+            </a:r>
+            <a:r>
+              <a:rPr lang="de-DE" dirty="0" err="1" smtClean="0"/>
+              <a:t>to</a:t>
+            </a:r>
+            <a:r>
+              <a:rPr lang="de-DE" dirty="0" smtClean="0"/>
+              <a:t> </a:t>
+            </a:r>
+            <a:r>
+              <a:rPr lang="de-DE" dirty="0" err="1" smtClean="0"/>
+              <a:t>this</a:t>
+            </a:r>
+            <a:r>
+              <a:rPr lang="de-DE" dirty="0" smtClean="0"/>
+              <a:t> </a:t>
+            </a:r>
+            <a:r>
+              <a:rPr lang="de-DE" dirty="0" err="1" smtClean="0"/>
+              <a:t>topic</a:t>
+            </a:r>
+            <a:r>
+              <a:rPr lang="de-DE" dirty="0" smtClean="0"/>
+              <a:t>? </a:t>
+            </a:r>
+            <a:r>
+              <a:rPr lang="de-DE" dirty="0" err="1" smtClean="0"/>
+              <a:t>What</a:t>
+            </a:r>
+            <a:r>
+              <a:rPr lang="de-DE" dirty="0" smtClean="0"/>
+              <a:t> </a:t>
+            </a:r>
+            <a:r>
+              <a:rPr lang="de-DE" dirty="0" err="1" smtClean="0"/>
+              <a:t>have</a:t>
+            </a:r>
+            <a:r>
+              <a:rPr lang="de-DE" dirty="0" smtClean="0"/>
+              <a:t> </a:t>
+            </a:r>
+            <a:r>
+              <a:rPr lang="de-DE" dirty="0" err="1" smtClean="0"/>
+              <a:t>you</a:t>
+            </a:r>
+            <a:r>
+              <a:rPr lang="de-DE" dirty="0" smtClean="0"/>
+              <a:t> </a:t>
+            </a:r>
+            <a:r>
+              <a:rPr lang="de-DE" dirty="0" err="1" smtClean="0"/>
+              <a:t>learned</a:t>
+            </a:r>
+            <a:r>
+              <a:rPr lang="de-DE" dirty="0" smtClean="0"/>
+              <a:t> in </a:t>
+            </a:r>
+            <a:r>
+              <a:rPr lang="de-DE" dirty="0" err="1" smtClean="0"/>
+              <a:t>other</a:t>
+            </a:r>
+            <a:r>
+              <a:rPr lang="de-DE" dirty="0" smtClean="0"/>
+              <a:t> </a:t>
+            </a:r>
+            <a:r>
+              <a:rPr lang="de-DE" dirty="0" err="1" smtClean="0"/>
+              <a:t>courses</a:t>
+            </a:r>
+            <a:r>
+              <a:rPr lang="de-DE" dirty="0" smtClean="0"/>
+              <a:t>?</a:t>
+            </a:r>
+          </a:p>
+          <a:p>
+            <a:r>
+              <a:rPr lang="de-DE" dirty="0" err="1" smtClean="0"/>
+              <a:t>Which</a:t>
+            </a:r>
+            <a:r>
+              <a:rPr lang="de-DE" dirty="0" smtClean="0"/>
+              <a:t> </a:t>
+            </a:r>
+            <a:r>
+              <a:rPr lang="de-DE" dirty="0" err="1" smtClean="0"/>
+              <a:t>evidence</a:t>
+            </a:r>
+            <a:r>
+              <a:rPr lang="de-DE" dirty="0" smtClean="0"/>
+              <a:t> do </a:t>
+            </a:r>
+            <a:r>
+              <a:rPr lang="de-DE" dirty="0" err="1" smtClean="0"/>
+              <a:t>you</a:t>
+            </a:r>
+            <a:r>
+              <a:rPr lang="de-DE" dirty="0" smtClean="0"/>
+              <a:t> </a:t>
+            </a:r>
+            <a:r>
+              <a:rPr lang="de-DE" dirty="0" err="1" smtClean="0"/>
+              <a:t>know</a:t>
+            </a:r>
+            <a:r>
+              <a:rPr lang="de-DE" dirty="0" smtClean="0"/>
+              <a:t> (e.g., </a:t>
+            </a:r>
+            <a:r>
+              <a:rPr lang="de-DE" dirty="0" err="1" smtClean="0"/>
+              <a:t>from</a:t>
+            </a:r>
+            <a:r>
+              <a:rPr lang="de-DE" dirty="0" smtClean="0"/>
+              <a:t> </a:t>
+            </a:r>
+            <a:r>
+              <a:rPr lang="de-DE" dirty="0" err="1" smtClean="0"/>
+              <a:t>other</a:t>
+            </a:r>
+            <a:r>
+              <a:rPr lang="de-DE" dirty="0" smtClean="0"/>
+              <a:t> </a:t>
+            </a:r>
+            <a:r>
+              <a:rPr lang="de-DE" dirty="0" err="1" smtClean="0"/>
+              <a:t>courses</a:t>
+            </a:r>
+            <a:r>
+              <a:rPr lang="de-DE" dirty="0" smtClean="0"/>
+              <a:t>)?</a:t>
+            </a:r>
+          </a:p>
+          <a:p>
+            <a:r>
+              <a:rPr lang="de-DE" dirty="0" err="1" smtClean="0"/>
+              <a:t>Does</a:t>
+            </a:r>
+            <a:r>
+              <a:rPr lang="de-DE" dirty="0" smtClean="0"/>
+              <a:t> </a:t>
+            </a:r>
+            <a:r>
+              <a:rPr lang="de-DE" dirty="0" err="1" smtClean="0"/>
+              <a:t>that</a:t>
+            </a:r>
+            <a:r>
+              <a:rPr lang="de-DE" dirty="0" smtClean="0"/>
+              <a:t> </a:t>
+            </a:r>
+            <a:r>
+              <a:rPr lang="de-DE" dirty="0" err="1" smtClean="0"/>
+              <a:t>match</a:t>
+            </a:r>
+            <a:r>
+              <a:rPr lang="de-DE" dirty="0" smtClean="0"/>
+              <a:t> </a:t>
+            </a:r>
+            <a:r>
+              <a:rPr lang="de-DE" dirty="0" err="1" smtClean="0"/>
+              <a:t>with</a:t>
+            </a:r>
+            <a:r>
+              <a:rPr lang="de-DE" dirty="0" smtClean="0"/>
+              <a:t> </a:t>
+            </a:r>
+            <a:r>
+              <a:rPr lang="de-DE" dirty="0" err="1" smtClean="0"/>
+              <a:t>your</a:t>
+            </a:r>
+            <a:r>
+              <a:rPr lang="de-DE" dirty="0" smtClean="0"/>
+              <a:t> </a:t>
+            </a:r>
+            <a:r>
+              <a:rPr lang="de-DE" dirty="0" err="1" smtClean="0"/>
+              <a:t>experience</a:t>
+            </a:r>
+            <a:r>
+              <a:rPr lang="de-DE" dirty="0" smtClean="0"/>
+              <a:t>?</a:t>
+            </a:r>
+          </a:p>
+          <a:p>
+            <a:r>
+              <a:rPr lang="de-DE" dirty="0" err="1" smtClean="0"/>
+              <a:t>What</a:t>
+            </a:r>
+            <a:r>
+              <a:rPr lang="de-DE" dirty="0" smtClean="0"/>
+              <a:t> </a:t>
+            </a:r>
+            <a:r>
+              <a:rPr lang="de-DE" dirty="0" err="1" smtClean="0"/>
+              <a:t>kinf</a:t>
+            </a:r>
+            <a:r>
+              <a:rPr lang="de-DE" dirty="0" smtClean="0"/>
+              <a:t> </a:t>
+            </a:r>
+            <a:r>
+              <a:rPr lang="de-DE" dirty="0" err="1" smtClean="0"/>
+              <a:t>of</a:t>
+            </a:r>
+            <a:r>
+              <a:rPr lang="de-DE" dirty="0" smtClean="0"/>
+              <a:t> </a:t>
+            </a:r>
+            <a:r>
+              <a:rPr lang="de-DE" dirty="0" err="1" smtClean="0"/>
+              <a:t>evidence</a:t>
+            </a:r>
+            <a:r>
+              <a:rPr lang="de-DE" dirty="0" smtClean="0"/>
+              <a:t> </a:t>
+            </a:r>
+            <a:r>
+              <a:rPr lang="de-DE" dirty="0" err="1" smtClean="0"/>
+              <a:t>would</a:t>
+            </a:r>
+            <a:r>
+              <a:rPr lang="de-DE" dirty="0" smtClean="0"/>
+              <a:t> </a:t>
+            </a:r>
+            <a:r>
+              <a:rPr lang="de-DE" dirty="0" err="1" smtClean="0"/>
+              <a:t>convince</a:t>
+            </a:r>
+            <a:r>
+              <a:rPr lang="de-DE" dirty="0" smtClean="0"/>
+              <a:t> </a:t>
+            </a:r>
+            <a:r>
+              <a:rPr lang="de-DE" dirty="0" err="1" smtClean="0"/>
+              <a:t>you</a:t>
+            </a:r>
+            <a:r>
+              <a:rPr lang="de-DE" dirty="0" smtClean="0"/>
+              <a:t>?</a:t>
+            </a:r>
+          </a:p>
+        </p:txBody>
+      </p:sp>
+      <p:sp>
+        <p:nvSpPr>
+          <p:cNvPr id="6" name="Foliennummernplatzhalter 5"/>
+          <p:cNvSpPr>
+            <a:spLocks noGrp="1"/>
+          </p:cNvSpPr>
+          <p:nvPr>
+            <p:ph type="sldNum" sz="quarter" idx="12"/>
           </p:nvPr>
         </p:nvSpPr>
         <p:spPr/>
@@ -10670,68 +11045,27 @@
           <a:bodyPr/>
           <a:lstStyle/>
           <a:p>
-            <a:endParaRPr lang="en-US"/>
-          </a:p>
-        </p:txBody>
-      </p:sp>
-      <p:sp>
-        <p:nvSpPr>
-          <p:cNvPr id="3" name="Inhaltsplatzhalter 2"/>
-          <p:cNvSpPr>
-            <a:spLocks noGrp="1"/>
-          </p:cNvSpPr>
-          <p:nvPr>
-            <p:ph idx="1"/>
-          </p:nvPr>
-        </p:nvSpPr>
-        <p:spPr/>
-        <p:txBody>
-          <a:bodyPr/>
-          <a:lstStyle/>
-          <a:p>
-            <a:endParaRPr lang="en-US" dirty="0"/>
-          </a:p>
-        </p:txBody>
-      </p:sp>
-      <p:sp>
-        <p:nvSpPr>
-          <p:cNvPr id="4" name="Foliennummernplatzhalter 3"/>
-          <p:cNvSpPr>
-            <a:spLocks noGrp="1"/>
-          </p:cNvSpPr>
-          <p:nvPr>
-            <p:ph type="sldNum" sz="quarter" idx="12"/>
-          </p:nvPr>
-        </p:nvSpPr>
-        <p:spPr/>
-        <p:txBody>
-          <a:bodyPr/>
-          <a:lstStyle/>
-          <a:p>
-            <a:pPr>
-              <a:defRPr/>
-            </a:pPr>
-            <a:fld id="{C0B85308-4B91-4084-B5EB-6B176834447A}" type="slidenum">
+            <a:fld id="{6C6AE60A-B69C-4790-82F7-3882EDF23186}" type="slidenum">
               <a:rPr lang="de-DE" smtClean="0"/>
-              <a:pPr>
-                <a:defRPr/>
-              </a:pPr>
+              <a:pPr/>
               <a:t>19</a:t>
             </a:fld>
-            <a:endParaRPr lang="de-DE" dirty="0"/>
+            <a:endParaRPr lang="de-DE"/>
           </a:p>
         </p:txBody>
       </p:sp>
     </p:spTree>
-    <p:extLst>
-      <p:ext uri="{BB962C8B-B14F-4D97-AF65-F5344CB8AC3E}">
-        <p14:creationId xmlns:p14="http://schemas.microsoft.com/office/powerpoint/2010/main" val="1795406758"/>
-      </p:ext>
-    </p:extLst>
   </p:cSld>
   <p:clrMapOvr>
     <a:masterClrMapping/>
   </p:clrMapOvr>
+  <p:timing>
+    <p:tnLst>
+      <p:par>
+        <p:cTn id="1" dur="indefinite" restart="never" nodeType="tmRoot"/>
+      </p:par>
+    </p:tnLst>
+  </p:timing>
 </p:sld>
 </file>
 
@@ -11335,7 +11669,7 @@
       </p:grpSpPr>
       <p:sp>
         <p:nvSpPr>
-          <p:cNvPr id="4" name="Titel 3"/>
+          <p:cNvPr id="2" name="Titel 1"/>
           <p:cNvSpPr>
             <a:spLocks noGrp="1"/>
           </p:cNvSpPr>
@@ -11345,378 +11679,54 @@
         </p:nvSpPr>
         <p:spPr/>
         <p:txBody>
-          <a:bodyPr>
-            <a:normAutofit/>
-          </a:bodyPr>
+          <a:bodyPr/>
           <a:lstStyle/>
           <a:p>
             <a:r>
-              <a:rPr lang="en-US" dirty="0" smtClean="0"/>
-              <a:t>What solid insights do we have?</a:t>
-            </a:r>
-            <a:endParaRPr lang="en-US" dirty="0"/>
-          </a:p>
-        </p:txBody>
-      </p:sp>
-      <p:sp>
-        <p:nvSpPr>
-          <p:cNvPr id="5" name="Inhaltsplatzhalter 4"/>
-          <p:cNvSpPr>
-            <a:spLocks noGrp="1"/>
-          </p:cNvSpPr>
+              <a:rPr lang="en-US" smtClean="0"/>
+              <a:t>UML</a:t>
+            </a:r>
+            <a:endParaRPr lang="en-US"/>
+          </a:p>
+        </p:txBody>
+      </p:sp>
+      <p:pic>
+        <p:nvPicPr>
+          <p:cNvPr id="1026" name="Picture 2"/>
+          <p:cNvPicPr>
+            <a:picLocks noGrp="1" noChangeAspect="1" noChangeArrowheads="1"/>
+          </p:cNvPicPr>
           <p:nvPr>
             <p:ph idx="1"/>
           </p:nvPr>
-        </p:nvSpPr>
-        <p:spPr/>
-        <p:txBody>
-          <a:bodyPr>
-            <a:normAutofit/>
-          </a:bodyPr>
-          <a:lstStyle/>
-          <a:p>
-            <a:r>
-              <a:rPr lang="de-DE" dirty="0" err="1" smtClean="0"/>
-              <a:t>What</a:t>
-            </a:r>
-            <a:r>
-              <a:rPr lang="de-DE" dirty="0" smtClean="0"/>
-              <a:t> do </a:t>
-            </a:r>
-            <a:r>
-              <a:rPr lang="de-DE" dirty="0" err="1" smtClean="0"/>
-              <a:t>you</a:t>
-            </a:r>
-            <a:r>
-              <a:rPr lang="de-DE" dirty="0" smtClean="0"/>
-              <a:t> </a:t>
-            </a:r>
-            <a:r>
-              <a:rPr lang="de-DE" dirty="0" err="1" smtClean="0"/>
-              <a:t>know</a:t>
-            </a:r>
-            <a:r>
-              <a:rPr lang="de-DE" dirty="0" smtClean="0"/>
-              <a:t> </a:t>
-            </a:r>
-            <a:r>
-              <a:rPr lang="de-DE" dirty="0" err="1" smtClean="0"/>
-              <a:t>about</a:t>
-            </a:r>
-            <a:r>
-              <a:rPr lang="de-DE" dirty="0" smtClean="0"/>
-              <a:t> </a:t>
-            </a:r>
-            <a:r>
-              <a:rPr lang="de-DE" dirty="0" err="1" smtClean="0"/>
-              <a:t>the</a:t>
-            </a:r>
-            <a:r>
-              <a:rPr lang="de-DE" dirty="0" smtClean="0"/>
-              <a:t> </a:t>
-            </a:r>
-            <a:r>
-              <a:rPr lang="de-DE" dirty="0" err="1" smtClean="0"/>
-              <a:t>following</a:t>
-            </a:r>
-            <a:r>
-              <a:rPr lang="de-DE" dirty="0" smtClean="0"/>
-              <a:t> </a:t>
-            </a:r>
-            <a:r>
-              <a:rPr lang="de-DE" dirty="0" err="1" smtClean="0"/>
-              <a:t>topics</a:t>
-            </a:r>
-            <a:r>
-              <a:rPr lang="de-DE" dirty="0" smtClean="0"/>
-              <a:t>?</a:t>
-            </a:r>
-          </a:p>
-          <a:p>
-            <a:r>
-              <a:rPr lang="de-DE" dirty="0" err="1" smtClean="0"/>
-              <a:t>What</a:t>
-            </a:r>
-            <a:r>
-              <a:rPr lang="de-DE" dirty="0" smtClean="0"/>
-              <a:t> </a:t>
-            </a:r>
-            <a:r>
-              <a:rPr lang="de-DE" dirty="0" err="1" smtClean="0"/>
-              <a:t>statement</a:t>
-            </a:r>
-            <a:r>
-              <a:rPr lang="de-DE" dirty="0" smtClean="0"/>
-              <a:t>/</a:t>
-            </a:r>
-            <a:r>
-              <a:rPr lang="de-DE" dirty="0" err="1" smtClean="0"/>
-              <a:t>theory</a:t>
-            </a:r>
-            <a:r>
-              <a:rPr lang="de-DE" dirty="0" smtClean="0"/>
-              <a:t> </a:t>
-            </a:r>
-            <a:r>
-              <a:rPr lang="de-DE" dirty="0" err="1" smtClean="0"/>
-              <a:t>is</a:t>
-            </a:r>
-            <a:r>
-              <a:rPr lang="de-DE" dirty="0" smtClean="0"/>
-              <a:t> </a:t>
-            </a:r>
-            <a:r>
-              <a:rPr lang="de-DE" dirty="0" err="1" smtClean="0"/>
-              <a:t>linked</a:t>
-            </a:r>
-            <a:r>
-              <a:rPr lang="de-DE" dirty="0" smtClean="0"/>
-              <a:t> </a:t>
-            </a:r>
-            <a:r>
-              <a:rPr lang="de-DE" dirty="0" err="1" smtClean="0"/>
-              <a:t>to</a:t>
-            </a:r>
-            <a:r>
-              <a:rPr lang="de-DE" dirty="0" smtClean="0"/>
-              <a:t> </a:t>
-            </a:r>
-            <a:r>
-              <a:rPr lang="de-DE" dirty="0" err="1" smtClean="0"/>
-              <a:t>this</a:t>
-            </a:r>
-            <a:r>
-              <a:rPr lang="de-DE" dirty="0" smtClean="0"/>
-              <a:t> </a:t>
-            </a:r>
-            <a:r>
-              <a:rPr lang="de-DE" dirty="0" err="1" smtClean="0"/>
-              <a:t>topic</a:t>
-            </a:r>
-            <a:r>
-              <a:rPr lang="de-DE" dirty="0" smtClean="0"/>
-              <a:t>? </a:t>
-            </a:r>
-            <a:r>
-              <a:rPr lang="de-DE" dirty="0" err="1" smtClean="0"/>
-              <a:t>What</a:t>
-            </a:r>
-            <a:r>
-              <a:rPr lang="de-DE" dirty="0" smtClean="0"/>
-              <a:t> </a:t>
-            </a:r>
-            <a:r>
-              <a:rPr lang="de-DE" dirty="0" err="1" smtClean="0"/>
-              <a:t>have</a:t>
-            </a:r>
-            <a:r>
-              <a:rPr lang="de-DE" dirty="0" smtClean="0"/>
-              <a:t> </a:t>
-            </a:r>
-            <a:r>
-              <a:rPr lang="de-DE" dirty="0" err="1" smtClean="0"/>
-              <a:t>you</a:t>
-            </a:r>
-            <a:r>
-              <a:rPr lang="de-DE" dirty="0" smtClean="0"/>
-              <a:t> </a:t>
-            </a:r>
-            <a:r>
-              <a:rPr lang="de-DE" dirty="0" err="1" smtClean="0"/>
-              <a:t>learned</a:t>
-            </a:r>
-            <a:r>
-              <a:rPr lang="de-DE" dirty="0" smtClean="0"/>
-              <a:t> in </a:t>
-            </a:r>
-            <a:r>
-              <a:rPr lang="de-DE" dirty="0" err="1" smtClean="0"/>
-              <a:t>other</a:t>
-            </a:r>
-            <a:r>
-              <a:rPr lang="de-DE" dirty="0" smtClean="0"/>
-              <a:t> </a:t>
-            </a:r>
-            <a:r>
-              <a:rPr lang="de-DE" dirty="0" err="1" smtClean="0"/>
-              <a:t>courses</a:t>
-            </a:r>
-            <a:r>
-              <a:rPr lang="de-DE" dirty="0" smtClean="0"/>
-              <a:t>?</a:t>
-            </a:r>
-          </a:p>
-          <a:p>
-            <a:r>
-              <a:rPr lang="de-DE" dirty="0" err="1" smtClean="0"/>
-              <a:t>Which</a:t>
-            </a:r>
-            <a:r>
-              <a:rPr lang="de-DE" dirty="0" smtClean="0"/>
-              <a:t> </a:t>
-            </a:r>
-            <a:r>
-              <a:rPr lang="de-DE" dirty="0" err="1" smtClean="0"/>
-              <a:t>evidence</a:t>
-            </a:r>
-            <a:r>
-              <a:rPr lang="de-DE" dirty="0" smtClean="0"/>
-              <a:t> do </a:t>
-            </a:r>
-            <a:r>
-              <a:rPr lang="de-DE" dirty="0" err="1" smtClean="0"/>
-              <a:t>you</a:t>
-            </a:r>
-            <a:r>
-              <a:rPr lang="de-DE" dirty="0" smtClean="0"/>
-              <a:t> </a:t>
-            </a:r>
-            <a:r>
-              <a:rPr lang="de-DE" dirty="0" err="1" smtClean="0"/>
-              <a:t>know</a:t>
-            </a:r>
-            <a:r>
-              <a:rPr lang="de-DE" dirty="0" smtClean="0"/>
-              <a:t> (e.g., </a:t>
-            </a:r>
-            <a:r>
-              <a:rPr lang="de-DE" dirty="0" err="1" smtClean="0"/>
-              <a:t>from</a:t>
-            </a:r>
-            <a:r>
-              <a:rPr lang="de-DE" dirty="0" smtClean="0"/>
-              <a:t> </a:t>
-            </a:r>
-            <a:r>
-              <a:rPr lang="de-DE" dirty="0" err="1" smtClean="0"/>
-              <a:t>other</a:t>
-            </a:r>
-            <a:r>
-              <a:rPr lang="de-DE" dirty="0" smtClean="0"/>
-              <a:t> </a:t>
-            </a:r>
-            <a:r>
-              <a:rPr lang="de-DE" dirty="0" err="1" smtClean="0"/>
-              <a:t>courses</a:t>
-            </a:r>
-            <a:r>
-              <a:rPr lang="de-DE" dirty="0" smtClean="0"/>
-              <a:t>)?</a:t>
-            </a:r>
-          </a:p>
-          <a:p>
-            <a:r>
-              <a:rPr lang="de-DE" dirty="0" err="1" smtClean="0"/>
-              <a:t>Does</a:t>
-            </a:r>
-            <a:r>
-              <a:rPr lang="de-DE" dirty="0" smtClean="0"/>
-              <a:t> </a:t>
-            </a:r>
-            <a:r>
-              <a:rPr lang="de-DE" dirty="0" err="1" smtClean="0"/>
-              <a:t>that</a:t>
-            </a:r>
-            <a:r>
-              <a:rPr lang="de-DE" dirty="0" smtClean="0"/>
-              <a:t> </a:t>
-            </a:r>
-            <a:r>
-              <a:rPr lang="de-DE" dirty="0" err="1" smtClean="0"/>
-              <a:t>match</a:t>
-            </a:r>
-            <a:r>
-              <a:rPr lang="de-DE" dirty="0" smtClean="0"/>
-              <a:t> </a:t>
-            </a:r>
-            <a:r>
-              <a:rPr lang="de-DE" dirty="0" err="1" smtClean="0"/>
-              <a:t>with</a:t>
-            </a:r>
-            <a:r>
-              <a:rPr lang="de-DE" dirty="0" smtClean="0"/>
-              <a:t> </a:t>
-            </a:r>
-            <a:r>
-              <a:rPr lang="de-DE" dirty="0" err="1" smtClean="0"/>
-              <a:t>your</a:t>
-            </a:r>
-            <a:r>
-              <a:rPr lang="de-DE" dirty="0" smtClean="0"/>
-              <a:t> </a:t>
-            </a:r>
-            <a:r>
-              <a:rPr lang="de-DE" dirty="0" err="1" smtClean="0"/>
-              <a:t>experience</a:t>
-            </a:r>
-            <a:r>
-              <a:rPr lang="de-DE" dirty="0" smtClean="0"/>
-              <a:t>?</a:t>
-            </a:r>
-          </a:p>
-          <a:p>
-            <a:r>
-              <a:rPr lang="de-DE" dirty="0" err="1" smtClean="0"/>
-              <a:t>What</a:t>
-            </a:r>
-            <a:r>
-              <a:rPr lang="de-DE" dirty="0" smtClean="0"/>
-              <a:t> </a:t>
-            </a:r>
-            <a:r>
-              <a:rPr lang="de-DE" dirty="0" err="1" smtClean="0"/>
-              <a:t>kinf</a:t>
-            </a:r>
-            <a:r>
-              <a:rPr lang="de-DE" dirty="0" smtClean="0"/>
-              <a:t> </a:t>
-            </a:r>
-            <a:r>
-              <a:rPr lang="de-DE" dirty="0" err="1" smtClean="0"/>
-              <a:t>of</a:t>
-            </a:r>
-            <a:r>
-              <a:rPr lang="de-DE" dirty="0" smtClean="0"/>
-              <a:t> </a:t>
-            </a:r>
-            <a:r>
-              <a:rPr lang="de-DE" dirty="0" err="1" smtClean="0"/>
-              <a:t>evidence</a:t>
-            </a:r>
-            <a:r>
-              <a:rPr lang="de-DE" dirty="0" smtClean="0"/>
-              <a:t> </a:t>
-            </a:r>
-            <a:r>
-              <a:rPr lang="de-DE" dirty="0" err="1" smtClean="0"/>
-              <a:t>would</a:t>
-            </a:r>
-            <a:r>
-              <a:rPr lang="de-DE" dirty="0" smtClean="0"/>
-              <a:t> </a:t>
-            </a:r>
-            <a:r>
-              <a:rPr lang="de-DE" dirty="0" err="1" smtClean="0"/>
-              <a:t>convince</a:t>
-            </a:r>
-            <a:r>
-              <a:rPr lang="de-DE" dirty="0" smtClean="0"/>
-              <a:t> </a:t>
-            </a:r>
-            <a:r>
-              <a:rPr lang="de-DE" dirty="0" err="1" smtClean="0"/>
-              <a:t>you</a:t>
-            </a:r>
-            <a:r>
-              <a:rPr lang="de-DE" dirty="0" smtClean="0"/>
-              <a:t>?</a:t>
-            </a:r>
-          </a:p>
-        </p:txBody>
-      </p:sp>
-      <p:sp>
-        <p:nvSpPr>
-          <p:cNvPr id="6" name="Foliennummernplatzhalter 5"/>
+        </p:nvPicPr>
+        <p:blipFill>
+          <a:blip r:embed="rId2"/>
+          <a:stretch>
+            <a:fillRect/>
+          </a:stretch>
+        </p:blipFill>
+        <p:spPr bwMode="auto">
+          <a:xfrm>
+            <a:off x="3221037" y="2335212"/>
+            <a:ext cx="7334250" cy="4191000"/>
+          </a:xfrm>
+          <a:prstGeom prst="rect">
+            <a:avLst/>
+          </a:prstGeom>
+          <a:noFill/>
+          <a:ln w="9525">
+            <a:noFill/>
+            <a:miter lim="800000"/>
+            <a:headEnd/>
+            <a:tailEnd/>
+          </a:ln>
+          <a:effectLst/>
+        </p:spPr>
+      </p:pic>
+      <p:sp>
+        <p:nvSpPr>
+          <p:cNvPr id="4" name="Foliennummernplatzhalter 3"/>
           <p:cNvSpPr>
             <a:spLocks noGrp="1"/>
           </p:cNvSpPr>
@@ -11772,7 +11782,7 @@
       </p:grpSpPr>
       <p:sp>
         <p:nvSpPr>
-          <p:cNvPr id="2" name="Titel 1"/>
+          <p:cNvPr id="4" name="Titel 3"/>
           <p:cNvSpPr>
             <a:spLocks noGrp="1"/>
           </p:cNvSpPr>
@@ -11782,54 +11792,378 @@
         </p:nvSpPr>
         <p:spPr/>
         <p:txBody>
-          <a:bodyPr/>
+          <a:bodyPr>
+            <a:normAutofit/>
+          </a:bodyPr>
           <a:lstStyle/>
           <a:p>
             <a:r>
-              <a:rPr lang="en-US" smtClean="0"/>
-              <a:t>UML</a:t>
-            </a:r>
-            <a:endParaRPr lang="en-US"/>
-          </a:p>
-        </p:txBody>
-      </p:sp>
-      <p:pic>
-        <p:nvPicPr>
-          <p:cNvPr id="1026" name="Picture 2"/>
-          <p:cNvPicPr>
-            <a:picLocks noGrp="1" noChangeAspect="1" noChangeArrowheads="1"/>
-          </p:cNvPicPr>
+              <a:rPr lang="en-US" dirty="0" smtClean="0"/>
+              <a:t>What solid insights do we have?</a:t>
+            </a:r>
+            <a:endParaRPr lang="en-US" dirty="0"/>
+          </a:p>
+        </p:txBody>
+      </p:sp>
+      <p:sp>
+        <p:nvSpPr>
+          <p:cNvPr id="5" name="Inhaltsplatzhalter 4"/>
+          <p:cNvSpPr>
+            <a:spLocks noGrp="1"/>
+          </p:cNvSpPr>
           <p:nvPr>
             <p:ph idx="1"/>
           </p:nvPr>
-        </p:nvPicPr>
-        <p:blipFill>
-          <a:blip r:embed="rId2"/>
-          <a:stretch>
-            <a:fillRect/>
-          </a:stretch>
-        </p:blipFill>
-        <p:spPr bwMode="auto">
-          <a:xfrm>
-            <a:off x="3221037" y="2335212"/>
-            <a:ext cx="7334250" cy="4191000"/>
-          </a:xfrm>
-          <a:prstGeom prst="rect">
-            <a:avLst/>
-          </a:prstGeom>
-          <a:noFill/>
-          <a:ln w="9525">
-            <a:noFill/>
-            <a:miter lim="800000"/>
-            <a:headEnd/>
-            <a:tailEnd/>
-          </a:ln>
-          <a:effectLst/>
-        </p:spPr>
-      </p:pic>
-      <p:sp>
-        <p:nvSpPr>
-          <p:cNvPr id="4" name="Foliennummernplatzhalter 3"/>
+        </p:nvSpPr>
+        <p:spPr/>
+        <p:txBody>
+          <a:bodyPr>
+            <a:normAutofit/>
+          </a:bodyPr>
+          <a:lstStyle/>
+          <a:p>
+            <a:r>
+              <a:rPr lang="de-DE" dirty="0" err="1" smtClean="0"/>
+              <a:t>What</a:t>
+            </a:r>
+            <a:r>
+              <a:rPr lang="de-DE" dirty="0" smtClean="0"/>
+              <a:t> do </a:t>
+            </a:r>
+            <a:r>
+              <a:rPr lang="de-DE" dirty="0" err="1" smtClean="0"/>
+              <a:t>you</a:t>
+            </a:r>
+            <a:r>
+              <a:rPr lang="de-DE" dirty="0" smtClean="0"/>
+              <a:t> </a:t>
+            </a:r>
+            <a:r>
+              <a:rPr lang="de-DE" dirty="0" err="1" smtClean="0"/>
+              <a:t>know</a:t>
+            </a:r>
+            <a:r>
+              <a:rPr lang="de-DE" dirty="0" smtClean="0"/>
+              <a:t> </a:t>
+            </a:r>
+            <a:r>
+              <a:rPr lang="de-DE" dirty="0" err="1" smtClean="0"/>
+              <a:t>about</a:t>
+            </a:r>
+            <a:r>
+              <a:rPr lang="de-DE" dirty="0" smtClean="0"/>
+              <a:t> </a:t>
+            </a:r>
+            <a:r>
+              <a:rPr lang="de-DE" dirty="0" err="1" smtClean="0"/>
+              <a:t>the</a:t>
+            </a:r>
+            <a:r>
+              <a:rPr lang="de-DE" dirty="0" smtClean="0"/>
+              <a:t> </a:t>
+            </a:r>
+            <a:r>
+              <a:rPr lang="de-DE" dirty="0" err="1" smtClean="0"/>
+              <a:t>following</a:t>
+            </a:r>
+            <a:r>
+              <a:rPr lang="de-DE" dirty="0" smtClean="0"/>
+              <a:t> </a:t>
+            </a:r>
+            <a:r>
+              <a:rPr lang="de-DE" dirty="0" err="1" smtClean="0"/>
+              <a:t>topics</a:t>
+            </a:r>
+            <a:r>
+              <a:rPr lang="de-DE" dirty="0" smtClean="0"/>
+              <a:t>?</a:t>
+            </a:r>
+          </a:p>
+          <a:p>
+            <a:r>
+              <a:rPr lang="de-DE" dirty="0" err="1" smtClean="0"/>
+              <a:t>What</a:t>
+            </a:r>
+            <a:r>
+              <a:rPr lang="de-DE" dirty="0" smtClean="0"/>
+              <a:t> </a:t>
+            </a:r>
+            <a:r>
+              <a:rPr lang="de-DE" dirty="0" err="1" smtClean="0"/>
+              <a:t>statement</a:t>
+            </a:r>
+            <a:r>
+              <a:rPr lang="de-DE" dirty="0" smtClean="0"/>
+              <a:t>/</a:t>
+            </a:r>
+            <a:r>
+              <a:rPr lang="de-DE" dirty="0" err="1" smtClean="0"/>
+              <a:t>theory</a:t>
+            </a:r>
+            <a:r>
+              <a:rPr lang="de-DE" dirty="0" smtClean="0"/>
+              <a:t> </a:t>
+            </a:r>
+            <a:r>
+              <a:rPr lang="de-DE" dirty="0" err="1" smtClean="0"/>
+              <a:t>is</a:t>
+            </a:r>
+            <a:r>
+              <a:rPr lang="de-DE" dirty="0" smtClean="0"/>
+              <a:t> </a:t>
+            </a:r>
+            <a:r>
+              <a:rPr lang="de-DE" dirty="0" err="1" smtClean="0"/>
+              <a:t>linked</a:t>
+            </a:r>
+            <a:r>
+              <a:rPr lang="de-DE" dirty="0" smtClean="0"/>
+              <a:t> </a:t>
+            </a:r>
+            <a:r>
+              <a:rPr lang="de-DE" dirty="0" err="1" smtClean="0"/>
+              <a:t>to</a:t>
+            </a:r>
+            <a:r>
+              <a:rPr lang="de-DE" dirty="0" smtClean="0"/>
+              <a:t> </a:t>
+            </a:r>
+            <a:r>
+              <a:rPr lang="de-DE" dirty="0" err="1" smtClean="0"/>
+              <a:t>this</a:t>
+            </a:r>
+            <a:r>
+              <a:rPr lang="de-DE" dirty="0" smtClean="0"/>
+              <a:t> </a:t>
+            </a:r>
+            <a:r>
+              <a:rPr lang="de-DE" dirty="0" err="1" smtClean="0"/>
+              <a:t>topic</a:t>
+            </a:r>
+            <a:r>
+              <a:rPr lang="de-DE" dirty="0" smtClean="0"/>
+              <a:t>? </a:t>
+            </a:r>
+            <a:r>
+              <a:rPr lang="de-DE" dirty="0" err="1" smtClean="0"/>
+              <a:t>What</a:t>
+            </a:r>
+            <a:r>
+              <a:rPr lang="de-DE" dirty="0" smtClean="0"/>
+              <a:t> </a:t>
+            </a:r>
+            <a:r>
+              <a:rPr lang="de-DE" dirty="0" err="1" smtClean="0"/>
+              <a:t>have</a:t>
+            </a:r>
+            <a:r>
+              <a:rPr lang="de-DE" dirty="0" smtClean="0"/>
+              <a:t> </a:t>
+            </a:r>
+            <a:r>
+              <a:rPr lang="de-DE" dirty="0" err="1" smtClean="0"/>
+              <a:t>you</a:t>
+            </a:r>
+            <a:r>
+              <a:rPr lang="de-DE" dirty="0" smtClean="0"/>
+              <a:t> </a:t>
+            </a:r>
+            <a:r>
+              <a:rPr lang="de-DE" dirty="0" err="1" smtClean="0"/>
+              <a:t>learned</a:t>
+            </a:r>
+            <a:r>
+              <a:rPr lang="de-DE" dirty="0" smtClean="0"/>
+              <a:t> in </a:t>
+            </a:r>
+            <a:r>
+              <a:rPr lang="de-DE" dirty="0" err="1" smtClean="0"/>
+              <a:t>other</a:t>
+            </a:r>
+            <a:r>
+              <a:rPr lang="de-DE" dirty="0" smtClean="0"/>
+              <a:t> </a:t>
+            </a:r>
+            <a:r>
+              <a:rPr lang="de-DE" dirty="0" err="1" smtClean="0"/>
+              <a:t>courses</a:t>
+            </a:r>
+            <a:r>
+              <a:rPr lang="de-DE" dirty="0" smtClean="0"/>
+              <a:t>?</a:t>
+            </a:r>
+          </a:p>
+          <a:p>
+            <a:r>
+              <a:rPr lang="de-DE" dirty="0" err="1" smtClean="0"/>
+              <a:t>Which</a:t>
+            </a:r>
+            <a:r>
+              <a:rPr lang="de-DE" dirty="0" smtClean="0"/>
+              <a:t> </a:t>
+            </a:r>
+            <a:r>
+              <a:rPr lang="de-DE" dirty="0" err="1" smtClean="0"/>
+              <a:t>evidence</a:t>
+            </a:r>
+            <a:r>
+              <a:rPr lang="de-DE" dirty="0" smtClean="0"/>
+              <a:t> do </a:t>
+            </a:r>
+            <a:r>
+              <a:rPr lang="de-DE" dirty="0" err="1" smtClean="0"/>
+              <a:t>you</a:t>
+            </a:r>
+            <a:r>
+              <a:rPr lang="de-DE" dirty="0" smtClean="0"/>
+              <a:t> </a:t>
+            </a:r>
+            <a:r>
+              <a:rPr lang="de-DE" dirty="0" err="1" smtClean="0"/>
+              <a:t>know</a:t>
+            </a:r>
+            <a:r>
+              <a:rPr lang="de-DE" dirty="0" smtClean="0"/>
+              <a:t> (e.g., </a:t>
+            </a:r>
+            <a:r>
+              <a:rPr lang="de-DE" dirty="0" err="1" smtClean="0"/>
+              <a:t>from</a:t>
+            </a:r>
+            <a:r>
+              <a:rPr lang="de-DE" dirty="0" smtClean="0"/>
+              <a:t> </a:t>
+            </a:r>
+            <a:r>
+              <a:rPr lang="de-DE" dirty="0" err="1" smtClean="0"/>
+              <a:t>other</a:t>
+            </a:r>
+            <a:r>
+              <a:rPr lang="de-DE" dirty="0" smtClean="0"/>
+              <a:t> </a:t>
+            </a:r>
+            <a:r>
+              <a:rPr lang="de-DE" dirty="0" err="1" smtClean="0"/>
+              <a:t>courses</a:t>
+            </a:r>
+            <a:r>
+              <a:rPr lang="de-DE" dirty="0" smtClean="0"/>
+              <a:t>)?</a:t>
+            </a:r>
+          </a:p>
+          <a:p>
+            <a:r>
+              <a:rPr lang="de-DE" dirty="0" err="1" smtClean="0"/>
+              <a:t>Does</a:t>
+            </a:r>
+            <a:r>
+              <a:rPr lang="de-DE" dirty="0" smtClean="0"/>
+              <a:t> </a:t>
+            </a:r>
+            <a:r>
+              <a:rPr lang="de-DE" dirty="0" err="1" smtClean="0"/>
+              <a:t>that</a:t>
+            </a:r>
+            <a:r>
+              <a:rPr lang="de-DE" dirty="0" smtClean="0"/>
+              <a:t> </a:t>
+            </a:r>
+            <a:r>
+              <a:rPr lang="de-DE" dirty="0" err="1" smtClean="0"/>
+              <a:t>match</a:t>
+            </a:r>
+            <a:r>
+              <a:rPr lang="de-DE" dirty="0" smtClean="0"/>
+              <a:t> </a:t>
+            </a:r>
+            <a:r>
+              <a:rPr lang="de-DE" dirty="0" err="1" smtClean="0"/>
+              <a:t>with</a:t>
+            </a:r>
+            <a:r>
+              <a:rPr lang="de-DE" dirty="0" smtClean="0"/>
+              <a:t> </a:t>
+            </a:r>
+            <a:r>
+              <a:rPr lang="de-DE" dirty="0" err="1" smtClean="0"/>
+              <a:t>your</a:t>
+            </a:r>
+            <a:r>
+              <a:rPr lang="de-DE" dirty="0" smtClean="0"/>
+              <a:t> </a:t>
+            </a:r>
+            <a:r>
+              <a:rPr lang="de-DE" dirty="0" err="1" smtClean="0"/>
+              <a:t>experience</a:t>
+            </a:r>
+            <a:r>
+              <a:rPr lang="de-DE" dirty="0" smtClean="0"/>
+              <a:t>?</a:t>
+            </a:r>
+          </a:p>
+          <a:p>
+            <a:r>
+              <a:rPr lang="de-DE" dirty="0" err="1" smtClean="0"/>
+              <a:t>What</a:t>
+            </a:r>
+            <a:r>
+              <a:rPr lang="de-DE" dirty="0" smtClean="0"/>
+              <a:t> </a:t>
+            </a:r>
+            <a:r>
+              <a:rPr lang="de-DE" dirty="0" err="1" smtClean="0"/>
+              <a:t>kinf</a:t>
+            </a:r>
+            <a:r>
+              <a:rPr lang="de-DE" dirty="0" smtClean="0"/>
+              <a:t> </a:t>
+            </a:r>
+            <a:r>
+              <a:rPr lang="de-DE" dirty="0" err="1" smtClean="0"/>
+              <a:t>of</a:t>
+            </a:r>
+            <a:r>
+              <a:rPr lang="de-DE" dirty="0" smtClean="0"/>
+              <a:t> </a:t>
+            </a:r>
+            <a:r>
+              <a:rPr lang="de-DE" dirty="0" err="1" smtClean="0"/>
+              <a:t>evidence</a:t>
+            </a:r>
+            <a:r>
+              <a:rPr lang="de-DE" dirty="0" smtClean="0"/>
+              <a:t> </a:t>
+            </a:r>
+            <a:r>
+              <a:rPr lang="de-DE" dirty="0" err="1" smtClean="0"/>
+              <a:t>would</a:t>
+            </a:r>
+            <a:r>
+              <a:rPr lang="de-DE" dirty="0" smtClean="0"/>
+              <a:t> </a:t>
+            </a:r>
+            <a:r>
+              <a:rPr lang="de-DE" dirty="0" err="1" smtClean="0"/>
+              <a:t>convince</a:t>
+            </a:r>
+            <a:r>
+              <a:rPr lang="de-DE" dirty="0" smtClean="0"/>
+              <a:t> </a:t>
+            </a:r>
+            <a:r>
+              <a:rPr lang="de-DE" dirty="0" err="1" smtClean="0"/>
+              <a:t>you</a:t>
+            </a:r>
+            <a:r>
+              <a:rPr lang="de-DE" dirty="0" smtClean="0"/>
+              <a:t>?</a:t>
+            </a:r>
+          </a:p>
+        </p:txBody>
+      </p:sp>
+      <p:sp>
+        <p:nvSpPr>
+          <p:cNvPr id="6" name="Foliennummernplatzhalter 5"/>
           <p:cNvSpPr>
             <a:spLocks noGrp="1"/>
           </p:cNvSpPr>
@@ -11852,6 +12186,11 @@
         </p:txBody>
       </p:sp>
     </p:spTree>
+    <p:extLst>
+      <p:ext uri="{BB962C8B-B14F-4D97-AF65-F5344CB8AC3E}">
+        <p14:creationId xmlns:p14="http://schemas.microsoft.com/office/powerpoint/2010/main" val="11896495"/>
+      </p:ext>
+    </p:extLst>
   </p:cSld>
   <p:clrMapOvr>
     <a:masterClrMapping/>
@@ -11885,7 +12224,7 @@
       </p:grpSpPr>
       <p:sp>
         <p:nvSpPr>
-          <p:cNvPr id="4" name="Titel 3"/>
+          <p:cNvPr id="2" name="Titel 1"/>
           <p:cNvSpPr>
             <a:spLocks noGrp="1"/>
           </p:cNvSpPr>
@@ -11895,14 +12234,12 @@
         </p:nvSpPr>
         <p:spPr/>
         <p:txBody>
-          <a:bodyPr>
-            <a:normAutofit/>
-          </a:bodyPr>
+          <a:bodyPr/>
           <a:lstStyle/>
           <a:p>
             <a:r>
               <a:rPr lang="en-US" dirty="0" smtClean="0"/>
-              <a:t>What solid insights do we have?</a:t>
+              <a:t>Development Processes</a:t>
             </a:r>
             <a:endParaRPr lang="en-US" dirty="0"/>
           </a:p>
@@ -11910,7 +12247,7 @@
       </p:sp>
       <p:sp>
         <p:nvSpPr>
-          <p:cNvPr id="5" name="Inhaltsplatzhalter 4"/>
+          <p:cNvPr id="3" name="Inhaltsplatzhalter 2"/>
           <p:cNvSpPr>
             <a:spLocks noGrp="1"/>
           </p:cNvSpPr>
@@ -11920,353 +12257,16 @@
         </p:nvSpPr>
         <p:spPr/>
         <p:txBody>
-          <a:bodyPr>
-            <a:normAutofit/>
-          </a:bodyPr>
+          <a:bodyPr/>
           <a:lstStyle/>
           <a:p>
-            <a:r>
-              <a:rPr lang="de-DE" dirty="0" err="1" smtClean="0"/>
-              <a:t>What</a:t>
-            </a:r>
-            <a:r>
-              <a:rPr lang="de-DE" dirty="0" smtClean="0"/>
-              <a:t> do </a:t>
-            </a:r>
-            <a:r>
-              <a:rPr lang="de-DE" dirty="0" err="1" smtClean="0"/>
-              <a:t>you</a:t>
-            </a:r>
-            <a:r>
-              <a:rPr lang="de-DE" dirty="0" smtClean="0"/>
-              <a:t> </a:t>
-            </a:r>
-            <a:r>
-              <a:rPr lang="de-DE" dirty="0" err="1" smtClean="0"/>
-              <a:t>know</a:t>
-            </a:r>
-            <a:r>
-              <a:rPr lang="de-DE" dirty="0" smtClean="0"/>
-              <a:t> </a:t>
-            </a:r>
-            <a:r>
-              <a:rPr lang="de-DE" dirty="0" err="1" smtClean="0"/>
-              <a:t>about</a:t>
-            </a:r>
-            <a:r>
-              <a:rPr lang="de-DE" dirty="0" smtClean="0"/>
-              <a:t> </a:t>
-            </a:r>
-            <a:r>
-              <a:rPr lang="de-DE" dirty="0" err="1" smtClean="0"/>
-              <a:t>the</a:t>
-            </a:r>
-            <a:r>
-              <a:rPr lang="de-DE" dirty="0" smtClean="0"/>
-              <a:t> </a:t>
-            </a:r>
-            <a:r>
-              <a:rPr lang="de-DE" dirty="0" err="1" smtClean="0"/>
-              <a:t>following</a:t>
-            </a:r>
-            <a:r>
-              <a:rPr lang="de-DE" dirty="0" smtClean="0"/>
-              <a:t> </a:t>
-            </a:r>
-            <a:r>
-              <a:rPr lang="de-DE" dirty="0" err="1" smtClean="0"/>
-              <a:t>topics</a:t>
-            </a:r>
-            <a:r>
-              <a:rPr lang="de-DE" dirty="0" smtClean="0"/>
-              <a:t>?</a:t>
-            </a:r>
-          </a:p>
-          <a:p>
-            <a:r>
-              <a:rPr lang="de-DE" dirty="0" err="1" smtClean="0"/>
-              <a:t>What</a:t>
-            </a:r>
-            <a:r>
-              <a:rPr lang="de-DE" dirty="0" smtClean="0"/>
-              <a:t> </a:t>
-            </a:r>
-            <a:r>
-              <a:rPr lang="de-DE" dirty="0" err="1" smtClean="0"/>
-              <a:t>statement</a:t>
-            </a:r>
-            <a:r>
-              <a:rPr lang="de-DE" dirty="0" smtClean="0"/>
-              <a:t>/</a:t>
-            </a:r>
-            <a:r>
-              <a:rPr lang="de-DE" dirty="0" err="1" smtClean="0"/>
-              <a:t>theory</a:t>
-            </a:r>
-            <a:r>
-              <a:rPr lang="de-DE" dirty="0" smtClean="0"/>
-              <a:t> </a:t>
-            </a:r>
-            <a:r>
-              <a:rPr lang="de-DE" dirty="0" err="1" smtClean="0"/>
-              <a:t>is</a:t>
-            </a:r>
-            <a:r>
-              <a:rPr lang="de-DE" dirty="0" smtClean="0"/>
-              <a:t> </a:t>
-            </a:r>
-            <a:r>
-              <a:rPr lang="de-DE" dirty="0" err="1" smtClean="0"/>
-              <a:t>linked</a:t>
-            </a:r>
-            <a:r>
-              <a:rPr lang="de-DE" dirty="0" smtClean="0"/>
-              <a:t> </a:t>
-            </a:r>
-            <a:r>
-              <a:rPr lang="de-DE" dirty="0" err="1" smtClean="0"/>
-              <a:t>to</a:t>
-            </a:r>
-            <a:r>
-              <a:rPr lang="de-DE" dirty="0" smtClean="0"/>
-              <a:t> </a:t>
-            </a:r>
-            <a:r>
-              <a:rPr lang="de-DE" dirty="0" err="1" smtClean="0"/>
-              <a:t>this</a:t>
-            </a:r>
-            <a:r>
-              <a:rPr lang="de-DE" dirty="0" smtClean="0"/>
-              <a:t> </a:t>
-            </a:r>
-            <a:r>
-              <a:rPr lang="de-DE" dirty="0" err="1" smtClean="0"/>
-              <a:t>topic</a:t>
-            </a:r>
-            <a:r>
-              <a:rPr lang="de-DE" dirty="0" smtClean="0"/>
-              <a:t>? </a:t>
-            </a:r>
-            <a:r>
-              <a:rPr lang="de-DE" dirty="0" err="1" smtClean="0"/>
-              <a:t>What</a:t>
-            </a:r>
-            <a:r>
-              <a:rPr lang="de-DE" dirty="0" smtClean="0"/>
-              <a:t> </a:t>
-            </a:r>
-            <a:r>
-              <a:rPr lang="de-DE" dirty="0" err="1" smtClean="0"/>
-              <a:t>have</a:t>
-            </a:r>
-            <a:r>
-              <a:rPr lang="de-DE" dirty="0" smtClean="0"/>
-              <a:t> </a:t>
-            </a:r>
-            <a:r>
-              <a:rPr lang="de-DE" dirty="0" err="1" smtClean="0"/>
-              <a:t>you</a:t>
-            </a:r>
-            <a:r>
-              <a:rPr lang="de-DE" dirty="0" smtClean="0"/>
-              <a:t> </a:t>
-            </a:r>
-            <a:r>
-              <a:rPr lang="de-DE" dirty="0" err="1" smtClean="0"/>
-              <a:t>learned</a:t>
-            </a:r>
-            <a:r>
-              <a:rPr lang="de-DE" dirty="0" smtClean="0"/>
-              <a:t> in </a:t>
-            </a:r>
-            <a:r>
-              <a:rPr lang="de-DE" dirty="0" err="1" smtClean="0"/>
-              <a:t>other</a:t>
-            </a:r>
-            <a:r>
-              <a:rPr lang="de-DE" dirty="0" smtClean="0"/>
-              <a:t> </a:t>
-            </a:r>
-            <a:r>
-              <a:rPr lang="de-DE" dirty="0" err="1" smtClean="0"/>
-              <a:t>courses</a:t>
-            </a:r>
-            <a:r>
-              <a:rPr lang="de-DE" dirty="0" smtClean="0"/>
-              <a:t>?</a:t>
-            </a:r>
-          </a:p>
-          <a:p>
-            <a:r>
-              <a:rPr lang="de-DE" dirty="0" err="1" smtClean="0"/>
-              <a:t>Which</a:t>
-            </a:r>
-            <a:r>
-              <a:rPr lang="de-DE" dirty="0" smtClean="0"/>
-              <a:t> </a:t>
-            </a:r>
-            <a:r>
-              <a:rPr lang="de-DE" dirty="0" err="1" smtClean="0"/>
-              <a:t>evidence</a:t>
-            </a:r>
-            <a:r>
-              <a:rPr lang="de-DE" dirty="0" smtClean="0"/>
-              <a:t> do </a:t>
-            </a:r>
-            <a:r>
-              <a:rPr lang="de-DE" dirty="0" err="1" smtClean="0"/>
-              <a:t>you</a:t>
-            </a:r>
-            <a:r>
-              <a:rPr lang="de-DE" dirty="0" smtClean="0"/>
-              <a:t> </a:t>
-            </a:r>
-            <a:r>
-              <a:rPr lang="de-DE" dirty="0" err="1" smtClean="0"/>
-              <a:t>know</a:t>
-            </a:r>
-            <a:r>
-              <a:rPr lang="de-DE" dirty="0" smtClean="0"/>
-              <a:t> (e.g., </a:t>
-            </a:r>
-            <a:r>
-              <a:rPr lang="de-DE" dirty="0" err="1" smtClean="0"/>
-              <a:t>from</a:t>
-            </a:r>
-            <a:r>
-              <a:rPr lang="de-DE" dirty="0" smtClean="0"/>
-              <a:t> </a:t>
-            </a:r>
-            <a:r>
-              <a:rPr lang="de-DE" dirty="0" err="1" smtClean="0"/>
-              <a:t>other</a:t>
-            </a:r>
-            <a:r>
-              <a:rPr lang="de-DE" dirty="0" smtClean="0"/>
-              <a:t> </a:t>
-            </a:r>
-            <a:r>
-              <a:rPr lang="de-DE" dirty="0" err="1" smtClean="0"/>
-              <a:t>courses</a:t>
-            </a:r>
-            <a:r>
-              <a:rPr lang="de-DE" dirty="0" smtClean="0"/>
-              <a:t>)?</a:t>
-            </a:r>
-          </a:p>
-          <a:p>
-            <a:r>
-              <a:rPr lang="de-DE" dirty="0" err="1" smtClean="0"/>
-              <a:t>Does</a:t>
-            </a:r>
-            <a:r>
-              <a:rPr lang="de-DE" dirty="0" smtClean="0"/>
-              <a:t> </a:t>
-            </a:r>
-            <a:r>
-              <a:rPr lang="de-DE" dirty="0" err="1" smtClean="0"/>
-              <a:t>that</a:t>
-            </a:r>
-            <a:r>
-              <a:rPr lang="de-DE" dirty="0" smtClean="0"/>
-              <a:t> </a:t>
-            </a:r>
-            <a:r>
-              <a:rPr lang="de-DE" dirty="0" err="1" smtClean="0"/>
-              <a:t>match</a:t>
-            </a:r>
-            <a:r>
-              <a:rPr lang="de-DE" dirty="0" smtClean="0"/>
-              <a:t> </a:t>
-            </a:r>
-            <a:r>
-              <a:rPr lang="de-DE" dirty="0" err="1" smtClean="0"/>
-              <a:t>with</a:t>
-            </a:r>
-            <a:r>
-              <a:rPr lang="de-DE" dirty="0" smtClean="0"/>
-              <a:t> </a:t>
-            </a:r>
-            <a:r>
-              <a:rPr lang="de-DE" dirty="0" err="1" smtClean="0"/>
-              <a:t>your</a:t>
-            </a:r>
-            <a:r>
-              <a:rPr lang="de-DE" dirty="0" smtClean="0"/>
-              <a:t> </a:t>
-            </a:r>
-            <a:r>
-              <a:rPr lang="de-DE" dirty="0" err="1" smtClean="0"/>
-              <a:t>experience</a:t>
-            </a:r>
-            <a:r>
-              <a:rPr lang="de-DE" dirty="0" smtClean="0"/>
-              <a:t>?</a:t>
-            </a:r>
-          </a:p>
-          <a:p>
-            <a:r>
-              <a:rPr lang="de-DE" dirty="0" err="1" smtClean="0"/>
-              <a:t>What</a:t>
-            </a:r>
-            <a:r>
-              <a:rPr lang="de-DE" dirty="0" smtClean="0"/>
-              <a:t> </a:t>
-            </a:r>
-            <a:r>
-              <a:rPr lang="de-DE" dirty="0" err="1" smtClean="0"/>
-              <a:t>kinf</a:t>
-            </a:r>
-            <a:r>
-              <a:rPr lang="de-DE" dirty="0" smtClean="0"/>
-              <a:t> </a:t>
-            </a:r>
-            <a:r>
-              <a:rPr lang="de-DE" dirty="0" err="1" smtClean="0"/>
-              <a:t>of</a:t>
-            </a:r>
-            <a:r>
-              <a:rPr lang="de-DE" dirty="0" smtClean="0"/>
-              <a:t> </a:t>
-            </a:r>
-            <a:r>
-              <a:rPr lang="de-DE" dirty="0" err="1" smtClean="0"/>
-              <a:t>evidence</a:t>
-            </a:r>
-            <a:r>
-              <a:rPr lang="de-DE" dirty="0" smtClean="0"/>
-              <a:t> </a:t>
-            </a:r>
-            <a:r>
-              <a:rPr lang="de-DE" dirty="0" err="1" smtClean="0"/>
-              <a:t>would</a:t>
-            </a:r>
-            <a:r>
-              <a:rPr lang="de-DE" dirty="0" smtClean="0"/>
-              <a:t> </a:t>
-            </a:r>
-            <a:r>
-              <a:rPr lang="de-DE" dirty="0" err="1" smtClean="0"/>
-              <a:t>convince</a:t>
-            </a:r>
-            <a:r>
-              <a:rPr lang="de-DE" dirty="0" smtClean="0"/>
-              <a:t> </a:t>
-            </a:r>
-            <a:r>
-              <a:rPr lang="de-DE" dirty="0" err="1" smtClean="0"/>
-              <a:t>you</a:t>
-            </a:r>
-            <a:r>
-              <a:rPr lang="de-DE" dirty="0" smtClean="0"/>
-              <a:t>?</a:t>
-            </a:r>
-          </a:p>
-        </p:txBody>
-      </p:sp>
-      <p:sp>
-        <p:nvSpPr>
-          <p:cNvPr id="6" name="Foliennummernplatzhalter 5"/>
+            <a:endParaRPr lang="en-US"/>
+          </a:p>
+        </p:txBody>
+      </p:sp>
+      <p:sp>
+        <p:nvSpPr>
+          <p:cNvPr id="5" name="Foliennummernplatzhalter 4"/>
           <p:cNvSpPr>
             <a:spLocks noGrp="1"/>
           </p:cNvSpPr>
@@ -12283,109 +12283,6 @@
               <a:rPr lang="de-DE" smtClean="0"/>
               <a:pPr/>
               <a:t>22</a:t>
-            </a:fld>
-            <a:endParaRPr lang="de-DE"/>
-          </a:p>
-        </p:txBody>
-      </p:sp>
-    </p:spTree>
-    <p:extLst>
-      <p:ext uri="{BB962C8B-B14F-4D97-AF65-F5344CB8AC3E}">
-        <p14:creationId xmlns:p14="http://schemas.microsoft.com/office/powerpoint/2010/main" val="11896495"/>
-      </p:ext>
-    </p:extLst>
-  </p:cSld>
-  <p:clrMapOvr>
-    <a:masterClrMapping/>
-  </p:clrMapOvr>
-  <p:timing>
-    <p:tnLst>
-      <p:par>
-        <p:cTn id="1" dur="indefinite" restart="never" nodeType="tmRoot"/>
-      </p:par>
-    </p:tnLst>
-  </p:timing>
-</p:sld>
-</file>
-
-<file path=ppt/slides/slide23.xml><?xml version="1.0" encoding="utf-8"?>
-<p:sld xmlns:a="http://schemas.openxmlformats.org/drawingml/2006/main" xmlns:r="http://schemas.openxmlformats.org/officeDocument/2006/relationships" xmlns:p="http://schemas.openxmlformats.org/presentationml/2006/main">
-  <p:cSld>
-    <p:spTree>
-      <p:nvGrpSpPr>
-        <p:cNvPr id="1" name=""/>
-        <p:cNvGrpSpPr/>
-        <p:nvPr/>
-      </p:nvGrpSpPr>
-      <p:grpSpPr>
-        <a:xfrm>
-          <a:off x="0" y="0"/>
-          <a:ext cx="0" cy="0"/>
-          <a:chOff x="0" y="0"/>
-          <a:chExt cx="0" cy="0"/>
-        </a:xfrm>
-      </p:grpSpPr>
-      <p:sp>
-        <p:nvSpPr>
-          <p:cNvPr id="2" name="Titel 1"/>
-          <p:cNvSpPr>
-            <a:spLocks noGrp="1"/>
-          </p:cNvSpPr>
-          <p:nvPr>
-            <p:ph type="title"/>
-          </p:nvPr>
-        </p:nvSpPr>
-        <p:spPr/>
-        <p:txBody>
-          <a:bodyPr/>
-          <a:lstStyle/>
-          <a:p>
-            <a:r>
-              <a:rPr lang="en-US" dirty="0" smtClean="0"/>
-              <a:t>Development Processes</a:t>
-            </a:r>
-            <a:endParaRPr lang="en-US" dirty="0"/>
-          </a:p>
-        </p:txBody>
-      </p:sp>
-      <p:sp>
-        <p:nvSpPr>
-          <p:cNvPr id="3" name="Inhaltsplatzhalter 2"/>
-          <p:cNvSpPr>
-            <a:spLocks noGrp="1"/>
-          </p:cNvSpPr>
-          <p:nvPr>
-            <p:ph idx="1"/>
-          </p:nvPr>
-        </p:nvSpPr>
-        <p:spPr/>
-        <p:txBody>
-          <a:bodyPr/>
-          <a:lstStyle/>
-          <a:p>
-            <a:endParaRPr lang="en-US"/>
-          </a:p>
-        </p:txBody>
-      </p:sp>
-      <p:sp>
-        <p:nvSpPr>
-          <p:cNvPr id="5" name="Foliennummernplatzhalter 4"/>
-          <p:cNvSpPr>
-            <a:spLocks noGrp="1"/>
-          </p:cNvSpPr>
-          <p:nvPr>
-            <p:ph type="sldNum" sz="quarter" idx="12"/>
-          </p:nvPr>
-        </p:nvSpPr>
-        <p:spPr/>
-        <p:txBody>
-          <a:bodyPr/>
-          <a:lstStyle/>
-          <a:p>
-            <a:fld id="{6C6AE60A-B69C-4790-82F7-3882EDF23186}" type="slidenum">
-              <a:rPr lang="de-DE" smtClean="0"/>
-              <a:pPr/>
-              <a:t>23</a:t>
             </a:fld>
             <a:endParaRPr lang="de-DE"/>
           </a:p>
@@ -12447,7 +12344,7 @@
 </p:sld>
 </file>
 
-<file path=ppt/slides/slide24.xml><?xml version="1.0" encoding="utf-8"?>
+<file path=ppt/slides/slide23.xml><?xml version="1.0" encoding="utf-8"?>
 <p:sld xmlns:a="http://schemas.openxmlformats.org/drawingml/2006/main" xmlns:r="http://schemas.openxmlformats.org/officeDocument/2006/relationships" xmlns:p="http://schemas.openxmlformats.org/presentationml/2006/main">
   <p:cSld>
     <p:spTree>
@@ -12863,7 +12760,7 @@
             <a:fld id="{6C6AE60A-B69C-4790-82F7-3882EDF23186}" type="slidenum">
               <a:rPr lang="de-DE" smtClean="0"/>
               <a:pPr/>
-              <a:t>24</a:t>
+              <a:t>23</a:t>
             </a:fld>
             <a:endParaRPr lang="de-DE"/>
           </a:p>
@@ -12889,7 +12786,7 @@
 </p:sld>
 </file>
 
-<file path=ppt/slides/slide25.xml><?xml version="1.0" encoding="utf-8"?>
+<file path=ppt/slides/slide24.xml><?xml version="1.0" encoding="utf-8"?>
 <p:sld xmlns:a="http://schemas.openxmlformats.org/drawingml/2006/main" xmlns:r="http://schemas.openxmlformats.org/officeDocument/2006/relationships" xmlns:p="http://schemas.openxmlformats.org/presentationml/2006/main">
   <p:cSld>
     <p:spTree>
@@ -12966,7 +12863,7 @@
             <a:fld id="{6C6AE60A-B69C-4790-82F7-3882EDF23186}" type="slidenum">
               <a:rPr lang="de-DE" smtClean="0"/>
               <a:pPr/>
-              <a:t>25</a:t>
+              <a:t>24</a:t>
             </a:fld>
             <a:endParaRPr lang="de-DE"/>
           </a:p>
@@ -13020,6 +12917,448 @@
 </p:sld>
 </file>
 
+<file path=ppt/slides/slide25.xml><?xml version="1.0" encoding="utf-8"?>
+<p:sld xmlns:a="http://schemas.openxmlformats.org/drawingml/2006/main" xmlns:r="http://schemas.openxmlformats.org/officeDocument/2006/relationships" xmlns:p="http://schemas.openxmlformats.org/presentationml/2006/main">
+  <p:cSld>
+    <p:spTree>
+      <p:nvGrpSpPr>
+        <p:cNvPr id="1" name=""/>
+        <p:cNvGrpSpPr/>
+        <p:nvPr/>
+      </p:nvGrpSpPr>
+      <p:grpSpPr>
+        <a:xfrm>
+          <a:off x="0" y="0"/>
+          <a:ext cx="0" cy="0"/>
+          <a:chOff x="0" y="0"/>
+          <a:chExt cx="0" cy="0"/>
+        </a:xfrm>
+      </p:grpSpPr>
+      <p:sp>
+        <p:nvSpPr>
+          <p:cNvPr id="4" name="Titel 3"/>
+          <p:cNvSpPr>
+            <a:spLocks noGrp="1"/>
+          </p:cNvSpPr>
+          <p:nvPr>
+            <p:ph type="title"/>
+          </p:nvPr>
+        </p:nvSpPr>
+        <p:spPr/>
+        <p:txBody>
+          <a:bodyPr>
+            <a:normAutofit/>
+          </a:bodyPr>
+          <a:lstStyle/>
+          <a:p>
+            <a:r>
+              <a:rPr lang="en-US" dirty="0" smtClean="0"/>
+              <a:t>What solid insights do we have?</a:t>
+            </a:r>
+            <a:endParaRPr lang="en-US" dirty="0"/>
+          </a:p>
+        </p:txBody>
+      </p:sp>
+      <p:sp>
+        <p:nvSpPr>
+          <p:cNvPr id="5" name="Inhaltsplatzhalter 4"/>
+          <p:cNvSpPr>
+            <a:spLocks noGrp="1"/>
+          </p:cNvSpPr>
+          <p:nvPr>
+            <p:ph idx="1"/>
+          </p:nvPr>
+        </p:nvSpPr>
+        <p:spPr/>
+        <p:txBody>
+          <a:bodyPr>
+            <a:normAutofit/>
+          </a:bodyPr>
+          <a:lstStyle/>
+          <a:p>
+            <a:r>
+              <a:rPr lang="de-DE" dirty="0" err="1" smtClean="0"/>
+              <a:t>What</a:t>
+            </a:r>
+            <a:r>
+              <a:rPr lang="de-DE" dirty="0" smtClean="0"/>
+              <a:t> do </a:t>
+            </a:r>
+            <a:r>
+              <a:rPr lang="de-DE" dirty="0" err="1" smtClean="0"/>
+              <a:t>you</a:t>
+            </a:r>
+            <a:r>
+              <a:rPr lang="de-DE" dirty="0" smtClean="0"/>
+              <a:t> </a:t>
+            </a:r>
+            <a:r>
+              <a:rPr lang="de-DE" dirty="0" err="1" smtClean="0"/>
+              <a:t>know</a:t>
+            </a:r>
+            <a:r>
+              <a:rPr lang="de-DE" dirty="0" smtClean="0"/>
+              <a:t> </a:t>
+            </a:r>
+            <a:r>
+              <a:rPr lang="de-DE" dirty="0" err="1" smtClean="0"/>
+              <a:t>about</a:t>
+            </a:r>
+            <a:r>
+              <a:rPr lang="de-DE" dirty="0" smtClean="0"/>
+              <a:t> </a:t>
+            </a:r>
+            <a:r>
+              <a:rPr lang="de-DE" dirty="0" err="1" smtClean="0"/>
+              <a:t>the</a:t>
+            </a:r>
+            <a:r>
+              <a:rPr lang="de-DE" dirty="0" smtClean="0"/>
+              <a:t> </a:t>
+            </a:r>
+            <a:r>
+              <a:rPr lang="de-DE" dirty="0" err="1" smtClean="0"/>
+              <a:t>following</a:t>
+            </a:r>
+            <a:r>
+              <a:rPr lang="de-DE" dirty="0" smtClean="0"/>
+              <a:t> </a:t>
+            </a:r>
+            <a:r>
+              <a:rPr lang="de-DE" dirty="0" err="1" smtClean="0"/>
+              <a:t>topics</a:t>
+            </a:r>
+            <a:r>
+              <a:rPr lang="de-DE" dirty="0" smtClean="0"/>
+              <a:t>?</a:t>
+            </a:r>
+          </a:p>
+          <a:p>
+            <a:r>
+              <a:rPr lang="de-DE" dirty="0" err="1" smtClean="0"/>
+              <a:t>What</a:t>
+            </a:r>
+            <a:r>
+              <a:rPr lang="de-DE" dirty="0" smtClean="0"/>
+              <a:t> </a:t>
+            </a:r>
+            <a:r>
+              <a:rPr lang="de-DE" dirty="0" err="1" smtClean="0"/>
+              <a:t>statement</a:t>
+            </a:r>
+            <a:r>
+              <a:rPr lang="de-DE" dirty="0" smtClean="0"/>
+              <a:t>/</a:t>
+            </a:r>
+            <a:r>
+              <a:rPr lang="de-DE" dirty="0" err="1" smtClean="0"/>
+              <a:t>theory</a:t>
+            </a:r>
+            <a:r>
+              <a:rPr lang="de-DE" dirty="0" smtClean="0"/>
+              <a:t> </a:t>
+            </a:r>
+            <a:r>
+              <a:rPr lang="de-DE" dirty="0" err="1" smtClean="0"/>
+              <a:t>is</a:t>
+            </a:r>
+            <a:r>
+              <a:rPr lang="de-DE" dirty="0" smtClean="0"/>
+              <a:t> </a:t>
+            </a:r>
+            <a:r>
+              <a:rPr lang="de-DE" dirty="0" err="1" smtClean="0"/>
+              <a:t>linked</a:t>
+            </a:r>
+            <a:r>
+              <a:rPr lang="de-DE" dirty="0" smtClean="0"/>
+              <a:t> </a:t>
+            </a:r>
+            <a:r>
+              <a:rPr lang="de-DE" dirty="0" err="1" smtClean="0"/>
+              <a:t>to</a:t>
+            </a:r>
+            <a:r>
+              <a:rPr lang="de-DE" dirty="0" smtClean="0"/>
+              <a:t> </a:t>
+            </a:r>
+            <a:r>
+              <a:rPr lang="de-DE" dirty="0" err="1" smtClean="0"/>
+              <a:t>this</a:t>
+            </a:r>
+            <a:r>
+              <a:rPr lang="de-DE" dirty="0" smtClean="0"/>
+              <a:t> </a:t>
+            </a:r>
+            <a:r>
+              <a:rPr lang="de-DE" dirty="0" err="1" smtClean="0"/>
+              <a:t>topic</a:t>
+            </a:r>
+            <a:r>
+              <a:rPr lang="de-DE" dirty="0" smtClean="0"/>
+              <a:t>? </a:t>
+            </a:r>
+            <a:r>
+              <a:rPr lang="de-DE" dirty="0" err="1" smtClean="0"/>
+              <a:t>What</a:t>
+            </a:r>
+            <a:r>
+              <a:rPr lang="de-DE" dirty="0" smtClean="0"/>
+              <a:t> </a:t>
+            </a:r>
+            <a:r>
+              <a:rPr lang="de-DE" dirty="0" err="1" smtClean="0"/>
+              <a:t>have</a:t>
+            </a:r>
+            <a:r>
+              <a:rPr lang="de-DE" dirty="0" smtClean="0"/>
+              <a:t> </a:t>
+            </a:r>
+            <a:r>
+              <a:rPr lang="de-DE" dirty="0" err="1" smtClean="0"/>
+              <a:t>you</a:t>
+            </a:r>
+            <a:r>
+              <a:rPr lang="de-DE" dirty="0" smtClean="0"/>
+              <a:t> </a:t>
+            </a:r>
+            <a:r>
+              <a:rPr lang="de-DE" dirty="0" err="1" smtClean="0"/>
+              <a:t>learned</a:t>
+            </a:r>
+            <a:r>
+              <a:rPr lang="de-DE" dirty="0" smtClean="0"/>
+              <a:t> in </a:t>
+            </a:r>
+            <a:r>
+              <a:rPr lang="de-DE" dirty="0" err="1" smtClean="0"/>
+              <a:t>other</a:t>
+            </a:r>
+            <a:r>
+              <a:rPr lang="de-DE" dirty="0" smtClean="0"/>
+              <a:t> </a:t>
+            </a:r>
+            <a:r>
+              <a:rPr lang="de-DE" dirty="0" err="1" smtClean="0"/>
+              <a:t>courses</a:t>
+            </a:r>
+            <a:r>
+              <a:rPr lang="de-DE" dirty="0" smtClean="0"/>
+              <a:t>?</a:t>
+            </a:r>
+          </a:p>
+          <a:p>
+            <a:r>
+              <a:rPr lang="de-DE" dirty="0" err="1" smtClean="0"/>
+              <a:t>Which</a:t>
+            </a:r>
+            <a:r>
+              <a:rPr lang="de-DE" dirty="0" smtClean="0"/>
+              <a:t> </a:t>
+            </a:r>
+            <a:r>
+              <a:rPr lang="de-DE" dirty="0" err="1" smtClean="0"/>
+              <a:t>evidence</a:t>
+            </a:r>
+            <a:r>
+              <a:rPr lang="de-DE" dirty="0" smtClean="0"/>
+              <a:t> do </a:t>
+            </a:r>
+            <a:r>
+              <a:rPr lang="de-DE" dirty="0" err="1" smtClean="0"/>
+              <a:t>you</a:t>
+            </a:r>
+            <a:r>
+              <a:rPr lang="de-DE" dirty="0" smtClean="0"/>
+              <a:t> </a:t>
+            </a:r>
+            <a:r>
+              <a:rPr lang="de-DE" dirty="0" err="1" smtClean="0"/>
+              <a:t>know</a:t>
+            </a:r>
+            <a:r>
+              <a:rPr lang="de-DE" dirty="0" smtClean="0"/>
+              <a:t> (e.g., </a:t>
+            </a:r>
+            <a:r>
+              <a:rPr lang="de-DE" dirty="0" err="1" smtClean="0"/>
+              <a:t>from</a:t>
+            </a:r>
+            <a:r>
+              <a:rPr lang="de-DE" dirty="0" smtClean="0"/>
+              <a:t> </a:t>
+            </a:r>
+            <a:r>
+              <a:rPr lang="de-DE" dirty="0" err="1" smtClean="0"/>
+              <a:t>other</a:t>
+            </a:r>
+            <a:r>
+              <a:rPr lang="de-DE" dirty="0" smtClean="0"/>
+              <a:t> </a:t>
+            </a:r>
+            <a:r>
+              <a:rPr lang="de-DE" dirty="0" err="1" smtClean="0"/>
+              <a:t>courses</a:t>
+            </a:r>
+            <a:r>
+              <a:rPr lang="de-DE" dirty="0" smtClean="0"/>
+              <a:t>)?</a:t>
+            </a:r>
+          </a:p>
+          <a:p>
+            <a:r>
+              <a:rPr lang="de-DE" dirty="0" err="1" smtClean="0"/>
+              <a:t>Does</a:t>
+            </a:r>
+            <a:r>
+              <a:rPr lang="de-DE" dirty="0" smtClean="0"/>
+              <a:t> </a:t>
+            </a:r>
+            <a:r>
+              <a:rPr lang="de-DE" dirty="0" err="1" smtClean="0"/>
+              <a:t>that</a:t>
+            </a:r>
+            <a:r>
+              <a:rPr lang="de-DE" dirty="0" smtClean="0"/>
+              <a:t> </a:t>
+            </a:r>
+            <a:r>
+              <a:rPr lang="de-DE" dirty="0" err="1" smtClean="0"/>
+              <a:t>match</a:t>
+            </a:r>
+            <a:r>
+              <a:rPr lang="de-DE" dirty="0" smtClean="0"/>
+              <a:t> </a:t>
+            </a:r>
+            <a:r>
+              <a:rPr lang="de-DE" dirty="0" err="1" smtClean="0"/>
+              <a:t>with</a:t>
+            </a:r>
+            <a:r>
+              <a:rPr lang="de-DE" dirty="0" smtClean="0"/>
+              <a:t> </a:t>
+            </a:r>
+            <a:r>
+              <a:rPr lang="de-DE" dirty="0" err="1" smtClean="0"/>
+              <a:t>your</a:t>
+            </a:r>
+            <a:r>
+              <a:rPr lang="de-DE" dirty="0" smtClean="0"/>
+              <a:t> </a:t>
+            </a:r>
+            <a:r>
+              <a:rPr lang="de-DE" dirty="0" err="1" smtClean="0"/>
+              <a:t>experience</a:t>
+            </a:r>
+            <a:r>
+              <a:rPr lang="de-DE" dirty="0" smtClean="0"/>
+              <a:t>?</a:t>
+            </a:r>
+          </a:p>
+          <a:p>
+            <a:r>
+              <a:rPr lang="de-DE" dirty="0" err="1" smtClean="0"/>
+              <a:t>What</a:t>
+            </a:r>
+            <a:r>
+              <a:rPr lang="de-DE" dirty="0" smtClean="0"/>
+              <a:t> </a:t>
+            </a:r>
+            <a:r>
+              <a:rPr lang="de-DE" dirty="0" err="1" smtClean="0"/>
+              <a:t>kinf</a:t>
+            </a:r>
+            <a:r>
+              <a:rPr lang="de-DE" dirty="0" smtClean="0"/>
+              <a:t> </a:t>
+            </a:r>
+            <a:r>
+              <a:rPr lang="de-DE" dirty="0" err="1" smtClean="0"/>
+              <a:t>of</a:t>
+            </a:r>
+            <a:r>
+              <a:rPr lang="de-DE" dirty="0" smtClean="0"/>
+              <a:t> </a:t>
+            </a:r>
+            <a:r>
+              <a:rPr lang="de-DE" dirty="0" err="1" smtClean="0"/>
+              <a:t>evidence</a:t>
+            </a:r>
+            <a:r>
+              <a:rPr lang="de-DE" dirty="0" smtClean="0"/>
+              <a:t> </a:t>
+            </a:r>
+            <a:r>
+              <a:rPr lang="de-DE" dirty="0" err="1" smtClean="0"/>
+              <a:t>would</a:t>
+            </a:r>
+            <a:r>
+              <a:rPr lang="de-DE" dirty="0" smtClean="0"/>
+              <a:t> </a:t>
+            </a:r>
+            <a:r>
+              <a:rPr lang="de-DE" dirty="0" err="1" smtClean="0"/>
+              <a:t>convince</a:t>
+            </a:r>
+            <a:r>
+              <a:rPr lang="de-DE" dirty="0" smtClean="0"/>
+              <a:t> </a:t>
+            </a:r>
+            <a:r>
+              <a:rPr lang="de-DE" dirty="0" err="1" smtClean="0"/>
+              <a:t>you</a:t>
+            </a:r>
+            <a:r>
+              <a:rPr lang="de-DE" dirty="0" smtClean="0"/>
+              <a:t>?</a:t>
+            </a:r>
+          </a:p>
+        </p:txBody>
+      </p:sp>
+      <p:sp>
+        <p:nvSpPr>
+          <p:cNvPr id="6" name="Foliennummernplatzhalter 5"/>
+          <p:cNvSpPr>
+            <a:spLocks noGrp="1"/>
+          </p:cNvSpPr>
+          <p:nvPr>
+            <p:ph type="sldNum" sz="quarter" idx="12"/>
+          </p:nvPr>
+        </p:nvSpPr>
+        <p:spPr/>
+        <p:txBody>
+          <a:bodyPr/>
+          <a:lstStyle/>
+          <a:p>
+            <a:fld id="{6C6AE60A-B69C-4790-82F7-3882EDF23186}" type="slidenum">
+              <a:rPr lang="de-DE" smtClean="0"/>
+              <a:pPr/>
+              <a:t>25</a:t>
+            </a:fld>
+            <a:endParaRPr lang="de-DE"/>
+          </a:p>
+        </p:txBody>
+      </p:sp>
+    </p:spTree>
+    <p:extLst>
+      <p:ext uri="{BB962C8B-B14F-4D97-AF65-F5344CB8AC3E}">
+        <p14:creationId xmlns:p14="http://schemas.microsoft.com/office/powerpoint/2010/main" val="2186599475"/>
+      </p:ext>
+    </p:extLst>
+  </p:cSld>
+  <p:clrMapOvr>
+    <a:masterClrMapping/>
+  </p:clrMapOvr>
+  <p:timing>
+    <p:tnLst>
+      <p:par>
+        <p:cTn id="1" dur="indefinite" restart="never" nodeType="tmRoot"/>
+      </p:par>
+    </p:tnLst>
+  </p:timing>
+</p:sld>
+</file>
+
 <file path=ppt/slides/slide26.xml><?xml version="1.0" encoding="utf-8"?>
 <p:sld xmlns:a="http://schemas.openxmlformats.org/drawingml/2006/main" xmlns:r="http://schemas.openxmlformats.org/officeDocument/2006/relationships" xmlns:p="http://schemas.openxmlformats.org/presentationml/2006/main">
   <p:cSld>
@@ -13049,372 +13388,14 @@
         </p:nvSpPr>
         <p:spPr/>
         <p:txBody>
-          <a:bodyPr>
-            <a:normAutofit/>
-          </a:bodyPr>
+          <a:bodyPr/>
           <a:lstStyle/>
           <a:p>
             <a:r>
               <a:rPr lang="en-US" dirty="0" smtClean="0"/>
-              <a:t>What solid insights do we have?</a:t>
+              <a:t>Empirical Research</a:t>
             </a:r>
             <a:endParaRPr lang="en-US" dirty="0"/>
-          </a:p>
-        </p:txBody>
-      </p:sp>
-      <p:sp>
-        <p:nvSpPr>
-          <p:cNvPr id="5" name="Inhaltsplatzhalter 4"/>
-          <p:cNvSpPr>
-            <a:spLocks noGrp="1"/>
-          </p:cNvSpPr>
-          <p:nvPr>
-            <p:ph idx="1"/>
-          </p:nvPr>
-        </p:nvSpPr>
-        <p:spPr/>
-        <p:txBody>
-          <a:bodyPr>
-            <a:normAutofit/>
-          </a:bodyPr>
-          <a:lstStyle/>
-          <a:p>
-            <a:r>
-              <a:rPr lang="de-DE" dirty="0" err="1" smtClean="0"/>
-              <a:t>What</a:t>
-            </a:r>
-            <a:r>
-              <a:rPr lang="de-DE" dirty="0" smtClean="0"/>
-              <a:t> do </a:t>
-            </a:r>
-            <a:r>
-              <a:rPr lang="de-DE" dirty="0" err="1" smtClean="0"/>
-              <a:t>you</a:t>
-            </a:r>
-            <a:r>
-              <a:rPr lang="de-DE" dirty="0" smtClean="0"/>
-              <a:t> </a:t>
-            </a:r>
-            <a:r>
-              <a:rPr lang="de-DE" dirty="0" err="1" smtClean="0"/>
-              <a:t>know</a:t>
-            </a:r>
-            <a:r>
-              <a:rPr lang="de-DE" dirty="0" smtClean="0"/>
-              <a:t> </a:t>
-            </a:r>
-            <a:r>
-              <a:rPr lang="de-DE" dirty="0" err="1" smtClean="0"/>
-              <a:t>about</a:t>
-            </a:r>
-            <a:r>
-              <a:rPr lang="de-DE" dirty="0" smtClean="0"/>
-              <a:t> </a:t>
-            </a:r>
-            <a:r>
-              <a:rPr lang="de-DE" dirty="0" err="1" smtClean="0"/>
-              <a:t>the</a:t>
-            </a:r>
-            <a:r>
-              <a:rPr lang="de-DE" dirty="0" smtClean="0"/>
-              <a:t> </a:t>
-            </a:r>
-            <a:r>
-              <a:rPr lang="de-DE" dirty="0" err="1" smtClean="0"/>
-              <a:t>following</a:t>
-            </a:r>
-            <a:r>
-              <a:rPr lang="de-DE" dirty="0" smtClean="0"/>
-              <a:t> </a:t>
-            </a:r>
-            <a:r>
-              <a:rPr lang="de-DE" dirty="0" err="1" smtClean="0"/>
-              <a:t>topics</a:t>
-            </a:r>
-            <a:r>
-              <a:rPr lang="de-DE" dirty="0" smtClean="0"/>
-              <a:t>?</a:t>
-            </a:r>
-          </a:p>
-          <a:p>
-            <a:r>
-              <a:rPr lang="de-DE" dirty="0" err="1" smtClean="0"/>
-              <a:t>What</a:t>
-            </a:r>
-            <a:r>
-              <a:rPr lang="de-DE" dirty="0" smtClean="0"/>
-              <a:t> </a:t>
-            </a:r>
-            <a:r>
-              <a:rPr lang="de-DE" dirty="0" err="1" smtClean="0"/>
-              <a:t>statement</a:t>
-            </a:r>
-            <a:r>
-              <a:rPr lang="de-DE" dirty="0" smtClean="0"/>
-              <a:t>/</a:t>
-            </a:r>
-            <a:r>
-              <a:rPr lang="de-DE" dirty="0" err="1" smtClean="0"/>
-              <a:t>theory</a:t>
-            </a:r>
-            <a:r>
-              <a:rPr lang="de-DE" dirty="0" smtClean="0"/>
-              <a:t> </a:t>
-            </a:r>
-            <a:r>
-              <a:rPr lang="de-DE" dirty="0" err="1" smtClean="0"/>
-              <a:t>is</a:t>
-            </a:r>
-            <a:r>
-              <a:rPr lang="de-DE" dirty="0" smtClean="0"/>
-              <a:t> </a:t>
-            </a:r>
-            <a:r>
-              <a:rPr lang="de-DE" dirty="0" err="1" smtClean="0"/>
-              <a:t>linked</a:t>
-            </a:r>
-            <a:r>
-              <a:rPr lang="de-DE" dirty="0" smtClean="0"/>
-              <a:t> </a:t>
-            </a:r>
-            <a:r>
-              <a:rPr lang="de-DE" dirty="0" err="1" smtClean="0"/>
-              <a:t>to</a:t>
-            </a:r>
-            <a:r>
-              <a:rPr lang="de-DE" dirty="0" smtClean="0"/>
-              <a:t> </a:t>
-            </a:r>
-            <a:r>
-              <a:rPr lang="de-DE" dirty="0" err="1" smtClean="0"/>
-              <a:t>this</a:t>
-            </a:r>
-            <a:r>
-              <a:rPr lang="de-DE" dirty="0" smtClean="0"/>
-              <a:t> </a:t>
-            </a:r>
-            <a:r>
-              <a:rPr lang="de-DE" dirty="0" err="1" smtClean="0"/>
-              <a:t>topic</a:t>
-            </a:r>
-            <a:r>
-              <a:rPr lang="de-DE" dirty="0" smtClean="0"/>
-              <a:t>? </a:t>
-            </a:r>
-            <a:r>
-              <a:rPr lang="de-DE" dirty="0" err="1" smtClean="0"/>
-              <a:t>What</a:t>
-            </a:r>
-            <a:r>
-              <a:rPr lang="de-DE" dirty="0" smtClean="0"/>
-              <a:t> </a:t>
-            </a:r>
-            <a:r>
-              <a:rPr lang="de-DE" dirty="0" err="1" smtClean="0"/>
-              <a:t>have</a:t>
-            </a:r>
-            <a:r>
-              <a:rPr lang="de-DE" dirty="0" smtClean="0"/>
-              <a:t> </a:t>
-            </a:r>
-            <a:r>
-              <a:rPr lang="de-DE" dirty="0" err="1" smtClean="0"/>
-              <a:t>you</a:t>
-            </a:r>
-            <a:r>
-              <a:rPr lang="de-DE" dirty="0" smtClean="0"/>
-              <a:t> </a:t>
-            </a:r>
-            <a:r>
-              <a:rPr lang="de-DE" dirty="0" err="1" smtClean="0"/>
-              <a:t>learned</a:t>
-            </a:r>
-            <a:r>
-              <a:rPr lang="de-DE" dirty="0" smtClean="0"/>
-              <a:t> in </a:t>
-            </a:r>
-            <a:r>
-              <a:rPr lang="de-DE" dirty="0" err="1" smtClean="0"/>
-              <a:t>other</a:t>
-            </a:r>
-            <a:r>
-              <a:rPr lang="de-DE" dirty="0" smtClean="0"/>
-              <a:t> </a:t>
-            </a:r>
-            <a:r>
-              <a:rPr lang="de-DE" dirty="0" err="1" smtClean="0"/>
-              <a:t>courses</a:t>
-            </a:r>
-            <a:r>
-              <a:rPr lang="de-DE" dirty="0" smtClean="0"/>
-              <a:t>?</a:t>
-            </a:r>
-          </a:p>
-          <a:p>
-            <a:r>
-              <a:rPr lang="de-DE" dirty="0" err="1" smtClean="0"/>
-              <a:t>Which</a:t>
-            </a:r>
-            <a:r>
-              <a:rPr lang="de-DE" dirty="0" smtClean="0"/>
-              <a:t> </a:t>
-            </a:r>
-            <a:r>
-              <a:rPr lang="de-DE" dirty="0" err="1" smtClean="0"/>
-              <a:t>evidence</a:t>
-            </a:r>
-            <a:r>
-              <a:rPr lang="de-DE" dirty="0" smtClean="0"/>
-              <a:t> do </a:t>
-            </a:r>
-            <a:r>
-              <a:rPr lang="de-DE" dirty="0" err="1" smtClean="0"/>
-              <a:t>you</a:t>
-            </a:r>
-            <a:r>
-              <a:rPr lang="de-DE" dirty="0" smtClean="0"/>
-              <a:t> </a:t>
-            </a:r>
-            <a:r>
-              <a:rPr lang="de-DE" dirty="0" err="1" smtClean="0"/>
-              <a:t>know</a:t>
-            </a:r>
-            <a:r>
-              <a:rPr lang="de-DE" dirty="0" smtClean="0"/>
-              <a:t> (e.g., </a:t>
-            </a:r>
-            <a:r>
-              <a:rPr lang="de-DE" dirty="0" err="1" smtClean="0"/>
-              <a:t>from</a:t>
-            </a:r>
-            <a:r>
-              <a:rPr lang="de-DE" dirty="0" smtClean="0"/>
-              <a:t> </a:t>
-            </a:r>
-            <a:r>
-              <a:rPr lang="de-DE" dirty="0" err="1" smtClean="0"/>
-              <a:t>other</a:t>
-            </a:r>
-            <a:r>
-              <a:rPr lang="de-DE" dirty="0" smtClean="0"/>
-              <a:t> </a:t>
-            </a:r>
-            <a:r>
-              <a:rPr lang="de-DE" dirty="0" err="1" smtClean="0"/>
-              <a:t>courses</a:t>
-            </a:r>
-            <a:r>
-              <a:rPr lang="de-DE" dirty="0" smtClean="0"/>
-              <a:t>)?</a:t>
-            </a:r>
-          </a:p>
-          <a:p>
-            <a:r>
-              <a:rPr lang="de-DE" dirty="0" err="1" smtClean="0"/>
-              <a:t>Does</a:t>
-            </a:r>
-            <a:r>
-              <a:rPr lang="de-DE" dirty="0" smtClean="0"/>
-              <a:t> </a:t>
-            </a:r>
-            <a:r>
-              <a:rPr lang="de-DE" dirty="0" err="1" smtClean="0"/>
-              <a:t>that</a:t>
-            </a:r>
-            <a:r>
-              <a:rPr lang="de-DE" dirty="0" smtClean="0"/>
-              <a:t> </a:t>
-            </a:r>
-            <a:r>
-              <a:rPr lang="de-DE" dirty="0" err="1" smtClean="0"/>
-              <a:t>match</a:t>
-            </a:r>
-            <a:r>
-              <a:rPr lang="de-DE" dirty="0" smtClean="0"/>
-              <a:t> </a:t>
-            </a:r>
-            <a:r>
-              <a:rPr lang="de-DE" dirty="0" err="1" smtClean="0"/>
-              <a:t>with</a:t>
-            </a:r>
-            <a:r>
-              <a:rPr lang="de-DE" dirty="0" smtClean="0"/>
-              <a:t> </a:t>
-            </a:r>
-            <a:r>
-              <a:rPr lang="de-DE" dirty="0" err="1" smtClean="0"/>
-              <a:t>your</a:t>
-            </a:r>
-            <a:r>
-              <a:rPr lang="de-DE" dirty="0" smtClean="0"/>
-              <a:t> </a:t>
-            </a:r>
-            <a:r>
-              <a:rPr lang="de-DE" dirty="0" err="1" smtClean="0"/>
-              <a:t>experience</a:t>
-            </a:r>
-            <a:r>
-              <a:rPr lang="de-DE" dirty="0" smtClean="0"/>
-              <a:t>?</a:t>
-            </a:r>
-          </a:p>
-          <a:p>
-            <a:r>
-              <a:rPr lang="de-DE" dirty="0" err="1" smtClean="0"/>
-              <a:t>What</a:t>
-            </a:r>
-            <a:r>
-              <a:rPr lang="de-DE" dirty="0" smtClean="0"/>
-              <a:t> </a:t>
-            </a:r>
-            <a:r>
-              <a:rPr lang="de-DE" dirty="0" err="1" smtClean="0"/>
-              <a:t>kinf</a:t>
-            </a:r>
-            <a:r>
-              <a:rPr lang="de-DE" dirty="0" smtClean="0"/>
-              <a:t> </a:t>
-            </a:r>
-            <a:r>
-              <a:rPr lang="de-DE" dirty="0" err="1" smtClean="0"/>
-              <a:t>of</a:t>
-            </a:r>
-            <a:r>
-              <a:rPr lang="de-DE" dirty="0" smtClean="0"/>
-              <a:t> </a:t>
-            </a:r>
-            <a:r>
-              <a:rPr lang="de-DE" dirty="0" err="1" smtClean="0"/>
-              <a:t>evidence</a:t>
-            </a:r>
-            <a:r>
-              <a:rPr lang="de-DE" dirty="0" smtClean="0"/>
-              <a:t> </a:t>
-            </a:r>
-            <a:r>
-              <a:rPr lang="de-DE" dirty="0" err="1" smtClean="0"/>
-              <a:t>would</a:t>
-            </a:r>
-            <a:r>
-              <a:rPr lang="de-DE" dirty="0" smtClean="0"/>
-              <a:t> </a:t>
-            </a:r>
-            <a:r>
-              <a:rPr lang="de-DE" dirty="0" err="1" smtClean="0"/>
-              <a:t>convince</a:t>
-            </a:r>
-            <a:r>
-              <a:rPr lang="de-DE" dirty="0" smtClean="0"/>
-              <a:t> </a:t>
-            </a:r>
-            <a:r>
-              <a:rPr lang="de-DE" dirty="0" err="1" smtClean="0"/>
-              <a:t>you</a:t>
-            </a:r>
-            <a:r>
-              <a:rPr lang="de-DE" dirty="0" smtClean="0"/>
-              <a:t>?</a:t>
-            </a:r>
           </a:p>
         </p:txBody>
       </p:sp>
@@ -13443,11 +13424,6 @@
         </p:txBody>
       </p:sp>
     </p:spTree>
-    <p:extLst>
-      <p:ext uri="{BB962C8B-B14F-4D97-AF65-F5344CB8AC3E}">
-        <p14:creationId xmlns:p14="http://schemas.microsoft.com/office/powerpoint/2010/main" val="2186599475"/>
-      </p:ext>
-    </p:extLst>
   </p:cSld>
   <p:clrMapOvr>
     <a:masterClrMapping/>
@@ -13495,10 +13471,155 @@
           <a:lstStyle/>
           <a:p>
             <a:r>
-              <a:rPr lang="en-US" dirty="0" smtClean="0"/>
+              <a:rPr lang="en-US" dirty="0"/>
               <a:t>Empirical Research</a:t>
             </a:r>
-            <a:endParaRPr lang="en-US" dirty="0"/>
+          </a:p>
+        </p:txBody>
+      </p:sp>
+      <p:sp>
+        <p:nvSpPr>
+          <p:cNvPr id="5" name="Inhaltsplatzhalter 4"/>
+          <p:cNvSpPr>
+            <a:spLocks noGrp="1"/>
+          </p:cNvSpPr>
+          <p:nvPr>
+            <p:ph idx="1"/>
+          </p:nvPr>
+        </p:nvSpPr>
+        <p:spPr/>
+        <p:txBody>
+          <a:bodyPr/>
+          <a:lstStyle/>
+          <a:p>
+            <a:r>
+              <a:rPr lang="de-DE" dirty="0" err="1" smtClean="0"/>
+              <a:t>Greek</a:t>
+            </a:r>
+            <a:r>
+              <a:rPr lang="de-DE" dirty="0" smtClean="0"/>
+              <a:t> (</a:t>
+            </a:r>
+            <a:r>
+              <a:rPr lang="de-DE" dirty="0" err="1" smtClean="0"/>
+              <a:t>empeiría</a:t>
+            </a:r>
+            <a:r>
+              <a:rPr lang="de-DE" dirty="0" smtClean="0"/>
+              <a:t>): Experience, Observation</a:t>
+            </a:r>
+          </a:p>
+          <a:p>
+            <a:r>
+              <a:rPr lang="de-DE" dirty="0" smtClean="0"/>
+              <a:t>German </a:t>
+            </a:r>
+            <a:r>
+              <a:rPr lang="de-DE" dirty="0" err="1" smtClean="0"/>
+              <a:t>dictionary</a:t>
+            </a:r>
+            <a:r>
+              <a:rPr lang="de-DE" dirty="0" smtClean="0"/>
+              <a:t>:</a:t>
+            </a:r>
+          </a:p>
+          <a:p>
+            <a:pPr marL="971550" lvl="1" indent="-514350">
+              <a:buFont typeface="+mj-lt"/>
+              <a:buAutoNum type="alphaLcParenR"/>
+            </a:pPr>
+            <a:r>
+              <a:rPr lang="de-DE" dirty="0" err="1" smtClean="0"/>
+              <a:t>Method</a:t>
+            </a:r>
+            <a:r>
+              <a:rPr lang="de-DE" dirty="0" smtClean="0"/>
+              <a:t> </a:t>
+            </a:r>
+            <a:r>
+              <a:rPr lang="de-DE" dirty="0" err="1" smtClean="0"/>
+              <a:t>based</a:t>
+            </a:r>
+            <a:r>
+              <a:rPr lang="de-DE" dirty="0" smtClean="0"/>
+              <a:t> on </a:t>
+            </a:r>
+            <a:r>
+              <a:rPr lang="de-DE" dirty="0" err="1" smtClean="0"/>
+              <a:t>scientific</a:t>
+            </a:r>
+            <a:r>
+              <a:rPr lang="de-DE" dirty="0" smtClean="0"/>
+              <a:t> </a:t>
+            </a:r>
+            <a:r>
+              <a:rPr lang="de-DE" dirty="0" err="1" smtClean="0"/>
+              <a:t>experience</a:t>
+            </a:r>
+            <a:r>
+              <a:rPr lang="de-DE" dirty="0" smtClean="0"/>
+              <a:t> </a:t>
+            </a:r>
+            <a:r>
+              <a:rPr lang="de-DE" dirty="0" err="1" smtClean="0"/>
+              <a:t>to</a:t>
+            </a:r>
+            <a:r>
+              <a:rPr lang="de-DE" dirty="0" smtClean="0"/>
+              <a:t> </a:t>
+            </a:r>
+            <a:r>
+              <a:rPr lang="de-DE" dirty="0" err="1" smtClean="0"/>
+              <a:t>gain</a:t>
+            </a:r>
+            <a:r>
+              <a:rPr lang="de-DE" dirty="0" smtClean="0"/>
+              <a:t> </a:t>
+            </a:r>
+            <a:r>
+              <a:rPr lang="de-DE" dirty="0" err="1" smtClean="0"/>
+              <a:t>insights</a:t>
+            </a:r>
+            <a:endParaRPr lang="de-DE" dirty="0" smtClean="0"/>
+          </a:p>
+          <a:p>
+            <a:pPr marL="971550" lvl="1" indent="-514350">
+              <a:buFont typeface="+mj-lt"/>
+              <a:buAutoNum type="alphaLcParenR"/>
+            </a:pPr>
+            <a:r>
+              <a:rPr lang="de-DE" dirty="0" smtClean="0"/>
+              <a:t>Knowledge </a:t>
+            </a:r>
+            <a:r>
+              <a:rPr lang="de-DE" dirty="0" err="1" smtClean="0"/>
+              <a:t>gained</a:t>
+            </a:r>
+            <a:r>
+              <a:rPr lang="de-DE" dirty="0" smtClean="0"/>
+              <a:t> </a:t>
+            </a:r>
+            <a:r>
+              <a:rPr lang="de-DE" dirty="0" err="1" smtClean="0"/>
+              <a:t>from</a:t>
+            </a:r>
+            <a:r>
+              <a:rPr lang="de-DE" dirty="0" smtClean="0"/>
+              <a:t> </a:t>
+            </a:r>
+            <a:r>
+              <a:rPr lang="de-DE" dirty="0" err="1" smtClean="0"/>
+              <a:t>scientific</a:t>
+            </a:r>
+            <a:r>
+              <a:rPr lang="de-DE" dirty="0" smtClean="0"/>
+              <a:t> </a:t>
+            </a:r>
+            <a:r>
+              <a:rPr lang="de-DE" dirty="0" err="1" smtClean="0"/>
+              <a:t>experience</a:t>
+            </a:r>
+            <a:endParaRPr lang="de-DE" dirty="0" smtClean="0"/>
           </a:p>
         </p:txBody>
       </p:sp>
@@ -13521,230 +13642,6 @@
               <a:rPr lang="de-DE" smtClean="0"/>
               <a:pPr/>
               <a:t>27</a:t>
-            </a:fld>
-            <a:endParaRPr lang="de-DE"/>
-          </a:p>
-        </p:txBody>
-      </p:sp>
-    </p:spTree>
-  </p:cSld>
-  <p:clrMapOvr>
-    <a:masterClrMapping/>
-  </p:clrMapOvr>
-  <p:timing>
-    <p:tnLst>
-      <p:par>
-        <p:cTn id="1" dur="indefinite" restart="never" nodeType="tmRoot"/>
-      </p:par>
-    </p:tnLst>
-  </p:timing>
-</p:sld>
-</file>
-
-<file path=ppt/slides/slide28.xml><?xml version="1.0" encoding="utf-8"?>
-<p:sld xmlns:a="http://schemas.openxmlformats.org/drawingml/2006/main" xmlns:r="http://schemas.openxmlformats.org/officeDocument/2006/relationships" xmlns:p="http://schemas.openxmlformats.org/presentationml/2006/main">
-  <p:cSld>
-    <p:spTree>
-      <p:nvGrpSpPr>
-        <p:cNvPr id="1" name=""/>
-        <p:cNvGrpSpPr/>
-        <p:nvPr/>
-      </p:nvGrpSpPr>
-      <p:grpSpPr>
-        <a:xfrm>
-          <a:off x="0" y="0"/>
-          <a:ext cx="0" cy="0"/>
-          <a:chOff x="0" y="0"/>
-          <a:chExt cx="0" cy="0"/>
-        </a:xfrm>
-      </p:grpSpPr>
-      <p:sp>
-        <p:nvSpPr>
-          <p:cNvPr id="4" name="Titel 3"/>
-          <p:cNvSpPr>
-            <a:spLocks noGrp="1"/>
-          </p:cNvSpPr>
-          <p:nvPr>
-            <p:ph type="title"/>
-          </p:nvPr>
-        </p:nvSpPr>
-        <p:spPr/>
-        <p:txBody>
-          <a:bodyPr/>
-          <a:lstStyle/>
-          <a:p>
-            <a:r>
-              <a:rPr lang="en-US" dirty="0"/>
-              <a:t>Empirical Research</a:t>
-            </a:r>
-          </a:p>
-        </p:txBody>
-      </p:sp>
-      <p:sp>
-        <p:nvSpPr>
-          <p:cNvPr id="5" name="Inhaltsplatzhalter 4"/>
-          <p:cNvSpPr>
-            <a:spLocks noGrp="1"/>
-          </p:cNvSpPr>
-          <p:nvPr>
-            <p:ph idx="1"/>
-          </p:nvPr>
-        </p:nvSpPr>
-        <p:spPr/>
-        <p:txBody>
-          <a:bodyPr/>
-          <a:lstStyle/>
-          <a:p>
-            <a:r>
-              <a:rPr lang="de-DE" dirty="0" err="1" smtClean="0"/>
-              <a:t>Greek</a:t>
-            </a:r>
-            <a:r>
-              <a:rPr lang="de-DE" dirty="0" smtClean="0"/>
-              <a:t> (</a:t>
-            </a:r>
-            <a:r>
-              <a:rPr lang="de-DE" dirty="0" err="1" smtClean="0"/>
-              <a:t>empeiría</a:t>
-            </a:r>
-            <a:r>
-              <a:rPr lang="de-DE" dirty="0" smtClean="0"/>
-              <a:t>): Experience, Observation</a:t>
-            </a:r>
-          </a:p>
-          <a:p>
-            <a:r>
-              <a:rPr lang="de-DE" dirty="0" smtClean="0"/>
-              <a:t>German </a:t>
-            </a:r>
-            <a:r>
-              <a:rPr lang="de-DE" dirty="0" err="1" smtClean="0"/>
-              <a:t>dictionary</a:t>
-            </a:r>
-            <a:r>
-              <a:rPr lang="de-DE" dirty="0" smtClean="0"/>
-              <a:t>:</a:t>
-            </a:r>
-          </a:p>
-          <a:p>
-            <a:pPr marL="971550" lvl="1" indent="-514350">
-              <a:buFont typeface="+mj-lt"/>
-              <a:buAutoNum type="alphaLcParenR"/>
-            </a:pPr>
-            <a:r>
-              <a:rPr lang="de-DE" dirty="0" err="1" smtClean="0"/>
-              <a:t>Method</a:t>
-            </a:r>
-            <a:r>
-              <a:rPr lang="de-DE" dirty="0" smtClean="0"/>
-              <a:t> </a:t>
-            </a:r>
-            <a:r>
-              <a:rPr lang="de-DE" dirty="0" err="1" smtClean="0"/>
-              <a:t>based</a:t>
-            </a:r>
-            <a:r>
-              <a:rPr lang="de-DE" dirty="0" smtClean="0"/>
-              <a:t> on </a:t>
-            </a:r>
-            <a:r>
-              <a:rPr lang="de-DE" dirty="0" err="1" smtClean="0"/>
-              <a:t>scientific</a:t>
-            </a:r>
-            <a:r>
-              <a:rPr lang="de-DE" dirty="0" smtClean="0"/>
-              <a:t> </a:t>
-            </a:r>
-            <a:r>
-              <a:rPr lang="de-DE" dirty="0" err="1" smtClean="0"/>
-              <a:t>experience</a:t>
-            </a:r>
-            <a:r>
-              <a:rPr lang="de-DE" dirty="0" smtClean="0"/>
-              <a:t> </a:t>
-            </a:r>
-            <a:r>
-              <a:rPr lang="de-DE" dirty="0" err="1" smtClean="0"/>
-              <a:t>to</a:t>
-            </a:r>
-            <a:r>
-              <a:rPr lang="de-DE" dirty="0" smtClean="0"/>
-              <a:t> </a:t>
-            </a:r>
-            <a:r>
-              <a:rPr lang="de-DE" dirty="0" err="1" smtClean="0"/>
-              <a:t>gain</a:t>
-            </a:r>
-            <a:r>
-              <a:rPr lang="de-DE" dirty="0" smtClean="0"/>
-              <a:t> </a:t>
-            </a:r>
-            <a:r>
-              <a:rPr lang="de-DE" dirty="0" err="1" smtClean="0"/>
-              <a:t>insights</a:t>
-            </a:r>
-            <a:endParaRPr lang="de-DE" dirty="0" smtClean="0"/>
-          </a:p>
-          <a:p>
-            <a:pPr marL="971550" lvl="1" indent="-514350">
-              <a:buFont typeface="+mj-lt"/>
-              <a:buAutoNum type="alphaLcParenR"/>
-            </a:pPr>
-            <a:r>
-              <a:rPr lang="de-DE" dirty="0" smtClean="0"/>
-              <a:t>Knowledge </a:t>
-            </a:r>
-            <a:r>
-              <a:rPr lang="de-DE" dirty="0" err="1" smtClean="0"/>
-              <a:t>gained</a:t>
-            </a:r>
-            <a:r>
-              <a:rPr lang="de-DE" dirty="0" smtClean="0"/>
-              <a:t> </a:t>
-            </a:r>
-            <a:r>
-              <a:rPr lang="de-DE" dirty="0" err="1" smtClean="0"/>
-              <a:t>from</a:t>
-            </a:r>
-            <a:r>
-              <a:rPr lang="de-DE" dirty="0" smtClean="0"/>
-              <a:t> </a:t>
-            </a:r>
-            <a:r>
-              <a:rPr lang="de-DE" dirty="0" err="1" smtClean="0"/>
-              <a:t>scientific</a:t>
-            </a:r>
-            <a:r>
-              <a:rPr lang="de-DE" dirty="0" smtClean="0"/>
-              <a:t> </a:t>
-            </a:r>
-            <a:r>
-              <a:rPr lang="de-DE" dirty="0" err="1" smtClean="0"/>
-              <a:t>experience</a:t>
-            </a:r>
-            <a:endParaRPr lang="de-DE" dirty="0" smtClean="0"/>
-          </a:p>
-        </p:txBody>
-      </p:sp>
-      <p:sp>
-        <p:nvSpPr>
-          <p:cNvPr id="6" name="Foliennummernplatzhalter 5"/>
-          <p:cNvSpPr>
-            <a:spLocks noGrp="1"/>
-          </p:cNvSpPr>
-          <p:nvPr>
-            <p:ph type="sldNum" sz="quarter" idx="12"/>
-          </p:nvPr>
-        </p:nvSpPr>
-        <p:spPr/>
-        <p:txBody>
-          <a:bodyPr/>
-          <a:lstStyle/>
-          <a:p>
-            <a:fld id="{6C6AE60A-B69C-4790-82F7-3882EDF23186}" type="slidenum">
-              <a:rPr lang="de-DE" smtClean="0"/>
-              <a:pPr/>
-              <a:t>28</a:t>
             </a:fld>
             <a:endParaRPr lang="de-DE"/>
           </a:p>
@@ -13951,7 +13848,7 @@
 </p:sld>
 </file>
 
-<file path=ppt/slides/slide29.xml><?xml version="1.0" encoding="utf-8"?>
+<file path=ppt/slides/slide28.xml><?xml version="1.0" encoding="utf-8"?>
 <p:sld xmlns:a="http://schemas.openxmlformats.org/drawingml/2006/main" xmlns:r="http://schemas.openxmlformats.org/officeDocument/2006/relationships" xmlns:p="http://schemas.openxmlformats.org/presentationml/2006/main">
   <p:cSld>
     <p:spTree>
@@ -14083,7 +13980,7 @@
             <a:fld id="{6C6AE60A-B69C-4790-82F7-3882EDF23186}" type="slidenum">
               <a:rPr lang="de-DE" smtClean="0"/>
               <a:pPr/>
-              <a:t>29</a:t>
+              <a:t>28</a:t>
             </a:fld>
             <a:endParaRPr lang="de-DE"/>
           </a:p>
@@ -14420,6 +14317,381 @@
     <p:bldLst>
       <p:bldP spid="3" grpId="0" uiExpand="1" build="p"/>
     </p:bldLst>
+  </p:timing>
+</p:sld>
+</file>
+
+<file path=ppt/slides/slide29.xml><?xml version="1.0" encoding="utf-8"?>
+<p:sld xmlns:a="http://schemas.openxmlformats.org/drawingml/2006/main" xmlns:r="http://schemas.openxmlformats.org/officeDocument/2006/relationships" xmlns:p="http://schemas.openxmlformats.org/presentationml/2006/main">
+  <p:cSld>
+    <p:spTree>
+      <p:nvGrpSpPr>
+        <p:cNvPr id="1" name=""/>
+        <p:cNvGrpSpPr/>
+        <p:nvPr/>
+      </p:nvGrpSpPr>
+      <p:grpSpPr>
+        <a:xfrm>
+          <a:off x="0" y="0"/>
+          <a:ext cx="0" cy="0"/>
+          <a:chOff x="0" y="0"/>
+          <a:chExt cx="0" cy="0"/>
+        </a:xfrm>
+      </p:grpSpPr>
+      <p:sp>
+        <p:nvSpPr>
+          <p:cNvPr id="3" name="Titel 2"/>
+          <p:cNvSpPr>
+            <a:spLocks noGrp="1"/>
+          </p:cNvSpPr>
+          <p:nvPr>
+            <p:ph type="title"/>
+          </p:nvPr>
+        </p:nvSpPr>
+        <p:spPr/>
+        <p:txBody>
+          <a:bodyPr/>
+          <a:lstStyle/>
+          <a:p>
+            <a:r>
+              <a:rPr lang="de-DE" dirty="0" smtClean="0"/>
+              <a:t>The Scientific </a:t>
+            </a:r>
+            <a:r>
+              <a:rPr lang="de-DE" dirty="0" err="1" smtClean="0"/>
+              <a:t>Method</a:t>
+            </a:r>
+            <a:endParaRPr lang="de-DE" dirty="0"/>
+          </a:p>
+        </p:txBody>
+      </p:sp>
+      <p:sp>
+        <p:nvSpPr>
+          <p:cNvPr id="2" name="Inhaltsplatzhalter 1"/>
+          <p:cNvSpPr>
+            <a:spLocks noGrp="1"/>
+          </p:cNvSpPr>
+          <p:nvPr>
+            <p:ph idx="1"/>
+          </p:nvPr>
+        </p:nvSpPr>
+        <p:spPr/>
+        <p:txBody>
+          <a:bodyPr/>
+          <a:lstStyle/>
+          <a:p>
+            <a:endParaRPr lang="en-US"/>
+          </a:p>
+        </p:txBody>
+      </p:sp>
+      <p:sp>
+        <p:nvSpPr>
+          <p:cNvPr id="10" name="Foliennummernplatzhalter 9"/>
+          <p:cNvSpPr>
+            <a:spLocks noGrp="1"/>
+          </p:cNvSpPr>
+          <p:nvPr>
+            <p:ph type="sldNum" sz="quarter" idx="12"/>
+          </p:nvPr>
+        </p:nvSpPr>
+        <p:spPr/>
+        <p:txBody>
+          <a:bodyPr/>
+          <a:lstStyle/>
+          <a:p>
+            <a:fld id="{6C6AE60A-B69C-4790-82F7-3882EDF23186}" type="slidenum">
+              <a:rPr lang="de-DE" smtClean="0"/>
+              <a:pPr/>
+              <a:t>29</a:t>
+            </a:fld>
+            <a:endParaRPr lang="de-DE"/>
+          </a:p>
+        </p:txBody>
+      </p:sp>
+      <p:sp>
+        <p:nvSpPr>
+          <p:cNvPr id="4" name="Rechteck 3"/>
+          <p:cNvSpPr/>
+          <p:nvPr/>
+        </p:nvSpPr>
+        <p:spPr>
+          <a:xfrm>
+            <a:off x="7453322" y="4857760"/>
+            <a:ext cx="2357454" cy="857256"/>
+          </a:xfrm>
+          <a:prstGeom prst="rect">
+            <a:avLst/>
+          </a:prstGeom>
+        </p:spPr>
+        <p:style>
+          <a:lnRef idx="2">
+            <a:schemeClr val="accent1">
+              <a:shade val="50000"/>
+            </a:schemeClr>
+          </a:lnRef>
+          <a:fillRef idx="1">
+            <a:schemeClr val="accent1"/>
+          </a:fillRef>
+          <a:effectRef idx="0">
+            <a:schemeClr val="accent1"/>
+          </a:effectRef>
+          <a:fontRef idx="minor">
+            <a:schemeClr val="lt1"/>
+          </a:fontRef>
+        </p:style>
+        <p:txBody>
+          <a:bodyPr rtlCol="0" anchor="ctr"/>
+          <a:lstStyle/>
+          <a:p>
+            <a:pPr algn="ctr"/>
+            <a:r>
+              <a:rPr lang="en-US" dirty="0"/>
+              <a:t>Theory</a:t>
+            </a:r>
+          </a:p>
+        </p:txBody>
+      </p:sp>
+      <p:sp>
+        <p:nvSpPr>
+          <p:cNvPr id="5" name="Rechteck 4"/>
+          <p:cNvSpPr/>
+          <p:nvPr/>
+        </p:nvSpPr>
+        <p:spPr>
+          <a:xfrm>
+            <a:off x="5024430" y="3357562"/>
+            <a:ext cx="2357454" cy="857256"/>
+          </a:xfrm>
+          <a:prstGeom prst="rect">
+            <a:avLst/>
+          </a:prstGeom>
+        </p:spPr>
+        <p:style>
+          <a:lnRef idx="2">
+            <a:schemeClr val="accent1">
+              <a:shade val="50000"/>
+            </a:schemeClr>
+          </a:lnRef>
+          <a:fillRef idx="1">
+            <a:schemeClr val="accent1"/>
+          </a:fillRef>
+          <a:effectRef idx="0">
+            <a:schemeClr val="accent1"/>
+          </a:effectRef>
+          <a:fontRef idx="minor">
+            <a:schemeClr val="lt1"/>
+          </a:fontRef>
+        </p:style>
+        <p:txBody>
+          <a:bodyPr rtlCol="0" anchor="ctr"/>
+          <a:lstStyle/>
+          <a:p>
+            <a:pPr algn="ctr"/>
+            <a:r>
+              <a:rPr lang="en-US" dirty="0"/>
+              <a:t>Hypotheses</a:t>
+            </a:r>
+          </a:p>
+        </p:txBody>
+      </p:sp>
+      <p:sp>
+        <p:nvSpPr>
+          <p:cNvPr id="7" name="Rechteck 6"/>
+          <p:cNvSpPr/>
+          <p:nvPr/>
+        </p:nvSpPr>
+        <p:spPr>
+          <a:xfrm>
+            <a:off x="2595538" y="1928802"/>
+            <a:ext cx="2357454" cy="857256"/>
+          </a:xfrm>
+          <a:prstGeom prst="rect">
+            <a:avLst/>
+          </a:prstGeom>
+        </p:spPr>
+        <p:style>
+          <a:lnRef idx="2">
+            <a:schemeClr val="accent1">
+              <a:shade val="50000"/>
+            </a:schemeClr>
+          </a:lnRef>
+          <a:fillRef idx="1">
+            <a:schemeClr val="accent1"/>
+          </a:fillRef>
+          <a:effectRef idx="0">
+            <a:schemeClr val="accent1"/>
+          </a:effectRef>
+          <a:fontRef idx="minor">
+            <a:schemeClr val="lt1"/>
+          </a:fontRef>
+        </p:style>
+        <p:txBody>
+          <a:bodyPr rtlCol="0" anchor="ctr"/>
+          <a:lstStyle/>
+          <a:p>
+            <a:pPr algn="ctr"/>
+            <a:r>
+              <a:rPr lang="en-US" dirty="0"/>
+              <a:t>Experiments</a:t>
+            </a:r>
+          </a:p>
+        </p:txBody>
+      </p:sp>
+      <p:cxnSp>
+        <p:nvCxnSpPr>
+          <p:cNvPr id="9" name="Form 8"/>
+          <p:cNvCxnSpPr>
+            <a:stCxn id="5" idx="0"/>
+            <a:endCxn id="7" idx="3"/>
+          </p:cNvCxnSpPr>
+          <p:nvPr/>
+        </p:nvCxnSpPr>
+        <p:spPr>
+          <a:xfrm rot="16200000" flipV="1">
+            <a:off x="5078009" y="2232414"/>
+            <a:ext cx="1000132" cy="1250165"/>
+          </a:xfrm>
+          <a:prstGeom prst="curvedConnector2">
+            <a:avLst/>
+          </a:prstGeom>
+          <a:ln>
+            <a:tailEnd type="arrow"/>
+          </a:ln>
+        </p:spPr>
+        <p:style>
+          <a:lnRef idx="1">
+            <a:schemeClr val="accent1"/>
+          </a:lnRef>
+          <a:fillRef idx="0">
+            <a:schemeClr val="accent1"/>
+          </a:fillRef>
+          <a:effectRef idx="0">
+            <a:schemeClr val="accent1"/>
+          </a:effectRef>
+          <a:fontRef idx="minor">
+            <a:schemeClr val="tx1"/>
+          </a:fontRef>
+        </p:style>
+      </p:cxnSp>
+      <p:cxnSp>
+        <p:nvCxnSpPr>
+          <p:cNvPr id="20" name="Form 12"/>
+          <p:cNvCxnSpPr>
+            <a:stCxn id="4" idx="0"/>
+            <a:endCxn id="5" idx="3"/>
+          </p:cNvCxnSpPr>
+          <p:nvPr/>
+        </p:nvCxnSpPr>
+        <p:spPr>
+          <a:xfrm rot="16200000" flipV="1">
+            <a:off x="7471182" y="3696893"/>
+            <a:ext cx="1071570" cy="1250165"/>
+          </a:xfrm>
+          <a:prstGeom prst="curvedConnector2">
+            <a:avLst/>
+          </a:prstGeom>
+          <a:ln>
+            <a:tailEnd type="arrow"/>
+          </a:ln>
+        </p:spPr>
+        <p:style>
+          <a:lnRef idx="1">
+            <a:schemeClr val="accent1"/>
+          </a:lnRef>
+          <a:fillRef idx="0">
+            <a:schemeClr val="accent1"/>
+          </a:fillRef>
+          <a:effectRef idx="0">
+            <a:schemeClr val="accent1"/>
+          </a:effectRef>
+          <a:fontRef idx="minor">
+            <a:schemeClr val="tx1"/>
+          </a:fontRef>
+        </p:style>
+      </p:cxnSp>
+      <p:cxnSp>
+        <p:nvCxnSpPr>
+          <p:cNvPr id="11" name="Form 10"/>
+          <p:cNvCxnSpPr>
+            <a:stCxn id="7" idx="2"/>
+            <a:endCxn id="5" idx="1"/>
+          </p:cNvCxnSpPr>
+          <p:nvPr/>
+        </p:nvCxnSpPr>
+        <p:spPr>
+          <a:xfrm rot="16200000" flipH="1">
+            <a:off x="3899281" y="2661042"/>
+            <a:ext cx="1000132" cy="1250165"/>
+          </a:xfrm>
+          <a:prstGeom prst="curvedConnector2">
+            <a:avLst/>
+          </a:prstGeom>
+          <a:ln>
+            <a:tailEnd type="arrow"/>
+          </a:ln>
+        </p:spPr>
+        <p:style>
+          <a:lnRef idx="1">
+            <a:schemeClr val="accent1"/>
+          </a:lnRef>
+          <a:fillRef idx="0">
+            <a:schemeClr val="accent1"/>
+          </a:fillRef>
+          <a:effectRef idx="0">
+            <a:schemeClr val="accent1"/>
+          </a:effectRef>
+          <a:fontRef idx="minor">
+            <a:schemeClr val="tx1"/>
+          </a:fontRef>
+        </p:style>
+      </p:cxnSp>
+      <p:cxnSp>
+        <p:nvCxnSpPr>
+          <p:cNvPr id="15" name="Form 14"/>
+          <p:cNvCxnSpPr>
+            <a:stCxn id="5" idx="2"/>
+            <a:endCxn id="4" idx="1"/>
+          </p:cNvCxnSpPr>
+          <p:nvPr/>
+        </p:nvCxnSpPr>
+        <p:spPr>
+          <a:xfrm rot="16200000" flipH="1">
+            <a:off x="6292454" y="4125521"/>
+            <a:ext cx="1071570" cy="1250165"/>
+          </a:xfrm>
+          <a:prstGeom prst="curvedConnector2">
+            <a:avLst/>
+          </a:prstGeom>
+          <a:ln>
+            <a:tailEnd type="arrow"/>
+          </a:ln>
+        </p:spPr>
+        <p:style>
+          <a:lnRef idx="1">
+            <a:schemeClr val="accent1"/>
+          </a:lnRef>
+          <a:fillRef idx="0">
+            <a:schemeClr val="accent1"/>
+          </a:fillRef>
+          <a:effectRef idx="0">
+            <a:schemeClr val="accent1"/>
+          </a:effectRef>
+          <a:fontRef idx="minor">
+            <a:schemeClr val="tx1"/>
+          </a:fontRef>
+        </p:style>
+      </p:cxnSp>
+    </p:spTree>
+  </p:cSld>
+  <p:clrMapOvr>
+    <a:masterClrMapping/>
+  </p:clrMapOvr>
+  <p:timing>
+    <p:tnLst>
+      <p:par>
+        <p:cTn id="1" dur="indefinite" restart="never" nodeType="tmRoot"/>
+      </p:par>
+    </p:tnLst>
   </p:timing>
 </p:sld>
 </file>
@@ -15241,12 +15513,37 @@
       </p:grpSpPr>
       <p:sp>
         <p:nvSpPr>
-          <p:cNvPr id="3" name="Titel 2"/>
+          <p:cNvPr id="2" name="Titel 1"/>
           <p:cNvSpPr>
             <a:spLocks noGrp="1"/>
           </p:cNvSpPr>
           <p:nvPr>
             <p:ph type="title"/>
+          </p:nvPr>
+        </p:nvSpPr>
+        <p:spPr/>
+        <p:txBody>
+          <a:bodyPr>
+            <a:normAutofit/>
+          </a:bodyPr>
+          <a:lstStyle/>
+          <a:p>
+            <a:r>
+              <a:rPr lang="en-US" dirty="0" smtClean="0"/>
+              <a:t>Goals of the Scientific Method</a:t>
+            </a:r>
+            <a:endParaRPr lang="en-US" dirty="0"/>
+          </a:p>
+        </p:txBody>
+      </p:sp>
+      <p:sp>
+        <p:nvSpPr>
+          <p:cNvPr id="3" name="Inhaltsplatzhalter 2"/>
+          <p:cNvSpPr>
+            <a:spLocks noGrp="1"/>
+          </p:cNvSpPr>
+          <p:nvPr>
+            <p:ph idx="1"/>
           </p:nvPr>
         </p:nvSpPr>
         <p:spPr/>
@@ -15255,39 +15552,28 @@
           <a:lstStyle/>
           <a:p>
             <a:r>
-              <a:rPr lang="de-DE" dirty="0" smtClean="0"/>
-              <a:t>The Scientific </a:t>
-            </a:r>
-            <a:r>
-              <a:rPr lang="de-DE" dirty="0" err="1" smtClean="0"/>
-              <a:t>Method</a:t>
-            </a:r>
-            <a:endParaRPr lang="de-DE" dirty="0"/>
-          </a:p>
-        </p:txBody>
-      </p:sp>
-      <p:sp>
-        <p:nvSpPr>
-          <p:cNvPr id="2" name="Inhaltsplatzhalter 1"/>
-          <p:cNvSpPr>
-            <a:spLocks noGrp="1"/>
-          </p:cNvSpPr>
-          <p:nvPr>
-            <p:ph idx="1"/>
-          </p:nvPr>
-        </p:nvSpPr>
-        <p:spPr/>
-        <p:txBody>
-          <a:bodyPr/>
-          <a:lstStyle/>
-          <a:p>
-            <a:endParaRPr lang="en-US"/>
-          </a:p>
-        </p:txBody>
-      </p:sp>
-      <p:sp>
-        <p:nvSpPr>
-          <p:cNvPr id="10" name="Foliennummernplatzhalter 9"/>
+              <a:rPr lang="en-US" dirty="0" smtClean="0"/>
+              <a:t>Theory</a:t>
+            </a:r>
+          </a:p>
+          <a:p>
+            <a:r>
+              <a:rPr lang="en-US" dirty="0" smtClean="0"/>
+              <a:t>Prediction</a:t>
+            </a:r>
+          </a:p>
+          <a:p>
+            <a:r>
+              <a:rPr lang="en-US" dirty="0" smtClean="0"/>
+              <a:t>Explanation</a:t>
+            </a:r>
+            <a:endParaRPr lang="en-US" dirty="0"/>
+          </a:p>
+        </p:txBody>
+      </p:sp>
+      <p:sp>
+        <p:nvSpPr>
+          <p:cNvPr id="4" name="Foliennummernplatzhalter 3"/>
           <p:cNvSpPr>
             <a:spLocks noGrp="1"/>
           </p:cNvSpPr>
@@ -15309,279 +15595,6 @@
           </a:p>
         </p:txBody>
       </p:sp>
-      <p:sp>
-        <p:nvSpPr>
-          <p:cNvPr id="4" name="Rechteck 3"/>
-          <p:cNvSpPr/>
-          <p:nvPr/>
-        </p:nvSpPr>
-        <p:spPr>
-          <a:xfrm>
-            <a:off x="7453322" y="4857760"/>
-            <a:ext cx="2357454" cy="857256"/>
-          </a:xfrm>
-          <a:prstGeom prst="rect">
-            <a:avLst/>
-          </a:prstGeom>
-        </p:spPr>
-        <p:style>
-          <a:lnRef idx="2">
-            <a:schemeClr val="accent1">
-              <a:shade val="50000"/>
-            </a:schemeClr>
-          </a:lnRef>
-          <a:fillRef idx="1">
-            <a:schemeClr val="accent1"/>
-          </a:fillRef>
-          <a:effectRef idx="0">
-            <a:schemeClr val="accent1"/>
-          </a:effectRef>
-          <a:fontRef idx="minor">
-            <a:schemeClr val="lt1"/>
-          </a:fontRef>
-        </p:style>
-        <p:txBody>
-          <a:bodyPr rtlCol="0" anchor="ctr"/>
-          <a:lstStyle/>
-          <a:p>
-            <a:pPr algn="ctr"/>
-            <a:r>
-              <a:rPr lang="en-US" dirty="0"/>
-              <a:t>Theory</a:t>
-            </a:r>
-          </a:p>
-        </p:txBody>
-      </p:sp>
-      <p:sp>
-        <p:nvSpPr>
-          <p:cNvPr id="5" name="Rechteck 4"/>
-          <p:cNvSpPr/>
-          <p:nvPr/>
-        </p:nvSpPr>
-        <p:spPr>
-          <a:xfrm>
-            <a:off x="5024430" y="3357562"/>
-            <a:ext cx="2357454" cy="857256"/>
-          </a:xfrm>
-          <a:prstGeom prst="rect">
-            <a:avLst/>
-          </a:prstGeom>
-        </p:spPr>
-        <p:style>
-          <a:lnRef idx="2">
-            <a:schemeClr val="accent1">
-              <a:shade val="50000"/>
-            </a:schemeClr>
-          </a:lnRef>
-          <a:fillRef idx="1">
-            <a:schemeClr val="accent1"/>
-          </a:fillRef>
-          <a:effectRef idx="0">
-            <a:schemeClr val="accent1"/>
-          </a:effectRef>
-          <a:fontRef idx="minor">
-            <a:schemeClr val="lt1"/>
-          </a:fontRef>
-        </p:style>
-        <p:txBody>
-          <a:bodyPr rtlCol="0" anchor="ctr"/>
-          <a:lstStyle/>
-          <a:p>
-            <a:pPr algn="ctr"/>
-            <a:r>
-              <a:rPr lang="en-US" dirty="0"/>
-              <a:t>Hypotheses</a:t>
-            </a:r>
-          </a:p>
-        </p:txBody>
-      </p:sp>
-      <p:sp>
-        <p:nvSpPr>
-          <p:cNvPr id="7" name="Rechteck 6"/>
-          <p:cNvSpPr/>
-          <p:nvPr/>
-        </p:nvSpPr>
-        <p:spPr>
-          <a:xfrm>
-            <a:off x="2595538" y="1928802"/>
-            <a:ext cx="2357454" cy="857256"/>
-          </a:xfrm>
-          <a:prstGeom prst="rect">
-            <a:avLst/>
-          </a:prstGeom>
-        </p:spPr>
-        <p:style>
-          <a:lnRef idx="2">
-            <a:schemeClr val="accent1">
-              <a:shade val="50000"/>
-            </a:schemeClr>
-          </a:lnRef>
-          <a:fillRef idx="1">
-            <a:schemeClr val="accent1"/>
-          </a:fillRef>
-          <a:effectRef idx="0">
-            <a:schemeClr val="accent1"/>
-          </a:effectRef>
-          <a:fontRef idx="minor">
-            <a:schemeClr val="lt1"/>
-          </a:fontRef>
-        </p:style>
-        <p:txBody>
-          <a:bodyPr rtlCol="0" anchor="ctr"/>
-          <a:lstStyle/>
-          <a:p>
-            <a:pPr algn="ctr"/>
-            <a:r>
-              <a:rPr lang="en-US" dirty="0"/>
-              <a:t>Experiments</a:t>
-            </a:r>
-          </a:p>
-        </p:txBody>
-      </p:sp>
-      <p:cxnSp>
-        <p:nvCxnSpPr>
-          <p:cNvPr id="9" name="Form 8"/>
-          <p:cNvCxnSpPr>
-            <a:stCxn id="5" idx="0"/>
-            <a:endCxn id="7" idx="3"/>
-          </p:cNvCxnSpPr>
-          <p:nvPr/>
-        </p:nvCxnSpPr>
-        <p:spPr>
-          <a:xfrm rot="16200000" flipV="1">
-            <a:off x="5078009" y="2232414"/>
-            <a:ext cx="1000132" cy="1250165"/>
-          </a:xfrm>
-          <a:prstGeom prst="curvedConnector2">
-            <a:avLst/>
-          </a:prstGeom>
-          <a:ln>
-            <a:tailEnd type="arrow"/>
-          </a:ln>
-        </p:spPr>
-        <p:style>
-          <a:lnRef idx="1">
-            <a:schemeClr val="accent1"/>
-          </a:lnRef>
-          <a:fillRef idx="0">
-            <a:schemeClr val="accent1"/>
-          </a:fillRef>
-          <a:effectRef idx="0">
-            <a:schemeClr val="accent1"/>
-          </a:effectRef>
-          <a:fontRef idx="minor">
-            <a:schemeClr val="tx1"/>
-          </a:fontRef>
-        </p:style>
-      </p:cxnSp>
-      <p:cxnSp>
-        <p:nvCxnSpPr>
-          <p:cNvPr id="20" name="Form 12"/>
-          <p:cNvCxnSpPr>
-            <a:stCxn id="4" idx="0"/>
-            <a:endCxn id="5" idx="3"/>
-          </p:cNvCxnSpPr>
-          <p:nvPr/>
-        </p:nvCxnSpPr>
-        <p:spPr>
-          <a:xfrm rot="16200000" flipV="1">
-            <a:off x="7471182" y="3696893"/>
-            <a:ext cx="1071570" cy="1250165"/>
-          </a:xfrm>
-          <a:prstGeom prst="curvedConnector2">
-            <a:avLst/>
-          </a:prstGeom>
-          <a:ln>
-            <a:tailEnd type="arrow"/>
-          </a:ln>
-        </p:spPr>
-        <p:style>
-          <a:lnRef idx="1">
-            <a:schemeClr val="accent1"/>
-          </a:lnRef>
-          <a:fillRef idx="0">
-            <a:schemeClr val="accent1"/>
-          </a:fillRef>
-          <a:effectRef idx="0">
-            <a:schemeClr val="accent1"/>
-          </a:effectRef>
-          <a:fontRef idx="minor">
-            <a:schemeClr val="tx1"/>
-          </a:fontRef>
-        </p:style>
-      </p:cxnSp>
-      <p:cxnSp>
-        <p:nvCxnSpPr>
-          <p:cNvPr id="11" name="Form 10"/>
-          <p:cNvCxnSpPr>
-            <a:stCxn id="7" idx="2"/>
-            <a:endCxn id="5" idx="1"/>
-          </p:cNvCxnSpPr>
-          <p:nvPr/>
-        </p:nvCxnSpPr>
-        <p:spPr>
-          <a:xfrm rot="16200000" flipH="1">
-            <a:off x="3899281" y="2661042"/>
-            <a:ext cx="1000132" cy="1250165"/>
-          </a:xfrm>
-          <a:prstGeom prst="curvedConnector2">
-            <a:avLst/>
-          </a:prstGeom>
-          <a:ln>
-            <a:tailEnd type="arrow"/>
-          </a:ln>
-        </p:spPr>
-        <p:style>
-          <a:lnRef idx="1">
-            <a:schemeClr val="accent1"/>
-          </a:lnRef>
-          <a:fillRef idx="0">
-            <a:schemeClr val="accent1"/>
-          </a:fillRef>
-          <a:effectRef idx="0">
-            <a:schemeClr val="accent1"/>
-          </a:effectRef>
-          <a:fontRef idx="minor">
-            <a:schemeClr val="tx1"/>
-          </a:fontRef>
-        </p:style>
-      </p:cxnSp>
-      <p:cxnSp>
-        <p:nvCxnSpPr>
-          <p:cNvPr id="15" name="Form 14"/>
-          <p:cNvCxnSpPr>
-            <a:stCxn id="5" idx="2"/>
-            <a:endCxn id="4" idx="1"/>
-          </p:cNvCxnSpPr>
-          <p:nvPr/>
-        </p:nvCxnSpPr>
-        <p:spPr>
-          <a:xfrm rot="16200000" flipH="1">
-            <a:off x="6292454" y="4125521"/>
-            <a:ext cx="1071570" cy="1250165"/>
-          </a:xfrm>
-          <a:prstGeom prst="curvedConnector2">
-            <a:avLst/>
-          </a:prstGeom>
-          <a:ln>
-            <a:tailEnd type="arrow"/>
-          </a:ln>
-        </p:spPr>
-        <p:style>
-          <a:lnRef idx="1">
-            <a:schemeClr val="accent1"/>
-          </a:lnRef>
-          <a:fillRef idx="0">
-            <a:schemeClr val="accent1"/>
-          </a:fillRef>
-          <a:effectRef idx="0">
-            <a:schemeClr val="accent1"/>
-          </a:effectRef>
-          <a:fontRef idx="minor">
-            <a:schemeClr val="tx1"/>
-          </a:fontRef>
-        </p:style>
-      </p:cxnSp>
     </p:spTree>
   </p:cSld>
   <p:clrMapOvr>
@@ -15626,49 +15639,202 @@
         </p:nvSpPr>
         <p:spPr/>
         <p:txBody>
+          <a:bodyPr/>
+          <a:lstStyle/>
+          <a:p>
+            <a:r>
+              <a:rPr lang="en-US" dirty="0" smtClean="0"/>
+              <a:t>Scientist</a:t>
+            </a:r>
+            <a:endParaRPr lang="en-US" dirty="0"/>
+          </a:p>
+        </p:txBody>
+      </p:sp>
+      <p:sp>
+        <p:nvSpPr>
+          <p:cNvPr id="3" name="Inhaltsplatzhalter 2"/>
+          <p:cNvSpPr>
+            <a:spLocks noGrp="1"/>
+          </p:cNvSpPr>
+          <p:nvPr>
+            <p:ph idx="1"/>
+          </p:nvPr>
+        </p:nvSpPr>
+        <p:spPr/>
+        <p:txBody>
           <a:bodyPr>
-            <a:normAutofit/>
+            <a:normAutofit lnSpcReduction="10000"/>
           </a:bodyPr>
           <a:lstStyle/>
           <a:p>
+            <a:pPr>
+              <a:buNone/>
+            </a:pPr>
             <a:r>
               <a:rPr lang="en-US" dirty="0" smtClean="0"/>
-              <a:t>Goals of the Scientific Method</a:t>
-            </a:r>
-            <a:endParaRPr lang="en-US" dirty="0"/>
-          </a:p>
-        </p:txBody>
-      </p:sp>
-      <p:sp>
-        <p:nvSpPr>
-          <p:cNvPr id="3" name="Inhaltsplatzhalter 2"/>
-          <p:cNvSpPr>
-            <a:spLocks noGrp="1"/>
-          </p:cNvSpPr>
-          <p:nvPr>
-            <p:ph idx="1"/>
-          </p:nvPr>
-        </p:nvSpPr>
-        <p:spPr/>
-        <p:txBody>
-          <a:bodyPr/>
-          <a:lstStyle/>
-          <a:p>
+              <a:t>The scientist builds in order to study;</a:t>
+            </a:r>
+          </a:p>
+          <a:p>
+            <a:pPr>
+              <a:buNone/>
+            </a:pPr>
             <a:r>
               <a:rPr lang="en-US" dirty="0" smtClean="0"/>
-              <a:t>Theory</a:t>
-            </a:r>
+              <a:t>the engineer studies in order to build.</a:t>
+            </a:r>
+          </a:p>
+          <a:p>
+            <a:pPr>
+              <a:buNone/>
+            </a:pPr>
+            <a:r>
+              <a:rPr lang="en-US" sz="1300" dirty="0"/>
+              <a:t>F. Brooks. </a:t>
+            </a:r>
+            <a:r>
+              <a:rPr lang="en-US" sz="1300" i="1" dirty="0"/>
+              <a:t>The Computer Scientist as </a:t>
+            </a:r>
+            <a:r>
+              <a:rPr lang="en-US" sz="1300" i="1" dirty="0" err="1"/>
+              <a:t>Toolsmith</a:t>
+            </a:r>
+            <a:r>
+              <a:rPr lang="en-US" sz="1300" i="1" dirty="0"/>
+              <a:t> II.</a:t>
+            </a:r>
+            <a:r>
+              <a:rPr lang="en-US" sz="1300" dirty="0"/>
+              <a:t> Communications of the ACM, 39:3, 1996.</a:t>
+            </a:r>
+          </a:p>
+          <a:p>
+            <a:endParaRPr lang="en-US" dirty="0" smtClean="0"/>
+          </a:p>
+          <a:p>
+            <a:endParaRPr lang="en-US" dirty="0" smtClean="0"/>
           </a:p>
           <a:p>
             <a:r>
               <a:rPr lang="en-US" dirty="0" smtClean="0"/>
-              <a:t>Prediction</a:t>
-            </a:r>
-          </a:p>
-          <a:p>
+              <a:t>Scientist</a:t>
+            </a:r>
+          </a:p>
+          <a:p>
+            <a:pPr lvl="1"/>
             <a:r>
               <a:rPr lang="en-US" dirty="0" smtClean="0"/>
-              <a:t>Explanation</a:t>
+              <a:t>Understanding as goal (facts, relationships)</a:t>
+            </a:r>
+          </a:p>
+          <a:p>
+            <a:pPr lvl="1"/>
+            <a:r>
+              <a:rPr lang="en-US" dirty="0" smtClean="0"/>
+              <a:t>Construction as far as necessary to fulfill goal </a:t>
+            </a:r>
+          </a:p>
+          <a:p>
+            <a:r>
+              <a:rPr lang="de-DE" dirty="0" smtClean="0"/>
+              <a:t>Engineer</a:t>
+            </a:r>
+            <a:endParaRPr lang="en-US" dirty="0" smtClean="0"/>
+          </a:p>
+          <a:p>
+            <a:pPr lvl="1"/>
+            <a:r>
+              <a:rPr lang="de-DE" dirty="0" err="1" smtClean="0"/>
+              <a:t>Construction</a:t>
+            </a:r>
+            <a:r>
+              <a:rPr lang="de-DE" dirty="0" smtClean="0"/>
+              <a:t> </a:t>
+            </a:r>
+            <a:r>
+              <a:rPr lang="de-DE" dirty="0" err="1" smtClean="0"/>
+              <a:t>of</a:t>
+            </a:r>
+            <a:r>
+              <a:rPr lang="de-DE" dirty="0" smtClean="0"/>
+              <a:t> </a:t>
+            </a:r>
+            <a:r>
+              <a:rPr lang="de-DE" dirty="0" err="1" smtClean="0"/>
+              <a:t>something</a:t>
+            </a:r>
+            <a:r>
+              <a:rPr lang="de-DE" dirty="0" smtClean="0"/>
+              <a:t> </a:t>
+            </a:r>
+            <a:r>
+              <a:rPr lang="de-DE" dirty="0" err="1" smtClean="0"/>
+              <a:t>useful</a:t>
+            </a:r>
+            <a:r>
+              <a:rPr lang="de-DE" dirty="0" smtClean="0"/>
+              <a:t> </a:t>
+            </a:r>
+            <a:r>
+              <a:rPr lang="de-DE" dirty="0" err="1" smtClean="0"/>
+              <a:t>as</a:t>
+            </a:r>
+            <a:r>
+              <a:rPr lang="de-DE" dirty="0" smtClean="0"/>
+              <a:t> </a:t>
+            </a:r>
+            <a:r>
+              <a:rPr lang="de-DE" dirty="0" err="1" smtClean="0"/>
+              <a:t>goal</a:t>
+            </a:r>
+            <a:endParaRPr lang="de-DE" dirty="0" smtClean="0"/>
+          </a:p>
+          <a:p>
+            <a:pPr lvl="1"/>
+            <a:r>
+              <a:rPr lang="de-DE" dirty="0" smtClean="0"/>
+              <a:t>Understanding </a:t>
+            </a:r>
+            <a:r>
+              <a:rPr lang="de-DE" dirty="0" err="1" smtClean="0"/>
+              <a:t>as</a:t>
+            </a:r>
+            <a:r>
+              <a:rPr lang="de-DE" dirty="0" smtClean="0"/>
+              <a:t> a </a:t>
+            </a:r>
+            <a:r>
+              <a:rPr lang="de-DE" dirty="0" err="1" smtClean="0"/>
+              <a:t>way</a:t>
+            </a:r>
+            <a:r>
+              <a:rPr lang="de-DE" dirty="0" smtClean="0"/>
+              <a:t> </a:t>
+            </a:r>
+            <a:r>
+              <a:rPr lang="de-DE" dirty="0" err="1" smtClean="0"/>
+              <a:t>to</a:t>
+            </a:r>
+            <a:r>
+              <a:rPr lang="de-DE" dirty="0" smtClean="0"/>
+              <a:t> </a:t>
+            </a:r>
+            <a:r>
+              <a:rPr lang="de-DE" dirty="0" err="1" smtClean="0"/>
+              <a:t>better</a:t>
+            </a:r>
+            <a:r>
+              <a:rPr lang="de-DE" dirty="0" smtClean="0"/>
+              <a:t> </a:t>
+            </a:r>
+            <a:r>
+              <a:rPr lang="de-DE" dirty="0" err="1" smtClean="0"/>
+              <a:t>construction</a:t>
+            </a:r>
+            <a:r>
+              <a:rPr lang="de-DE" dirty="0" smtClean="0"/>
+              <a:t> </a:t>
             </a:r>
             <a:endParaRPr lang="en-US" dirty="0"/>
           </a:p>
@@ -15693,275 +15859,6 @@
               <a:rPr lang="de-DE" smtClean="0"/>
               <a:pPr/>
               <a:t>31</a:t>
-            </a:fld>
-            <a:endParaRPr lang="de-DE"/>
-          </a:p>
-        </p:txBody>
-      </p:sp>
-    </p:spTree>
-  </p:cSld>
-  <p:clrMapOvr>
-    <a:masterClrMapping/>
-  </p:clrMapOvr>
-  <p:timing>
-    <p:tnLst>
-      <p:par>
-        <p:cTn id="1" dur="indefinite" restart="never" nodeType="tmRoot"/>
-      </p:par>
-    </p:tnLst>
-  </p:timing>
-</p:sld>
-</file>
-
-<file path=ppt/slides/slide32.xml><?xml version="1.0" encoding="utf-8"?>
-<p:sld xmlns:a="http://schemas.openxmlformats.org/drawingml/2006/main" xmlns:r="http://schemas.openxmlformats.org/officeDocument/2006/relationships" xmlns:p="http://schemas.openxmlformats.org/presentationml/2006/main">
-  <p:cSld>
-    <p:spTree>
-      <p:nvGrpSpPr>
-        <p:cNvPr id="1" name=""/>
-        <p:cNvGrpSpPr/>
-        <p:nvPr/>
-      </p:nvGrpSpPr>
-      <p:grpSpPr>
-        <a:xfrm>
-          <a:off x="0" y="0"/>
-          <a:ext cx="0" cy="0"/>
-          <a:chOff x="0" y="0"/>
-          <a:chExt cx="0" cy="0"/>
-        </a:xfrm>
-      </p:grpSpPr>
-      <p:sp>
-        <p:nvSpPr>
-          <p:cNvPr id="2" name="Titel 1"/>
-          <p:cNvSpPr>
-            <a:spLocks noGrp="1"/>
-          </p:cNvSpPr>
-          <p:nvPr>
-            <p:ph type="title"/>
-          </p:nvPr>
-        </p:nvSpPr>
-        <p:spPr/>
-        <p:txBody>
-          <a:bodyPr/>
-          <a:lstStyle/>
-          <a:p>
-            <a:r>
-              <a:rPr lang="en-US" dirty="0" smtClean="0"/>
-              <a:t>Scientist</a:t>
-            </a:r>
-            <a:endParaRPr lang="en-US" dirty="0"/>
-          </a:p>
-        </p:txBody>
-      </p:sp>
-      <p:sp>
-        <p:nvSpPr>
-          <p:cNvPr id="3" name="Inhaltsplatzhalter 2"/>
-          <p:cNvSpPr>
-            <a:spLocks noGrp="1"/>
-          </p:cNvSpPr>
-          <p:nvPr>
-            <p:ph idx="1"/>
-          </p:nvPr>
-        </p:nvSpPr>
-        <p:spPr/>
-        <p:txBody>
-          <a:bodyPr>
-            <a:normAutofit lnSpcReduction="10000"/>
-          </a:bodyPr>
-          <a:lstStyle/>
-          <a:p>
-            <a:pPr>
-              <a:buNone/>
-            </a:pPr>
-            <a:r>
-              <a:rPr lang="en-US" dirty="0" smtClean="0"/>
-              <a:t>The scientist builds in order to study;</a:t>
-            </a:r>
-          </a:p>
-          <a:p>
-            <a:pPr>
-              <a:buNone/>
-            </a:pPr>
-            <a:r>
-              <a:rPr lang="en-US" dirty="0" smtClean="0"/>
-              <a:t>the engineer studies in order to build.</a:t>
-            </a:r>
-          </a:p>
-          <a:p>
-            <a:pPr>
-              <a:buNone/>
-            </a:pPr>
-            <a:r>
-              <a:rPr lang="en-US" sz="1300" dirty="0"/>
-              <a:t>F. Brooks. </a:t>
-            </a:r>
-            <a:r>
-              <a:rPr lang="en-US" sz="1300" i="1" dirty="0"/>
-              <a:t>The Computer Scientist as </a:t>
-            </a:r>
-            <a:r>
-              <a:rPr lang="en-US" sz="1300" i="1" dirty="0" err="1"/>
-              <a:t>Toolsmith</a:t>
-            </a:r>
-            <a:r>
-              <a:rPr lang="en-US" sz="1300" i="1" dirty="0"/>
-              <a:t> II.</a:t>
-            </a:r>
-            <a:r>
-              <a:rPr lang="en-US" sz="1300" dirty="0"/>
-              <a:t> Communications of the ACM, 39:3, 1996.</a:t>
-            </a:r>
-          </a:p>
-          <a:p>
-            <a:endParaRPr lang="en-US" dirty="0" smtClean="0"/>
-          </a:p>
-          <a:p>
-            <a:endParaRPr lang="en-US" dirty="0" smtClean="0"/>
-          </a:p>
-          <a:p>
-            <a:r>
-              <a:rPr lang="en-US" dirty="0" smtClean="0"/>
-              <a:t>Scientist</a:t>
-            </a:r>
-          </a:p>
-          <a:p>
-            <a:pPr lvl="1"/>
-            <a:r>
-              <a:rPr lang="en-US" dirty="0" smtClean="0"/>
-              <a:t>Understanding as goal (facts, relationships)</a:t>
-            </a:r>
-          </a:p>
-          <a:p>
-            <a:pPr lvl="1"/>
-            <a:r>
-              <a:rPr lang="en-US" dirty="0" smtClean="0"/>
-              <a:t>Construction as far as necessary to fulfill goal </a:t>
-            </a:r>
-          </a:p>
-          <a:p>
-            <a:r>
-              <a:rPr lang="de-DE" dirty="0" smtClean="0"/>
-              <a:t>Engineer</a:t>
-            </a:r>
-            <a:endParaRPr lang="en-US" dirty="0" smtClean="0"/>
-          </a:p>
-          <a:p>
-            <a:pPr lvl="1"/>
-            <a:r>
-              <a:rPr lang="de-DE" dirty="0" err="1" smtClean="0"/>
-              <a:t>Construction</a:t>
-            </a:r>
-            <a:r>
-              <a:rPr lang="de-DE" dirty="0" smtClean="0"/>
-              <a:t> </a:t>
-            </a:r>
-            <a:r>
-              <a:rPr lang="de-DE" dirty="0" err="1" smtClean="0"/>
-              <a:t>of</a:t>
-            </a:r>
-            <a:r>
-              <a:rPr lang="de-DE" dirty="0" smtClean="0"/>
-              <a:t> </a:t>
-            </a:r>
-            <a:r>
-              <a:rPr lang="de-DE" dirty="0" err="1" smtClean="0"/>
-              <a:t>something</a:t>
-            </a:r>
-            <a:r>
-              <a:rPr lang="de-DE" dirty="0" smtClean="0"/>
-              <a:t> </a:t>
-            </a:r>
-            <a:r>
-              <a:rPr lang="de-DE" dirty="0" err="1" smtClean="0"/>
-              <a:t>useful</a:t>
-            </a:r>
-            <a:r>
-              <a:rPr lang="de-DE" dirty="0" smtClean="0"/>
-              <a:t> </a:t>
-            </a:r>
-            <a:r>
-              <a:rPr lang="de-DE" dirty="0" err="1" smtClean="0"/>
-              <a:t>as</a:t>
-            </a:r>
-            <a:r>
-              <a:rPr lang="de-DE" dirty="0" smtClean="0"/>
-              <a:t> </a:t>
-            </a:r>
-            <a:r>
-              <a:rPr lang="de-DE" dirty="0" err="1" smtClean="0"/>
-              <a:t>goal</a:t>
-            </a:r>
-            <a:endParaRPr lang="de-DE" dirty="0" smtClean="0"/>
-          </a:p>
-          <a:p>
-            <a:pPr lvl="1"/>
-            <a:r>
-              <a:rPr lang="de-DE" dirty="0" smtClean="0"/>
-              <a:t>Understanding </a:t>
-            </a:r>
-            <a:r>
-              <a:rPr lang="de-DE" dirty="0" err="1" smtClean="0"/>
-              <a:t>as</a:t>
-            </a:r>
-            <a:r>
-              <a:rPr lang="de-DE" dirty="0" smtClean="0"/>
-              <a:t> a </a:t>
-            </a:r>
-            <a:r>
-              <a:rPr lang="de-DE" dirty="0" err="1" smtClean="0"/>
-              <a:t>way</a:t>
-            </a:r>
-            <a:r>
-              <a:rPr lang="de-DE" dirty="0" smtClean="0"/>
-              <a:t> </a:t>
-            </a:r>
-            <a:r>
-              <a:rPr lang="de-DE" dirty="0" err="1" smtClean="0"/>
-              <a:t>to</a:t>
-            </a:r>
-            <a:r>
-              <a:rPr lang="de-DE" dirty="0" smtClean="0"/>
-              <a:t> </a:t>
-            </a:r>
-            <a:r>
-              <a:rPr lang="de-DE" dirty="0" err="1" smtClean="0"/>
-              <a:t>better</a:t>
-            </a:r>
-            <a:r>
-              <a:rPr lang="de-DE" dirty="0" smtClean="0"/>
-              <a:t> </a:t>
-            </a:r>
-            <a:r>
-              <a:rPr lang="de-DE" dirty="0" err="1" smtClean="0"/>
-              <a:t>construction</a:t>
-            </a:r>
-            <a:r>
-              <a:rPr lang="de-DE" dirty="0" smtClean="0"/>
-              <a:t> </a:t>
-            </a:r>
-            <a:endParaRPr lang="en-US" dirty="0"/>
-          </a:p>
-        </p:txBody>
-      </p:sp>
-      <p:sp>
-        <p:nvSpPr>
-          <p:cNvPr id="4" name="Foliennummernplatzhalter 3"/>
-          <p:cNvSpPr>
-            <a:spLocks noGrp="1"/>
-          </p:cNvSpPr>
-          <p:nvPr>
-            <p:ph type="sldNum" sz="quarter" idx="12"/>
-          </p:nvPr>
-        </p:nvSpPr>
-        <p:spPr/>
-        <p:txBody>
-          <a:bodyPr/>
-          <a:lstStyle/>
-          <a:p>
-            <a:fld id="{6C6AE60A-B69C-4790-82F7-3882EDF23186}" type="slidenum">
-              <a:rPr lang="de-DE" smtClean="0"/>
-              <a:pPr/>
-              <a:t>32</a:t>
             </a:fld>
             <a:endParaRPr lang="de-DE"/>
           </a:p>
@@ -16230,7 +16127,7 @@
 </p:sld>
 </file>
 
-<file path=ppt/slides/slide33.xml><?xml version="1.0" encoding="utf-8"?>
+<file path=ppt/slides/slide32.xml><?xml version="1.0" encoding="utf-8"?>
 <p:sld xmlns:a="http://schemas.openxmlformats.org/drawingml/2006/main" xmlns:r="http://schemas.openxmlformats.org/officeDocument/2006/relationships" xmlns:p="http://schemas.openxmlformats.org/presentationml/2006/main">
   <p:cSld>
     <p:spTree>
@@ -16509,7 +16406,7 @@
             <a:fld id="{6C6AE60A-B69C-4790-82F7-3882EDF23186}" type="slidenum">
               <a:rPr lang="de-DE" smtClean="0"/>
               <a:pPr/>
-              <a:t>33</a:t>
+              <a:t>32</a:t>
             </a:fld>
             <a:endParaRPr lang="de-DE"/>
           </a:p>
@@ -16765,7 +16662,7 @@
 </p:sld>
 </file>
 
-<file path=ppt/slides/slide34.xml><?xml version="1.0" encoding="utf-8"?>
+<file path=ppt/slides/slide33.xml><?xml version="1.0" encoding="utf-8"?>
 <p:sld xmlns:a="http://schemas.openxmlformats.org/drawingml/2006/main" xmlns:r="http://schemas.openxmlformats.org/officeDocument/2006/relationships" xmlns:p="http://schemas.openxmlformats.org/presentationml/2006/main">
   <p:cSld>
     <p:spTree>
@@ -16950,7 +16847,7 @@
             <a:fld id="{6C6AE60A-B69C-4790-82F7-3882EDF23186}" type="slidenum">
               <a:rPr lang="de-DE" smtClean="0"/>
               <a:pPr/>
-              <a:t>34</a:t>
+              <a:t>33</a:t>
             </a:fld>
             <a:endParaRPr lang="de-DE"/>
           </a:p>
@@ -17234,7 +17131,7 @@
 </p:sld>
 </file>
 
-<file path=ppt/slides/slide35.xml><?xml version="1.0" encoding="utf-8"?>
+<file path=ppt/slides/slide34.xml><?xml version="1.0" encoding="utf-8"?>
 <p:sld xmlns:a="http://schemas.openxmlformats.org/drawingml/2006/main" xmlns:r="http://schemas.openxmlformats.org/officeDocument/2006/relationships" xmlns:p="http://schemas.openxmlformats.org/presentationml/2006/main">
   <p:cSld>
     <p:spTree>
@@ -17651,7 +17548,7 @@
             <a:fld id="{6C6AE60A-B69C-4790-82F7-3882EDF23186}" type="slidenum">
               <a:rPr lang="de-DE" smtClean="0"/>
               <a:pPr/>
-              <a:t>35</a:t>
+              <a:t>34</a:t>
             </a:fld>
             <a:endParaRPr lang="de-DE"/>
           </a:p>
@@ -17876,7 +17773,7 @@
 </p:sld>
 </file>
 
-<file path=ppt/slides/slide36.xml><?xml version="1.0" encoding="utf-8"?>
+<file path=ppt/slides/slide35.xml><?xml version="1.0" encoding="utf-8"?>
 <p:sld xmlns:a="http://schemas.openxmlformats.org/drawingml/2006/main" xmlns:r="http://schemas.openxmlformats.org/officeDocument/2006/relationships" xmlns:p="http://schemas.openxmlformats.org/presentationml/2006/main">
   <p:cSld>
     <p:spTree>
@@ -18364,7 +18261,7 @@
             <a:fld id="{6C6AE60A-B69C-4790-82F7-3882EDF23186}" type="slidenum">
               <a:rPr lang="de-DE" smtClean="0"/>
               <a:pPr/>
-              <a:t>36</a:t>
+              <a:t>35</a:t>
             </a:fld>
             <a:endParaRPr lang="de-DE"/>
           </a:p>
@@ -18744,7 +18641,7 @@
 </p:sld>
 </file>
 
-<file path=ppt/slides/slide37.xml><?xml version="1.0" encoding="utf-8"?>
+<file path=ppt/slides/slide36.xml><?xml version="1.0" encoding="utf-8"?>
 <p:sld xmlns:a="http://schemas.openxmlformats.org/drawingml/2006/main" xmlns:r="http://schemas.openxmlformats.org/officeDocument/2006/relationships" xmlns:p="http://schemas.openxmlformats.org/presentationml/2006/main">
   <p:cSld>
     <p:spTree>
@@ -19217,7 +19114,7 @@
             <a:fld id="{6C6AE60A-B69C-4790-82F7-3882EDF23186}" type="slidenum">
               <a:rPr lang="de-DE" smtClean="0"/>
               <a:pPr/>
-              <a:t>37</a:t>
+              <a:t>36</a:t>
             </a:fld>
             <a:endParaRPr lang="de-DE"/>
           </a:p>
@@ -19561,7 +19458,7 @@
 </p:sld>
 </file>
 
-<file path=ppt/slides/slide38.xml><?xml version="1.0" encoding="utf-8"?>
+<file path=ppt/slides/slide37.xml><?xml version="1.0" encoding="utf-8"?>
 <p:sld xmlns:a="http://schemas.openxmlformats.org/drawingml/2006/main" xmlns:r="http://schemas.openxmlformats.org/officeDocument/2006/relationships" xmlns:p="http://schemas.openxmlformats.org/presentationml/2006/main">
   <p:cSld>
     <p:spTree>
@@ -20082,7 +19979,7 @@
             <a:fld id="{6C6AE60A-B69C-4790-82F7-3882EDF23186}" type="slidenum">
               <a:rPr lang="de-DE" smtClean="0"/>
               <a:pPr/>
-              <a:t>38</a:t>
+              <a:t>37</a:t>
             </a:fld>
             <a:endParaRPr lang="de-DE"/>
           </a:p>
@@ -20382,6 +20279,577 @@
 </p:sld>
 </file>
 
+<file path=ppt/slides/slide38.xml><?xml version="1.0" encoding="utf-8"?>
+<p:sld xmlns:a="http://schemas.openxmlformats.org/drawingml/2006/main" xmlns:r="http://schemas.openxmlformats.org/officeDocument/2006/relationships" xmlns:p="http://schemas.openxmlformats.org/presentationml/2006/main">
+  <p:cSld>
+    <p:spTree>
+      <p:nvGrpSpPr>
+        <p:cNvPr id="1" name=""/>
+        <p:cNvGrpSpPr/>
+        <p:nvPr/>
+      </p:nvGrpSpPr>
+      <p:grpSpPr>
+        <a:xfrm>
+          <a:off x="0" y="0"/>
+          <a:ext cx="0" cy="0"/>
+          <a:chOff x="0" y="0"/>
+          <a:chExt cx="0" cy="0"/>
+        </a:xfrm>
+      </p:grpSpPr>
+      <p:sp>
+        <p:nvSpPr>
+          <p:cNvPr id="2" name="Titel 1"/>
+          <p:cNvSpPr>
+            <a:spLocks noGrp="1"/>
+          </p:cNvSpPr>
+          <p:nvPr>
+            <p:ph type="title"/>
+          </p:nvPr>
+        </p:nvSpPr>
+        <p:spPr/>
+        <p:txBody>
+          <a:bodyPr>
+            <a:normAutofit/>
+          </a:bodyPr>
+          <a:lstStyle/>
+          <a:p>
+            <a:r>
+              <a:rPr lang="en-US" dirty="0" smtClean="0"/>
+              <a:t>Empirical Research – Apparent Questions</a:t>
+            </a:r>
+            <a:endParaRPr lang="en-US" dirty="0"/>
+          </a:p>
+        </p:txBody>
+      </p:sp>
+      <p:sp>
+        <p:nvSpPr>
+          <p:cNvPr id="3" name="Inhaltsplatzhalter 2"/>
+          <p:cNvSpPr>
+            <a:spLocks noGrp="1"/>
+          </p:cNvSpPr>
+          <p:nvPr>
+            <p:ph idx="1"/>
+          </p:nvPr>
+        </p:nvSpPr>
+        <p:spPr/>
+        <p:txBody>
+          <a:bodyPr>
+            <a:normAutofit/>
+          </a:bodyPr>
+          <a:lstStyle/>
+          <a:p>
+            <a:r>
+              <a:rPr lang="de-DE" dirty="0" err="1" smtClean="0"/>
+              <a:t>How</a:t>
+            </a:r>
+            <a:r>
+              <a:rPr lang="de-DE" dirty="0" smtClean="0"/>
+              <a:t> </a:t>
+            </a:r>
+            <a:r>
+              <a:rPr lang="de-DE" dirty="0" err="1" smtClean="0"/>
+              <a:t>can</a:t>
+            </a:r>
+            <a:r>
+              <a:rPr lang="de-DE" dirty="0" smtClean="0"/>
+              <a:t> </a:t>
+            </a:r>
+            <a:r>
+              <a:rPr lang="de-DE" dirty="0" err="1" smtClean="0"/>
+              <a:t>we</a:t>
+            </a:r>
+            <a:r>
+              <a:rPr lang="de-DE" dirty="0" smtClean="0"/>
+              <a:t> </a:t>
+            </a:r>
+            <a:r>
+              <a:rPr lang="de-DE" dirty="0" err="1" smtClean="0"/>
+              <a:t>use</a:t>
+            </a:r>
+            <a:r>
+              <a:rPr lang="de-DE" dirty="0" smtClean="0"/>
+              <a:t> </a:t>
+            </a:r>
+            <a:r>
+              <a:rPr lang="de-DE" dirty="0" err="1" smtClean="0"/>
+              <a:t>observations</a:t>
+            </a:r>
+            <a:r>
+              <a:rPr lang="de-DE" dirty="0" smtClean="0"/>
+              <a:t> </a:t>
+            </a:r>
+            <a:r>
+              <a:rPr lang="de-DE" dirty="0" err="1" smtClean="0"/>
+              <a:t>as</a:t>
+            </a:r>
+            <a:r>
+              <a:rPr lang="de-DE" dirty="0" smtClean="0"/>
+              <a:t> </a:t>
+            </a:r>
+            <a:r>
+              <a:rPr lang="de-DE" dirty="0" err="1" smtClean="0"/>
+              <a:t>scientific</a:t>
+            </a:r>
+            <a:r>
+              <a:rPr lang="de-DE" dirty="0" smtClean="0"/>
+              <a:t> </a:t>
+            </a:r>
+            <a:r>
+              <a:rPr lang="de-DE" dirty="0" err="1" smtClean="0"/>
+              <a:t>method</a:t>
+            </a:r>
+            <a:r>
+              <a:rPr lang="de-DE" dirty="0" smtClean="0"/>
+              <a:t>?</a:t>
+            </a:r>
+          </a:p>
+          <a:p>
+            <a:endParaRPr lang="de-DE" dirty="0" smtClean="0"/>
+          </a:p>
+          <a:p>
+            <a:r>
+              <a:rPr lang="de-DE" dirty="0" err="1" smtClean="0"/>
+              <a:t>Empirical</a:t>
+            </a:r>
+            <a:r>
+              <a:rPr lang="de-DE" dirty="0" smtClean="0"/>
+              <a:t> </a:t>
+            </a:r>
+            <a:r>
+              <a:rPr lang="de-DE" dirty="0" err="1" smtClean="0"/>
+              <a:t>methods</a:t>
+            </a:r>
+            <a:r>
+              <a:rPr lang="de-DE" dirty="0" smtClean="0"/>
+              <a:t>:</a:t>
+            </a:r>
+          </a:p>
+          <a:p>
+            <a:pPr lvl="1"/>
+            <a:r>
+              <a:rPr lang="de-DE" dirty="0" smtClean="0"/>
+              <a:t>Data </a:t>
+            </a:r>
+            <a:r>
+              <a:rPr lang="de-DE" dirty="0" err="1" smtClean="0"/>
+              <a:t>collection</a:t>
+            </a:r>
+            <a:r>
+              <a:rPr lang="de-DE" dirty="0" smtClean="0"/>
+              <a:t>: </a:t>
+            </a:r>
+            <a:r>
+              <a:rPr lang="de-DE" dirty="0" err="1" smtClean="0"/>
+              <a:t>What</a:t>
+            </a:r>
+            <a:r>
+              <a:rPr lang="de-DE" dirty="0" smtClean="0"/>
+              <a:t> </a:t>
+            </a:r>
+            <a:r>
+              <a:rPr lang="de-DE" dirty="0" err="1" smtClean="0"/>
+              <a:t>kind</a:t>
+            </a:r>
+            <a:r>
+              <a:rPr lang="de-DE" dirty="0" smtClean="0"/>
+              <a:t> </a:t>
+            </a:r>
+            <a:r>
+              <a:rPr lang="de-DE" dirty="0" err="1" smtClean="0"/>
+              <a:t>of</a:t>
+            </a:r>
+            <a:r>
+              <a:rPr lang="de-DE" dirty="0" smtClean="0"/>
+              <a:t> </a:t>
+            </a:r>
+            <a:r>
+              <a:rPr lang="de-DE" dirty="0" err="1" smtClean="0"/>
+              <a:t>data</a:t>
+            </a:r>
+            <a:r>
+              <a:rPr lang="de-DE" dirty="0" smtClean="0"/>
+              <a:t> </a:t>
+            </a:r>
+            <a:r>
+              <a:rPr lang="de-DE" dirty="0" err="1" smtClean="0"/>
+              <a:t>can</a:t>
+            </a:r>
+            <a:r>
+              <a:rPr lang="de-DE" dirty="0" smtClean="0"/>
+              <a:t> </a:t>
+            </a:r>
+            <a:r>
+              <a:rPr lang="de-DE" dirty="0" err="1" smtClean="0"/>
+              <a:t>we</a:t>
+            </a:r>
+            <a:r>
+              <a:rPr lang="de-DE" dirty="0" smtClean="0"/>
+              <a:t> </a:t>
+            </a:r>
+            <a:r>
+              <a:rPr lang="de-DE" dirty="0" err="1" smtClean="0"/>
+              <a:t>observe</a:t>
+            </a:r>
+            <a:r>
+              <a:rPr lang="de-DE" dirty="0" smtClean="0"/>
+              <a:t> </a:t>
+            </a:r>
+            <a:r>
+              <a:rPr lang="de-DE" dirty="0" err="1" smtClean="0"/>
+              <a:t>where</a:t>
+            </a:r>
+            <a:r>
+              <a:rPr lang="de-DE" dirty="0" smtClean="0"/>
+              <a:t>?</a:t>
+            </a:r>
+          </a:p>
+          <a:p>
+            <a:pPr lvl="1"/>
+            <a:r>
+              <a:rPr lang="de-DE" dirty="0" smtClean="0"/>
+              <a:t>Qualitative vs. quantitative </a:t>
+            </a:r>
+            <a:r>
+              <a:rPr lang="de-DE" dirty="0" err="1" smtClean="0"/>
+              <a:t>Observations</a:t>
+            </a:r>
+            <a:r>
+              <a:rPr lang="de-DE" dirty="0" smtClean="0"/>
+              <a:t>: </a:t>
+            </a:r>
+            <a:r>
+              <a:rPr lang="de-DE" dirty="0" err="1" smtClean="0"/>
+              <a:t>Which</a:t>
+            </a:r>
+            <a:r>
+              <a:rPr lang="de-DE" dirty="0" smtClean="0"/>
+              <a:t> </a:t>
+            </a:r>
+            <a:r>
+              <a:rPr lang="de-DE" dirty="0" err="1" smtClean="0"/>
+              <a:t>kind</a:t>
+            </a:r>
+            <a:r>
+              <a:rPr lang="de-DE" dirty="0" smtClean="0"/>
+              <a:t> </a:t>
+            </a:r>
+            <a:r>
+              <a:rPr lang="de-DE" dirty="0" err="1" smtClean="0"/>
+              <a:t>of</a:t>
+            </a:r>
+            <a:r>
+              <a:rPr lang="de-DE" dirty="0" smtClean="0"/>
+              <a:t> </a:t>
+            </a:r>
+            <a:r>
+              <a:rPr lang="de-DE" dirty="0" err="1" smtClean="0"/>
+              <a:t>information</a:t>
+            </a:r>
+            <a:r>
+              <a:rPr lang="de-DE" dirty="0" smtClean="0"/>
+              <a:t> </a:t>
+            </a:r>
+            <a:r>
+              <a:rPr lang="de-DE" dirty="0" err="1" smtClean="0"/>
+              <a:t>can</a:t>
+            </a:r>
+            <a:r>
+              <a:rPr lang="de-DE" dirty="0" smtClean="0"/>
+              <a:t> </a:t>
+            </a:r>
+            <a:r>
+              <a:rPr lang="de-DE" dirty="0" err="1" smtClean="0"/>
+              <a:t>we</a:t>
+            </a:r>
+            <a:r>
+              <a:rPr lang="de-DE" dirty="0" smtClean="0"/>
+              <a:t> </a:t>
+            </a:r>
+            <a:r>
+              <a:rPr lang="de-DE" dirty="0" err="1" smtClean="0"/>
+              <a:t>collect</a:t>
+            </a:r>
+            <a:r>
+              <a:rPr lang="de-DE" dirty="0" smtClean="0"/>
+              <a:t>?</a:t>
+            </a:r>
+          </a:p>
+          <a:p>
+            <a:pPr lvl="1"/>
+            <a:r>
+              <a:rPr lang="de-DE" dirty="0" err="1" smtClean="0"/>
+              <a:t>Logic</a:t>
+            </a:r>
+            <a:r>
+              <a:rPr lang="de-DE" dirty="0" smtClean="0"/>
+              <a:t> </a:t>
+            </a:r>
+            <a:r>
+              <a:rPr lang="de-DE" dirty="0" err="1" smtClean="0"/>
+              <a:t>of</a:t>
+            </a:r>
+            <a:r>
+              <a:rPr lang="de-DE" dirty="0" smtClean="0"/>
+              <a:t> </a:t>
+            </a:r>
+            <a:r>
+              <a:rPr lang="de-DE" dirty="0" err="1" smtClean="0"/>
+              <a:t>empirical</a:t>
+            </a:r>
+            <a:r>
+              <a:rPr lang="de-DE" dirty="0" smtClean="0"/>
+              <a:t> </a:t>
+            </a:r>
+            <a:r>
+              <a:rPr lang="de-DE" dirty="0" err="1" smtClean="0"/>
+              <a:t>research</a:t>
+            </a:r>
+            <a:r>
+              <a:rPr lang="de-DE" dirty="0" smtClean="0"/>
+              <a:t>: </a:t>
+            </a:r>
+            <a:r>
+              <a:rPr lang="de-DE" dirty="0" err="1" smtClean="0"/>
+              <a:t>How</a:t>
+            </a:r>
+            <a:r>
+              <a:rPr lang="de-DE" dirty="0" smtClean="0"/>
+              <a:t> </a:t>
+            </a:r>
+            <a:r>
+              <a:rPr lang="de-DE" dirty="0" err="1" smtClean="0"/>
+              <a:t>can</a:t>
+            </a:r>
+            <a:r>
+              <a:rPr lang="de-DE" dirty="0" smtClean="0"/>
+              <a:t> </a:t>
+            </a:r>
+            <a:r>
+              <a:rPr lang="de-DE" dirty="0" err="1" smtClean="0"/>
+              <a:t>we</a:t>
+            </a:r>
+            <a:r>
+              <a:rPr lang="de-DE" dirty="0" smtClean="0"/>
+              <a:t> </a:t>
+            </a:r>
+            <a:r>
+              <a:rPr lang="de-DE" dirty="0" err="1" smtClean="0"/>
+              <a:t>conclude</a:t>
+            </a:r>
+            <a:r>
+              <a:rPr lang="de-DE" dirty="0" smtClean="0"/>
+              <a:t> </a:t>
+            </a:r>
+            <a:r>
+              <a:rPr lang="de-DE" dirty="0" err="1" smtClean="0"/>
+              <a:t>statements</a:t>
+            </a:r>
+            <a:r>
+              <a:rPr lang="de-DE" dirty="0" smtClean="0"/>
+              <a:t> </a:t>
+            </a:r>
+            <a:r>
+              <a:rPr lang="de-DE" dirty="0" err="1" smtClean="0"/>
+              <a:t>or</a:t>
+            </a:r>
+            <a:r>
+              <a:rPr lang="de-DE" dirty="0" smtClean="0"/>
+              <a:t> </a:t>
+            </a:r>
+            <a:r>
+              <a:rPr lang="de-DE" dirty="0" err="1" smtClean="0"/>
+              <a:t>contradictions</a:t>
+            </a:r>
+            <a:r>
+              <a:rPr lang="de-DE" dirty="0" smtClean="0"/>
+              <a:t> </a:t>
+            </a:r>
+            <a:r>
+              <a:rPr lang="de-DE" dirty="0" err="1" smtClean="0"/>
+              <a:t>from</a:t>
+            </a:r>
+            <a:r>
+              <a:rPr lang="de-DE" dirty="0" smtClean="0"/>
+              <a:t> </a:t>
+            </a:r>
+            <a:r>
+              <a:rPr lang="de-DE" dirty="0" err="1" smtClean="0"/>
+              <a:t>data</a:t>
+            </a:r>
+            <a:r>
+              <a:rPr lang="de-DE" dirty="0" smtClean="0"/>
+              <a:t>?</a:t>
+            </a:r>
+          </a:p>
+          <a:p>
+            <a:pPr lvl="1"/>
+            <a:r>
+              <a:rPr lang="de-DE" dirty="0" smtClean="0"/>
+              <a:t>Experiment, </a:t>
+            </a:r>
+            <a:r>
+              <a:rPr lang="de-DE" dirty="0" err="1" smtClean="0"/>
+              <a:t>field</a:t>
+            </a:r>
+            <a:r>
+              <a:rPr lang="de-DE" dirty="0" smtClean="0"/>
+              <a:t> </a:t>
+            </a:r>
+            <a:r>
+              <a:rPr lang="de-DE" dirty="0" err="1" smtClean="0"/>
+              <a:t>studies</a:t>
+            </a:r>
+            <a:r>
+              <a:rPr lang="de-DE" dirty="0" smtClean="0"/>
+              <a:t>, </a:t>
+            </a:r>
+            <a:r>
+              <a:rPr lang="de-DE" dirty="0" err="1" smtClean="0"/>
+              <a:t>case</a:t>
+            </a:r>
+            <a:r>
+              <a:rPr lang="de-DE" dirty="0" smtClean="0"/>
+              <a:t> </a:t>
+            </a:r>
+            <a:r>
+              <a:rPr lang="de-DE" dirty="0" err="1" smtClean="0"/>
+              <a:t>study</a:t>
+            </a:r>
+            <a:r>
+              <a:rPr lang="de-DE" dirty="0" smtClean="0"/>
+              <a:t>, etc.: </a:t>
+            </a:r>
+            <a:r>
+              <a:rPr lang="de-DE" dirty="0" err="1" smtClean="0"/>
+              <a:t>Under</a:t>
+            </a:r>
+            <a:r>
+              <a:rPr lang="de-DE" dirty="0" smtClean="0"/>
+              <a:t> </a:t>
+            </a:r>
+            <a:r>
+              <a:rPr lang="de-DE" dirty="0" err="1" smtClean="0"/>
+              <a:t>which</a:t>
+            </a:r>
+            <a:r>
+              <a:rPr lang="de-DE" dirty="0" smtClean="0"/>
+              <a:t> </a:t>
+            </a:r>
+            <a:r>
+              <a:rPr lang="de-DE" dirty="0" err="1" smtClean="0"/>
+              <a:t>conditions</a:t>
+            </a:r>
+            <a:r>
+              <a:rPr lang="de-DE" dirty="0" smtClean="0"/>
+              <a:t> </a:t>
+            </a:r>
+            <a:r>
+              <a:rPr lang="de-DE" dirty="0" err="1" smtClean="0"/>
+              <a:t>can</a:t>
+            </a:r>
+            <a:r>
+              <a:rPr lang="de-DE" dirty="0" smtClean="0"/>
+              <a:t> </a:t>
+            </a:r>
+            <a:r>
+              <a:rPr lang="de-DE" dirty="0" err="1" smtClean="0"/>
+              <a:t>we</a:t>
+            </a:r>
+            <a:r>
+              <a:rPr lang="de-DE" dirty="0" smtClean="0"/>
+              <a:t> </a:t>
+            </a:r>
+            <a:r>
+              <a:rPr lang="de-DE" dirty="0" err="1" smtClean="0"/>
+              <a:t>conclude</a:t>
+            </a:r>
+            <a:r>
+              <a:rPr lang="de-DE" dirty="0" smtClean="0"/>
+              <a:t> </a:t>
+            </a:r>
+            <a:r>
+              <a:rPr lang="de-DE" dirty="0" err="1" smtClean="0"/>
+              <a:t>what</a:t>
+            </a:r>
+            <a:r>
+              <a:rPr lang="de-DE" dirty="0" smtClean="0"/>
+              <a:t> </a:t>
+            </a:r>
+            <a:r>
+              <a:rPr lang="de-DE" dirty="0" err="1" smtClean="0"/>
+              <a:t>kind</a:t>
+            </a:r>
+            <a:r>
+              <a:rPr lang="de-DE" dirty="0" smtClean="0"/>
+              <a:t> </a:t>
+            </a:r>
+            <a:r>
+              <a:rPr lang="de-DE" dirty="0" err="1" smtClean="0"/>
+              <a:t>of</a:t>
+            </a:r>
+            <a:r>
+              <a:rPr lang="de-DE" dirty="0" smtClean="0"/>
+              <a:t> </a:t>
+            </a:r>
+            <a:r>
+              <a:rPr lang="de-DE" dirty="0" err="1" smtClean="0"/>
+              <a:t>statements</a:t>
+            </a:r>
+            <a:r>
+              <a:rPr lang="de-DE" dirty="0" smtClean="0"/>
+              <a:t>/</a:t>
+            </a:r>
+            <a:r>
+              <a:rPr lang="de-DE" dirty="0" err="1" smtClean="0"/>
+              <a:t>contradictions</a:t>
+            </a:r>
+            <a:r>
+              <a:rPr lang="de-DE" dirty="0" smtClean="0"/>
+              <a:t>?</a:t>
+            </a:r>
+            <a:endParaRPr lang="en-US" dirty="0" smtClean="0"/>
+          </a:p>
+        </p:txBody>
+      </p:sp>
+      <p:sp>
+        <p:nvSpPr>
+          <p:cNvPr id="4" name="Foliennummernplatzhalter 3"/>
+          <p:cNvSpPr>
+            <a:spLocks noGrp="1"/>
+          </p:cNvSpPr>
+          <p:nvPr>
+            <p:ph type="sldNum" sz="quarter" idx="12"/>
+          </p:nvPr>
+        </p:nvSpPr>
+        <p:spPr/>
+        <p:txBody>
+          <a:bodyPr/>
+          <a:lstStyle/>
+          <a:p>
+            <a:fld id="{6C6AE60A-B69C-4790-82F7-3882EDF23186}" type="slidenum">
+              <a:rPr lang="de-DE" smtClean="0"/>
+              <a:pPr/>
+              <a:t>38</a:t>
+            </a:fld>
+            <a:endParaRPr lang="de-DE"/>
+          </a:p>
+        </p:txBody>
+      </p:sp>
+    </p:spTree>
+  </p:cSld>
+  <p:clrMapOvr>
+    <a:masterClrMapping/>
+  </p:clrMapOvr>
+  <p:timing>
+    <p:tnLst>
+      <p:par>
+        <p:cTn id="1" dur="indefinite" restart="never" nodeType="tmRoot"/>
+      </p:par>
+    </p:tnLst>
+  </p:timing>
+</p:sld>
+</file>
+
 <file path=ppt/slides/slide39.xml><?xml version="1.0" encoding="utf-8"?>
 <p:sld xmlns:a="http://schemas.openxmlformats.org/drawingml/2006/main" xmlns:r="http://schemas.openxmlformats.org/officeDocument/2006/relationships" xmlns:p="http://schemas.openxmlformats.org/presentationml/2006/main">
   <p:cSld>
@@ -20411,14 +20879,12 @@
         </p:nvSpPr>
         <p:spPr/>
         <p:txBody>
-          <a:bodyPr>
-            <a:normAutofit/>
-          </a:bodyPr>
+          <a:bodyPr/>
           <a:lstStyle/>
           <a:p>
             <a:r>
               <a:rPr lang="en-US" dirty="0" smtClean="0"/>
-              <a:t>Empirical Research – Apparent Questions</a:t>
+              <a:t>Overview</a:t>
             </a:r>
             <a:endParaRPr lang="en-US" dirty="0"/>
           </a:p>
@@ -20436,487 +20902,16 @@
         </p:nvSpPr>
         <p:spPr/>
         <p:txBody>
-          <a:bodyPr>
-            <a:normAutofit/>
-          </a:bodyPr>
+          <a:bodyPr/>
           <a:lstStyle/>
           <a:p>
-            <a:r>
-              <a:rPr lang="de-DE" dirty="0" err="1" smtClean="0"/>
-              <a:t>How</a:t>
-            </a:r>
-            <a:r>
-              <a:rPr lang="de-DE" dirty="0" smtClean="0"/>
-              <a:t> </a:t>
-            </a:r>
-            <a:r>
-              <a:rPr lang="de-DE" dirty="0" err="1" smtClean="0"/>
-              <a:t>can</a:t>
-            </a:r>
-            <a:r>
-              <a:rPr lang="de-DE" dirty="0" smtClean="0"/>
-              <a:t> </a:t>
-            </a:r>
-            <a:r>
-              <a:rPr lang="de-DE" dirty="0" err="1" smtClean="0"/>
-              <a:t>we</a:t>
-            </a:r>
-            <a:r>
-              <a:rPr lang="de-DE" dirty="0" smtClean="0"/>
-              <a:t> </a:t>
-            </a:r>
-            <a:r>
-              <a:rPr lang="de-DE" dirty="0" err="1" smtClean="0"/>
-              <a:t>use</a:t>
-            </a:r>
-            <a:r>
-              <a:rPr lang="de-DE" dirty="0" smtClean="0"/>
-              <a:t> </a:t>
-            </a:r>
-            <a:r>
-              <a:rPr lang="de-DE" dirty="0" err="1" smtClean="0"/>
-              <a:t>observations</a:t>
-            </a:r>
-            <a:r>
-              <a:rPr lang="de-DE" dirty="0" smtClean="0"/>
-              <a:t> </a:t>
-            </a:r>
-            <a:r>
-              <a:rPr lang="de-DE" dirty="0" err="1" smtClean="0"/>
-              <a:t>as</a:t>
-            </a:r>
-            <a:r>
-              <a:rPr lang="de-DE" dirty="0" smtClean="0"/>
-              <a:t> </a:t>
-            </a:r>
-            <a:r>
-              <a:rPr lang="de-DE" dirty="0" err="1" smtClean="0"/>
-              <a:t>scientific</a:t>
-            </a:r>
-            <a:r>
-              <a:rPr lang="de-DE" dirty="0" smtClean="0"/>
-              <a:t> </a:t>
-            </a:r>
-            <a:r>
-              <a:rPr lang="de-DE" dirty="0" err="1" smtClean="0"/>
-              <a:t>method</a:t>
-            </a:r>
-            <a:r>
-              <a:rPr lang="de-DE" dirty="0" smtClean="0"/>
-              <a:t>?</a:t>
-            </a:r>
-          </a:p>
-          <a:p>
-            <a:endParaRPr lang="de-DE" dirty="0" smtClean="0"/>
-          </a:p>
-          <a:p>
-            <a:r>
-              <a:rPr lang="de-DE" dirty="0" err="1" smtClean="0"/>
-              <a:t>Empirical</a:t>
-            </a:r>
-            <a:r>
-              <a:rPr lang="de-DE" dirty="0" smtClean="0"/>
-              <a:t> </a:t>
-            </a:r>
-            <a:r>
-              <a:rPr lang="de-DE" dirty="0" err="1" smtClean="0"/>
-              <a:t>methods</a:t>
-            </a:r>
-            <a:r>
-              <a:rPr lang="de-DE" dirty="0" smtClean="0"/>
-              <a:t>:</a:t>
-            </a:r>
-          </a:p>
-          <a:p>
-            <a:pPr lvl="1"/>
-            <a:r>
-              <a:rPr lang="de-DE" dirty="0" smtClean="0"/>
-              <a:t>Data </a:t>
-            </a:r>
-            <a:r>
-              <a:rPr lang="de-DE" dirty="0" err="1" smtClean="0"/>
-              <a:t>collection</a:t>
-            </a:r>
-            <a:r>
-              <a:rPr lang="de-DE" dirty="0" smtClean="0"/>
-              <a:t>: </a:t>
-            </a:r>
-            <a:r>
-              <a:rPr lang="de-DE" dirty="0" err="1" smtClean="0"/>
-              <a:t>What</a:t>
-            </a:r>
-            <a:r>
-              <a:rPr lang="de-DE" dirty="0" smtClean="0"/>
-              <a:t> </a:t>
-            </a:r>
-            <a:r>
-              <a:rPr lang="de-DE" dirty="0" err="1" smtClean="0"/>
-              <a:t>kind</a:t>
-            </a:r>
-            <a:r>
-              <a:rPr lang="de-DE" dirty="0" smtClean="0"/>
-              <a:t> </a:t>
-            </a:r>
-            <a:r>
-              <a:rPr lang="de-DE" dirty="0" err="1" smtClean="0"/>
-              <a:t>of</a:t>
-            </a:r>
-            <a:r>
-              <a:rPr lang="de-DE" dirty="0" smtClean="0"/>
-              <a:t> </a:t>
-            </a:r>
-            <a:r>
-              <a:rPr lang="de-DE" dirty="0" err="1" smtClean="0"/>
-              <a:t>data</a:t>
-            </a:r>
-            <a:r>
-              <a:rPr lang="de-DE" dirty="0" smtClean="0"/>
-              <a:t> </a:t>
-            </a:r>
-            <a:r>
-              <a:rPr lang="de-DE" dirty="0" err="1" smtClean="0"/>
-              <a:t>can</a:t>
-            </a:r>
-            <a:r>
-              <a:rPr lang="de-DE" dirty="0" smtClean="0"/>
-              <a:t> </a:t>
-            </a:r>
-            <a:r>
-              <a:rPr lang="de-DE" dirty="0" err="1" smtClean="0"/>
-              <a:t>we</a:t>
-            </a:r>
-            <a:r>
-              <a:rPr lang="de-DE" dirty="0" smtClean="0"/>
-              <a:t> </a:t>
-            </a:r>
-            <a:r>
-              <a:rPr lang="de-DE" dirty="0" err="1" smtClean="0"/>
-              <a:t>observe</a:t>
-            </a:r>
-            <a:r>
-              <a:rPr lang="de-DE" dirty="0" smtClean="0"/>
-              <a:t> </a:t>
-            </a:r>
-            <a:r>
-              <a:rPr lang="de-DE" dirty="0" err="1" smtClean="0"/>
-              <a:t>where</a:t>
-            </a:r>
-            <a:r>
-              <a:rPr lang="de-DE" dirty="0" smtClean="0"/>
-              <a:t>?</a:t>
-            </a:r>
-          </a:p>
-          <a:p>
-            <a:pPr lvl="1"/>
-            <a:r>
-              <a:rPr lang="de-DE" dirty="0" smtClean="0"/>
-              <a:t>Qualitative vs. quantitative </a:t>
-            </a:r>
-            <a:r>
-              <a:rPr lang="de-DE" dirty="0" err="1" smtClean="0"/>
-              <a:t>Observations</a:t>
-            </a:r>
-            <a:r>
-              <a:rPr lang="de-DE" dirty="0" smtClean="0"/>
-              <a:t>: </a:t>
-            </a:r>
-            <a:r>
-              <a:rPr lang="de-DE" dirty="0" err="1" smtClean="0"/>
-              <a:t>Which</a:t>
-            </a:r>
-            <a:r>
-              <a:rPr lang="de-DE" dirty="0" smtClean="0"/>
-              <a:t> </a:t>
-            </a:r>
-            <a:r>
-              <a:rPr lang="de-DE" dirty="0" err="1" smtClean="0"/>
-              <a:t>kind</a:t>
-            </a:r>
-            <a:r>
-              <a:rPr lang="de-DE" dirty="0" smtClean="0"/>
-              <a:t> </a:t>
-            </a:r>
-            <a:r>
-              <a:rPr lang="de-DE" dirty="0" err="1" smtClean="0"/>
-              <a:t>of</a:t>
-            </a:r>
-            <a:r>
-              <a:rPr lang="de-DE" dirty="0" smtClean="0"/>
-              <a:t> </a:t>
-            </a:r>
-            <a:r>
-              <a:rPr lang="de-DE" dirty="0" err="1" smtClean="0"/>
-              <a:t>information</a:t>
-            </a:r>
-            <a:r>
-              <a:rPr lang="de-DE" dirty="0" smtClean="0"/>
-              <a:t> </a:t>
-            </a:r>
-            <a:r>
-              <a:rPr lang="de-DE" dirty="0" err="1" smtClean="0"/>
-              <a:t>can</a:t>
-            </a:r>
-            <a:r>
-              <a:rPr lang="de-DE" dirty="0" smtClean="0"/>
-              <a:t> </a:t>
-            </a:r>
-            <a:r>
-              <a:rPr lang="de-DE" dirty="0" err="1" smtClean="0"/>
-              <a:t>we</a:t>
-            </a:r>
-            <a:r>
-              <a:rPr lang="de-DE" dirty="0" smtClean="0"/>
-              <a:t> </a:t>
-            </a:r>
-            <a:r>
-              <a:rPr lang="de-DE" dirty="0" err="1" smtClean="0"/>
-              <a:t>collect</a:t>
-            </a:r>
-            <a:r>
-              <a:rPr lang="de-DE" dirty="0" smtClean="0"/>
-              <a:t>?</a:t>
-            </a:r>
-          </a:p>
-          <a:p>
-            <a:pPr lvl="1"/>
-            <a:r>
-              <a:rPr lang="de-DE" dirty="0" err="1" smtClean="0"/>
-              <a:t>Logic</a:t>
-            </a:r>
-            <a:r>
-              <a:rPr lang="de-DE" dirty="0" smtClean="0"/>
-              <a:t> </a:t>
-            </a:r>
-            <a:r>
-              <a:rPr lang="de-DE" dirty="0" err="1" smtClean="0"/>
-              <a:t>of</a:t>
-            </a:r>
-            <a:r>
-              <a:rPr lang="de-DE" dirty="0" smtClean="0"/>
-              <a:t> </a:t>
-            </a:r>
-            <a:r>
-              <a:rPr lang="de-DE" dirty="0" err="1" smtClean="0"/>
-              <a:t>empirical</a:t>
-            </a:r>
-            <a:r>
-              <a:rPr lang="de-DE" dirty="0" smtClean="0"/>
-              <a:t> </a:t>
-            </a:r>
-            <a:r>
-              <a:rPr lang="de-DE" dirty="0" err="1" smtClean="0"/>
-              <a:t>research</a:t>
-            </a:r>
-            <a:r>
-              <a:rPr lang="de-DE" dirty="0" smtClean="0"/>
-              <a:t>: </a:t>
-            </a:r>
-            <a:r>
-              <a:rPr lang="de-DE" dirty="0" err="1" smtClean="0"/>
-              <a:t>How</a:t>
-            </a:r>
-            <a:r>
-              <a:rPr lang="de-DE" dirty="0" smtClean="0"/>
-              <a:t> </a:t>
-            </a:r>
-            <a:r>
-              <a:rPr lang="de-DE" dirty="0" err="1" smtClean="0"/>
-              <a:t>can</a:t>
-            </a:r>
-            <a:r>
-              <a:rPr lang="de-DE" dirty="0" smtClean="0"/>
-              <a:t> </a:t>
-            </a:r>
-            <a:r>
-              <a:rPr lang="de-DE" dirty="0" err="1" smtClean="0"/>
-              <a:t>we</a:t>
-            </a:r>
-            <a:r>
-              <a:rPr lang="de-DE" dirty="0" smtClean="0"/>
-              <a:t> </a:t>
-            </a:r>
-            <a:r>
-              <a:rPr lang="de-DE" dirty="0" err="1" smtClean="0"/>
-              <a:t>conclude</a:t>
-            </a:r>
-            <a:r>
-              <a:rPr lang="de-DE" dirty="0" smtClean="0"/>
-              <a:t> </a:t>
-            </a:r>
-            <a:r>
-              <a:rPr lang="de-DE" dirty="0" err="1" smtClean="0"/>
-              <a:t>statements</a:t>
-            </a:r>
-            <a:r>
-              <a:rPr lang="de-DE" dirty="0" smtClean="0"/>
-              <a:t> </a:t>
-            </a:r>
-            <a:r>
-              <a:rPr lang="de-DE" dirty="0" err="1" smtClean="0"/>
-              <a:t>or</a:t>
-            </a:r>
-            <a:r>
-              <a:rPr lang="de-DE" dirty="0" smtClean="0"/>
-              <a:t> </a:t>
-            </a:r>
-            <a:r>
-              <a:rPr lang="de-DE" dirty="0" err="1" smtClean="0"/>
-              <a:t>contradictions</a:t>
-            </a:r>
-            <a:r>
-              <a:rPr lang="de-DE" dirty="0" smtClean="0"/>
-              <a:t> </a:t>
-            </a:r>
-            <a:r>
-              <a:rPr lang="de-DE" dirty="0" err="1" smtClean="0"/>
-              <a:t>from</a:t>
-            </a:r>
-            <a:r>
-              <a:rPr lang="de-DE" dirty="0" smtClean="0"/>
-              <a:t> </a:t>
-            </a:r>
-            <a:r>
-              <a:rPr lang="de-DE" dirty="0" err="1" smtClean="0"/>
-              <a:t>data</a:t>
-            </a:r>
-            <a:r>
-              <a:rPr lang="de-DE" dirty="0" smtClean="0"/>
-              <a:t>?</a:t>
-            </a:r>
-          </a:p>
-          <a:p>
-            <a:pPr lvl="1"/>
-            <a:r>
-              <a:rPr lang="de-DE" dirty="0" smtClean="0"/>
-              <a:t>Experiment, </a:t>
-            </a:r>
-            <a:r>
-              <a:rPr lang="de-DE" dirty="0" err="1" smtClean="0"/>
-              <a:t>field</a:t>
-            </a:r>
-            <a:r>
-              <a:rPr lang="de-DE" dirty="0" smtClean="0"/>
-              <a:t> </a:t>
-            </a:r>
-            <a:r>
-              <a:rPr lang="de-DE" dirty="0" err="1" smtClean="0"/>
-              <a:t>studies</a:t>
-            </a:r>
-            <a:r>
-              <a:rPr lang="de-DE" dirty="0" smtClean="0"/>
-              <a:t>, </a:t>
-            </a:r>
-            <a:r>
-              <a:rPr lang="de-DE" dirty="0" err="1" smtClean="0"/>
-              <a:t>case</a:t>
-            </a:r>
-            <a:r>
-              <a:rPr lang="de-DE" dirty="0" smtClean="0"/>
-              <a:t> </a:t>
-            </a:r>
-            <a:r>
-              <a:rPr lang="de-DE" dirty="0" err="1" smtClean="0"/>
-              <a:t>study</a:t>
-            </a:r>
-            <a:r>
-              <a:rPr lang="de-DE" dirty="0" smtClean="0"/>
-              <a:t>, etc.: </a:t>
-            </a:r>
-            <a:r>
-              <a:rPr lang="de-DE" dirty="0" err="1" smtClean="0"/>
-              <a:t>Under</a:t>
-            </a:r>
-            <a:r>
-              <a:rPr lang="de-DE" dirty="0" smtClean="0"/>
-              <a:t> </a:t>
-            </a:r>
-            <a:r>
-              <a:rPr lang="de-DE" dirty="0" err="1" smtClean="0"/>
-              <a:t>which</a:t>
-            </a:r>
-            <a:r>
-              <a:rPr lang="de-DE" dirty="0" smtClean="0"/>
-              <a:t> </a:t>
-            </a:r>
-            <a:r>
-              <a:rPr lang="de-DE" dirty="0" err="1" smtClean="0"/>
-              <a:t>conditions</a:t>
-            </a:r>
-            <a:r>
-              <a:rPr lang="de-DE" dirty="0" smtClean="0"/>
-              <a:t> </a:t>
-            </a:r>
-            <a:r>
-              <a:rPr lang="de-DE" dirty="0" err="1" smtClean="0"/>
-              <a:t>can</a:t>
-            </a:r>
-            <a:r>
-              <a:rPr lang="de-DE" dirty="0" smtClean="0"/>
-              <a:t> </a:t>
-            </a:r>
-            <a:r>
-              <a:rPr lang="de-DE" dirty="0" err="1" smtClean="0"/>
-              <a:t>we</a:t>
-            </a:r>
-            <a:r>
-              <a:rPr lang="de-DE" dirty="0" smtClean="0"/>
-              <a:t> </a:t>
-            </a:r>
-            <a:r>
-              <a:rPr lang="de-DE" dirty="0" err="1" smtClean="0"/>
-              <a:t>conclude</a:t>
-            </a:r>
-            <a:r>
-              <a:rPr lang="de-DE" dirty="0" smtClean="0"/>
-              <a:t> </a:t>
-            </a:r>
-            <a:r>
-              <a:rPr lang="de-DE" dirty="0" err="1" smtClean="0"/>
-              <a:t>what</a:t>
-            </a:r>
-            <a:r>
-              <a:rPr lang="de-DE" dirty="0" smtClean="0"/>
-              <a:t> </a:t>
-            </a:r>
-            <a:r>
-              <a:rPr lang="de-DE" dirty="0" err="1" smtClean="0"/>
-              <a:t>kind</a:t>
-            </a:r>
-            <a:r>
-              <a:rPr lang="de-DE" dirty="0" smtClean="0"/>
-              <a:t> </a:t>
-            </a:r>
-            <a:r>
-              <a:rPr lang="de-DE" dirty="0" err="1" smtClean="0"/>
-              <a:t>of</a:t>
-            </a:r>
-            <a:r>
-              <a:rPr lang="de-DE" dirty="0" smtClean="0"/>
-              <a:t> </a:t>
-            </a:r>
-            <a:r>
-              <a:rPr lang="de-DE" dirty="0" err="1" smtClean="0"/>
-              <a:t>statements</a:t>
-            </a:r>
-            <a:r>
-              <a:rPr lang="de-DE" dirty="0" smtClean="0"/>
-              <a:t>/</a:t>
-            </a:r>
-            <a:r>
-              <a:rPr lang="de-DE" dirty="0" err="1" smtClean="0"/>
-              <a:t>contradictions</a:t>
-            </a:r>
-            <a:r>
-              <a:rPr lang="de-DE" dirty="0" smtClean="0"/>
-              <a:t>?</a:t>
-            </a:r>
-            <a:endParaRPr lang="en-US" dirty="0" smtClean="0"/>
-          </a:p>
-        </p:txBody>
-      </p:sp>
-      <p:sp>
-        <p:nvSpPr>
-          <p:cNvPr id="4" name="Foliennummernplatzhalter 3"/>
+            <a:endParaRPr lang="en-US"/>
+          </a:p>
+        </p:txBody>
+      </p:sp>
+      <p:sp>
+        <p:nvSpPr>
+          <p:cNvPr id="23" name="Foliennummernplatzhalter 22"/>
           <p:cNvSpPr>
             <a:spLocks noGrp="1"/>
           </p:cNvSpPr>
@@ -20933,479 +20928,6 @@
               <a:rPr lang="de-DE" smtClean="0"/>
               <a:pPr/>
               <a:t>39</a:t>
-            </a:fld>
-            <a:endParaRPr lang="de-DE"/>
-          </a:p>
-        </p:txBody>
-      </p:sp>
-    </p:spTree>
-  </p:cSld>
-  <p:clrMapOvr>
-    <a:masterClrMapping/>
-  </p:clrMapOvr>
-  <p:timing>
-    <p:tnLst>
-      <p:par>
-        <p:cTn id="1" dur="indefinite" restart="never" nodeType="tmRoot"/>
-      </p:par>
-    </p:tnLst>
-  </p:timing>
-</p:sld>
-</file>
-
-<file path=ppt/slides/slide4.xml><?xml version="1.0" encoding="utf-8"?>
-<p:sld xmlns:a="http://schemas.openxmlformats.org/drawingml/2006/main" xmlns:r="http://schemas.openxmlformats.org/officeDocument/2006/relationships" xmlns:p="http://schemas.openxmlformats.org/presentationml/2006/main">
-  <p:cSld>
-    <p:spTree>
-      <p:nvGrpSpPr>
-        <p:cNvPr id="1" name=""/>
-        <p:cNvGrpSpPr/>
-        <p:nvPr/>
-      </p:nvGrpSpPr>
-      <p:grpSpPr>
-        <a:xfrm>
-          <a:off x="0" y="0"/>
-          <a:ext cx="0" cy="0"/>
-          <a:chOff x="0" y="0"/>
-          <a:chExt cx="0" cy="0"/>
-        </a:xfrm>
-      </p:grpSpPr>
-      <p:sp>
-        <p:nvSpPr>
-          <p:cNvPr id="2" name="Titel 1"/>
-          <p:cNvSpPr>
-            <a:spLocks noGrp="1"/>
-          </p:cNvSpPr>
-          <p:nvPr>
-            <p:ph type="title"/>
-          </p:nvPr>
-        </p:nvSpPr>
-        <p:spPr/>
-        <p:txBody>
-          <a:bodyPr/>
-          <a:lstStyle/>
-          <a:p>
-            <a:r>
-              <a:rPr lang="de-DE" dirty="0" smtClean="0"/>
-              <a:t>Project</a:t>
-            </a:r>
-            <a:endParaRPr lang="de-DE" dirty="0"/>
-          </a:p>
-        </p:txBody>
-      </p:sp>
-      <p:sp>
-        <p:nvSpPr>
-          <p:cNvPr id="3" name="Inhaltsplatzhalter 2"/>
-          <p:cNvSpPr>
-            <a:spLocks noGrp="1"/>
-          </p:cNvSpPr>
-          <p:nvPr>
-            <p:ph idx="1"/>
-          </p:nvPr>
-        </p:nvSpPr>
-        <p:spPr/>
-        <p:txBody>
-          <a:bodyPr>
-            <a:normAutofit/>
-          </a:bodyPr>
-          <a:lstStyle/>
-          <a:p>
-            <a:r>
-              <a:rPr lang="de-DE" dirty="0" err="1" smtClean="0"/>
-              <a:t>Evaluate</a:t>
-            </a:r>
-            <a:r>
-              <a:rPr lang="de-DE" dirty="0" smtClean="0"/>
-              <a:t> a </a:t>
-            </a:r>
-            <a:r>
-              <a:rPr lang="de-DE" dirty="0" err="1" smtClean="0"/>
-              <a:t>self-selected</a:t>
-            </a:r>
-            <a:r>
-              <a:rPr lang="de-DE" dirty="0" smtClean="0"/>
-              <a:t> </a:t>
-            </a:r>
-            <a:r>
-              <a:rPr lang="de-DE" dirty="0" err="1" smtClean="0"/>
-              <a:t>research</a:t>
-            </a:r>
-            <a:r>
-              <a:rPr lang="de-DE" dirty="0" smtClean="0"/>
-              <a:t> </a:t>
-            </a:r>
-            <a:r>
-              <a:rPr lang="de-DE" dirty="0" err="1" smtClean="0"/>
-              <a:t>question</a:t>
-            </a:r>
-            <a:r>
-              <a:rPr lang="de-DE" dirty="0" smtClean="0"/>
-              <a:t> </a:t>
-            </a:r>
-            <a:r>
-              <a:rPr lang="de-DE" dirty="0" err="1" smtClean="0"/>
-              <a:t>and</a:t>
-            </a:r>
-            <a:r>
-              <a:rPr lang="de-DE" dirty="0" smtClean="0"/>
-              <a:t> </a:t>
-            </a:r>
-            <a:r>
-              <a:rPr lang="de-DE" dirty="0" err="1" smtClean="0"/>
-              <a:t>write</a:t>
-            </a:r>
-            <a:r>
-              <a:rPr lang="de-DE" dirty="0" smtClean="0"/>
-              <a:t> a </a:t>
-            </a:r>
-            <a:r>
-              <a:rPr lang="de-DE" dirty="0" err="1" smtClean="0"/>
-              <a:t>report</a:t>
-            </a:r>
-            <a:r>
-              <a:rPr lang="de-DE" dirty="0" smtClean="0"/>
-              <a:t> on </a:t>
-            </a:r>
-            <a:r>
-              <a:rPr lang="de-DE" dirty="0" err="1" smtClean="0"/>
-              <a:t>it</a:t>
-            </a:r>
-            <a:endParaRPr lang="de-DE" dirty="0" smtClean="0"/>
-          </a:p>
-          <a:p>
-            <a:pPr lvl="1"/>
-            <a:r>
-              <a:rPr lang="de-DE" dirty="0" smtClean="0"/>
-              <a:t>Do </a:t>
-            </a:r>
-            <a:r>
-              <a:rPr lang="de-DE" dirty="0" err="1" smtClean="0"/>
-              <a:t>comments</a:t>
-            </a:r>
-            <a:r>
-              <a:rPr lang="de-DE" dirty="0" smtClean="0"/>
-              <a:t> </a:t>
-            </a:r>
-            <a:r>
-              <a:rPr lang="de-DE" dirty="0" err="1" smtClean="0"/>
-              <a:t>support</a:t>
-            </a:r>
-            <a:r>
-              <a:rPr lang="de-DE" dirty="0" smtClean="0"/>
-              <a:t> </a:t>
-            </a:r>
-            <a:r>
-              <a:rPr lang="de-DE" dirty="0" err="1" smtClean="0"/>
-              <a:t>comprehensibilty</a:t>
-            </a:r>
-            <a:r>
-              <a:rPr lang="de-DE" dirty="0" smtClean="0"/>
-              <a:t> </a:t>
-            </a:r>
-            <a:r>
-              <a:rPr lang="de-DE" dirty="0" err="1" smtClean="0"/>
-              <a:t>of</a:t>
-            </a:r>
-            <a:r>
-              <a:rPr lang="de-DE" dirty="0" smtClean="0"/>
-              <a:t> </a:t>
-            </a:r>
-            <a:r>
-              <a:rPr lang="de-DE" dirty="0" err="1" smtClean="0"/>
-              <a:t>source</a:t>
-            </a:r>
-            <a:r>
-              <a:rPr lang="de-DE" dirty="0" smtClean="0"/>
-              <a:t> </a:t>
-            </a:r>
-            <a:r>
-              <a:rPr lang="de-DE" dirty="0" err="1" smtClean="0"/>
-              <a:t>code</a:t>
-            </a:r>
-            <a:r>
-              <a:rPr lang="de-DE" dirty="0" smtClean="0"/>
-              <a:t>?</a:t>
-            </a:r>
-          </a:p>
-          <a:p>
-            <a:pPr lvl="1"/>
-            <a:r>
-              <a:rPr lang="de-DE" dirty="0" err="1" smtClean="0"/>
-              <a:t>Does</a:t>
-            </a:r>
-            <a:r>
-              <a:rPr lang="de-DE" dirty="0" smtClean="0"/>
-              <a:t> </a:t>
-            </a:r>
-            <a:r>
-              <a:rPr lang="de-DE" dirty="0" err="1" smtClean="0"/>
-              <a:t>my</a:t>
-            </a:r>
-            <a:r>
-              <a:rPr lang="de-DE" dirty="0" smtClean="0"/>
-              <a:t> </a:t>
-            </a:r>
-            <a:r>
-              <a:rPr lang="de-DE" dirty="0" err="1" smtClean="0"/>
-              <a:t>new</a:t>
-            </a:r>
-            <a:r>
-              <a:rPr lang="de-DE" dirty="0" smtClean="0"/>
-              <a:t> prototype </a:t>
-            </a:r>
-            <a:r>
-              <a:rPr lang="de-DE" dirty="0" err="1" smtClean="0"/>
-              <a:t>improve</a:t>
-            </a:r>
-            <a:r>
-              <a:rPr lang="de-DE" dirty="0" smtClean="0"/>
-              <a:t> a </a:t>
-            </a:r>
-            <a:r>
-              <a:rPr lang="de-DE" dirty="0" err="1" smtClean="0"/>
-              <a:t>workflow</a:t>
-            </a:r>
-            <a:r>
-              <a:rPr lang="de-DE" dirty="0" smtClean="0"/>
-              <a:t>?</a:t>
-            </a:r>
-          </a:p>
-          <a:p>
-            <a:r>
-              <a:rPr lang="de-DE" dirty="0" smtClean="0"/>
-              <a:t>Working </a:t>
-            </a:r>
-            <a:r>
-              <a:rPr lang="de-DE" dirty="0" err="1" smtClean="0"/>
-              <a:t>hours</a:t>
-            </a:r>
-            <a:r>
-              <a:rPr lang="de-DE" dirty="0"/>
-              <a:t> </a:t>
-            </a:r>
-            <a:r>
-              <a:rPr lang="de-DE" dirty="0" smtClean="0"/>
-              <a:t>per </a:t>
-            </a:r>
-            <a:r>
-              <a:rPr lang="de-DE" dirty="0" err="1" smtClean="0"/>
-              <a:t>person</a:t>
-            </a:r>
-            <a:r>
-              <a:rPr lang="de-DE" dirty="0" smtClean="0"/>
-              <a:t>:</a:t>
-            </a:r>
-          </a:p>
-          <a:p>
-            <a:pPr lvl="1"/>
-            <a:r>
-              <a:rPr lang="de-DE" dirty="0" smtClean="0"/>
-              <a:t>40 </a:t>
-            </a:r>
-            <a:r>
-              <a:rPr lang="de-DE" dirty="0" err="1" smtClean="0"/>
-              <a:t>hours</a:t>
-            </a:r>
-            <a:r>
-              <a:rPr lang="de-DE" dirty="0" smtClean="0"/>
-              <a:t> </a:t>
-            </a:r>
-            <a:r>
-              <a:rPr lang="de-DE" dirty="0" err="1" smtClean="0"/>
-              <a:t>of</a:t>
-            </a:r>
-            <a:r>
-              <a:rPr lang="de-DE" dirty="0" smtClean="0"/>
-              <a:t> </a:t>
-            </a:r>
-            <a:r>
-              <a:rPr lang="de-DE" dirty="0" err="1" smtClean="0"/>
-              <a:t>research</a:t>
-            </a:r>
-            <a:r>
-              <a:rPr lang="de-DE" dirty="0" smtClean="0"/>
-              <a:t> +</a:t>
-            </a:r>
-          </a:p>
-          <a:p>
-            <a:pPr lvl="1"/>
-            <a:r>
-              <a:rPr lang="de-DE" dirty="0" smtClean="0"/>
-              <a:t>20 </a:t>
-            </a:r>
-            <a:r>
-              <a:rPr lang="de-DE" dirty="0" err="1" smtClean="0"/>
-              <a:t>hours</a:t>
-            </a:r>
-            <a:r>
-              <a:rPr lang="de-DE" dirty="0" smtClean="0"/>
-              <a:t> </a:t>
-            </a:r>
-            <a:r>
-              <a:rPr lang="de-DE" dirty="0" err="1" smtClean="0"/>
-              <a:t>of</a:t>
-            </a:r>
-            <a:r>
-              <a:rPr lang="de-DE" dirty="0" smtClean="0"/>
-              <a:t> </a:t>
-            </a:r>
-            <a:r>
-              <a:rPr lang="de-DE" dirty="0" err="1" smtClean="0"/>
-              <a:t>writing</a:t>
-            </a:r>
-            <a:endParaRPr lang="de-DE" dirty="0" smtClean="0"/>
-          </a:p>
-          <a:p>
-            <a:r>
-              <a:rPr lang="de-DE" dirty="0" smtClean="0"/>
-              <a:t>2 </a:t>
-            </a:r>
-            <a:r>
-              <a:rPr lang="de-DE" dirty="0" err="1" smtClean="0"/>
-              <a:t>to</a:t>
-            </a:r>
-            <a:r>
-              <a:rPr lang="de-DE" dirty="0" smtClean="0"/>
-              <a:t> 3 </a:t>
-            </a:r>
-            <a:r>
-              <a:rPr lang="de-DE" dirty="0" err="1" smtClean="0"/>
-              <a:t>persons</a:t>
-            </a:r>
-            <a:r>
-              <a:rPr lang="de-DE" dirty="0" smtClean="0"/>
-              <a:t> per </a:t>
-            </a:r>
-            <a:r>
-              <a:rPr lang="de-DE" dirty="0" err="1" smtClean="0"/>
-              <a:t>project</a:t>
-            </a:r>
-            <a:endParaRPr lang="de-DE" dirty="0"/>
-          </a:p>
-        </p:txBody>
-      </p:sp>
-      <p:sp>
-        <p:nvSpPr>
-          <p:cNvPr id="4" name="Foliennummernplatzhalter 3"/>
-          <p:cNvSpPr>
-            <a:spLocks noGrp="1"/>
-          </p:cNvSpPr>
-          <p:nvPr>
-            <p:ph type="sldNum" sz="quarter" idx="12"/>
-          </p:nvPr>
-        </p:nvSpPr>
-        <p:spPr/>
-        <p:txBody>
-          <a:bodyPr/>
-          <a:lstStyle/>
-          <a:p>
-            <a:fld id="{6C6AE60A-B69C-4790-82F7-3882EDF23186}" type="slidenum">
-              <a:rPr lang="de-DE" smtClean="0"/>
-              <a:pPr/>
-              <a:t>4</a:t>
-            </a:fld>
-            <a:endParaRPr lang="de-DE"/>
-          </a:p>
-        </p:txBody>
-      </p:sp>
-    </p:spTree>
-    <p:extLst>
-      <p:ext uri="{BB962C8B-B14F-4D97-AF65-F5344CB8AC3E}">
-        <p14:creationId xmlns:p14="http://schemas.microsoft.com/office/powerpoint/2010/main" val="1433335006"/>
-      </p:ext>
-    </p:extLst>
-  </p:cSld>
-  <p:clrMapOvr>
-    <a:masterClrMapping/>
-  </p:clrMapOvr>
-  <p:timing>
-    <p:tnLst>
-      <p:par>
-        <p:cTn id="1" dur="indefinite" restart="never" nodeType="tmRoot"/>
-      </p:par>
-    </p:tnLst>
-  </p:timing>
-</p:sld>
-</file>
-
-<file path=ppt/slides/slide40.xml><?xml version="1.0" encoding="utf-8"?>
-<p:sld xmlns:a="http://schemas.openxmlformats.org/drawingml/2006/main" xmlns:r="http://schemas.openxmlformats.org/officeDocument/2006/relationships" xmlns:p="http://schemas.openxmlformats.org/presentationml/2006/main">
-  <p:cSld>
-    <p:spTree>
-      <p:nvGrpSpPr>
-        <p:cNvPr id="1" name=""/>
-        <p:cNvGrpSpPr/>
-        <p:nvPr/>
-      </p:nvGrpSpPr>
-      <p:grpSpPr>
-        <a:xfrm>
-          <a:off x="0" y="0"/>
-          <a:ext cx="0" cy="0"/>
-          <a:chOff x="0" y="0"/>
-          <a:chExt cx="0" cy="0"/>
-        </a:xfrm>
-      </p:grpSpPr>
-      <p:sp>
-        <p:nvSpPr>
-          <p:cNvPr id="2" name="Titel 1"/>
-          <p:cNvSpPr>
-            <a:spLocks noGrp="1"/>
-          </p:cNvSpPr>
-          <p:nvPr>
-            <p:ph type="title"/>
-          </p:nvPr>
-        </p:nvSpPr>
-        <p:spPr/>
-        <p:txBody>
-          <a:bodyPr/>
-          <a:lstStyle/>
-          <a:p>
-            <a:r>
-              <a:rPr lang="en-US" dirty="0" smtClean="0"/>
-              <a:t>Overview</a:t>
-            </a:r>
-            <a:endParaRPr lang="en-US" dirty="0"/>
-          </a:p>
-        </p:txBody>
-      </p:sp>
-      <p:sp>
-        <p:nvSpPr>
-          <p:cNvPr id="3" name="Inhaltsplatzhalter 2"/>
-          <p:cNvSpPr>
-            <a:spLocks noGrp="1"/>
-          </p:cNvSpPr>
-          <p:nvPr>
-            <p:ph idx="1"/>
-          </p:nvPr>
-        </p:nvSpPr>
-        <p:spPr/>
-        <p:txBody>
-          <a:bodyPr/>
-          <a:lstStyle/>
-          <a:p>
-            <a:endParaRPr lang="en-US"/>
-          </a:p>
-        </p:txBody>
-      </p:sp>
-      <p:sp>
-        <p:nvSpPr>
-          <p:cNvPr id="23" name="Foliennummernplatzhalter 22"/>
-          <p:cNvSpPr>
-            <a:spLocks noGrp="1"/>
-          </p:cNvSpPr>
-          <p:nvPr>
-            <p:ph type="sldNum" sz="quarter" idx="12"/>
-          </p:nvPr>
-        </p:nvSpPr>
-        <p:spPr/>
-        <p:txBody>
-          <a:bodyPr/>
-          <a:lstStyle/>
-          <a:p>
-            <a:fld id="{6C6AE60A-B69C-4790-82F7-3882EDF23186}" type="slidenum">
-              <a:rPr lang="de-DE" smtClean="0"/>
-              <a:pPr/>
-              <a:t>40</a:t>
             </a:fld>
             <a:endParaRPr lang="de-DE"/>
           </a:p>
@@ -21936,7 +21458,7 @@
 </p:sld>
 </file>
 
-<file path=ppt/slides/slide41.xml><?xml version="1.0" encoding="utf-8"?>
+<file path=ppt/slides/slide4.xml><?xml version="1.0" encoding="utf-8"?>
 <p:sld xmlns:a="http://schemas.openxmlformats.org/drawingml/2006/main" xmlns:r="http://schemas.openxmlformats.org/officeDocument/2006/relationships" xmlns:p="http://schemas.openxmlformats.org/presentationml/2006/main">
   <p:cSld>
     <p:spTree>
@@ -21955,7 +21477,7 @@
       </p:grpSpPr>
       <p:sp>
         <p:nvSpPr>
-          <p:cNvPr id="6" name="Titel 5"/>
+          <p:cNvPr id="2" name="Titel 1"/>
           <p:cNvSpPr>
             <a:spLocks noGrp="1"/>
           </p:cNvSpPr>
@@ -21969,16 +21491,16 @@
           <a:lstStyle/>
           <a:p>
             <a:r>
-              <a:rPr lang="en-US" dirty="0" smtClean="0"/>
-              <a:t>Learning Goals</a:t>
-            </a:r>
-            <a:endParaRPr lang="en-US" dirty="0"/>
-          </a:p>
-        </p:txBody>
-      </p:sp>
-      <p:sp>
-        <p:nvSpPr>
-          <p:cNvPr id="7" name="Inhaltsplatzhalter 6"/>
+              <a:rPr lang="de-DE" dirty="0" smtClean="0"/>
+              <a:t>Project</a:t>
+            </a:r>
+            <a:endParaRPr lang="de-DE" dirty="0"/>
+          </a:p>
+        </p:txBody>
+      </p:sp>
+      <p:sp>
+        <p:nvSpPr>
+          <p:cNvPr id="3" name="Inhaltsplatzhalter 2"/>
           <p:cNvSpPr>
             <a:spLocks noGrp="1"/>
           </p:cNvSpPr>
@@ -21994,69 +21516,92 @@
           <a:lstStyle/>
           <a:p>
             <a:r>
-              <a:rPr lang="en-US" dirty="0" smtClean="0"/>
-              <a:t>Understand necessity for empirical research</a:t>
-            </a:r>
-          </a:p>
-          <a:p>
-            <a:r>
-              <a:rPr lang="de-DE" dirty="0" err="1" smtClean="0"/>
-              <a:t>Differentiate</a:t>
-            </a:r>
-            <a:r>
-              <a:rPr lang="de-DE" dirty="0" smtClean="0"/>
-              <a:t> </a:t>
-            </a:r>
-            <a:r>
-              <a:rPr lang="de-DE" dirty="0" err="1" smtClean="0"/>
-              <a:t>empirical</a:t>
-            </a:r>
-            <a:r>
-              <a:rPr lang="de-DE" dirty="0" smtClean="0"/>
-              <a:t> </a:t>
-            </a:r>
-            <a:r>
-              <a:rPr lang="de-DE" dirty="0" err="1" smtClean="0"/>
-              <a:t>methods</a:t>
-            </a:r>
-            <a:r>
-              <a:rPr lang="de-DE" dirty="0" smtClean="0"/>
-              <a:t> </a:t>
-            </a:r>
-            <a:r>
-              <a:rPr lang="de-DE" dirty="0" err="1" smtClean="0"/>
-              <a:t>from</a:t>
-            </a:r>
-            <a:r>
-              <a:rPr lang="de-DE" dirty="0" smtClean="0"/>
-              <a:t> </a:t>
-            </a:r>
-            <a:r>
-              <a:rPr lang="de-DE" dirty="0" err="1" smtClean="0"/>
-              <a:t>other</a:t>
-            </a:r>
-            <a:r>
-              <a:rPr lang="de-DE" dirty="0" smtClean="0"/>
-              <a:t> </a:t>
-            </a:r>
-            <a:r>
-              <a:rPr lang="de-DE" dirty="0" err="1" smtClean="0"/>
-              <a:t>methods</a:t>
+              <a:rPr lang="de-DE" dirty="0" err="1" smtClean="0"/>
+              <a:t>Evaluate</a:t>
+            </a:r>
+            <a:r>
+              <a:rPr lang="de-DE" dirty="0" smtClean="0"/>
+              <a:t> a </a:t>
+            </a:r>
+            <a:r>
+              <a:rPr lang="de-DE" dirty="0" err="1" smtClean="0"/>
+              <a:t>self-selected</a:t>
+            </a:r>
+            <a:r>
+              <a:rPr lang="de-DE" dirty="0" smtClean="0"/>
+              <a:t> </a:t>
+            </a:r>
+            <a:r>
+              <a:rPr lang="de-DE" dirty="0" err="1" smtClean="0"/>
+              <a:t>research</a:t>
+            </a:r>
+            <a:r>
+              <a:rPr lang="de-DE" dirty="0" smtClean="0"/>
+              <a:t> </a:t>
+            </a:r>
+            <a:r>
+              <a:rPr lang="de-DE" dirty="0" err="1" smtClean="0"/>
+              <a:t>question</a:t>
+            </a:r>
+            <a:r>
+              <a:rPr lang="de-DE" dirty="0" smtClean="0"/>
+              <a:t> </a:t>
+            </a:r>
+            <a:r>
+              <a:rPr lang="de-DE" dirty="0" err="1" smtClean="0"/>
+              <a:t>and</a:t>
+            </a:r>
+            <a:r>
+              <a:rPr lang="de-DE" dirty="0" smtClean="0"/>
+              <a:t> </a:t>
+            </a:r>
+            <a:r>
+              <a:rPr lang="de-DE" dirty="0" err="1" smtClean="0"/>
+              <a:t>write</a:t>
+            </a:r>
+            <a:r>
+              <a:rPr lang="de-DE" dirty="0" smtClean="0"/>
+              <a:t> a </a:t>
+            </a:r>
+            <a:r>
+              <a:rPr lang="de-DE" dirty="0" err="1" smtClean="0"/>
+              <a:t>report</a:t>
+            </a:r>
+            <a:r>
+              <a:rPr lang="de-DE" dirty="0" smtClean="0"/>
+              <a:t> on </a:t>
+            </a:r>
+            <a:r>
+              <a:rPr lang="de-DE" dirty="0" err="1" smtClean="0"/>
+              <a:t>it</a:t>
             </a:r>
             <a:endParaRPr lang="de-DE" dirty="0" smtClean="0"/>
           </a:p>
           <a:p>
-            <a:r>
-              <a:rPr lang="de-DE" dirty="0" err="1" smtClean="0"/>
-              <a:t>Understand</a:t>
-            </a:r>
-            <a:r>
-              <a:rPr lang="de-DE" dirty="0" smtClean="0"/>
-              <a:t> </a:t>
-            </a:r>
-            <a:r>
-              <a:rPr lang="de-DE" dirty="0" err="1" smtClean="0"/>
-              <a:t>problems</a:t>
+            <a:pPr lvl="1"/>
+            <a:r>
+              <a:rPr lang="de-DE" dirty="0" smtClean="0"/>
+              <a:t>Do </a:t>
+            </a:r>
+            <a:r>
+              <a:rPr lang="de-DE" dirty="0" err="1" smtClean="0"/>
+              <a:t>comments</a:t>
+            </a:r>
+            <a:r>
+              <a:rPr lang="de-DE" dirty="0" smtClean="0"/>
+              <a:t> </a:t>
+            </a:r>
+            <a:r>
+              <a:rPr lang="de-DE" dirty="0" err="1" smtClean="0"/>
+              <a:t>support</a:t>
+            </a:r>
+            <a:r>
+              <a:rPr lang="de-DE" dirty="0" smtClean="0"/>
+              <a:t> </a:t>
+            </a:r>
+            <a:r>
+              <a:rPr lang="de-DE" dirty="0" err="1" smtClean="0"/>
+              <a:t>comprehensibilty</a:t>
             </a:r>
             <a:r>
               <a:rPr lang="de-DE" dirty="0" smtClean="0"/>
@@ -22072,7 +21617,107 @@
             </a:r>
             <a:r>
               <a:rPr lang="de-DE" dirty="0" err="1" smtClean="0"/>
-              <a:t>empirical</a:t>
+              <a:t>source</a:t>
+            </a:r>
+            <a:r>
+              <a:rPr lang="de-DE" dirty="0" smtClean="0"/>
+              <a:t> </a:t>
+            </a:r>
+            <a:r>
+              <a:rPr lang="de-DE" dirty="0" err="1" smtClean="0"/>
+              <a:t>code</a:t>
+            </a:r>
+            <a:r>
+              <a:rPr lang="de-DE" dirty="0" smtClean="0"/>
+              <a:t>?</a:t>
+            </a:r>
+          </a:p>
+          <a:p>
+            <a:pPr lvl="1"/>
+            <a:r>
+              <a:rPr lang="de-DE" dirty="0" err="1" smtClean="0"/>
+              <a:t>Does</a:t>
+            </a:r>
+            <a:r>
+              <a:rPr lang="de-DE" dirty="0" smtClean="0"/>
+              <a:t> </a:t>
+            </a:r>
+            <a:r>
+              <a:rPr lang="de-DE" dirty="0" err="1" smtClean="0"/>
+              <a:t>my</a:t>
+            </a:r>
+            <a:r>
+              <a:rPr lang="de-DE" dirty="0" smtClean="0"/>
+              <a:t> </a:t>
+            </a:r>
+            <a:r>
+              <a:rPr lang="de-DE" dirty="0" err="1" smtClean="0"/>
+              <a:t>new</a:t>
+            </a:r>
+            <a:r>
+              <a:rPr lang="de-DE" dirty="0" smtClean="0"/>
+              <a:t> prototype </a:t>
+            </a:r>
+            <a:r>
+              <a:rPr lang="de-DE" dirty="0" err="1" smtClean="0"/>
+              <a:t>improve</a:t>
+            </a:r>
+            <a:r>
+              <a:rPr lang="de-DE" dirty="0" smtClean="0"/>
+              <a:t> a </a:t>
+            </a:r>
+            <a:r>
+              <a:rPr lang="de-DE" dirty="0" err="1" smtClean="0"/>
+              <a:t>workflow</a:t>
+            </a:r>
+            <a:r>
+              <a:rPr lang="de-DE" dirty="0" smtClean="0"/>
+              <a:t>?</a:t>
+            </a:r>
+          </a:p>
+          <a:p>
+            <a:r>
+              <a:rPr lang="de-DE" dirty="0" smtClean="0"/>
+              <a:t>Working </a:t>
+            </a:r>
+            <a:r>
+              <a:rPr lang="de-DE" dirty="0" err="1" smtClean="0"/>
+              <a:t>hours</a:t>
+            </a:r>
+            <a:r>
+              <a:rPr lang="de-DE" dirty="0"/>
+              <a:t> </a:t>
+            </a:r>
+            <a:r>
+              <a:rPr lang="de-DE" dirty="0" smtClean="0"/>
+              <a:t>per </a:t>
+            </a:r>
+            <a:r>
+              <a:rPr lang="de-DE" dirty="0" err="1" smtClean="0"/>
+              <a:t>person</a:t>
+            </a:r>
+            <a:r>
+              <a:rPr lang="de-DE" dirty="0" smtClean="0"/>
+              <a:t>:</a:t>
+            </a:r>
+          </a:p>
+          <a:p>
+            <a:pPr lvl="1"/>
+            <a:r>
+              <a:rPr lang="de-DE" dirty="0" smtClean="0"/>
+              <a:t>40 </a:t>
+            </a:r>
+            <a:r>
+              <a:rPr lang="de-DE" dirty="0" err="1" smtClean="0"/>
+              <a:t>hours</a:t>
+            </a:r>
+            <a:r>
+              <a:rPr lang="de-DE" dirty="0" smtClean="0"/>
+              <a:t> </a:t>
+            </a:r>
+            <a:r>
+              <a:rPr lang="de-DE" dirty="0" err="1" smtClean="0"/>
+              <a:t>of</a:t>
             </a:r>
             <a:r>
               <a:rPr lang="de-DE" dirty="0" smtClean="0"/>
@@ -22082,19 +21727,65 @@
               <a:rPr lang="de-DE" dirty="0" err="1" smtClean="0"/>
               <a:t>research</a:t>
             </a:r>
-            <a:endParaRPr lang="en-US" dirty="0" smtClean="0"/>
-          </a:p>
-          <a:p>
-            <a:endParaRPr lang="en-US" dirty="0" smtClean="0"/>
-          </a:p>
-          <a:p>
-            <a:r>
-              <a:rPr lang="en-US" dirty="0" smtClean="0"/>
-              <a:t>1. Question in exam: Do we need empirical research?</a:t>
-            </a:r>
-          </a:p>
-          <a:p>
-            <a:endParaRPr lang="en-US" dirty="0"/>
+            <a:r>
+              <a:rPr lang="de-DE" dirty="0" smtClean="0"/>
+              <a:t> +</a:t>
+            </a:r>
+          </a:p>
+          <a:p>
+            <a:pPr lvl="1"/>
+            <a:r>
+              <a:rPr lang="de-DE" dirty="0" smtClean="0"/>
+              <a:t>20 </a:t>
+            </a:r>
+            <a:r>
+              <a:rPr lang="de-DE" dirty="0" err="1" smtClean="0"/>
+              <a:t>hours</a:t>
+            </a:r>
+            <a:r>
+              <a:rPr lang="de-DE" dirty="0" smtClean="0"/>
+              <a:t> </a:t>
+            </a:r>
+            <a:r>
+              <a:rPr lang="de-DE" dirty="0" err="1" smtClean="0"/>
+              <a:t>of</a:t>
+            </a:r>
+            <a:r>
+              <a:rPr lang="de-DE" dirty="0" smtClean="0"/>
+              <a:t> </a:t>
+            </a:r>
+            <a:r>
+              <a:rPr lang="de-DE" dirty="0" err="1" smtClean="0"/>
+              <a:t>writing</a:t>
+            </a:r>
+            <a:endParaRPr lang="de-DE" dirty="0" smtClean="0"/>
+          </a:p>
+          <a:p>
+            <a:r>
+              <a:rPr lang="de-DE" dirty="0" smtClean="0"/>
+              <a:t>2 </a:t>
+            </a:r>
+            <a:r>
+              <a:rPr lang="de-DE" dirty="0" err="1" smtClean="0"/>
+              <a:t>to</a:t>
+            </a:r>
+            <a:r>
+              <a:rPr lang="de-DE" dirty="0" smtClean="0"/>
+              <a:t> 3 </a:t>
+            </a:r>
+            <a:r>
+              <a:rPr lang="de-DE" dirty="0" err="1" smtClean="0"/>
+              <a:t>persons</a:t>
+            </a:r>
+            <a:r>
+              <a:rPr lang="de-DE" dirty="0" smtClean="0"/>
+              <a:t> per </a:t>
+            </a:r>
+            <a:r>
+              <a:rPr lang="de-DE" dirty="0" err="1" smtClean="0"/>
+              <a:t>project</a:t>
+            </a:r>
+            <a:endParaRPr lang="de-DE" dirty="0"/>
           </a:p>
         </p:txBody>
       </p:sp>
@@ -22116,7 +21807,213 @@
             <a:fld id="{6C6AE60A-B69C-4790-82F7-3882EDF23186}" type="slidenum">
               <a:rPr lang="de-DE" smtClean="0"/>
               <a:pPr/>
-              <a:t>41</a:t>
+              <a:t>4</a:t>
+            </a:fld>
+            <a:endParaRPr lang="de-DE"/>
+          </a:p>
+        </p:txBody>
+      </p:sp>
+    </p:spTree>
+    <p:extLst>
+      <p:ext uri="{BB962C8B-B14F-4D97-AF65-F5344CB8AC3E}">
+        <p14:creationId xmlns:p14="http://schemas.microsoft.com/office/powerpoint/2010/main" val="1433335006"/>
+      </p:ext>
+    </p:extLst>
+  </p:cSld>
+  <p:clrMapOvr>
+    <a:masterClrMapping/>
+  </p:clrMapOvr>
+  <p:timing>
+    <p:tnLst>
+      <p:par>
+        <p:cTn id="1" dur="indefinite" restart="never" nodeType="tmRoot"/>
+      </p:par>
+    </p:tnLst>
+  </p:timing>
+</p:sld>
+</file>
+
+<file path=ppt/slides/slide40.xml><?xml version="1.0" encoding="utf-8"?>
+<p:sld xmlns:a="http://schemas.openxmlformats.org/drawingml/2006/main" xmlns:r="http://schemas.openxmlformats.org/officeDocument/2006/relationships" xmlns:p="http://schemas.openxmlformats.org/presentationml/2006/main">
+  <p:cSld>
+    <p:spTree>
+      <p:nvGrpSpPr>
+        <p:cNvPr id="1" name=""/>
+        <p:cNvGrpSpPr/>
+        <p:nvPr/>
+      </p:nvGrpSpPr>
+      <p:grpSpPr>
+        <a:xfrm>
+          <a:off x="0" y="0"/>
+          <a:ext cx="0" cy="0"/>
+          <a:chOff x="0" y="0"/>
+          <a:chExt cx="0" cy="0"/>
+        </a:xfrm>
+      </p:grpSpPr>
+      <p:sp>
+        <p:nvSpPr>
+          <p:cNvPr id="6" name="Titel 5"/>
+          <p:cNvSpPr>
+            <a:spLocks noGrp="1"/>
+          </p:cNvSpPr>
+          <p:nvPr>
+            <p:ph type="title"/>
+          </p:nvPr>
+        </p:nvSpPr>
+        <p:spPr/>
+        <p:txBody>
+          <a:bodyPr/>
+          <a:lstStyle/>
+          <a:p>
+            <a:r>
+              <a:rPr lang="en-US" dirty="0" smtClean="0"/>
+              <a:t>Learning Goals</a:t>
+            </a:r>
+            <a:endParaRPr lang="en-US" dirty="0"/>
+          </a:p>
+        </p:txBody>
+      </p:sp>
+      <p:sp>
+        <p:nvSpPr>
+          <p:cNvPr id="7" name="Inhaltsplatzhalter 6"/>
+          <p:cNvSpPr>
+            <a:spLocks noGrp="1"/>
+          </p:cNvSpPr>
+          <p:nvPr>
+            <p:ph idx="1"/>
+          </p:nvPr>
+        </p:nvSpPr>
+        <p:spPr/>
+        <p:txBody>
+          <a:bodyPr>
+            <a:normAutofit/>
+          </a:bodyPr>
+          <a:lstStyle/>
+          <a:p>
+            <a:r>
+              <a:rPr lang="en-US" dirty="0" smtClean="0"/>
+              <a:t>Understand necessity for empirical research</a:t>
+            </a:r>
+          </a:p>
+          <a:p>
+            <a:r>
+              <a:rPr lang="de-DE" dirty="0" err="1" smtClean="0"/>
+              <a:t>Differentiate</a:t>
+            </a:r>
+            <a:r>
+              <a:rPr lang="de-DE" dirty="0" smtClean="0"/>
+              <a:t> </a:t>
+            </a:r>
+            <a:r>
+              <a:rPr lang="de-DE" dirty="0" err="1" smtClean="0"/>
+              <a:t>empirical</a:t>
+            </a:r>
+            <a:r>
+              <a:rPr lang="de-DE" dirty="0" smtClean="0"/>
+              <a:t> </a:t>
+            </a:r>
+            <a:r>
+              <a:rPr lang="de-DE" dirty="0" err="1" smtClean="0"/>
+              <a:t>methods</a:t>
+            </a:r>
+            <a:r>
+              <a:rPr lang="de-DE" dirty="0" smtClean="0"/>
+              <a:t> </a:t>
+            </a:r>
+            <a:r>
+              <a:rPr lang="de-DE" dirty="0" err="1" smtClean="0"/>
+              <a:t>from</a:t>
+            </a:r>
+            <a:r>
+              <a:rPr lang="de-DE" dirty="0" smtClean="0"/>
+              <a:t> </a:t>
+            </a:r>
+            <a:r>
+              <a:rPr lang="de-DE" dirty="0" err="1" smtClean="0"/>
+              <a:t>other</a:t>
+            </a:r>
+            <a:r>
+              <a:rPr lang="de-DE" dirty="0" smtClean="0"/>
+              <a:t> </a:t>
+            </a:r>
+            <a:r>
+              <a:rPr lang="de-DE" dirty="0" err="1" smtClean="0"/>
+              <a:t>methods</a:t>
+            </a:r>
+            <a:endParaRPr lang="de-DE" dirty="0" smtClean="0"/>
+          </a:p>
+          <a:p>
+            <a:r>
+              <a:rPr lang="de-DE" dirty="0" err="1" smtClean="0"/>
+              <a:t>Understand</a:t>
+            </a:r>
+            <a:r>
+              <a:rPr lang="de-DE" dirty="0" smtClean="0"/>
+              <a:t> </a:t>
+            </a:r>
+            <a:r>
+              <a:rPr lang="de-DE" dirty="0" err="1" smtClean="0"/>
+              <a:t>problems</a:t>
+            </a:r>
+            <a:r>
+              <a:rPr lang="de-DE" dirty="0" smtClean="0"/>
+              <a:t> </a:t>
+            </a:r>
+            <a:r>
+              <a:rPr lang="de-DE" dirty="0" err="1" smtClean="0"/>
+              <a:t>of</a:t>
+            </a:r>
+            <a:r>
+              <a:rPr lang="de-DE" dirty="0" smtClean="0"/>
+              <a:t> </a:t>
+            </a:r>
+            <a:r>
+              <a:rPr lang="de-DE" dirty="0" err="1" smtClean="0"/>
+              <a:t>empirical</a:t>
+            </a:r>
+            <a:r>
+              <a:rPr lang="de-DE" dirty="0" smtClean="0"/>
+              <a:t> </a:t>
+            </a:r>
+            <a:r>
+              <a:rPr lang="de-DE" dirty="0" err="1" smtClean="0"/>
+              <a:t>research</a:t>
+            </a:r>
+            <a:endParaRPr lang="en-US" dirty="0" smtClean="0"/>
+          </a:p>
+          <a:p>
+            <a:endParaRPr lang="en-US" dirty="0" smtClean="0"/>
+          </a:p>
+          <a:p>
+            <a:r>
+              <a:rPr lang="en-US" dirty="0" smtClean="0"/>
+              <a:t>1. Question in exam: Do we need empirical research?</a:t>
+            </a:r>
+          </a:p>
+          <a:p>
+            <a:endParaRPr lang="en-US" dirty="0"/>
+          </a:p>
+        </p:txBody>
+      </p:sp>
+      <p:sp>
+        <p:nvSpPr>
+          <p:cNvPr id="4" name="Foliennummernplatzhalter 3"/>
+          <p:cNvSpPr>
+            <a:spLocks noGrp="1"/>
+          </p:cNvSpPr>
+          <p:nvPr>
+            <p:ph type="sldNum" sz="quarter" idx="12"/>
+          </p:nvPr>
+        </p:nvSpPr>
+        <p:spPr/>
+        <p:txBody>
+          <a:bodyPr/>
+          <a:lstStyle/>
+          <a:p>
+            <a:fld id="{6C6AE60A-B69C-4790-82F7-3882EDF23186}" type="slidenum">
+              <a:rPr lang="de-DE" smtClean="0"/>
+              <a:pPr/>
+              <a:t>40</a:t>
             </a:fld>
             <a:endParaRPr lang="de-DE"/>
           </a:p>
